--- a/SolvingNimsGame.pptx
+++ b/SolvingNimsGame.pptx
@@ -4,8 +4,12 @@
   <p:sldMasterIdLst>
     <p:sldMasterId id="2147483648" r:id="rId1"/>
   </p:sldMasterIdLst>
+  <p:notesMasterIdLst>
+    <p:notesMasterId r:id="rId4"/>
+  </p:notesMasterIdLst>
   <p:sldIdLst>
     <p:sldId id="258" r:id="rId2"/>
+    <p:sldId id="259" r:id="rId3"/>
   </p:sldIdLst>
   <p:sldSz cx="12192000" cy="6858000"/>
   <p:notesSz cx="6858000" cy="9144000"/>
@@ -105,6 +109,355 @@
     </a:lvl9pPr>
   </p:defaultTextStyle>
 </p:presentation>
+</file>
+
+<file path=ppt/notesMasters/notesMaster1.xml><?xml version="1.0" encoding="utf-8"?>
+<p:notesMaster xmlns:a="http://schemas.openxmlformats.org/drawingml/2006/main" xmlns:r="http://schemas.openxmlformats.org/officeDocument/2006/relationships" xmlns:p="http://schemas.openxmlformats.org/presentationml/2006/main">
+  <p:cSld>
+    <p:bg>
+      <p:bgRef idx="1001">
+        <a:schemeClr val="bg1"/>
+      </p:bgRef>
+    </p:bg>
+    <p:spTree>
+      <p:nvGrpSpPr>
+        <p:cNvPr id="1" name=""/>
+        <p:cNvGrpSpPr/>
+        <p:nvPr/>
+      </p:nvGrpSpPr>
+      <p:grpSpPr>
+        <a:xfrm>
+          <a:off x="0" y="0"/>
+          <a:ext cx="0" cy="0"/>
+          <a:chOff x="0" y="0"/>
+          <a:chExt cx="0" cy="0"/>
+        </a:xfrm>
+      </p:grpSpPr>
+      <p:sp>
+        <p:nvSpPr>
+          <p:cNvPr id="2" name="Header Placeholder 1"/>
+          <p:cNvSpPr>
+            <a:spLocks noGrp="1"/>
+          </p:cNvSpPr>
+          <p:nvPr>
+            <p:ph type="hdr" sz="quarter"/>
+          </p:nvPr>
+        </p:nvSpPr>
+        <p:spPr>
+          <a:xfrm>
+            <a:off x="0" y="0"/>
+            <a:ext cx="2971800" cy="458788"/>
+          </a:xfrm>
+          <a:prstGeom prst="rect">
+            <a:avLst/>
+          </a:prstGeom>
+        </p:spPr>
+        <p:txBody>
+          <a:bodyPr vert="horz" lIns="91440" tIns="45720" rIns="91440" bIns="45720" rtlCol="0"/>
+          <a:lstStyle>
+            <a:lvl1pPr algn="l">
+              <a:defRPr sz="1200"/>
+            </a:lvl1pPr>
+          </a:lstStyle>
+          <a:p>
+            <a:endParaRPr lang="en-GB"/>
+          </a:p>
+        </p:txBody>
+      </p:sp>
+      <p:sp>
+        <p:nvSpPr>
+          <p:cNvPr id="3" name="Date Placeholder 2"/>
+          <p:cNvSpPr>
+            <a:spLocks noGrp="1"/>
+          </p:cNvSpPr>
+          <p:nvPr>
+            <p:ph type="dt" idx="1"/>
+          </p:nvPr>
+        </p:nvSpPr>
+        <p:spPr>
+          <a:xfrm>
+            <a:off x="3884613" y="0"/>
+            <a:ext cx="2971800" cy="458788"/>
+          </a:xfrm>
+          <a:prstGeom prst="rect">
+            <a:avLst/>
+          </a:prstGeom>
+        </p:spPr>
+        <p:txBody>
+          <a:bodyPr vert="horz" lIns="91440" tIns="45720" rIns="91440" bIns="45720" rtlCol="0"/>
+          <a:lstStyle>
+            <a:lvl1pPr algn="r">
+              <a:defRPr sz="1200"/>
+            </a:lvl1pPr>
+          </a:lstStyle>
+          <a:p>
+            <a:fld id="{62D09690-1FFB-42DB-9255-302DE4423BC8}" type="datetimeFigureOut">
+              <a:rPr lang="en-GB" smtClean="0"/>
+              <a:t>12/01/2023</a:t>
+            </a:fld>
+            <a:endParaRPr lang="en-GB"/>
+          </a:p>
+        </p:txBody>
+      </p:sp>
+      <p:sp>
+        <p:nvSpPr>
+          <p:cNvPr id="4" name="Slide Image Placeholder 3"/>
+          <p:cNvSpPr>
+            <a:spLocks noGrp="1" noRot="1" noChangeAspect="1"/>
+          </p:cNvSpPr>
+          <p:nvPr>
+            <p:ph type="sldImg" idx="2"/>
+          </p:nvPr>
+        </p:nvSpPr>
+        <p:spPr>
+          <a:xfrm>
+            <a:off x="685800" y="1143000"/>
+            <a:ext cx="5486400" cy="3086100"/>
+          </a:xfrm>
+          <a:prstGeom prst="rect">
+            <a:avLst/>
+          </a:prstGeom>
+          <a:noFill/>
+          <a:ln w="12700">
+            <a:solidFill>
+              <a:prstClr val="black"/>
+            </a:solidFill>
+          </a:ln>
+        </p:spPr>
+        <p:txBody>
+          <a:bodyPr vert="horz" lIns="91440" tIns="45720" rIns="91440" bIns="45720" rtlCol="0" anchor="ctr"/>
+          <a:lstStyle/>
+          <a:p>
+            <a:endParaRPr lang="en-GB"/>
+          </a:p>
+        </p:txBody>
+      </p:sp>
+      <p:sp>
+        <p:nvSpPr>
+          <p:cNvPr id="5" name="Notes Placeholder 4"/>
+          <p:cNvSpPr>
+            <a:spLocks noGrp="1"/>
+          </p:cNvSpPr>
+          <p:nvPr>
+            <p:ph type="body" sz="quarter" idx="3"/>
+          </p:nvPr>
+        </p:nvSpPr>
+        <p:spPr>
+          <a:xfrm>
+            <a:off x="685800" y="4400550"/>
+            <a:ext cx="5486400" cy="3600450"/>
+          </a:xfrm>
+          <a:prstGeom prst="rect">
+            <a:avLst/>
+          </a:prstGeom>
+        </p:spPr>
+        <p:txBody>
+          <a:bodyPr vert="horz" lIns="91440" tIns="45720" rIns="91440" bIns="45720" rtlCol="0"/>
+          <a:lstStyle/>
+          <a:p>
+            <a:pPr lvl="0"/>
+            <a:r>
+              <a:rPr lang="en-GB"/>
+              <a:t>Click to edit Master text styles</a:t>
+            </a:r>
+          </a:p>
+          <a:p>
+            <a:pPr lvl="1"/>
+            <a:r>
+              <a:rPr lang="en-GB"/>
+              <a:t>Second level</a:t>
+            </a:r>
+          </a:p>
+          <a:p>
+            <a:pPr lvl="2"/>
+            <a:r>
+              <a:rPr lang="en-GB"/>
+              <a:t>Third level</a:t>
+            </a:r>
+          </a:p>
+          <a:p>
+            <a:pPr lvl="3"/>
+            <a:r>
+              <a:rPr lang="en-GB"/>
+              <a:t>Fourth level</a:t>
+            </a:r>
+          </a:p>
+          <a:p>
+            <a:pPr lvl="4"/>
+            <a:r>
+              <a:rPr lang="en-GB"/>
+              <a:t>Fifth level</a:t>
+            </a:r>
+          </a:p>
+        </p:txBody>
+      </p:sp>
+      <p:sp>
+        <p:nvSpPr>
+          <p:cNvPr id="6" name="Footer Placeholder 5"/>
+          <p:cNvSpPr>
+            <a:spLocks noGrp="1"/>
+          </p:cNvSpPr>
+          <p:nvPr>
+            <p:ph type="ftr" sz="quarter" idx="4"/>
+          </p:nvPr>
+        </p:nvSpPr>
+        <p:spPr>
+          <a:xfrm>
+            <a:off x="0" y="8685213"/>
+            <a:ext cx="2971800" cy="458787"/>
+          </a:xfrm>
+          <a:prstGeom prst="rect">
+            <a:avLst/>
+          </a:prstGeom>
+        </p:spPr>
+        <p:txBody>
+          <a:bodyPr vert="horz" lIns="91440" tIns="45720" rIns="91440" bIns="45720" rtlCol="0" anchor="b"/>
+          <a:lstStyle>
+            <a:lvl1pPr algn="l">
+              <a:defRPr sz="1200"/>
+            </a:lvl1pPr>
+          </a:lstStyle>
+          <a:p>
+            <a:endParaRPr lang="en-GB"/>
+          </a:p>
+        </p:txBody>
+      </p:sp>
+      <p:sp>
+        <p:nvSpPr>
+          <p:cNvPr id="7" name="Slide Number Placeholder 6"/>
+          <p:cNvSpPr>
+            <a:spLocks noGrp="1"/>
+          </p:cNvSpPr>
+          <p:nvPr>
+            <p:ph type="sldNum" sz="quarter" idx="5"/>
+          </p:nvPr>
+        </p:nvSpPr>
+        <p:spPr>
+          <a:xfrm>
+            <a:off x="3884613" y="8685213"/>
+            <a:ext cx="2971800" cy="458787"/>
+          </a:xfrm>
+          <a:prstGeom prst="rect">
+            <a:avLst/>
+          </a:prstGeom>
+        </p:spPr>
+        <p:txBody>
+          <a:bodyPr vert="horz" lIns="91440" tIns="45720" rIns="91440" bIns="45720" rtlCol="0" anchor="b"/>
+          <a:lstStyle>
+            <a:lvl1pPr algn="r">
+              <a:defRPr sz="1200"/>
+            </a:lvl1pPr>
+          </a:lstStyle>
+          <a:p>
+            <a:fld id="{B3388FBB-98E4-4C62-99AB-E6602312ADC3}" type="slidenum">
+              <a:rPr lang="en-GB" smtClean="0"/>
+              <a:t>‹#›</a:t>
+            </a:fld>
+            <a:endParaRPr lang="en-GB"/>
+          </a:p>
+        </p:txBody>
+      </p:sp>
+    </p:spTree>
+    <p:extLst>
+      <p:ext uri="{BB962C8B-B14F-4D97-AF65-F5344CB8AC3E}">
+        <p14:creationId xmlns:p14="http://schemas.microsoft.com/office/powerpoint/2010/main" val="3970811161"/>
+      </p:ext>
+    </p:extLst>
+  </p:cSld>
+  <p:clrMap bg1="lt1" tx1="dk1" bg2="lt2" tx2="dk2" accent1="accent1" accent2="accent2" accent3="accent3" accent4="accent4" accent5="accent5" accent6="accent6" hlink="hlink" folHlink="folHlink"/>
+  <p:notesStyle>
+    <a:lvl1pPr marL="0" algn="l" defTabSz="914400" rtl="0" eaLnBrk="1" latinLnBrk="0" hangingPunct="1">
+      <a:defRPr sz="1200" kern="1200">
+        <a:solidFill>
+          <a:schemeClr val="tx1"/>
+        </a:solidFill>
+        <a:latin typeface="+mn-lt"/>
+        <a:ea typeface="+mn-ea"/>
+        <a:cs typeface="+mn-cs"/>
+      </a:defRPr>
+    </a:lvl1pPr>
+    <a:lvl2pPr marL="457200" algn="l" defTabSz="914400" rtl="0" eaLnBrk="1" latinLnBrk="0" hangingPunct="1">
+      <a:defRPr sz="1200" kern="1200">
+        <a:solidFill>
+          <a:schemeClr val="tx1"/>
+        </a:solidFill>
+        <a:latin typeface="+mn-lt"/>
+        <a:ea typeface="+mn-ea"/>
+        <a:cs typeface="+mn-cs"/>
+      </a:defRPr>
+    </a:lvl2pPr>
+    <a:lvl3pPr marL="914400" algn="l" defTabSz="914400" rtl="0" eaLnBrk="1" latinLnBrk="0" hangingPunct="1">
+      <a:defRPr sz="1200" kern="1200">
+        <a:solidFill>
+          <a:schemeClr val="tx1"/>
+        </a:solidFill>
+        <a:latin typeface="+mn-lt"/>
+        <a:ea typeface="+mn-ea"/>
+        <a:cs typeface="+mn-cs"/>
+      </a:defRPr>
+    </a:lvl3pPr>
+    <a:lvl4pPr marL="1371600" algn="l" defTabSz="914400" rtl="0" eaLnBrk="1" latinLnBrk="0" hangingPunct="1">
+      <a:defRPr sz="1200" kern="1200">
+        <a:solidFill>
+          <a:schemeClr val="tx1"/>
+        </a:solidFill>
+        <a:latin typeface="+mn-lt"/>
+        <a:ea typeface="+mn-ea"/>
+        <a:cs typeface="+mn-cs"/>
+      </a:defRPr>
+    </a:lvl4pPr>
+    <a:lvl5pPr marL="1828800" algn="l" defTabSz="914400" rtl="0" eaLnBrk="1" latinLnBrk="0" hangingPunct="1">
+      <a:defRPr sz="1200" kern="1200">
+        <a:solidFill>
+          <a:schemeClr val="tx1"/>
+        </a:solidFill>
+        <a:latin typeface="+mn-lt"/>
+        <a:ea typeface="+mn-ea"/>
+        <a:cs typeface="+mn-cs"/>
+      </a:defRPr>
+    </a:lvl5pPr>
+    <a:lvl6pPr marL="2286000" algn="l" defTabSz="914400" rtl="0" eaLnBrk="1" latinLnBrk="0" hangingPunct="1">
+      <a:defRPr sz="1200" kern="1200">
+        <a:solidFill>
+          <a:schemeClr val="tx1"/>
+        </a:solidFill>
+        <a:latin typeface="+mn-lt"/>
+        <a:ea typeface="+mn-ea"/>
+        <a:cs typeface="+mn-cs"/>
+      </a:defRPr>
+    </a:lvl6pPr>
+    <a:lvl7pPr marL="2743200" algn="l" defTabSz="914400" rtl="0" eaLnBrk="1" latinLnBrk="0" hangingPunct="1">
+      <a:defRPr sz="1200" kern="1200">
+        <a:solidFill>
+          <a:schemeClr val="tx1"/>
+        </a:solidFill>
+        <a:latin typeface="+mn-lt"/>
+        <a:ea typeface="+mn-ea"/>
+        <a:cs typeface="+mn-cs"/>
+      </a:defRPr>
+    </a:lvl7pPr>
+    <a:lvl8pPr marL="3200400" algn="l" defTabSz="914400" rtl="0" eaLnBrk="1" latinLnBrk="0" hangingPunct="1">
+      <a:defRPr sz="1200" kern="1200">
+        <a:solidFill>
+          <a:schemeClr val="tx1"/>
+        </a:solidFill>
+        <a:latin typeface="+mn-lt"/>
+        <a:ea typeface="+mn-ea"/>
+        <a:cs typeface="+mn-cs"/>
+      </a:defRPr>
+    </a:lvl8pPr>
+    <a:lvl9pPr marL="3657600" algn="l" defTabSz="914400" rtl="0" eaLnBrk="1" latinLnBrk="0" hangingPunct="1">
+      <a:defRPr sz="1200" kern="1200">
+        <a:solidFill>
+          <a:schemeClr val="tx1"/>
+        </a:solidFill>
+        <a:latin typeface="+mn-lt"/>
+        <a:ea typeface="+mn-ea"/>
+        <a:cs typeface="+mn-cs"/>
+      </a:defRPr>
+    </a:lvl9pPr>
+  </p:notesStyle>
+</p:notesMaster>
 </file>
 
 <file path=ppt/slideLayouts/slideLayout1.xml><?xml version="1.0" encoding="utf-8"?>
@@ -3659,6 +4012,347 @@
 </p:sld>
 </file>
 
+<file path=ppt/slides/slide2.xml><?xml version="1.0" encoding="utf-8"?>
+<p:sld xmlns:a="http://schemas.openxmlformats.org/drawingml/2006/main" xmlns:r="http://schemas.openxmlformats.org/officeDocument/2006/relationships" xmlns:p="http://schemas.openxmlformats.org/presentationml/2006/main">
+  <p:cSld>
+    <p:bg>
+      <p:bgPr>
+        <a:solidFill>
+          <a:schemeClr val="bg1"/>
+        </a:solidFill>
+        <a:effectLst/>
+      </p:bgPr>
+    </p:bg>
+    <p:spTree>
+      <p:nvGrpSpPr>
+        <p:cNvPr id="1" name=""/>
+        <p:cNvGrpSpPr/>
+        <p:nvPr/>
+      </p:nvGrpSpPr>
+      <p:grpSpPr>
+        <a:xfrm>
+          <a:off x="0" y="0"/>
+          <a:ext cx="0" cy="0"/>
+          <a:chOff x="0" y="0"/>
+          <a:chExt cx="0" cy="0"/>
+        </a:xfrm>
+      </p:grpSpPr>
+      <p:pic>
+        <p:nvPicPr>
+          <p:cNvPr id="4" name="Image 9" descr="Une image contenant regardant, jeune, oiseau, debout&#10;&#10;Description générée automatiquement">
+            <a:extLst>
+              <a:ext uri="{FF2B5EF4-FFF2-40B4-BE49-F238E27FC236}">
+                <a16:creationId xmlns:a16="http://schemas.microsoft.com/office/drawing/2014/main" id="{0DAA81E7-7A28-6FB7-BAAA-C0E1F175DA4A}"/>
+              </a:ext>
+            </a:extLst>
+          </p:cNvPr>
+          <p:cNvPicPr>
+            <a:picLocks noChangeAspect="1"/>
+          </p:cNvPicPr>
+          <p:nvPr/>
+        </p:nvPicPr>
+        <p:blipFill rotWithShape="1">
+          <a:blip r:embed="rId2">
+            <a:extLst>
+              <a:ext uri="{28A0092B-C50C-407E-A947-70E740481C1C}">
+                <a14:useLocalDpi xmlns:a14="http://schemas.microsoft.com/office/drawing/2010/main" val="0"/>
+              </a:ext>
+            </a:extLst>
+          </a:blip>
+          <a:srcRect l="3144" r="7967"/>
+          <a:stretch/>
+        </p:blipFill>
+        <p:spPr>
+          <a:xfrm>
+            <a:off x="20" y="10"/>
+            <a:ext cx="12191980" cy="6857990"/>
+          </a:xfrm>
+          <a:prstGeom prst="rect">
+            <a:avLst/>
+          </a:prstGeom>
+        </p:spPr>
+      </p:pic>
+      <p:sp>
+        <p:nvSpPr>
+          <p:cNvPr id="9" name="Freeform 5">
+            <a:extLst>
+              <a:ext uri="{FF2B5EF4-FFF2-40B4-BE49-F238E27FC236}">
+                <a16:creationId xmlns:a16="http://schemas.microsoft.com/office/drawing/2014/main" id="{87CC2527-562A-4F69-B487-4371E5B243E7}"/>
+              </a:ext>
+              <a:ext uri="{C183D7F6-B498-43B3-948B-1728B52AA6E4}">
+                <adec:decorative xmlns:adec="http://schemas.microsoft.com/office/drawing/2017/decorative" val="1"/>
+              </a:ext>
+            </a:extLst>
+          </p:cNvPr>
+          <p:cNvSpPr>
+            <a:spLocks noGrp="1" noRot="1" noChangeAspect="1" noMove="1" noResize="1" noEditPoints="1" noAdjustHandles="1" noChangeArrowheads="1" noChangeShapeType="1" noTextEdit="1"/>
+          </p:cNvSpPr>
+          <p:nvPr>
+            <p:extLst>
+              <p:ext uri="{386F3935-93C4-4BCD-93E2-E3B085C9AB24}">
+                <p16:designElem xmlns:p16="http://schemas.microsoft.com/office/powerpoint/2015/main" val="1"/>
+              </p:ext>
+            </p:extLst>
+          </p:nvPr>
+        </p:nvSpPr>
+        <p:spPr bwMode="grayWhite">
+          <a:xfrm>
+            <a:off x="7488621" y="2277613"/>
+            <a:ext cx="4703379" cy="4580387"/>
+          </a:xfrm>
+          <a:custGeom>
+            <a:avLst/>
+            <a:gdLst>
+              <a:gd name="T0" fmla="*/ 1333 w 1333"/>
+              <a:gd name="T1" fmla="*/ 1031 h 1298"/>
+              <a:gd name="T2" fmla="*/ 1333 w 1333"/>
+              <a:gd name="T3" fmla="*/ 380 h 1298"/>
+              <a:gd name="T4" fmla="*/ 706 w 1333"/>
+              <a:gd name="T5" fmla="*/ 0 h 1298"/>
+              <a:gd name="T6" fmla="*/ 0 w 1333"/>
+              <a:gd name="T7" fmla="*/ 706 h 1298"/>
+              <a:gd name="T8" fmla="*/ 323 w 1333"/>
+              <a:gd name="T9" fmla="*/ 1298 h 1298"/>
+              <a:gd name="T10" fmla="*/ 1090 w 1333"/>
+              <a:gd name="T11" fmla="*/ 1298 h 1298"/>
+              <a:gd name="T12" fmla="*/ 1333 w 1333"/>
+              <a:gd name="T13" fmla="*/ 1031 h 1298"/>
+            </a:gdLst>
+            <a:ahLst/>
+            <a:cxnLst>
+              <a:cxn ang="0">
+                <a:pos x="T0" y="T1"/>
+              </a:cxn>
+              <a:cxn ang="0">
+                <a:pos x="T2" y="T3"/>
+              </a:cxn>
+              <a:cxn ang="0">
+                <a:pos x="T4" y="T5"/>
+              </a:cxn>
+              <a:cxn ang="0">
+                <a:pos x="T6" y="T7"/>
+              </a:cxn>
+              <a:cxn ang="0">
+                <a:pos x="T8" y="T9"/>
+              </a:cxn>
+              <a:cxn ang="0">
+                <a:pos x="T10" y="T11"/>
+              </a:cxn>
+              <a:cxn ang="0">
+                <a:pos x="T12" y="T13"/>
+              </a:cxn>
+            </a:cxnLst>
+            <a:rect l="0" t="0" r="r" b="b"/>
+            <a:pathLst>
+              <a:path w="1333" h="1298">
+                <a:moveTo>
+                  <a:pt x="1333" y="1031"/>
+                </a:moveTo>
+                <a:cubicBezTo>
+                  <a:pt x="1333" y="380"/>
+                  <a:pt x="1333" y="380"/>
+                  <a:pt x="1333" y="380"/>
+                </a:cubicBezTo>
+                <a:cubicBezTo>
+                  <a:pt x="1215" y="154"/>
+                  <a:pt x="979" y="0"/>
+                  <a:pt x="706" y="0"/>
+                </a:cubicBezTo>
+                <a:cubicBezTo>
+                  <a:pt x="317" y="0"/>
+                  <a:pt x="0" y="316"/>
+                  <a:pt x="0" y="706"/>
+                </a:cubicBezTo>
+                <a:cubicBezTo>
+                  <a:pt x="0" y="954"/>
+                  <a:pt x="129" y="1172"/>
+                  <a:pt x="323" y="1298"/>
+                </a:cubicBezTo>
+                <a:cubicBezTo>
+                  <a:pt x="1090" y="1298"/>
+                  <a:pt x="1090" y="1298"/>
+                  <a:pt x="1090" y="1298"/>
+                </a:cubicBezTo>
+                <a:cubicBezTo>
+                  <a:pt x="1193" y="1232"/>
+                  <a:pt x="1276" y="1140"/>
+                  <a:pt x="1333" y="1031"/>
+                </a:cubicBezTo>
+                <a:close/>
+              </a:path>
+            </a:pathLst>
+          </a:custGeom>
+          <a:solidFill>
+            <a:schemeClr val="bg1">
+              <a:alpha val="70000"/>
+            </a:schemeClr>
+          </a:solidFill>
+          <a:ln w="50800" cap="sq" cmpd="dbl">
+            <a:noFill/>
+            <a:miter lim="800000"/>
+          </a:ln>
+          <a:effectLst/>
+        </p:spPr>
+        <p:txBody>
+          <a:bodyPr vert="horz" lIns="91440" tIns="45720" rIns="91440" bIns="45720" rtlCol="0" anchor="t">
+            <a:normAutofit/>
+          </a:bodyPr>
+          <a:lstStyle/>
+          <a:p>
+            <a:pPr algn="ctr">
+              <a:spcAft>
+                <a:spcPts val="1000"/>
+              </a:spcAft>
+              <a:buClr>
+                <a:schemeClr val="tx1"/>
+              </a:buClr>
+              <a:buSzPct val="100000"/>
+              <a:buFont typeface="Arial"/>
+              <a:buNone/>
+            </a:pPr>
+            <a:endParaRPr lang="en-US" sz="1600" cap="all"/>
+          </a:p>
+        </p:txBody>
+      </p:sp>
+      <p:sp>
+        <p:nvSpPr>
+          <p:cNvPr id="2" name="Title 1">
+            <a:extLst>
+              <a:ext uri="{FF2B5EF4-FFF2-40B4-BE49-F238E27FC236}">
+                <a16:creationId xmlns:a16="http://schemas.microsoft.com/office/drawing/2014/main" id="{13A5E9D9-0AE6-A7D1-95A1-81F661E466EF}"/>
+              </a:ext>
+            </a:extLst>
+          </p:cNvPr>
+          <p:cNvSpPr>
+            <a:spLocks noGrp="1"/>
+          </p:cNvSpPr>
+          <p:nvPr>
+            <p:ph type="ctrTitle"/>
+          </p:nvPr>
+        </p:nvSpPr>
+        <p:spPr>
+          <a:xfrm>
+            <a:off x="8022021" y="3231931"/>
+            <a:ext cx="3852041" cy="1834056"/>
+          </a:xfrm>
+        </p:spPr>
+        <p:txBody>
+          <a:bodyPr>
+            <a:normAutofit/>
+          </a:bodyPr>
+          <a:lstStyle/>
+          <a:p>
+            <a:r>
+              <a:rPr lang="en-US" sz="4000" dirty="0"/>
+              <a:t>Basic Genetics</a:t>
+            </a:r>
+          </a:p>
+        </p:txBody>
+      </p:sp>
+      <p:sp>
+        <p:nvSpPr>
+          <p:cNvPr id="3" name="Subtitle 2">
+            <a:extLst>
+              <a:ext uri="{FF2B5EF4-FFF2-40B4-BE49-F238E27FC236}">
+                <a16:creationId xmlns:a16="http://schemas.microsoft.com/office/drawing/2014/main" id="{3099D270-7BD4-EA7B-E287-C6682464C6A0}"/>
+              </a:ext>
+            </a:extLst>
+          </p:cNvPr>
+          <p:cNvSpPr>
+            <a:spLocks noGrp="1"/>
+          </p:cNvSpPr>
+          <p:nvPr>
+            <p:ph type="subTitle" idx="1"/>
+          </p:nvPr>
+        </p:nvSpPr>
+        <p:spPr>
+          <a:xfrm>
+            <a:off x="7782910" y="5242675"/>
+            <a:ext cx="4330262" cy="683284"/>
+          </a:xfrm>
+        </p:spPr>
+        <p:txBody>
+          <a:bodyPr>
+            <a:normAutofit/>
+          </a:bodyPr>
+          <a:lstStyle/>
+          <a:p>
+            <a:r>
+              <a:rPr lang="en-GB" sz="2000" dirty="0"/>
+              <a:t>Introduction to basic rules of genetics</a:t>
+            </a:r>
+          </a:p>
+        </p:txBody>
+      </p:sp>
+      <p:cxnSp>
+        <p:nvCxnSpPr>
+          <p:cNvPr id="11" name="Straight Connector 10">
+            <a:extLst>
+              <a:ext uri="{FF2B5EF4-FFF2-40B4-BE49-F238E27FC236}">
+                <a16:creationId xmlns:a16="http://schemas.microsoft.com/office/drawing/2014/main" id="{BCDAEC91-5BCE-4B55-9CC0-43EF94CB734B}"/>
+              </a:ext>
+              <a:ext uri="{C183D7F6-B498-43B3-948B-1728B52AA6E4}">
+                <adec:decorative xmlns:adec="http://schemas.microsoft.com/office/drawing/2017/decorative" val="1"/>
+              </a:ext>
+            </a:extLst>
+          </p:cNvPr>
+          <p:cNvCxnSpPr>
+            <a:cxnSpLocks noGrp="1" noRot="1" noChangeAspect="1" noMove="1" noResize="1" noEditPoints="1" noAdjustHandles="1" noChangeArrowheads="1" noChangeShapeType="1"/>
+          </p:cNvCxnSpPr>
+          <p:nvPr>
+            <p:extLst>
+              <p:ext uri="{386F3935-93C4-4BCD-93E2-E3B085C9AB24}">
+                <p16:designElem xmlns:p16="http://schemas.microsoft.com/office/powerpoint/2015/main" val="1"/>
+              </p:ext>
+            </p:extLst>
+          </p:nvPr>
+        </p:nvCxnSpPr>
+        <p:spPr>
+          <a:xfrm>
+            <a:off x="9480331" y="5123793"/>
+            <a:ext cx="935420" cy="0"/>
+          </a:xfrm>
+          <a:prstGeom prst="line">
+            <a:avLst/>
+          </a:prstGeom>
+          <a:ln w="25400" cap="sq">
+            <a:solidFill>
+              <a:schemeClr val="tx1">
+                <a:lumMod val="85000"/>
+                <a:lumOff val="15000"/>
+              </a:schemeClr>
+            </a:solidFill>
+            <a:bevel/>
+          </a:ln>
+        </p:spPr>
+        <p:style>
+          <a:lnRef idx="1">
+            <a:schemeClr val="accent1"/>
+          </a:lnRef>
+          <a:fillRef idx="0">
+            <a:schemeClr val="accent1"/>
+          </a:fillRef>
+          <a:effectRef idx="0">
+            <a:schemeClr val="accent1"/>
+          </a:effectRef>
+          <a:fontRef idx="minor">
+            <a:schemeClr val="tx1"/>
+          </a:fontRef>
+        </p:style>
+      </p:cxnSp>
+    </p:spTree>
+    <p:extLst>
+      <p:ext uri="{BB962C8B-B14F-4D97-AF65-F5344CB8AC3E}">
+        <p14:creationId xmlns:p14="http://schemas.microsoft.com/office/powerpoint/2010/main" val="539649064"/>
+      </p:ext>
+    </p:extLst>
+  </p:cSld>
+  <p:clrMapOvr>
+    <a:masterClrMapping/>
+  </p:clrMapOvr>
+</p:sld>
+</file>
+
 <file path=ppt/theme/theme1.xml><?xml version="1.0" encoding="utf-8"?>
 <a:theme xmlns:a="http://schemas.openxmlformats.org/drawingml/2006/main" name="Office Theme">
   <a:themeElements>
@@ -3952,4 +4646,299 @@
     </a:ext>
   </a:extLst>
 </a:theme>
+</file>
+
+<file path=ppt/theme/theme2.xml><?xml version="1.0" encoding="utf-8"?>
+<a:theme xmlns:a="http://schemas.openxmlformats.org/drawingml/2006/main" name="Office Theme">
+  <a:themeElements>
+    <a:clrScheme name="Office">
+      <a:dk1>
+        <a:sysClr val="windowText" lastClr="000000"/>
+      </a:dk1>
+      <a:lt1>
+        <a:sysClr val="window" lastClr="FFFFFF"/>
+      </a:lt1>
+      <a:dk2>
+        <a:srgbClr val="44546A"/>
+      </a:dk2>
+      <a:lt2>
+        <a:srgbClr val="E7E6E6"/>
+      </a:lt2>
+      <a:accent1>
+        <a:srgbClr val="4472C4"/>
+      </a:accent1>
+      <a:accent2>
+        <a:srgbClr val="ED7D31"/>
+      </a:accent2>
+      <a:accent3>
+        <a:srgbClr val="A5A5A5"/>
+      </a:accent3>
+      <a:accent4>
+        <a:srgbClr val="FFC000"/>
+      </a:accent4>
+      <a:accent5>
+        <a:srgbClr val="5B9BD5"/>
+      </a:accent5>
+      <a:accent6>
+        <a:srgbClr val="70AD47"/>
+      </a:accent6>
+      <a:hlink>
+        <a:srgbClr val="0563C1"/>
+      </a:hlink>
+      <a:folHlink>
+        <a:srgbClr val="954F72"/>
+      </a:folHlink>
+    </a:clrScheme>
+    <a:fontScheme name="Office">
+      <a:majorFont>
+        <a:latin typeface="Calibri Light" panose="020F0302020204030204"/>
+        <a:ea typeface=""/>
+        <a:cs typeface=""/>
+        <a:font script="Jpan" typeface="游ゴシック Light"/>
+        <a:font script="Hang" typeface="맑은 고딕"/>
+        <a:font script="Hans" typeface="等线 Light"/>
+        <a:font script="Hant" typeface="新細明體"/>
+        <a:font script="Arab" typeface="Times New Roman"/>
+        <a:font script="Hebr" typeface="Times New Roman"/>
+        <a:font script="Thai" typeface="Angsana New"/>
+        <a:font script="Ethi" typeface="Nyala"/>
+        <a:font script="Beng" typeface="Vrinda"/>
+        <a:font script="Gujr" typeface="Shruti"/>
+        <a:font script="Khmr" typeface="MoolBoran"/>
+        <a:font script="Knda" typeface="Tunga"/>
+        <a:font script="Guru" typeface="Raavi"/>
+        <a:font script="Cans" typeface="Euphemia"/>
+        <a:font script="Cher" typeface="Plantagenet Cherokee"/>
+        <a:font script="Yiii" typeface="Microsoft Yi Baiti"/>
+        <a:font script="Tibt" typeface="Microsoft Himalaya"/>
+        <a:font script="Thaa" typeface="MV Boli"/>
+        <a:font script="Deva" typeface="Mangal"/>
+        <a:font script="Telu" typeface="Gautami"/>
+        <a:font script="Taml" typeface="Latha"/>
+        <a:font script="Syrc" typeface="Estrangelo Edessa"/>
+        <a:font script="Orya" typeface="Kalinga"/>
+        <a:font script="Mlym" typeface="Kartika"/>
+        <a:font script="Laoo" typeface="DokChampa"/>
+        <a:font script="Sinh" typeface="Iskoola Pota"/>
+        <a:font script="Mong" typeface="Mongolian Baiti"/>
+        <a:font script="Viet" typeface="Times New Roman"/>
+        <a:font script="Uigh" typeface="Microsoft Uighur"/>
+        <a:font script="Geor" typeface="Sylfaen"/>
+        <a:font script="Armn" typeface="Arial"/>
+        <a:font script="Bugi" typeface="Leelawadee UI"/>
+        <a:font script="Bopo" typeface="Microsoft JhengHei"/>
+        <a:font script="Java" typeface="Javanese Text"/>
+        <a:font script="Lisu" typeface="Segoe UI"/>
+        <a:font script="Mymr" typeface="Myanmar Text"/>
+        <a:font script="Nkoo" typeface="Ebrima"/>
+        <a:font script="Olck" typeface="Nirmala UI"/>
+        <a:font script="Osma" typeface="Ebrima"/>
+        <a:font script="Phag" typeface="Phagspa"/>
+        <a:font script="Syrn" typeface="Estrangelo Edessa"/>
+        <a:font script="Syrj" typeface="Estrangelo Edessa"/>
+        <a:font script="Syre" typeface="Estrangelo Edessa"/>
+        <a:font script="Sora" typeface="Nirmala UI"/>
+        <a:font script="Tale" typeface="Microsoft Tai Le"/>
+        <a:font script="Talu" typeface="Microsoft New Tai Lue"/>
+        <a:font script="Tfng" typeface="Ebrima"/>
+      </a:majorFont>
+      <a:minorFont>
+        <a:latin typeface="Calibri" panose="020F0502020204030204"/>
+        <a:ea typeface=""/>
+        <a:cs typeface=""/>
+        <a:font script="Jpan" typeface="游ゴシック"/>
+        <a:font script="Hang" typeface="맑은 고딕"/>
+        <a:font script="Hans" typeface="等线"/>
+        <a:font script="Hant" typeface="新細明體"/>
+        <a:font script="Arab" typeface="Arial"/>
+        <a:font script="Hebr" typeface="Arial"/>
+        <a:font script="Thai" typeface="Cordia New"/>
+        <a:font script="Ethi" typeface="Nyala"/>
+        <a:font script="Beng" typeface="Vrinda"/>
+        <a:font script="Gujr" typeface="Shruti"/>
+        <a:font script="Khmr" typeface="DaunPenh"/>
+        <a:font script="Knda" typeface="Tunga"/>
+        <a:font script="Guru" typeface="Raavi"/>
+        <a:font script="Cans" typeface="Euphemia"/>
+        <a:font script="Cher" typeface="Plantagenet Cherokee"/>
+        <a:font script="Yiii" typeface="Microsoft Yi Baiti"/>
+        <a:font script="Tibt" typeface="Microsoft Himalaya"/>
+        <a:font script="Thaa" typeface="MV Boli"/>
+        <a:font script="Deva" typeface="Mangal"/>
+        <a:font script="Telu" typeface="Gautami"/>
+        <a:font script="Taml" typeface="Latha"/>
+        <a:font script="Syrc" typeface="Estrangelo Edessa"/>
+        <a:font script="Orya" typeface="Kalinga"/>
+        <a:font script="Mlym" typeface="Kartika"/>
+        <a:font script="Laoo" typeface="DokChampa"/>
+        <a:font script="Sinh" typeface="Iskoola Pota"/>
+        <a:font script="Mong" typeface="Mongolian Baiti"/>
+        <a:font script="Viet" typeface="Arial"/>
+        <a:font script="Uigh" typeface="Microsoft Uighur"/>
+        <a:font script="Geor" typeface="Sylfaen"/>
+        <a:font script="Armn" typeface="Arial"/>
+        <a:font script="Bugi" typeface="Leelawadee UI"/>
+        <a:font script="Bopo" typeface="Microsoft JhengHei"/>
+        <a:font script="Java" typeface="Javanese Text"/>
+        <a:font script="Lisu" typeface="Segoe UI"/>
+        <a:font script="Mymr" typeface="Myanmar Text"/>
+        <a:font script="Nkoo" typeface="Ebrima"/>
+        <a:font script="Olck" typeface="Nirmala UI"/>
+        <a:font script="Osma" typeface="Ebrima"/>
+        <a:font script="Phag" typeface="Phagspa"/>
+        <a:font script="Syrn" typeface="Estrangelo Edessa"/>
+        <a:font script="Syrj" typeface="Estrangelo Edessa"/>
+        <a:font script="Syre" typeface="Estrangelo Edessa"/>
+        <a:font script="Sora" typeface="Nirmala UI"/>
+        <a:font script="Tale" typeface="Microsoft Tai Le"/>
+        <a:font script="Talu" typeface="Microsoft New Tai Lue"/>
+        <a:font script="Tfng" typeface="Ebrima"/>
+      </a:minorFont>
+    </a:fontScheme>
+    <a:fmtScheme name="Office">
+      <a:fillStyleLst>
+        <a:solidFill>
+          <a:schemeClr val="phClr"/>
+        </a:solidFill>
+        <a:gradFill rotWithShape="1">
+          <a:gsLst>
+            <a:gs pos="0">
+              <a:schemeClr val="phClr">
+                <a:lumMod val="110000"/>
+                <a:satMod val="105000"/>
+                <a:tint val="67000"/>
+              </a:schemeClr>
+            </a:gs>
+            <a:gs pos="50000">
+              <a:schemeClr val="phClr">
+                <a:lumMod val="105000"/>
+                <a:satMod val="103000"/>
+                <a:tint val="73000"/>
+              </a:schemeClr>
+            </a:gs>
+            <a:gs pos="100000">
+              <a:schemeClr val="phClr">
+                <a:lumMod val="105000"/>
+                <a:satMod val="109000"/>
+                <a:tint val="81000"/>
+              </a:schemeClr>
+            </a:gs>
+          </a:gsLst>
+          <a:lin ang="5400000" scaled="0"/>
+        </a:gradFill>
+        <a:gradFill rotWithShape="1">
+          <a:gsLst>
+            <a:gs pos="0">
+              <a:schemeClr val="phClr">
+                <a:satMod val="103000"/>
+                <a:lumMod val="102000"/>
+                <a:tint val="94000"/>
+              </a:schemeClr>
+            </a:gs>
+            <a:gs pos="50000">
+              <a:schemeClr val="phClr">
+                <a:satMod val="110000"/>
+                <a:lumMod val="100000"/>
+                <a:shade val="100000"/>
+              </a:schemeClr>
+            </a:gs>
+            <a:gs pos="100000">
+              <a:schemeClr val="phClr">
+                <a:lumMod val="99000"/>
+                <a:satMod val="120000"/>
+                <a:shade val="78000"/>
+              </a:schemeClr>
+            </a:gs>
+          </a:gsLst>
+          <a:lin ang="5400000" scaled="0"/>
+        </a:gradFill>
+      </a:fillStyleLst>
+      <a:lnStyleLst>
+        <a:ln w="6350" cap="flat" cmpd="sng" algn="ctr">
+          <a:solidFill>
+            <a:schemeClr val="phClr"/>
+          </a:solidFill>
+          <a:prstDash val="solid"/>
+          <a:miter lim="800000"/>
+        </a:ln>
+        <a:ln w="12700" cap="flat" cmpd="sng" algn="ctr">
+          <a:solidFill>
+            <a:schemeClr val="phClr"/>
+          </a:solidFill>
+          <a:prstDash val="solid"/>
+          <a:miter lim="800000"/>
+        </a:ln>
+        <a:ln w="19050" cap="flat" cmpd="sng" algn="ctr">
+          <a:solidFill>
+            <a:schemeClr val="phClr"/>
+          </a:solidFill>
+          <a:prstDash val="solid"/>
+          <a:miter lim="800000"/>
+        </a:ln>
+      </a:lnStyleLst>
+      <a:effectStyleLst>
+        <a:effectStyle>
+          <a:effectLst/>
+        </a:effectStyle>
+        <a:effectStyle>
+          <a:effectLst/>
+        </a:effectStyle>
+        <a:effectStyle>
+          <a:effectLst>
+            <a:outerShdw blurRad="57150" dist="19050" dir="5400000" algn="ctr" rotWithShape="0">
+              <a:srgbClr val="000000">
+                <a:alpha val="63000"/>
+              </a:srgbClr>
+            </a:outerShdw>
+          </a:effectLst>
+        </a:effectStyle>
+      </a:effectStyleLst>
+      <a:bgFillStyleLst>
+        <a:solidFill>
+          <a:schemeClr val="phClr"/>
+        </a:solidFill>
+        <a:solidFill>
+          <a:schemeClr val="phClr">
+            <a:tint val="95000"/>
+            <a:satMod val="170000"/>
+          </a:schemeClr>
+        </a:solidFill>
+        <a:gradFill rotWithShape="1">
+          <a:gsLst>
+            <a:gs pos="0">
+              <a:schemeClr val="phClr">
+                <a:tint val="93000"/>
+                <a:satMod val="150000"/>
+                <a:shade val="98000"/>
+                <a:lumMod val="102000"/>
+              </a:schemeClr>
+            </a:gs>
+            <a:gs pos="50000">
+              <a:schemeClr val="phClr">
+                <a:tint val="98000"/>
+                <a:satMod val="130000"/>
+                <a:shade val="90000"/>
+                <a:lumMod val="103000"/>
+              </a:schemeClr>
+            </a:gs>
+            <a:gs pos="100000">
+              <a:schemeClr val="phClr">
+                <a:shade val="63000"/>
+                <a:satMod val="120000"/>
+              </a:schemeClr>
+            </a:gs>
+          </a:gsLst>
+          <a:lin ang="5400000" scaled="0"/>
+        </a:gradFill>
+      </a:bgFillStyleLst>
+    </a:fmtScheme>
+  </a:themeElements>
+  <a:objectDefaults/>
+  <a:extraClrSchemeLst/>
+  <a:extLst>
+    <a:ext uri="{05A4C25C-085E-4340-85A3-A5531E510DB2}">
+      <thm15:themeFamily xmlns:thm15="http://schemas.microsoft.com/office/thememl/2012/main" name="Office Theme" id="{62F939B6-93AF-4DB8-9C6B-D6C7DFDC589F}" vid="{4A3C46E8-61CC-4603-A589-7422A47A8E4A}"/>
+    </a:ext>
+  </a:extLst>
+</a:theme>
 </file>
--- a/SolvingNimsGame.pptx
+++ b/SolvingNimsGame.pptx
@@ -5,11 +5,13 @@
     <p:sldMasterId id="2147483648" r:id="rId1"/>
   </p:sldMasterIdLst>
   <p:notesMasterIdLst>
-    <p:notesMasterId r:id="rId4"/>
+    <p:notesMasterId r:id="rId6"/>
   </p:notesMasterIdLst>
   <p:sldIdLst>
     <p:sldId id="258" r:id="rId2"/>
     <p:sldId id="259" r:id="rId3"/>
+    <p:sldId id="260" r:id="rId4"/>
+    <p:sldId id="261" r:id="rId5"/>
   </p:sldIdLst>
   <p:sldSz cx="12192000" cy="6858000"/>
   <p:notesSz cx="6858000" cy="9144000"/>
@@ -458,6 +460,180 @@
     </a:lvl9pPr>
   </p:notesStyle>
 </p:notesMaster>
+</file>
+
+<file path=ppt/notesSlides/notesSlide1.xml><?xml version="1.0" encoding="utf-8"?>
+<p:notes xmlns:a="http://schemas.openxmlformats.org/drawingml/2006/main" xmlns:r="http://schemas.openxmlformats.org/officeDocument/2006/relationships" xmlns:p="http://schemas.openxmlformats.org/presentationml/2006/main">
+  <p:cSld>
+    <p:spTree>
+      <p:nvGrpSpPr>
+        <p:cNvPr id="1" name=""/>
+        <p:cNvGrpSpPr/>
+        <p:nvPr/>
+      </p:nvGrpSpPr>
+      <p:grpSpPr>
+        <a:xfrm>
+          <a:off x="0" y="0"/>
+          <a:ext cx="0" cy="0"/>
+          <a:chOff x="0" y="0"/>
+          <a:chExt cx="0" cy="0"/>
+        </a:xfrm>
+      </p:grpSpPr>
+      <p:sp>
+        <p:nvSpPr>
+          <p:cNvPr id="2" name="Espace réservé de l'image des diapositives 1"/>
+          <p:cNvSpPr>
+            <a:spLocks noGrp="1" noRot="1" noChangeAspect="1"/>
+          </p:cNvSpPr>
+          <p:nvPr>
+            <p:ph type="sldImg"/>
+          </p:nvPr>
+        </p:nvSpPr>
+        <p:spPr/>
+      </p:sp>
+      <p:sp>
+        <p:nvSpPr>
+          <p:cNvPr id="3" name="Espace réservé des notes 2"/>
+          <p:cNvSpPr>
+            <a:spLocks noGrp="1"/>
+          </p:cNvSpPr>
+          <p:nvPr>
+            <p:ph type="body" idx="1"/>
+          </p:nvPr>
+        </p:nvSpPr>
+        <p:spPr/>
+        <p:txBody>
+          <a:bodyPr/>
+          <a:lstStyle/>
+          <a:p>
+            <a:r>
+              <a:rPr lang="fr-FR" dirty="0"/>
+              <a:t>Les éléments basiques des cellules</a:t>
+            </a:r>
+          </a:p>
+        </p:txBody>
+      </p:sp>
+      <p:sp>
+        <p:nvSpPr>
+          <p:cNvPr id="4" name="Espace réservé du numéro de diapositive 3"/>
+          <p:cNvSpPr>
+            <a:spLocks noGrp="1"/>
+          </p:cNvSpPr>
+          <p:nvPr>
+            <p:ph type="sldNum" sz="quarter" idx="5"/>
+          </p:nvPr>
+        </p:nvSpPr>
+        <p:spPr/>
+        <p:txBody>
+          <a:bodyPr/>
+          <a:lstStyle/>
+          <a:p>
+            <a:fld id="{A30E9263-1FA5-4909-8E72-BCFE817977D6}" type="slidenum">
+              <a:rPr lang="fr-FR" smtClean="0"/>
+              <a:t>3</a:t>
+            </a:fld>
+            <a:endParaRPr lang="fr-FR"/>
+          </a:p>
+        </p:txBody>
+      </p:sp>
+    </p:spTree>
+    <p:extLst>
+      <p:ext uri="{BB962C8B-B14F-4D97-AF65-F5344CB8AC3E}">
+        <p14:creationId xmlns:p14="http://schemas.microsoft.com/office/powerpoint/2010/main" val="3304640907"/>
+      </p:ext>
+    </p:extLst>
+  </p:cSld>
+  <p:clrMapOvr>
+    <a:masterClrMapping/>
+  </p:clrMapOvr>
+</p:notes>
+</file>
+
+<file path=ppt/notesSlides/notesSlide2.xml><?xml version="1.0" encoding="utf-8"?>
+<p:notes xmlns:a="http://schemas.openxmlformats.org/drawingml/2006/main" xmlns:r="http://schemas.openxmlformats.org/officeDocument/2006/relationships" xmlns:p="http://schemas.openxmlformats.org/presentationml/2006/main">
+  <p:cSld>
+    <p:spTree>
+      <p:nvGrpSpPr>
+        <p:cNvPr id="1" name=""/>
+        <p:cNvGrpSpPr/>
+        <p:nvPr/>
+      </p:nvGrpSpPr>
+      <p:grpSpPr>
+        <a:xfrm>
+          <a:off x="0" y="0"/>
+          <a:ext cx="0" cy="0"/>
+          <a:chOff x="0" y="0"/>
+          <a:chExt cx="0" cy="0"/>
+        </a:xfrm>
+      </p:grpSpPr>
+      <p:sp>
+        <p:nvSpPr>
+          <p:cNvPr id="2" name="Espace réservé de l'image des diapositives 1"/>
+          <p:cNvSpPr>
+            <a:spLocks noGrp="1" noRot="1" noChangeAspect="1"/>
+          </p:cNvSpPr>
+          <p:nvPr>
+            <p:ph type="sldImg"/>
+          </p:nvPr>
+        </p:nvSpPr>
+        <p:spPr/>
+      </p:sp>
+      <p:sp>
+        <p:nvSpPr>
+          <p:cNvPr id="3" name="Espace réservé des notes 2"/>
+          <p:cNvSpPr>
+            <a:spLocks noGrp="1"/>
+          </p:cNvSpPr>
+          <p:nvPr>
+            <p:ph type="body" idx="1"/>
+          </p:nvPr>
+        </p:nvSpPr>
+        <p:spPr/>
+        <p:txBody>
+          <a:bodyPr/>
+          <a:lstStyle/>
+          <a:p>
+            <a:r>
+              <a:rPr lang="fr-FR" dirty="0"/>
+              <a:t>Exemple connus: l’œuf</a:t>
+            </a:r>
+          </a:p>
+        </p:txBody>
+      </p:sp>
+      <p:sp>
+        <p:nvSpPr>
+          <p:cNvPr id="4" name="Espace réservé du numéro de diapositive 3"/>
+          <p:cNvSpPr>
+            <a:spLocks noGrp="1"/>
+          </p:cNvSpPr>
+          <p:nvPr>
+            <p:ph type="sldNum" sz="quarter" idx="5"/>
+          </p:nvPr>
+        </p:nvSpPr>
+        <p:spPr/>
+        <p:txBody>
+          <a:bodyPr/>
+          <a:lstStyle/>
+          <a:p>
+            <a:fld id="{A30E9263-1FA5-4909-8E72-BCFE817977D6}" type="slidenum">
+              <a:rPr lang="fr-FR" smtClean="0"/>
+              <a:t>4</a:t>
+            </a:fld>
+            <a:endParaRPr lang="fr-FR"/>
+          </a:p>
+        </p:txBody>
+      </p:sp>
+    </p:spTree>
+    <p:extLst>
+      <p:ext uri="{BB962C8B-B14F-4D97-AF65-F5344CB8AC3E}">
+        <p14:creationId xmlns:p14="http://schemas.microsoft.com/office/powerpoint/2010/main" val="555148891"/>
+      </p:ext>
+    </p:extLst>
+  </p:cSld>
+  <p:clrMapOvr>
+    <a:masterClrMapping/>
+  </p:clrMapOvr>
+</p:notes>
 </file>
 
 <file path=ppt/slideLayouts/slideLayout1.xml><?xml version="1.0" encoding="utf-8"?>
@@ -4350,6 +4526,1681 @@
   <p:clrMapOvr>
     <a:masterClrMapping/>
   </p:clrMapOvr>
+</p:sld>
+</file>
+
+<file path=ppt/slides/slide3.xml><?xml version="1.0" encoding="utf-8"?>
+<p:sld xmlns:a="http://schemas.openxmlformats.org/drawingml/2006/main" xmlns:r="http://schemas.openxmlformats.org/officeDocument/2006/relationships" xmlns:p="http://schemas.openxmlformats.org/presentationml/2006/main">
+  <p:cSld>
+    <p:spTree>
+      <p:nvGrpSpPr>
+        <p:cNvPr id="1" name=""/>
+        <p:cNvGrpSpPr/>
+        <p:nvPr/>
+      </p:nvGrpSpPr>
+      <p:grpSpPr>
+        <a:xfrm>
+          <a:off x="0" y="0"/>
+          <a:ext cx="0" cy="0"/>
+          <a:chOff x="0" y="0"/>
+          <a:chExt cx="0" cy="0"/>
+        </a:xfrm>
+      </p:grpSpPr>
+      <p:sp>
+        <p:nvSpPr>
+          <p:cNvPr id="4" name="Titre 3">
+            <a:extLst>
+              <a:ext uri="{FF2B5EF4-FFF2-40B4-BE49-F238E27FC236}">
+                <a16:creationId xmlns:a16="http://schemas.microsoft.com/office/drawing/2014/main" id="{49E736D7-67F0-41B4-90E7-92366A182D17}"/>
+              </a:ext>
+            </a:extLst>
+          </p:cNvPr>
+          <p:cNvSpPr>
+            <a:spLocks noGrp="1"/>
+          </p:cNvSpPr>
+          <p:nvPr>
+            <p:ph type="title"/>
+          </p:nvPr>
+        </p:nvSpPr>
+        <p:spPr/>
+        <p:txBody>
+          <a:bodyPr/>
+          <a:lstStyle/>
+          <a:p>
+            <a:r>
+              <a:rPr lang="en-US" b="1" dirty="0">
+                <a:solidFill>
+                  <a:srgbClr val="FF0000"/>
+                </a:solidFill>
+              </a:rPr>
+              <a:t>Cells…</a:t>
+            </a:r>
+          </a:p>
+        </p:txBody>
+      </p:sp>
+      <p:sp>
+        <p:nvSpPr>
+          <p:cNvPr id="5" name="Ellipse 4">
+            <a:extLst>
+              <a:ext uri="{FF2B5EF4-FFF2-40B4-BE49-F238E27FC236}">
+                <a16:creationId xmlns:a16="http://schemas.microsoft.com/office/drawing/2014/main" id="{97EF94BE-C150-4787-93D5-E298499FAB1D}"/>
+              </a:ext>
+            </a:extLst>
+          </p:cNvPr>
+          <p:cNvSpPr/>
+          <p:nvPr/>
+        </p:nvSpPr>
+        <p:spPr>
+          <a:xfrm>
+            <a:off x="792866" y="1736202"/>
+            <a:ext cx="6603357" cy="4681960"/>
+          </a:xfrm>
+          <a:prstGeom prst="ellipse">
+            <a:avLst/>
+          </a:prstGeom>
+          <a:noFill/>
+          <a:ln w="76200">
+            <a:solidFill>
+              <a:schemeClr val="tx1">
+                <a:lumMod val="50000"/>
+                <a:lumOff val="50000"/>
+              </a:schemeClr>
+            </a:solidFill>
+          </a:ln>
+        </p:spPr>
+        <p:style>
+          <a:lnRef idx="2">
+            <a:schemeClr val="accent1">
+              <a:shade val="50000"/>
+            </a:schemeClr>
+          </a:lnRef>
+          <a:fillRef idx="1">
+            <a:schemeClr val="accent1"/>
+          </a:fillRef>
+          <a:effectRef idx="0">
+            <a:schemeClr val="accent1"/>
+          </a:effectRef>
+          <a:fontRef idx="minor">
+            <a:schemeClr val="lt1"/>
+          </a:fontRef>
+        </p:style>
+        <p:txBody>
+          <a:bodyPr rtlCol="0" anchor="ctr"/>
+          <a:lstStyle/>
+          <a:p>
+            <a:pPr algn="ctr"/>
+            <a:endParaRPr lang="fr-FR"/>
+          </a:p>
+        </p:txBody>
+      </p:sp>
+      <p:sp>
+        <p:nvSpPr>
+          <p:cNvPr id="6" name="Ellipse 5">
+            <a:extLst>
+              <a:ext uri="{FF2B5EF4-FFF2-40B4-BE49-F238E27FC236}">
+                <a16:creationId xmlns:a16="http://schemas.microsoft.com/office/drawing/2014/main" id="{3B2E61C6-8B32-4495-AC5F-A9E5C408E673}"/>
+              </a:ext>
+            </a:extLst>
+          </p:cNvPr>
+          <p:cNvSpPr/>
+          <p:nvPr/>
+        </p:nvSpPr>
+        <p:spPr>
+          <a:xfrm>
+            <a:off x="3310360" y="2078620"/>
+            <a:ext cx="2835798" cy="2700760"/>
+          </a:xfrm>
+          <a:prstGeom prst="ellipse">
+            <a:avLst/>
+          </a:prstGeom>
+          <a:solidFill>
+            <a:schemeClr val="bg1">
+              <a:lumMod val="95000"/>
+            </a:schemeClr>
+          </a:solidFill>
+          <a:ln w="19050">
+            <a:solidFill>
+              <a:schemeClr val="tx1"/>
+            </a:solidFill>
+          </a:ln>
+        </p:spPr>
+        <p:style>
+          <a:lnRef idx="2">
+            <a:schemeClr val="accent1">
+              <a:shade val="50000"/>
+            </a:schemeClr>
+          </a:lnRef>
+          <a:fillRef idx="1">
+            <a:schemeClr val="accent1"/>
+          </a:fillRef>
+          <a:effectRef idx="0">
+            <a:schemeClr val="accent1"/>
+          </a:effectRef>
+          <a:fontRef idx="minor">
+            <a:schemeClr val="lt1"/>
+          </a:fontRef>
+        </p:style>
+        <p:txBody>
+          <a:bodyPr rtlCol="0" anchor="ctr"/>
+          <a:lstStyle/>
+          <a:p>
+            <a:pPr algn="ctr"/>
+            <a:endParaRPr lang="fr-FR"/>
+          </a:p>
+        </p:txBody>
+      </p:sp>
+      <p:cxnSp>
+        <p:nvCxnSpPr>
+          <p:cNvPr id="3" name="Connecteur droit avec flèche 2">
+            <a:extLst>
+              <a:ext uri="{FF2B5EF4-FFF2-40B4-BE49-F238E27FC236}">
+                <a16:creationId xmlns:a16="http://schemas.microsoft.com/office/drawing/2014/main" id="{4A054C9B-83D2-4028-85B2-EA96ADD58AF5}"/>
+              </a:ext>
+            </a:extLst>
+          </p:cNvPr>
+          <p:cNvCxnSpPr>
+            <a:cxnSpLocks/>
+            <a:stCxn id="6" idx="7"/>
+            <a:endCxn id="15" idx="1"/>
+          </p:cNvCxnSpPr>
+          <p:nvPr/>
+        </p:nvCxnSpPr>
+        <p:spPr>
+          <a:xfrm flipV="1">
+            <a:off x="5730865" y="1690688"/>
+            <a:ext cx="2785379" cy="783449"/>
+          </a:xfrm>
+          <a:prstGeom prst="straightConnector1">
+            <a:avLst/>
+          </a:prstGeom>
+          <a:ln w="38100">
+            <a:solidFill>
+              <a:srgbClr val="0070C0"/>
+            </a:solidFill>
+            <a:headEnd type="arrow"/>
+            <a:tailEnd type="none"/>
+          </a:ln>
+        </p:spPr>
+        <p:style>
+          <a:lnRef idx="1">
+            <a:schemeClr val="accent1"/>
+          </a:lnRef>
+          <a:fillRef idx="0">
+            <a:schemeClr val="accent1"/>
+          </a:fillRef>
+          <a:effectRef idx="0">
+            <a:schemeClr val="accent1"/>
+          </a:effectRef>
+          <a:fontRef idx="minor">
+            <a:schemeClr val="tx1"/>
+          </a:fontRef>
+        </p:style>
+      </p:cxnSp>
+      <p:cxnSp>
+        <p:nvCxnSpPr>
+          <p:cNvPr id="7" name="Connecteur droit avec flèche 6">
+            <a:extLst>
+              <a:ext uri="{FF2B5EF4-FFF2-40B4-BE49-F238E27FC236}">
+                <a16:creationId xmlns:a16="http://schemas.microsoft.com/office/drawing/2014/main" id="{C9714FA6-258E-41D9-A3ED-94C1B8DA34AD}"/>
+              </a:ext>
+            </a:extLst>
+          </p:cNvPr>
+          <p:cNvCxnSpPr>
+            <a:cxnSpLocks/>
+            <a:endCxn id="17" idx="1"/>
+          </p:cNvCxnSpPr>
+          <p:nvPr/>
+        </p:nvCxnSpPr>
+        <p:spPr>
+          <a:xfrm flipV="1">
+            <a:off x="6632294" y="2843309"/>
+            <a:ext cx="1875098" cy="374454"/>
+          </a:xfrm>
+          <a:prstGeom prst="straightConnector1">
+            <a:avLst/>
+          </a:prstGeom>
+          <a:ln w="38100">
+            <a:solidFill>
+              <a:srgbClr val="0070C0"/>
+            </a:solidFill>
+            <a:headEnd type="arrow"/>
+            <a:tailEnd type="none"/>
+          </a:ln>
+        </p:spPr>
+        <p:style>
+          <a:lnRef idx="1">
+            <a:schemeClr val="accent1"/>
+          </a:lnRef>
+          <a:fillRef idx="0">
+            <a:schemeClr val="accent1"/>
+          </a:fillRef>
+          <a:effectRef idx="0">
+            <a:schemeClr val="accent1"/>
+          </a:effectRef>
+          <a:fontRef idx="minor">
+            <a:schemeClr val="tx1"/>
+          </a:fontRef>
+        </p:style>
+      </p:cxnSp>
+      <p:cxnSp>
+        <p:nvCxnSpPr>
+          <p:cNvPr id="8" name="Connecteur droit avec flèche 7">
+            <a:extLst>
+              <a:ext uri="{FF2B5EF4-FFF2-40B4-BE49-F238E27FC236}">
+                <a16:creationId xmlns:a16="http://schemas.microsoft.com/office/drawing/2014/main" id="{27868C80-A922-4F3A-AB6C-E6DBEF5807E6}"/>
+              </a:ext>
+            </a:extLst>
+          </p:cNvPr>
+          <p:cNvCxnSpPr>
+            <a:cxnSpLocks/>
+            <a:stCxn id="5" idx="6"/>
+            <a:endCxn id="18" idx="1"/>
+          </p:cNvCxnSpPr>
+          <p:nvPr/>
+        </p:nvCxnSpPr>
+        <p:spPr>
+          <a:xfrm>
+            <a:off x="7396223" y="4077182"/>
+            <a:ext cx="1007339" cy="96798"/>
+          </a:xfrm>
+          <a:prstGeom prst="straightConnector1">
+            <a:avLst/>
+          </a:prstGeom>
+          <a:ln w="38100">
+            <a:solidFill>
+              <a:srgbClr val="0070C0"/>
+            </a:solidFill>
+            <a:headEnd type="arrow"/>
+            <a:tailEnd type="none"/>
+          </a:ln>
+        </p:spPr>
+        <p:style>
+          <a:lnRef idx="1">
+            <a:schemeClr val="accent1"/>
+          </a:lnRef>
+          <a:fillRef idx="0">
+            <a:schemeClr val="accent1"/>
+          </a:fillRef>
+          <a:effectRef idx="0">
+            <a:schemeClr val="accent1"/>
+          </a:effectRef>
+          <a:fontRef idx="minor">
+            <a:schemeClr val="tx1"/>
+          </a:fontRef>
+        </p:style>
+      </p:cxnSp>
+      <p:sp>
+        <p:nvSpPr>
+          <p:cNvPr id="15" name="ZoneTexte 14">
+            <a:extLst>
+              <a:ext uri="{FF2B5EF4-FFF2-40B4-BE49-F238E27FC236}">
+                <a16:creationId xmlns:a16="http://schemas.microsoft.com/office/drawing/2014/main" id="{B7077634-9536-497C-9C4C-799A0095437A}"/>
+              </a:ext>
+            </a:extLst>
+          </p:cNvPr>
+          <p:cNvSpPr txBox="1"/>
+          <p:nvPr/>
+        </p:nvSpPr>
+        <p:spPr>
+          <a:xfrm>
+            <a:off x="8516244" y="1429078"/>
+            <a:ext cx="1115947" cy="523220"/>
+          </a:xfrm>
+          <a:prstGeom prst="rect">
+            <a:avLst/>
+          </a:prstGeom>
+          <a:noFill/>
+        </p:spPr>
+        <p:txBody>
+          <a:bodyPr wrap="none" rtlCol="0">
+            <a:spAutoFit/>
+          </a:bodyPr>
+          <a:lstStyle/>
+          <a:p>
+            <a:r>
+              <a:rPr lang="en-US" sz="2800" dirty="0">
+                <a:solidFill>
+                  <a:srgbClr val="0070C0"/>
+                </a:solidFill>
+              </a:rPr>
+              <a:t>Kernel</a:t>
+            </a:r>
+          </a:p>
+        </p:txBody>
+      </p:sp>
+      <p:sp>
+        <p:nvSpPr>
+          <p:cNvPr id="17" name="ZoneTexte 16">
+            <a:extLst>
+              <a:ext uri="{FF2B5EF4-FFF2-40B4-BE49-F238E27FC236}">
+                <a16:creationId xmlns:a16="http://schemas.microsoft.com/office/drawing/2014/main" id="{8A77C8B5-74DE-4C03-9DD7-35C1B91C5F94}"/>
+              </a:ext>
+            </a:extLst>
+          </p:cNvPr>
+          <p:cNvSpPr txBox="1"/>
+          <p:nvPr/>
+        </p:nvSpPr>
+        <p:spPr>
+          <a:xfrm>
+            <a:off x="8507392" y="2581699"/>
+            <a:ext cx="1715341" cy="523220"/>
+          </a:xfrm>
+          <a:prstGeom prst="rect">
+            <a:avLst/>
+          </a:prstGeom>
+          <a:noFill/>
+        </p:spPr>
+        <p:txBody>
+          <a:bodyPr wrap="none" rtlCol="0">
+            <a:spAutoFit/>
+          </a:bodyPr>
+          <a:lstStyle/>
+          <a:p>
+            <a:r>
+              <a:rPr lang="en-US" sz="2800" dirty="0">
+                <a:solidFill>
+                  <a:srgbClr val="0070C0"/>
+                </a:solidFill>
+              </a:rPr>
+              <a:t>Cytoplasm</a:t>
+            </a:r>
+          </a:p>
+        </p:txBody>
+      </p:sp>
+      <p:sp>
+        <p:nvSpPr>
+          <p:cNvPr id="18" name="ZoneTexte 17">
+            <a:extLst>
+              <a:ext uri="{FF2B5EF4-FFF2-40B4-BE49-F238E27FC236}">
+                <a16:creationId xmlns:a16="http://schemas.microsoft.com/office/drawing/2014/main" id="{A88A297E-204E-4B65-85DD-4E682EA65D2F}"/>
+              </a:ext>
+            </a:extLst>
+          </p:cNvPr>
+          <p:cNvSpPr txBox="1"/>
+          <p:nvPr/>
+        </p:nvSpPr>
+        <p:spPr>
+          <a:xfrm>
+            <a:off x="8403562" y="3912370"/>
+            <a:ext cx="1802738" cy="523220"/>
+          </a:xfrm>
+          <a:prstGeom prst="rect">
+            <a:avLst/>
+          </a:prstGeom>
+          <a:noFill/>
+        </p:spPr>
+        <p:txBody>
+          <a:bodyPr wrap="none" rtlCol="0">
+            <a:spAutoFit/>
+          </a:bodyPr>
+          <a:lstStyle/>
+          <a:p>
+            <a:r>
+              <a:rPr lang="en-US" sz="2800" dirty="0">
+                <a:solidFill>
+                  <a:srgbClr val="0070C0"/>
+                </a:solidFill>
+              </a:rPr>
+              <a:t>Membrane</a:t>
+            </a:r>
+          </a:p>
+        </p:txBody>
+      </p:sp>
+    </p:spTree>
+    <p:extLst>
+      <p:ext uri="{BB962C8B-B14F-4D97-AF65-F5344CB8AC3E}">
+        <p14:creationId xmlns:p14="http://schemas.microsoft.com/office/powerpoint/2010/main" val="3017051549"/>
+      </p:ext>
+    </p:extLst>
+  </p:cSld>
+  <p:clrMapOvr>
+    <a:masterClrMapping/>
+  </p:clrMapOvr>
+  <p:timing>
+    <p:tnLst>
+      <p:par>
+        <p:cTn id="1" dur="indefinite" restart="never" nodeType="tmRoot">
+          <p:childTnLst>
+            <p:seq concurrent="1" nextAc="seek">
+              <p:cTn id="2" dur="indefinite" nodeType="mainSeq">
+                <p:childTnLst>
+                  <p:par>
+                    <p:cTn id="3" fill="hold">
+                      <p:stCondLst>
+                        <p:cond delay="indefinite"/>
+                      </p:stCondLst>
+                      <p:childTnLst>
+                        <p:par>
+                          <p:cTn id="4" fill="hold">
+                            <p:stCondLst>
+                              <p:cond delay="0"/>
+                            </p:stCondLst>
+                            <p:childTnLst>
+                              <p:par>
+                                <p:cTn id="5" presetID="10" presetClass="entr" presetSubtype="0" fill="hold" nodeType="clickEffect">
+                                  <p:stCondLst>
+                                    <p:cond delay="0"/>
+                                  </p:stCondLst>
+                                  <p:childTnLst>
+                                    <p:set>
+                                      <p:cBhvr>
+                                        <p:cTn id="6" dur="1" fill="hold">
+                                          <p:stCondLst>
+                                            <p:cond delay="0"/>
+                                          </p:stCondLst>
+                                        </p:cTn>
+                                        <p:tgtEl>
+                                          <p:spTgt spid="3"/>
+                                        </p:tgtEl>
+                                        <p:attrNameLst>
+                                          <p:attrName>style.visibility</p:attrName>
+                                        </p:attrNameLst>
+                                      </p:cBhvr>
+                                      <p:to>
+                                        <p:strVal val="visible"/>
+                                      </p:to>
+                                    </p:set>
+                                    <p:animEffect transition="in" filter="fade">
+                                      <p:cBhvr>
+                                        <p:cTn id="7" dur="500"/>
+                                        <p:tgtEl>
+                                          <p:spTgt spid="3"/>
+                                        </p:tgtEl>
+                                      </p:cBhvr>
+                                    </p:animEffect>
+                                  </p:childTnLst>
+                                </p:cTn>
+                              </p:par>
+                              <p:par>
+                                <p:cTn id="8" presetID="10" presetClass="entr" presetSubtype="0" fill="hold" grpId="0" nodeType="withEffect">
+                                  <p:stCondLst>
+                                    <p:cond delay="0"/>
+                                  </p:stCondLst>
+                                  <p:childTnLst>
+                                    <p:set>
+                                      <p:cBhvr>
+                                        <p:cTn id="9" dur="1" fill="hold">
+                                          <p:stCondLst>
+                                            <p:cond delay="0"/>
+                                          </p:stCondLst>
+                                        </p:cTn>
+                                        <p:tgtEl>
+                                          <p:spTgt spid="15"/>
+                                        </p:tgtEl>
+                                        <p:attrNameLst>
+                                          <p:attrName>style.visibility</p:attrName>
+                                        </p:attrNameLst>
+                                      </p:cBhvr>
+                                      <p:to>
+                                        <p:strVal val="visible"/>
+                                      </p:to>
+                                    </p:set>
+                                    <p:animEffect transition="in" filter="fade">
+                                      <p:cBhvr>
+                                        <p:cTn id="10" dur="500"/>
+                                        <p:tgtEl>
+                                          <p:spTgt spid="15"/>
+                                        </p:tgtEl>
+                                      </p:cBhvr>
+                                    </p:animEffect>
+                                  </p:childTnLst>
+                                </p:cTn>
+                              </p:par>
+                            </p:childTnLst>
+                          </p:cTn>
+                        </p:par>
+                      </p:childTnLst>
+                    </p:cTn>
+                  </p:par>
+                  <p:par>
+                    <p:cTn id="11" fill="hold">
+                      <p:stCondLst>
+                        <p:cond delay="indefinite"/>
+                      </p:stCondLst>
+                      <p:childTnLst>
+                        <p:par>
+                          <p:cTn id="12" fill="hold">
+                            <p:stCondLst>
+                              <p:cond delay="0"/>
+                            </p:stCondLst>
+                            <p:childTnLst>
+                              <p:par>
+                                <p:cTn id="13" presetID="10" presetClass="entr" presetSubtype="0" fill="hold" nodeType="clickEffect">
+                                  <p:stCondLst>
+                                    <p:cond delay="0"/>
+                                  </p:stCondLst>
+                                  <p:childTnLst>
+                                    <p:set>
+                                      <p:cBhvr>
+                                        <p:cTn id="14" dur="1" fill="hold">
+                                          <p:stCondLst>
+                                            <p:cond delay="0"/>
+                                          </p:stCondLst>
+                                        </p:cTn>
+                                        <p:tgtEl>
+                                          <p:spTgt spid="7"/>
+                                        </p:tgtEl>
+                                        <p:attrNameLst>
+                                          <p:attrName>style.visibility</p:attrName>
+                                        </p:attrNameLst>
+                                      </p:cBhvr>
+                                      <p:to>
+                                        <p:strVal val="visible"/>
+                                      </p:to>
+                                    </p:set>
+                                    <p:animEffect transition="in" filter="fade">
+                                      <p:cBhvr>
+                                        <p:cTn id="15" dur="500"/>
+                                        <p:tgtEl>
+                                          <p:spTgt spid="7"/>
+                                        </p:tgtEl>
+                                      </p:cBhvr>
+                                    </p:animEffect>
+                                  </p:childTnLst>
+                                </p:cTn>
+                              </p:par>
+                              <p:par>
+                                <p:cTn id="16" presetID="10" presetClass="entr" presetSubtype="0" fill="hold" grpId="0" nodeType="withEffect">
+                                  <p:stCondLst>
+                                    <p:cond delay="0"/>
+                                  </p:stCondLst>
+                                  <p:childTnLst>
+                                    <p:set>
+                                      <p:cBhvr>
+                                        <p:cTn id="17" dur="1" fill="hold">
+                                          <p:stCondLst>
+                                            <p:cond delay="0"/>
+                                          </p:stCondLst>
+                                        </p:cTn>
+                                        <p:tgtEl>
+                                          <p:spTgt spid="17"/>
+                                        </p:tgtEl>
+                                        <p:attrNameLst>
+                                          <p:attrName>style.visibility</p:attrName>
+                                        </p:attrNameLst>
+                                      </p:cBhvr>
+                                      <p:to>
+                                        <p:strVal val="visible"/>
+                                      </p:to>
+                                    </p:set>
+                                    <p:animEffect transition="in" filter="fade">
+                                      <p:cBhvr>
+                                        <p:cTn id="18" dur="500"/>
+                                        <p:tgtEl>
+                                          <p:spTgt spid="17"/>
+                                        </p:tgtEl>
+                                      </p:cBhvr>
+                                    </p:animEffect>
+                                  </p:childTnLst>
+                                </p:cTn>
+                              </p:par>
+                            </p:childTnLst>
+                          </p:cTn>
+                        </p:par>
+                      </p:childTnLst>
+                    </p:cTn>
+                  </p:par>
+                  <p:par>
+                    <p:cTn id="19" fill="hold">
+                      <p:stCondLst>
+                        <p:cond delay="indefinite"/>
+                      </p:stCondLst>
+                      <p:childTnLst>
+                        <p:par>
+                          <p:cTn id="20" fill="hold">
+                            <p:stCondLst>
+                              <p:cond delay="0"/>
+                            </p:stCondLst>
+                            <p:childTnLst>
+                              <p:par>
+                                <p:cTn id="21" presetID="10" presetClass="entr" presetSubtype="0" fill="hold" nodeType="clickEffect">
+                                  <p:stCondLst>
+                                    <p:cond delay="0"/>
+                                  </p:stCondLst>
+                                  <p:childTnLst>
+                                    <p:set>
+                                      <p:cBhvr>
+                                        <p:cTn id="22" dur="1" fill="hold">
+                                          <p:stCondLst>
+                                            <p:cond delay="0"/>
+                                          </p:stCondLst>
+                                        </p:cTn>
+                                        <p:tgtEl>
+                                          <p:spTgt spid="8"/>
+                                        </p:tgtEl>
+                                        <p:attrNameLst>
+                                          <p:attrName>style.visibility</p:attrName>
+                                        </p:attrNameLst>
+                                      </p:cBhvr>
+                                      <p:to>
+                                        <p:strVal val="visible"/>
+                                      </p:to>
+                                    </p:set>
+                                    <p:animEffect transition="in" filter="fade">
+                                      <p:cBhvr>
+                                        <p:cTn id="23" dur="500"/>
+                                        <p:tgtEl>
+                                          <p:spTgt spid="8"/>
+                                        </p:tgtEl>
+                                      </p:cBhvr>
+                                    </p:animEffect>
+                                  </p:childTnLst>
+                                </p:cTn>
+                              </p:par>
+                              <p:par>
+                                <p:cTn id="24" presetID="10" presetClass="entr" presetSubtype="0" fill="hold" grpId="0" nodeType="withEffect">
+                                  <p:stCondLst>
+                                    <p:cond delay="0"/>
+                                  </p:stCondLst>
+                                  <p:childTnLst>
+                                    <p:set>
+                                      <p:cBhvr>
+                                        <p:cTn id="25" dur="1" fill="hold">
+                                          <p:stCondLst>
+                                            <p:cond delay="0"/>
+                                          </p:stCondLst>
+                                        </p:cTn>
+                                        <p:tgtEl>
+                                          <p:spTgt spid="18"/>
+                                        </p:tgtEl>
+                                        <p:attrNameLst>
+                                          <p:attrName>style.visibility</p:attrName>
+                                        </p:attrNameLst>
+                                      </p:cBhvr>
+                                      <p:to>
+                                        <p:strVal val="visible"/>
+                                      </p:to>
+                                    </p:set>
+                                    <p:animEffect transition="in" filter="fade">
+                                      <p:cBhvr>
+                                        <p:cTn id="26" dur="500"/>
+                                        <p:tgtEl>
+                                          <p:spTgt spid="18"/>
+                                        </p:tgtEl>
+                                      </p:cBhvr>
+                                    </p:animEffect>
+                                  </p:childTnLst>
+                                </p:cTn>
+                              </p:par>
+                            </p:childTnLst>
+                          </p:cTn>
+                        </p:par>
+                      </p:childTnLst>
+                    </p:cTn>
+                  </p:par>
+                </p:childTnLst>
+              </p:cTn>
+              <p:prevCondLst>
+                <p:cond evt="onPrev" delay="0">
+                  <p:tgtEl>
+                    <p:sldTgt/>
+                  </p:tgtEl>
+                </p:cond>
+              </p:prevCondLst>
+              <p:nextCondLst>
+                <p:cond evt="onNext" delay="0">
+                  <p:tgtEl>
+                    <p:sldTgt/>
+                  </p:tgtEl>
+                </p:cond>
+              </p:nextCondLst>
+            </p:seq>
+          </p:childTnLst>
+        </p:cTn>
+      </p:par>
+    </p:tnLst>
+    <p:bldLst>
+      <p:bldP spid="15" grpId="0"/>
+      <p:bldP spid="17" grpId="0"/>
+      <p:bldP spid="18" grpId="0"/>
+    </p:bldLst>
+  </p:timing>
+</p:sld>
+</file>
+
+<file path=ppt/slides/slide4.xml><?xml version="1.0" encoding="utf-8"?>
+<p:sld xmlns:a="http://schemas.openxmlformats.org/drawingml/2006/main" xmlns:r="http://schemas.openxmlformats.org/officeDocument/2006/relationships" xmlns:p="http://schemas.openxmlformats.org/presentationml/2006/main">
+  <p:cSld>
+    <p:spTree>
+      <p:nvGrpSpPr>
+        <p:cNvPr id="1" name=""/>
+        <p:cNvGrpSpPr/>
+        <p:nvPr/>
+      </p:nvGrpSpPr>
+      <p:grpSpPr>
+        <a:xfrm>
+          <a:off x="0" y="0"/>
+          <a:ext cx="0" cy="0"/>
+          <a:chOff x="0" y="0"/>
+          <a:chExt cx="0" cy="0"/>
+        </a:xfrm>
+      </p:grpSpPr>
+      <p:pic>
+        <p:nvPicPr>
+          <p:cNvPr id="9" name="Image 8" descr="œuf&#10;">
+            <a:extLst>
+              <a:ext uri="{FF2B5EF4-FFF2-40B4-BE49-F238E27FC236}">
+                <a16:creationId xmlns:a16="http://schemas.microsoft.com/office/drawing/2014/main" id="{A65BDCDE-DE02-4763-B6EA-2AC117B37A26}"/>
+              </a:ext>
+            </a:extLst>
+          </p:cNvPr>
+          <p:cNvPicPr>
+            <a:picLocks noChangeAspect="1"/>
+          </p:cNvPicPr>
+          <p:nvPr/>
+        </p:nvPicPr>
+        <p:blipFill>
+          <a:blip r:embed="rId3">
+            <a:extLst>
+              <a:ext uri="{28A0092B-C50C-407E-A947-70E740481C1C}">
+                <a14:useLocalDpi xmlns:a14="http://schemas.microsoft.com/office/drawing/2010/main" val="0"/>
+              </a:ext>
+            </a:extLst>
+          </a:blip>
+          <a:stretch>
+            <a:fillRect/>
+          </a:stretch>
+        </p:blipFill>
+        <p:spPr>
+          <a:xfrm>
+            <a:off x="457609" y="1679865"/>
+            <a:ext cx="7472367" cy="4988229"/>
+          </a:xfrm>
+          <a:prstGeom prst="rect">
+            <a:avLst/>
+          </a:prstGeom>
+        </p:spPr>
+      </p:pic>
+      <p:sp>
+        <p:nvSpPr>
+          <p:cNvPr id="4" name="Titre 3">
+            <a:extLst>
+              <a:ext uri="{FF2B5EF4-FFF2-40B4-BE49-F238E27FC236}">
+                <a16:creationId xmlns:a16="http://schemas.microsoft.com/office/drawing/2014/main" id="{49E736D7-67F0-41B4-90E7-92366A182D17}"/>
+              </a:ext>
+            </a:extLst>
+          </p:cNvPr>
+          <p:cNvSpPr>
+            <a:spLocks noGrp="1"/>
+          </p:cNvSpPr>
+          <p:nvPr>
+            <p:ph type="title"/>
+          </p:nvPr>
+        </p:nvSpPr>
+        <p:spPr/>
+        <p:txBody>
+          <a:bodyPr/>
+          <a:lstStyle/>
+          <a:p>
+            <a:r>
+              <a:rPr lang="fr-FR" b="1" dirty="0">
+                <a:solidFill>
+                  <a:srgbClr val="FF0000"/>
+                </a:solidFill>
+              </a:rPr>
+              <a:t>…</a:t>
+            </a:r>
+            <a:r>
+              <a:rPr lang="fr-FR" b="1" dirty="0" err="1">
+                <a:solidFill>
+                  <a:srgbClr val="FF0000"/>
+                </a:solidFill>
+              </a:rPr>
+              <a:t>you</a:t>
+            </a:r>
+            <a:r>
+              <a:rPr lang="fr-FR" b="1" dirty="0">
+                <a:solidFill>
+                  <a:srgbClr val="FF0000"/>
+                </a:solidFill>
+              </a:rPr>
+              <a:t> </a:t>
+            </a:r>
+            <a:r>
+              <a:rPr lang="fr-FR" b="1" dirty="0" err="1">
+                <a:solidFill>
+                  <a:srgbClr val="FF0000"/>
+                </a:solidFill>
+              </a:rPr>
+              <a:t>already</a:t>
+            </a:r>
+            <a:r>
+              <a:rPr lang="fr-FR" b="1" dirty="0">
+                <a:solidFill>
+                  <a:srgbClr val="FF0000"/>
+                </a:solidFill>
+              </a:rPr>
+              <a:t> know</a:t>
+            </a:r>
+          </a:p>
+        </p:txBody>
+      </p:sp>
+      <p:sp>
+        <p:nvSpPr>
+          <p:cNvPr id="5" name="Ellipse 4">
+            <a:extLst>
+              <a:ext uri="{FF2B5EF4-FFF2-40B4-BE49-F238E27FC236}">
+                <a16:creationId xmlns:a16="http://schemas.microsoft.com/office/drawing/2014/main" id="{97EF94BE-C150-4787-93D5-E298499FAB1D}"/>
+              </a:ext>
+            </a:extLst>
+          </p:cNvPr>
+          <p:cNvSpPr/>
+          <p:nvPr/>
+        </p:nvSpPr>
+        <p:spPr>
+          <a:xfrm>
+            <a:off x="2112379" y="1614669"/>
+            <a:ext cx="4601127" cy="3374020"/>
+          </a:xfrm>
+          <a:prstGeom prst="ellipse">
+            <a:avLst/>
+          </a:prstGeom>
+          <a:noFill/>
+          <a:ln w="76200">
+            <a:solidFill>
+              <a:schemeClr val="tx1">
+                <a:lumMod val="50000"/>
+                <a:lumOff val="50000"/>
+              </a:schemeClr>
+            </a:solidFill>
+          </a:ln>
+        </p:spPr>
+        <p:style>
+          <a:lnRef idx="2">
+            <a:schemeClr val="accent1">
+              <a:shade val="50000"/>
+            </a:schemeClr>
+          </a:lnRef>
+          <a:fillRef idx="1">
+            <a:schemeClr val="accent1"/>
+          </a:fillRef>
+          <a:effectRef idx="0">
+            <a:schemeClr val="accent1"/>
+          </a:effectRef>
+          <a:fontRef idx="minor">
+            <a:schemeClr val="lt1"/>
+          </a:fontRef>
+        </p:style>
+        <p:txBody>
+          <a:bodyPr rtlCol="0" anchor="ctr"/>
+          <a:lstStyle/>
+          <a:p>
+            <a:pPr algn="ctr"/>
+            <a:endParaRPr lang="fr-FR"/>
+          </a:p>
+        </p:txBody>
+      </p:sp>
+      <p:sp>
+        <p:nvSpPr>
+          <p:cNvPr id="6" name="Ellipse 5">
+            <a:extLst>
+              <a:ext uri="{FF2B5EF4-FFF2-40B4-BE49-F238E27FC236}">
+                <a16:creationId xmlns:a16="http://schemas.microsoft.com/office/drawing/2014/main" id="{3B2E61C6-8B32-4495-AC5F-A9E5C408E673}"/>
+              </a:ext>
+            </a:extLst>
+          </p:cNvPr>
+          <p:cNvSpPr/>
+          <p:nvPr/>
+        </p:nvSpPr>
+        <p:spPr>
+          <a:xfrm>
+            <a:off x="2181827" y="3981690"/>
+            <a:ext cx="2841585" cy="1533647"/>
+          </a:xfrm>
+          <a:prstGeom prst="ellipse">
+            <a:avLst/>
+          </a:prstGeom>
+          <a:solidFill>
+            <a:schemeClr val="bg1">
+              <a:lumMod val="75000"/>
+              <a:alpha val="60000"/>
+            </a:schemeClr>
+          </a:solidFill>
+          <a:ln w="19050">
+            <a:solidFill>
+              <a:schemeClr val="tx1"/>
+            </a:solidFill>
+          </a:ln>
+        </p:spPr>
+        <p:style>
+          <a:lnRef idx="2">
+            <a:schemeClr val="accent1">
+              <a:shade val="50000"/>
+            </a:schemeClr>
+          </a:lnRef>
+          <a:fillRef idx="1">
+            <a:schemeClr val="accent1"/>
+          </a:fillRef>
+          <a:effectRef idx="0">
+            <a:schemeClr val="accent1"/>
+          </a:effectRef>
+          <a:fontRef idx="minor">
+            <a:schemeClr val="lt1"/>
+          </a:fontRef>
+        </p:style>
+        <p:txBody>
+          <a:bodyPr rtlCol="0" anchor="ctr"/>
+          <a:lstStyle/>
+          <a:p>
+            <a:pPr algn="ctr"/>
+            <a:endParaRPr lang="fr-FR"/>
+          </a:p>
+        </p:txBody>
+      </p:sp>
+      <p:cxnSp>
+        <p:nvCxnSpPr>
+          <p:cNvPr id="3" name="Connecteur droit avec flèche 2">
+            <a:extLst>
+              <a:ext uri="{FF2B5EF4-FFF2-40B4-BE49-F238E27FC236}">
+                <a16:creationId xmlns:a16="http://schemas.microsoft.com/office/drawing/2014/main" id="{4A054C9B-83D2-4028-85B2-EA96ADD58AF5}"/>
+              </a:ext>
+            </a:extLst>
+          </p:cNvPr>
+          <p:cNvCxnSpPr>
+            <a:cxnSpLocks/>
+            <a:stCxn id="6" idx="7"/>
+            <a:endCxn id="15" idx="1"/>
+          </p:cNvCxnSpPr>
+          <p:nvPr/>
+        </p:nvCxnSpPr>
+        <p:spPr>
+          <a:xfrm flipV="1">
+            <a:off x="4607272" y="1690688"/>
+            <a:ext cx="3908972" cy="2515599"/>
+          </a:xfrm>
+          <a:prstGeom prst="straightConnector1">
+            <a:avLst/>
+          </a:prstGeom>
+          <a:ln w="38100">
+            <a:solidFill>
+              <a:srgbClr val="0070C0"/>
+            </a:solidFill>
+            <a:headEnd type="arrow"/>
+            <a:tailEnd type="none"/>
+          </a:ln>
+        </p:spPr>
+        <p:style>
+          <a:lnRef idx="1">
+            <a:schemeClr val="accent1"/>
+          </a:lnRef>
+          <a:fillRef idx="0">
+            <a:schemeClr val="accent1"/>
+          </a:fillRef>
+          <a:effectRef idx="0">
+            <a:schemeClr val="accent1"/>
+          </a:effectRef>
+          <a:fontRef idx="minor">
+            <a:schemeClr val="tx1"/>
+          </a:fontRef>
+        </p:style>
+      </p:cxnSp>
+      <p:cxnSp>
+        <p:nvCxnSpPr>
+          <p:cNvPr id="8" name="Connecteur droit avec flèche 7">
+            <a:extLst>
+              <a:ext uri="{FF2B5EF4-FFF2-40B4-BE49-F238E27FC236}">
+                <a16:creationId xmlns:a16="http://schemas.microsoft.com/office/drawing/2014/main" id="{27868C80-A922-4F3A-AB6C-E6DBEF5807E6}"/>
+              </a:ext>
+            </a:extLst>
+          </p:cNvPr>
+          <p:cNvCxnSpPr>
+            <a:cxnSpLocks/>
+            <a:stCxn id="5" idx="6"/>
+            <a:endCxn id="18" idx="1"/>
+          </p:cNvCxnSpPr>
+          <p:nvPr/>
+        </p:nvCxnSpPr>
+        <p:spPr>
+          <a:xfrm>
+            <a:off x="6713506" y="3301679"/>
+            <a:ext cx="1690056" cy="872301"/>
+          </a:xfrm>
+          <a:prstGeom prst="straightConnector1">
+            <a:avLst/>
+          </a:prstGeom>
+          <a:ln w="38100">
+            <a:solidFill>
+              <a:srgbClr val="0070C0"/>
+            </a:solidFill>
+            <a:headEnd type="arrow"/>
+            <a:tailEnd type="none"/>
+          </a:ln>
+        </p:spPr>
+        <p:style>
+          <a:lnRef idx="1">
+            <a:schemeClr val="accent1"/>
+          </a:lnRef>
+          <a:fillRef idx="0">
+            <a:schemeClr val="accent1"/>
+          </a:fillRef>
+          <a:effectRef idx="0">
+            <a:schemeClr val="accent1"/>
+          </a:effectRef>
+          <a:fontRef idx="minor">
+            <a:schemeClr val="tx1"/>
+          </a:fontRef>
+        </p:style>
+      </p:cxnSp>
+      <p:sp>
+        <p:nvSpPr>
+          <p:cNvPr id="15" name="ZoneTexte 14">
+            <a:extLst>
+              <a:ext uri="{FF2B5EF4-FFF2-40B4-BE49-F238E27FC236}">
+                <a16:creationId xmlns:a16="http://schemas.microsoft.com/office/drawing/2014/main" id="{B7077634-9536-497C-9C4C-799A0095437A}"/>
+              </a:ext>
+            </a:extLst>
+          </p:cNvPr>
+          <p:cNvSpPr txBox="1"/>
+          <p:nvPr/>
+        </p:nvSpPr>
+        <p:spPr>
+          <a:xfrm>
+            <a:off x="8516244" y="1429078"/>
+            <a:ext cx="1115947" cy="523220"/>
+          </a:xfrm>
+          <a:prstGeom prst="rect">
+            <a:avLst/>
+          </a:prstGeom>
+          <a:noFill/>
+        </p:spPr>
+        <p:txBody>
+          <a:bodyPr wrap="none" rtlCol="0">
+            <a:spAutoFit/>
+          </a:bodyPr>
+          <a:lstStyle/>
+          <a:p>
+            <a:r>
+              <a:rPr lang="en-US" sz="2800" dirty="0">
+                <a:solidFill>
+                  <a:srgbClr val="0070C0"/>
+                </a:solidFill>
+              </a:rPr>
+              <a:t>Kernel</a:t>
+            </a:r>
+          </a:p>
+        </p:txBody>
+      </p:sp>
+      <p:sp>
+        <p:nvSpPr>
+          <p:cNvPr id="17" name="ZoneTexte 16">
+            <a:extLst>
+              <a:ext uri="{FF2B5EF4-FFF2-40B4-BE49-F238E27FC236}">
+                <a16:creationId xmlns:a16="http://schemas.microsoft.com/office/drawing/2014/main" id="{8A77C8B5-74DE-4C03-9DD7-35C1B91C5F94}"/>
+              </a:ext>
+            </a:extLst>
+          </p:cNvPr>
+          <p:cNvSpPr txBox="1"/>
+          <p:nvPr/>
+        </p:nvSpPr>
+        <p:spPr>
+          <a:xfrm>
+            <a:off x="8507392" y="2581699"/>
+            <a:ext cx="1715341" cy="523220"/>
+          </a:xfrm>
+          <a:prstGeom prst="rect">
+            <a:avLst/>
+          </a:prstGeom>
+          <a:noFill/>
+        </p:spPr>
+        <p:txBody>
+          <a:bodyPr wrap="none" rtlCol="0">
+            <a:spAutoFit/>
+          </a:bodyPr>
+          <a:lstStyle/>
+          <a:p>
+            <a:r>
+              <a:rPr lang="en-US" sz="2800" dirty="0">
+                <a:solidFill>
+                  <a:srgbClr val="0070C0"/>
+                </a:solidFill>
+              </a:rPr>
+              <a:t>Cytoplasm</a:t>
+            </a:r>
+          </a:p>
+        </p:txBody>
+      </p:sp>
+      <p:sp>
+        <p:nvSpPr>
+          <p:cNvPr id="18" name="ZoneTexte 17">
+            <a:extLst>
+              <a:ext uri="{FF2B5EF4-FFF2-40B4-BE49-F238E27FC236}">
+                <a16:creationId xmlns:a16="http://schemas.microsoft.com/office/drawing/2014/main" id="{A88A297E-204E-4B65-85DD-4E682EA65D2F}"/>
+              </a:ext>
+            </a:extLst>
+          </p:cNvPr>
+          <p:cNvSpPr txBox="1"/>
+          <p:nvPr/>
+        </p:nvSpPr>
+        <p:spPr>
+          <a:xfrm>
+            <a:off x="8403562" y="3912370"/>
+            <a:ext cx="1802738" cy="523220"/>
+          </a:xfrm>
+          <a:prstGeom prst="rect">
+            <a:avLst/>
+          </a:prstGeom>
+          <a:noFill/>
+        </p:spPr>
+        <p:txBody>
+          <a:bodyPr wrap="none" rtlCol="0">
+            <a:spAutoFit/>
+          </a:bodyPr>
+          <a:lstStyle/>
+          <a:p>
+            <a:r>
+              <a:rPr lang="en-US" sz="2800" dirty="0">
+                <a:solidFill>
+                  <a:srgbClr val="0070C0"/>
+                </a:solidFill>
+              </a:rPr>
+              <a:t>Membrane</a:t>
+            </a:r>
+          </a:p>
+        </p:txBody>
+      </p:sp>
+      <p:sp>
+        <p:nvSpPr>
+          <p:cNvPr id="29" name="Forme libre : forme 28">
+            <a:extLst>
+              <a:ext uri="{FF2B5EF4-FFF2-40B4-BE49-F238E27FC236}">
+                <a16:creationId xmlns:a16="http://schemas.microsoft.com/office/drawing/2014/main" id="{C3B52BDD-CE23-413C-8855-E2A495835D6B}"/>
+              </a:ext>
+            </a:extLst>
+          </p:cNvPr>
+          <p:cNvSpPr/>
+          <p:nvPr/>
+        </p:nvSpPr>
+        <p:spPr>
+          <a:xfrm>
+            <a:off x="2974694" y="2847184"/>
+            <a:ext cx="5486400" cy="3080736"/>
+          </a:xfrm>
+          <a:custGeom>
+            <a:avLst/>
+            <a:gdLst>
+              <a:gd name="connsiteX0" fmla="*/ 5486400 w 5486400"/>
+              <a:gd name="connsiteY0" fmla="*/ 188 h 3080736"/>
+              <a:gd name="connsiteX1" fmla="*/ 4832430 w 5486400"/>
+              <a:gd name="connsiteY1" fmla="*/ 335854 h 3080736"/>
+              <a:gd name="connsiteX2" fmla="*/ 3698111 w 5486400"/>
+              <a:gd name="connsiteY2" fmla="*/ 2031545 h 3080736"/>
+              <a:gd name="connsiteX3" fmla="*/ 2708476 w 5486400"/>
+              <a:gd name="connsiteY3" fmla="*/ 2835986 h 3080736"/>
+              <a:gd name="connsiteX4" fmla="*/ 1643605 w 5486400"/>
+              <a:gd name="connsiteY4" fmla="*/ 3073267 h 3080736"/>
+              <a:gd name="connsiteX5" fmla="*/ 0 w 5486400"/>
+              <a:gd name="connsiteY5" fmla="*/ 2998031 h 3080736"/>
+            </a:gdLst>
+            <a:ahLst/>
+            <a:cxnLst>
+              <a:cxn ang="0">
+                <a:pos x="connsiteX0" y="connsiteY0"/>
+              </a:cxn>
+              <a:cxn ang="0">
+                <a:pos x="connsiteX1" y="connsiteY1"/>
+              </a:cxn>
+              <a:cxn ang="0">
+                <a:pos x="connsiteX2" y="connsiteY2"/>
+              </a:cxn>
+              <a:cxn ang="0">
+                <a:pos x="connsiteX3" y="connsiteY3"/>
+              </a:cxn>
+              <a:cxn ang="0">
+                <a:pos x="connsiteX4" y="connsiteY4"/>
+              </a:cxn>
+              <a:cxn ang="0">
+                <a:pos x="connsiteX5" y="connsiteY5"/>
+              </a:cxn>
+            </a:cxnLst>
+            <a:rect l="l" t="t" r="r" b="b"/>
+            <a:pathLst>
+              <a:path w="5486400" h="3080736">
+                <a:moveTo>
+                  <a:pt x="5486400" y="188"/>
+                </a:moveTo>
+                <a:cubicBezTo>
+                  <a:pt x="5308439" y="-1259"/>
+                  <a:pt x="5130478" y="-2705"/>
+                  <a:pt x="4832430" y="335854"/>
+                </a:cubicBezTo>
+                <a:cubicBezTo>
+                  <a:pt x="4534382" y="674413"/>
+                  <a:pt x="4052103" y="1614856"/>
+                  <a:pt x="3698111" y="2031545"/>
+                </a:cubicBezTo>
+                <a:cubicBezTo>
+                  <a:pt x="3344119" y="2448234"/>
+                  <a:pt x="3050894" y="2662366"/>
+                  <a:pt x="2708476" y="2835986"/>
+                </a:cubicBezTo>
+                <a:cubicBezTo>
+                  <a:pt x="2366058" y="3009606"/>
+                  <a:pt x="2095018" y="3046259"/>
+                  <a:pt x="1643605" y="3073267"/>
+                </a:cubicBezTo>
+                <a:cubicBezTo>
+                  <a:pt x="1192192" y="3100275"/>
+                  <a:pt x="596096" y="3049153"/>
+                  <a:pt x="0" y="2998031"/>
+                </a:cubicBezTo>
+              </a:path>
+            </a:pathLst>
+          </a:custGeom>
+          <a:noFill/>
+          <a:ln w="38100">
+            <a:solidFill>
+              <a:schemeClr val="accent1"/>
+            </a:solidFill>
+            <a:tailEnd type="arrow"/>
+          </a:ln>
+        </p:spPr>
+        <p:style>
+          <a:lnRef idx="2">
+            <a:schemeClr val="accent1">
+              <a:shade val="50000"/>
+            </a:schemeClr>
+          </a:lnRef>
+          <a:fillRef idx="1">
+            <a:schemeClr val="accent1"/>
+          </a:fillRef>
+          <a:effectRef idx="0">
+            <a:schemeClr val="accent1"/>
+          </a:effectRef>
+          <a:fontRef idx="minor">
+            <a:schemeClr val="lt1"/>
+          </a:fontRef>
+        </p:style>
+        <p:txBody>
+          <a:bodyPr rtlCol="0" anchor="ctr"/>
+          <a:lstStyle/>
+          <a:p>
+            <a:pPr algn="ctr"/>
+            <a:endParaRPr lang="fr-FR"/>
+          </a:p>
+        </p:txBody>
+      </p:sp>
+    </p:spTree>
+    <p:extLst>
+      <p:ext uri="{BB962C8B-B14F-4D97-AF65-F5344CB8AC3E}">
+        <p14:creationId xmlns:p14="http://schemas.microsoft.com/office/powerpoint/2010/main" val="978886606"/>
+      </p:ext>
+    </p:extLst>
+  </p:cSld>
+  <p:clrMapOvr>
+    <a:masterClrMapping/>
+  </p:clrMapOvr>
+  <p:timing>
+    <p:tnLst>
+      <p:par>
+        <p:cTn id="1" dur="indefinite" restart="never" nodeType="tmRoot">
+          <p:childTnLst>
+            <p:seq concurrent="1" nextAc="seek">
+              <p:cTn id="2" dur="indefinite" nodeType="mainSeq">
+                <p:childTnLst>
+                  <p:par>
+                    <p:cTn id="3" fill="hold">
+                      <p:stCondLst>
+                        <p:cond delay="indefinite"/>
+                      </p:stCondLst>
+                      <p:childTnLst>
+                        <p:par>
+                          <p:cTn id="4" fill="hold">
+                            <p:stCondLst>
+                              <p:cond delay="0"/>
+                            </p:stCondLst>
+                            <p:childTnLst>
+                              <p:par>
+                                <p:cTn id="5" presetID="10" presetClass="entr" presetSubtype="0" fill="hold" grpId="0" nodeType="clickEffect">
+                                  <p:stCondLst>
+                                    <p:cond delay="0"/>
+                                  </p:stCondLst>
+                                  <p:childTnLst>
+                                    <p:set>
+                                      <p:cBhvr>
+                                        <p:cTn id="6" dur="1" fill="hold">
+                                          <p:stCondLst>
+                                            <p:cond delay="0"/>
+                                          </p:stCondLst>
+                                        </p:cTn>
+                                        <p:tgtEl>
+                                          <p:spTgt spid="6"/>
+                                        </p:tgtEl>
+                                        <p:attrNameLst>
+                                          <p:attrName>style.visibility</p:attrName>
+                                        </p:attrNameLst>
+                                      </p:cBhvr>
+                                      <p:to>
+                                        <p:strVal val="visible"/>
+                                      </p:to>
+                                    </p:set>
+                                    <p:animEffect transition="in" filter="fade">
+                                      <p:cBhvr>
+                                        <p:cTn id="7" dur="500"/>
+                                        <p:tgtEl>
+                                          <p:spTgt spid="6"/>
+                                        </p:tgtEl>
+                                      </p:cBhvr>
+                                    </p:animEffect>
+                                  </p:childTnLst>
+                                </p:cTn>
+                              </p:par>
+                              <p:par>
+                                <p:cTn id="8" presetID="10" presetClass="entr" presetSubtype="0" fill="hold" nodeType="withEffect">
+                                  <p:stCondLst>
+                                    <p:cond delay="0"/>
+                                  </p:stCondLst>
+                                  <p:childTnLst>
+                                    <p:set>
+                                      <p:cBhvr>
+                                        <p:cTn id="9" dur="1" fill="hold">
+                                          <p:stCondLst>
+                                            <p:cond delay="0"/>
+                                          </p:stCondLst>
+                                        </p:cTn>
+                                        <p:tgtEl>
+                                          <p:spTgt spid="3"/>
+                                        </p:tgtEl>
+                                        <p:attrNameLst>
+                                          <p:attrName>style.visibility</p:attrName>
+                                        </p:attrNameLst>
+                                      </p:cBhvr>
+                                      <p:to>
+                                        <p:strVal val="visible"/>
+                                      </p:to>
+                                    </p:set>
+                                    <p:animEffect transition="in" filter="fade">
+                                      <p:cBhvr>
+                                        <p:cTn id="10" dur="500"/>
+                                        <p:tgtEl>
+                                          <p:spTgt spid="3"/>
+                                        </p:tgtEl>
+                                      </p:cBhvr>
+                                    </p:animEffect>
+                                  </p:childTnLst>
+                                </p:cTn>
+                              </p:par>
+                              <p:par>
+                                <p:cTn id="11" presetID="10" presetClass="entr" presetSubtype="0" fill="hold" grpId="0" nodeType="withEffect">
+                                  <p:stCondLst>
+                                    <p:cond delay="0"/>
+                                  </p:stCondLst>
+                                  <p:childTnLst>
+                                    <p:set>
+                                      <p:cBhvr>
+                                        <p:cTn id="12" dur="1" fill="hold">
+                                          <p:stCondLst>
+                                            <p:cond delay="0"/>
+                                          </p:stCondLst>
+                                        </p:cTn>
+                                        <p:tgtEl>
+                                          <p:spTgt spid="15"/>
+                                        </p:tgtEl>
+                                        <p:attrNameLst>
+                                          <p:attrName>style.visibility</p:attrName>
+                                        </p:attrNameLst>
+                                      </p:cBhvr>
+                                      <p:to>
+                                        <p:strVal val="visible"/>
+                                      </p:to>
+                                    </p:set>
+                                    <p:animEffect transition="in" filter="fade">
+                                      <p:cBhvr>
+                                        <p:cTn id="13" dur="500"/>
+                                        <p:tgtEl>
+                                          <p:spTgt spid="15"/>
+                                        </p:tgtEl>
+                                      </p:cBhvr>
+                                    </p:animEffect>
+                                  </p:childTnLst>
+                                </p:cTn>
+                              </p:par>
+                            </p:childTnLst>
+                          </p:cTn>
+                        </p:par>
+                      </p:childTnLst>
+                    </p:cTn>
+                  </p:par>
+                  <p:par>
+                    <p:cTn id="14" fill="hold">
+                      <p:stCondLst>
+                        <p:cond delay="indefinite"/>
+                      </p:stCondLst>
+                      <p:childTnLst>
+                        <p:par>
+                          <p:cTn id="15" fill="hold">
+                            <p:stCondLst>
+                              <p:cond delay="0"/>
+                            </p:stCondLst>
+                            <p:childTnLst>
+                              <p:par>
+                                <p:cTn id="16" presetID="10" presetClass="entr" presetSubtype="0" fill="hold" grpId="0" nodeType="clickEffect">
+                                  <p:stCondLst>
+                                    <p:cond delay="0"/>
+                                  </p:stCondLst>
+                                  <p:childTnLst>
+                                    <p:set>
+                                      <p:cBhvr>
+                                        <p:cTn id="17" dur="1" fill="hold">
+                                          <p:stCondLst>
+                                            <p:cond delay="0"/>
+                                          </p:stCondLst>
+                                        </p:cTn>
+                                        <p:tgtEl>
+                                          <p:spTgt spid="5"/>
+                                        </p:tgtEl>
+                                        <p:attrNameLst>
+                                          <p:attrName>style.visibility</p:attrName>
+                                        </p:attrNameLst>
+                                      </p:cBhvr>
+                                      <p:to>
+                                        <p:strVal val="visible"/>
+                                      </p:to>
+                                    </p:set>
+                                    <p:animEffect transition="in" filter="fade">
+                                      <p:cBhvr>
+                                        <p:cTn id="18" dur="500"/>
+                                        <p:tgtEl>
+                                          <p:spTgt spid="5"/>
+                                        </p:tgtEl>
+                                      </p:cBhvr>
+                                    </p:animEffect>
+                                  </p:childTnLst>
+                                </p:cTn>
+                              </p:par>
+                              <p:par>
+                                <p:cTn id="19" presetID="10" presetClass="entr" presetSubtype="0" fill="hold" nodeType="withEffect">
+                                  <p:stCondLst>
+                                    <p:cond delay="0"/>
+                                  </p:stCondLst>
+                                  <p:childTnLst>
+                                    <p:set>
+                                      <p:cBhvr>
+                                        <p:cTn id="20" dur="1" fill="hold">
+                                          <p:stCondLst>
+                                            <p:cond delay="0"/>
+                                          </p:stCondLst>
+                                        </p:cTn>
+                                        <p:tgtEl>
+                                          <p:spTgt spid="8"/>
+                                        </p:tgtEl>
+                                        <p:attrNameLst>
+                                          <p:attrName>style.visibility</p:attrName>
+                                        </p:attrNameLst>
+                                      </p:cBhvr>
+                                      <p:to>
+                                        <p:strVal val="visible"/>
+                                      </p:to>
+                                    </p:set>
+                                    <p:animEffect transition="in" filter="fade">
+                                      <p:cBhvr>
+                                        <p:cTn id="21" dur="500"/>
+                                        <p:tgtEl>
+                                          <p:spTgt spid="8"/>
+                                        </p:tgtEl>
+                                      </p:cBhvr>
+                                    </p:animEffect>
+                                  </p:childTnLst>
+                                </p:cTn>
+                              </p:par>
+                              <p:par>
+                                <p:cTn id="22" presetID="10" presetClass="entr" presetSubtype="0" fill="hold" grpId="0" nodeType="withEffect">
+                                  <p:stCondLst>
+                                    <p:cond delay="0"/>
+                                  </p:stCondLst>
+                                  <p:childTnLst>
+                                    <p:set>
+                                      <p:cBhvr>
+                                        <p:cTn id="23" dur="1" fill="hold">
+                                          <p:stCondLst>
+                                            <p:cond delay="0"/>
+                                          </p:stCondLst>
+                                        </p:cTn>
+                                        <p:tgtEl>
+                                          <p:spTgt spid="18"/>
+                                        </p:tgtEl>
+                                        <p:attrNameLst>
+                                          <p:attrName>style.visibility</p:attrName>
+                                        </p:attrNameLst>
+                                      </p:cBhvr>
+                                      <p:to>
+                                        <p:strVal val="visible"/>
+                                      </p:to>
+                                    </p:set>
+                                    <p:animEffect transition="in" filter="fade">
+                                      <p:cBhvr>
+                                        <p:cTn id="24" dur="500"/>
+                                        <p:tgtEl>
+                                          <p:spTgt spid="18"/>
+                                        </p:tgtEl>
+                                      </p:cBhvr>
+                                    </p:animEffect>
+                                  </p:childTnLst>
+                                </p:cTn>
+                              </p:par>
+                            </p:childTnLst>
+                          </p:cTn>
+                        </p:par>
+                      </p:childTnLst>
+                    </p:cTn>
+                  </p:par>
+                  <p:par>
+                    <p:cTn id="25" fill="hold">
+                      <p:stCondLst>
+                        <p:cond delay="indefinite"/>
+                      </p:stCondLst>
+                      <p:childTnLst>
+                        <p:par>
+                          <p:cTn id="26" fill="hold">
+                            <p:stCondLst>
+                              <p:cond delay="0"/>
+                            </p:stCondLst>
+                            <p:childTnLst>
+                              <p:par>
+                                <p:cTn id="27" presetID="10" presetClass="entr" presetSubtype="0" fill="hold" grpId="0" nodeType="clickEffect">
+                                  <p:stCondLst>
+                                    <p:cond delay="0"/>
+                                  </p:stCondLst>
+                                  <p:childTnLst>
+                                    <p:set>
+                                      <p:cBhvr>
+                                        <p:cTn id="28" dur="1" fill="hold">
+                                          <p:stCondLst>
+                                            <p:cond delay="0"/>
+                                          </p:stCondLst>
+                                        </p:cTn>
+                                        <p:tgtEl>
+                                          <p:spTgt spid="29"/>
+                                        </p:tgtEl>
+                                        <p:attrNameLst>
+                                          <p:attrName>style.visibility</p:attrName>
+                                        </p:attrNameLst>
+                                      </p:cBhvr>
+                                      <p:to>
+                                        <p:strVal val="visible"/>
+                                      </p:to>
+                                    </p:set>
+                                    <p:animEffect transition="in" filter="fade">
+                                      <p:cBhvr>
+                                        <p:cTn id="29" dur="500"/>
+                                        <p:tgtEl>
+                                          <p:spTgt spid="29"/>
+                                        </p:tgtEl>
+                                      </p:cBhvr>
+                                    </p:animEffect>
+                                  </p:childTnLst>
+                                </p:cTn>
+                              </p:par>
+                              <p:par>
+                                <p:cTn id="30" presetID="10" presetClass="entr" presetSubtype="0" fill="hold" grpId="0" nodeType="withEffect">
+                                  <p:stCondLst>
+                                    <p:cond delay="0"/>
+                                  </p:stCondLst>
+                                  <p:childTnLst>
+                                    <p:set>
+                                      <p:cBhvr>
+                                        <p:cTn id="31" dur="1" fill="hold">
+                                          <p:stCondLst>
+                                            <p:cond delay="0"/>
+                                          </p:stCondLst>
+                                        </p:cTn>
+                                        <p:tgtEl>
+                                          <p:spTgt spid="17"/>
+                                        </p:tgtEl>
+                                        <p:attrNameLst>
+                                          <p:attrName>style.visibility</p:attrName>
+                                        </p:attrNameLst>
+                                      </p:cBhvr>
+                                      <p:to>
+                                        <p:strVal val="visible"/>
+                                      </p:to>
+                                    </p:set>
+                                    <p:animEffect transition="in" filter="fade">
+                                      <p:cBhvr>
+                                        <p:cTn id="32" dur="500"/>
+                                        <p:tgtEl>
+                                          <p:spTgt spid="17"/>
+                                        </p:tgtEl>
+                                      </p:cBhvr>
+                                    </p:animEffect>
+                                  </p:childTnLst>
+                                </p:cTn>
+                              </p:par>
+                            </p:childTnLst>
+                          </p:cTn>
+                        </p:par>
+                      </p:childTnLst>
+                    </p:cTn>
+                  </p:par>
+                </p:childTnLst>
+              </p:cTn>
+              <p:prevCondLst>
+                <p:cond evt="onPrev" delay="0">
+                  <p:tgtEl>
+                    <p:sldTgt/>
+                  </p:tgtEl>
+                </p:cond>
+              </p:prevCondLst>
+              <p:nextCondLst>
+                <p:cond evt="onNext" delay="0">
+                  <p:tgtEl>
+                    <p:sldTgt/>
+                  </p:tgtEl>
+                </p:cond>
+              </p:nextCondLst>
+            </p:seq>
+          </p:childTnLst>
+        </p:cTn>
+      </p:par>
+    </p:tnLst>
+    <p:bldLst>
+      <p:bldP spid="5" grpId="0" animBg="1"/>
+      <p:bldP spid="6" grpId="0" animBg="1"/>
+      <p:bldP spid="15" grpId="0"/>
+      <p:bldP spid="17" grpId="0"/>
+      <p:bldP spid="18" grpId="0"/>
+      <p:bldP spid="29" grpId="0" animBg="1"/>
+    </p:bldLst>
+  </p:timing>
 </p:sld>
 </file>
 

--- a/SolvingNimsGame.pptx
+++ b/SolvingNimsGame.pptx
@@ -5,13 +5,17 @@
     <p:sldMasterId id="2147483648" r:id="rId1"/>
   </p:sldMasterIdLst>
   <p:notesMasterIdLst>
-    <p:notesMasterId r:id="rId6"/>
+    <p:notesMasterId r:id="rId10"/>
   </p:notesMasterIdLst>
   <p:sldIdLst>
     <p:sldId id="258" r:id="rId2"/>
     <p:sldId id="259" r:id="rId3"/>
     <p:sldId id="260" r:id="rId4"/>
     <p:sldId id="261" r:id="rId5"/>
+    <p:sldId id="262" r:id="rId6"/>
+    <p:sldId id="263" r:id="rId7"/>
+    <p:sldId id="264" r:id="rId8"/>
+    <p:sldId id="265" r:id="rId9"/>
   </p:sldIdLst>
   <p:sldSz cx="12192000" cy="6858000"/>
   <p:notesSz cx="6858000" cy="9144000"/>
@@ -627,6 +631,411 @@
     <p:extLst>
       <p:ext uri="{BB962C8B-B14F-4D97-AF65-F5344CB8AC3E}">
         <p14:creationId xmlns:p14="http://schemas.microsoft.com/office/powerpoint/2010/main" val="555148891"/>
+      </p:ext>
+    </p:extLst>
+  </p:cSld>
+  <p:clrMapOvr>
+    <a:masterClrMapping/>
+  </p:clrMapOvr>
+</p:notes>
+</file>
+
+<file path=ppt/notesSlides/notesSlide3.xml><?xml version="1.0" encoding="utf-8"?>
+<p:notes xmlns:a="http://schemas.openxmlformats.org/drawingml/2006/main" xmlns:r="http://schemas.openxmlformats.org/officeDocument/2006/relationships" xmlns:p="http://schemas.openxmlformats.org/presentationml/2006/main">
+  <p:cSld>
+    <p:spTree>
+      <p:nvGrpSpPr>
+        <p:cNvPr id="1" name=""/>
+        <p:cNvGrpSpPr/>
+        <p:nvPr/>
+      </p:nvGrpSpPr>
+      <p:grpSpPr>
+        <a:xfrm>
+          <a:off x="0" y="0"/>
+          <a:ext cx="0" cy="0"/>
+          <a:chOff x="0" y="0"/>
+          <a:chExt cx="0" cy="0"/>
+        </a:xfrm>
+      </p:grpSpPr>
+      <p:sp>
+        <p:nvSpPr>
+          <p:cNvPr id="2" name="Espace réservé de l'image des diapositives 1"/>
+          <p:cNvSpPr>
+            <a:spLocks noGrp="1" noRot="1" noChangeAspect="1"/>
+          </p:cNvSpPr>
+          <p:nvPr>
+            <p:ph type="sldImg"/>
+          </p:nvPr>
+        </p:nvSpPr>
+        <p:spPr/>
+      </p:sp>
+      <p:sp>
+        <p:nvSpPr>
+          <p:cNvPr id="3" name="Espace réservé des notes 2"/>
+          <p:cNvSpPr>
+            <a:spLocks noGrp="1"/>
+          </p:cNvSpPr>
+          <p:nvPr>
+            <p:ph type="body" idx="1"/>
+          </p:nvPr>
+        </p:nvSpPr>
+        <p:spPr/>
+        <p:txBody>
+          <a:bodyPr/>
+          <a:lstStyle/>
+          <a:p>
+            <a:r>
+              <a:rPr lang="fr-FR" dirty="0"/>
+              <a:t>Emplacement de l’information génétique d’une cellule</a:t>
+            </a:r>
+          </a:p>
+          <a:p>
+            <a:pPr marL="171450" indent="-171450">
+              <a:buFont typeface="Symbol" panose="05050102010706020507" pitchFamily="18" charset="2"/>
+              <a:buChar char="Þ"/>
+            </a:pPr>
+            <a:r>
+              <a:rPr lang="fr-FR" dirty="0"/>
+              <a:t>Toutes les cellules ont l’intégralité du code génétique, mais après la « différentiation cellulaire », seule une partie est utilisé.</a:t>
+            </a:r>
+          </a:p>
+          <a:p>
+            <a:pPr marL="171450" indent="-171450">
+              <a:buFont typeface="Symbol" panose="05050102010706020507" pitchFamily="18" charset="2"/>
+              <a:buChar char="Þ"/>
+            </a:pPr>
+            <a:r>
+              <a:rPr lang="fr-FR" dirty="0"/>
+              <a:t>C’est en trompant une cellule sur sa différentiation qu’on peut faire des truc cools (</a:t>
+            </a:r>
+            <a:r>
+              <a:rPr lang="fr-FR" dirty="0" err="1"/>
+              <a:t>eg</a:t>
+            </a:r>
+            <a:r>
+              <a:rPr lang="fr-FR" dirty="0"/>
+              <a:t>…)</a:t>
+            </a:r>
+          </a:p>
+        </p:txBody>
+      </p:sp>
+      <p:sp>
+        <p:nvSpPr>
+          <p:cNvPr id="4" name="Espace réservé du numéro de diapositive 3"/>
+          <p:cNvSpPr>
+            <a:spLocks noGrp="1"/>
+          </p:cNvSpPr>
+          <p:nvPr>
+            <p:ph type="sldNum" sz="quarter" idx="5"/>
+          </p:nvPr>
+        </p:nvSpPr>
+        <p:spPr/>
+        <p:txBody>
+          <a:bodyPr/>
+          <a:lstStyle/>
+          <a:p>
+            <a:fld id="{A30E9263-1FA5-4909-8E72-BCFE817977D6}" type="slidenum">
+              <a:rPr lang="fr-FR" smtClean="0"/>
+              <a:t>5</a:t>
+            </a:fld>
+            <a:endParaRPr lang="fr-FR"/>
+          </a:p>
+        </p:txBody>
+      </p:sp>
+    </p:spTree>
+    <p:extLst>
+      <p:ext uri="{BB962C8B-B14F-4D97-AF65-F5344CB8AC3E}">
+        <p14:creationId xmlns:p14="http://schemas.microsoft.com/office/powerpoint/2010/main" val="2501760075"/>
+      </p:ext>
+    </p:extLst>
+  </p:cSld>
+  <p:clrMapOvr>
+    <a:masterClrMapping/>
+  </p:clrMapOvr>
+</p:notes>
+</file>
+
+<file path=ppt/notesSlides/notesSlide4.xml><?xml version="1.0" encoding="utf-8"?>
+<p:notes xmlns:a="http://schemas.openxmlformats.org/drawingml/2006/main" xmlns:r="http://schemas.openxmlformats.org/officeDocument/2006/relationships" xmlns:p="http://schemas.openxmlformats.org/presentationml/2006/main">
+  <p:cSld>
+    <p:spTree>
+      <p:nvGrpSpPr>
+        <p:cNvPr id="1" name=""/>
+        <p:cNvGrpSpPr/>
+        <p:nvPr/>
+      </p:nvGrpSpPr>
+      <p:grpSpPr>
+        <a:xfrm>
+          <a:off x="0" y="0"/>
+          <a:ext cx="0" cy="0"/>
+          <a:chOff x="0" y="0"/>
+          <a:chExt cx="0" cy="0"/>
+        </a:xfrm>
+      </p:grpSpPr>
+      <p:sp>
+        <p:nvSpPr>
+          <p:cNvPr id="2" name="Espace réservé de l'image des diapositives 1"/>
+          <p:cNvSpPr>
+            <a:spLocks noGrp="1" noRot="1" noChangeAspect="1"/>
+          </p:cNvSpPr>
+          <p:nvPr>
+            <p:ph type="sldImg"/>
+          </p:nvPr>
+        </p:nvSpPr>
+        <p:spPr/>
+      </p:sp>
+      <p:sp>
+        <p:nvSpPr>
+          <p:cNvPr id="3" name="Espace réservé des notes 2"/>
+          <p:cNvSpPr>
+            <a:spLocks noGrp="1"/>
+          </p:cNvSpPr>
+          <p:nvPr>
+            <p:ph type="body" idx="1"/>
+          </p:nvPr>
+        </p:nvSpPr>
+        <p:spPr/>
+        <p:txBody>
+          <a:bodyPr/>
+          <a:lstStyle/>
+          <a:p>
+            <a:r>
+              <a:rPr lang="fr-FR" dirty="0"/>
+              <a:t>Cellules diploïdes vs </a:t>
+            </a:r>
+            <a:r>
+              <a:rPr lang="fr-FR" dirty="0" err="1"/>
+              <a:t>haploïds</a:t>
+            </a:r>
+            <a:endParaRPr lang="fr-FR" dirty="0"/>
+          </a:p>
+        </p:txBody>
+      </p:sp>
+      <p:sp>
+        <p:nvSpPr>
+          <p:cNvPr id="4" name="Espace réservé du numéro de diapositive 3"/>
+          <p:cNvSpPr>
+            <a:spLocks noGrp="1"/>
+          </p:cNvSpPr>
+          <p:nvPr>
+            <p:ph type="sldNum" sz="quarter" idx="5"/>
+          </p:nvPr>
+        </p:nvSpPr>
+        <p:spPr/>
+        <p:txBody>
+          <a:bodyPr/>
+          <a:lstStyle/>
+          <a:p>
+            <a:fld id="{A30E9263-1FA5-4909-8E72-BCFE817977D6}" type="slidenum">
+              <a:rPr lang="fr-FR" smtClean="0"/>
+              <a:t>6</a:t>
+            </a:fld>
+            <a:endParaRPr lang="fr-FR"/>
+          </a:p>
+        </p:txBody>
+      </p:sp>
+    </p:spTree>
+    <p:extLst>
+      <p:ext uri="{BB962C8B-B14F-4D97-AF65-F5344CB8AC3E}">
+        <p14:creationId xmlns:p14="http://schemas.microsoft.com/office/powerpoint/2010/main" val="2619475966"/>
+      </p:ext>
+    </p:extLst>
+  </p:cSld>
+  <p:clrMapOvr>
+    <a:masterClrMapping/>
+  </p:clrMapOvr>
+</p:notes>
+</file>
+
+<file path=ppt/notesSlides/notesSlide5.xml><?xml version="1.0" encoding="utf-8"?>
+<p:notes xmlns:a="http://schemas.openxmlformats.org/drawingml/2006/main" xmlns:r="http://schemas.openxmlformats.org/officeDocument/2006/relationships" xmlns:p="http://schemas.openxmlformats.org/presentationml/2006/main">
+  <p:cSld>
+    <p:spTree>
+      <p:nvGrpSpPr>
+        <p:cNvPr id="1" name=""/>
+        <p:cNvGrpSpPr/>
+        <p:nvPr/>
+      </p:nvGrpSpPr>
+      <p:grpSpPr>
+        <a:xfrm>
+          <a:off x="0" y="0"/>
+          <a:ext cx="0" cy="0"/>
+          <a:chOff x="0" y="0"/>
+          <a:chExt cx="0" cy="0"/>
+        </a:xfrm>
+      </p:grpSpPr>
+      <p:sp>
+        <p:nvSpPr>
+          <p:cNvPr id="2" name="Espace réservé de l'image des diapositives 1"/>
+          <p:cNvSpPr>
+            <a:spLocks noGrp="1" noRot="1" noChangeAspect="1"/>
+          </p:cNvSpPr>
+          <p:nvPr>
+            <p:ph type="sldImg"/>
+          </p:nvPr>
+        </p:nvSpPr>
+        <p:spPr/>
+      </p:sp>
+      <p:sp>
+        <p:nvSpPr>
+          <p:cNvPr id="3" name="Espace réservé des notes 2"/>
+          <p:cNvSpPr>
+            <a:spLocks noGrp="1"/>
+          </p:cNvSpPr>
+          <p:nvPr>
+            <p:ph type="body" idx="1"/>
+          </p:nvPr>
+        </p:nvSpPr>
+        <p:spPr/>
+        <p:txBody>
+          <a:bodyPr/>
+          <a:lstStyle/>
+          <a:p>
+            <a:r>
+              <a:rPr lang="fr-FR" dirty="0"/>
+              <a:t>Définition Gènes, Allèles, Locus</a:t>
+            </a:r>
+          </a:p>
+          <a:p>
+            <a:r>
+              <a:rPr lang="fr-FR" dirty="0"/>
+              <a:t>Exemples?</a:t>
+            </a:r>
+          </a:p>
+          <a:p>
+            <a:r>
+              <a:rPr lang="fr-FR" dirty="0"/>
+              <a:t>Homozygotes / Hétérozygotes</a:t>
+            </a:r>
+          </a:p>
+        </p:txBody>
+      </p:sp>
+      <p:sp>
+        <p:nvSpPr>
+          <p:cNvPr id="4" name="Espace réservé du numéro de diapositive 3"/>
+          <p:cNvSpPr>
+            <a:spLocks noGrp="1"/>
+          </p:cNvSpPr>
+          <p:nvPr>
+            <p:ph type="sldNum" sz="quarter" idx="5"/>
+          </p:nvPr>
+        </p:nvSpPr>
+        <p:spPr/>
+        <p:txBody>
+          <a:bodyPr/>
+          <a:lstStyle/>
+          <a:p>
+            <a:fld id="{A30E9263-1FA5-4909-8E72-BCFE817977D6}" type="slidenum">
+              <a:rPr lang="fr-FR" smtClean="0"/>
+              <a:t>7</a:t>
+            </a:fld>
+            <a:endParaRPr lang="fr-FR"/>
+          </a:p>
+        </p:txBody>
+      </p:sp>
+    </p:spTree>
+    <p:extLst>
+      <p:ext uri="{BB962C8B-B14F-4D97-AF65-F5344CB8AC3E}">
+        <p14:creationId xmlns:p14="http://schemas.microsoft.com/office/powerpoint/2010/main" val="2732658545"/>
+      </p:ext>
+    </p:extLst>
+  </p:cSld>
+  <p:clrMapOvr>
+    <a:masterClrMapping/>
+  </p:clrMapOvr>
+</p:notes>
+</file>
+
+<file path=ppt/notesSlides/notesSlide6.xml><?xml version="1.0" encoding="utf-8"?>
+<p:notes xmlns:a="http://schemas.openxmlformats.org/drawingml/2006/main" xmlns:r="http://schemas.openxmlformats.org/officeDocument/2006/relationships" xmlns:p="http://schemas.openxmlformats.org/presentationml/2006/main">
+  <p:cSld>
+    <p:spTree>
+      <p:nvGrpSpPr>
+        <p:cNvPr id="1" name=""/>
+        <p:cNvGrpSpPr/>
+        <p:nvPr/>
+      </p:nvGrpSpPr>
+      <p:grpSpPr>
+        <a:xfrm>
+          <a:off x="0" y="0"/>
+          <a:ext cx="0" cy="0"/>
+          <a:chOff x="0" y="0"/>
+          <a:chExt cx="0" cy="0"/>
+        </a:xfrm>
+      </p:grpSpPr>
+      <p:sp>
+        <p:nvSpPr>
+          <p:cNvPr id="2" name="Espace réservé de l'image des diapositives 1"/>
+          <p:cNvSpPr>
+            <a:spLocks noGrp="1" noRot="1" noChangeAspect="1"/>
+          </p:cNvSpPr>
+          <p:nvPr>
+            <p:ph type="sldImg"/>
+          </p:nvPr>
+        </p:nvSpPr>
+        <p:spPr/>
+      </p:sp>
+      <p:sp>
+        <p:nvSpPr>
+          <p:cNvPr id="3" name="Espace réservé des notes 2"/>
+          <p:cNvSpPr>
+            <a:spLocks noGrp="1"/>
+          </p:cNvSpPr>
+          <p:nvPr>
+            <p:ph type="body" idx="1"/>
+          </p:nvPr>
+        </p:nvSpPr>
+        <p:spPr/>
+        <p:txBody>
+          <a:bodyPr/>
+          <a:lstStyle/>
+          <a:p>
+            <a:r>
+              <a:rPr lang="fr-FR" dirty="0"/>
+              <a:t>Définition Génotype, Phénotype</a:t>
+            </a:r>
+          </a:p>
+          <a:p>
+            <a:r>
+              <a:rPr lang="fr-FR" dirty="0"/>
+              <a:t>Différence Homme-Femme</a:t>
+            </a:r>
+          </a:p>
+          <a:p>
+            <a:r>
+              <a:rPr lang="fr-FR" dirty="0"/>
+              <a:t>Trisomie 21</a:t>
+            </a:r>
+          </a:p>
+        </p:txBody>
+      </p:sp>
+      <p:sp>
+        <p:nvSpPr>
+          <p:cNvPr id="4" name="Espace réservé du numéro de diapositive 3"/>
+          <p:cNvSpPr>
+            <a:spLocks noGrp="1"/>
+          </p:cNvSpPr>
+          <p:nvPr>
+            <p:ph type="sldNum" sz="quarter" idx="5"/>
+          </p:nvPr>
+        </p:nvSpPr>
+        <p:spPr/>
+        <p:txBody>
+          <a:bodyPr/>
+          <a:lstStyle/>
+          <a:p>
+            <a:fld id="{A30E9263-1FA5-4909-8E72-BCFE817977D6}" type="slidenum">
+              <a:rPr lang="fr-FR" smtClean="0"/>
+              <a:t>8</a:t>
+            </a:fld>
+            <a:endParaRPr lang="fr-FR"/>
+          </a:p>
+        </p:txBody>
+      </p:sp>
+    </p:spTree>
+    <p:extLst>
+      <p:ext uri="{BB962C8B-B14F-4D97-AF65-F5344CB8AC3E}">
+        <p14:creationId xmlns:p14="http://schemas.microsoft.com/office/powerpoint/2010/main" val="1154060632"/>
       </p:ext>
     </p:extLst>
   </p:cSld>
@@ -6201,6 +6610,5140 @@
       <p:bldP spid="29" grpId="0" animBg="1"/>
     </p:bldLst>
   </p:timing>
+</p:sld>
+</file>
+
+<file path=ppt/slides/slide5.xml><?xml version="1.0" encoding="utf-8"?>
+<p:sld xmlns:a="http://schemas.openxmlformats.org/drawingml/2006/main" xmlns:r="http://schemas.openxmlformats.org/officeDocument/2006/relationships" xmlns:p="http://schemas.openxmlformats.org/presentationml/2006/main">
+  <p:cSld>
+    <p:spTree>
+      <p:nvGrpSpPr>
+        <p:cNvPr id="1" name=""/>
+        <p:cNvGrpSpPr/>
+        <p:nvPr/>
+      </p:nvGrpSpPr>
+      <p:grpSpPr>
+        <a:xfrm>
+          <a:off x="0" y="0"/>
+          <a:ext cx="0" cy="0"/>
+          <a:chOff x="0" y="0"/>
+          <a:chExt cx="0" cy="0"/>
+        </a:xfrm>
+      </p:grpSpPr>
+      <p:sp>
+        <p:nvSpPr>
+          <p:cNvPr id="4" name="Titre 3">
+            <a:extLst>
+              <a:ext uri="{FF2B5EF4-FFF2-40B4-BE49-F238E27FC236}">
+                <a16:creationId xmlns:a16="http://schemas.microsoft.com/office/drawing/2014/main" id="{49E736D7-67F0-41B4-90E7-92366A182D17}"/>
+              </a:ext>
+            </a:extLst>
+          </p:cNvPr>
+          <p:cNvSpPr>
+            <a:spLocks noGrp="1"/>
+          </p:cNvSpPr>
+          <p:nvPr>
+            <p:ph type="title"/>
+          </p:nvPr>
+        </p:nvSpPr>
+        <p:spPr/>
+        <p:txBody>
+          <a:bodyPr/>
+          <a:lstStyle/>
+          <a:p>
+            <a:r>
+              <a:rPr lang="en-US" b="1" dirty="0">
+                <a:solidFill>
+                  <a:srgbClr val="FF0000"/>
+                </a:solidFill>
+              </a:rPr>
+              <a:t>Genetic Code in Cells</a:t>
+            </a:r>
+          </a:p>
+        </p:txBody>
+      </p:sp>
+      <p:sp>
+        <p:nvSpPr>
+          <p:cNvPr id="5" name="Ellipse 4">
+            <a:extLst>
+              <a:ext uri="{FF2B5EF4-FFF2-40B4-BE49-F238E27FC236}">
+                <a16:creationId xmlns:a16="http://schemas.microsoft.com/office/drawing/2014/main" id="{97EF94BE-C150-4787-93D5-E298499FAB1D}"/>
+              </a:ext>
+            </a:extLst>
+          </p:cNvPr>
+          <p:cNvSpPr/>
+          <p:nvPr/>
+        </p:nvSpPr>
+        <p:spPr>
+          <a:xfrm>
+            <a:off x="792866" y="1736202"/>
+            <a:ext cx="6603357" cy="4681960"/>
+          </a:xfrm>
+          <a:prstGeom prst="ellipse">
+            <a:avLst/>
+          </a:prstGeom>
+          <a:noFill/>
+          <a:ln w="76200">
+            <a:solidFill>
+              <a:schemeClr val="tx1">
+                <a:lumMod val="50000"/>
+                <a:lumOff val="50000"/>
+              </a:schemeClr>
+            </a:solidFill>
+          </a:ln>
+        </p:spPr>
+        <p:style>
+          <a:lnRef idx="2">
+            <a:schemeClr val="accent1">
+              <a:shade val="50000"/>
+            </a:schemeClr>
+          </a:lnRef>
+          <a:fillRef idx="1">
+            <a:schemeClr val="accent1"/>
+          </a:fillRef>
+          <a:effectRef idx="0">
+            <a:schemeClr val="accent1"/>
+          </a:effectRef>
+          <a:fontRef idx="minor">
+            <a:schemeClr val="lt1"/>
+          </a:fontRef>
+        </p:style>
+        <p:txBody>
+          <a:bodyPr rtlCol="0" anchor="ctr"/>
+          <a:lstStyle/>
+          <a:p>
+            <a:pPr algn="ctr"/>
+            <a:endParaRPr lang="fr-FR"/>
+          </a:p>
+        </p:txBody>
+      </p:sp>
+      <p:sp>
+        <p:nvSpPr>
+          <p:cNvPr id="6" name="Ellipse 5">
+            <a:extLst>
+              <a:ext uri="{FF2B5EF4-FFF2-40B4-BE49-F238E27FC236}">
+                <a16:creationId xmlns:a16="http://schemas.microsoft.com/office/drawing/2014/main" id="{3B2E61C6-8B32-4495-AC5F-A9E5C408E673}"/>
+              </a:ext>
+            </a:extLst>
+          </p:cNvPr>
+          <p:cNvSpPr/>
+          <p:nvPr/>
+        </p:nvSpPr>
+        <p:spPr>
+          <a:xfrm>
+            <a:off x="3310360" y="2078620"/>
+            <a:ext cx="2835798" cy="2700760"/>
+          </a:xfrm>
+          <a:prstGeom prst="ellipse">
+            <a:avLst/>
+          </a:prstGeom>
+          <a:solidFill>
+            <a:schemeClr val="bg1">
+              <a:lumMod val="95000"/>
+            </a:schemeClr>
+          </a:solidFill>
+          <a:ln w="19050">
+            <a:solidFill>
+              <a:schemeClr val="tx1"/>
+            </a:solidFill>
+          </a:ln>
+        </p:spPr>
+        <p:style>
+          <a:lnRef idx="2">
+            <a:schemeClr val="accent1">
+              <a:shade val="50000"/>
+            </a:schemeClr>
+          </a:lnRef>
+          <a:fillRef idx="1">
+            <a:schemeClr val="accent1"/>
+          </a:fillRef>
+          <a:effectRef idx="0">
+            <a:schemeClr val="accent1"/>
+          </a:effectRef>
+          <a:fontRef idx="minor">
+            <a:schemeClr val="lt1"/>
+          </a:fontRef>
+        </p:style>
+        <p:txBody>
+          <a:bodyPr rtlCol="0" anchor="ctr"/>
+          <a:lstStyle/>
+          <a:p>
+            <a:pPr algn="ctr"/>
+            <a:endParaRPr lang="fr-FR" dirty="0"/>
+          </a:p>
+        </p:txBody>
+      </p:sp>
+      <p:grpSp>
+        <p:nvGrpSpPr>
+          <p:cNvPr id="3" name="Groupe 2">
+            <a:extLst>
+              <a:ext uri="{FF2B5EF4-FFF2-40B4-BE49-F238E27FC236}">
+                <a16:creationId xmlns:a16="http://schemas.microsoft.com/office/drawing/2014/main" id="{FCED91BE-E2E3-4779-AD93-DC23402275BC}"/>
+              </a:ext>
+            </a:extLst>
+          </p:cNvPr>
+          <p:cNvGrpSpPr/>
+          <p:nvPr/>
+        </p:nvGrpSpPr>
+        <p:grpSpPr>
+          <a:xfrm>
+            <a:off x="3842794" y="3343238"/>
+            <a:ext cx="386305" cy="655356"/>
+            <a:chOff x="3842794" y="3343238"/>
+            <a:chExt cx="386305" cy="655356"/>
+          </a:xfrm>
+        </p:grpSpPr>
+        <p:sp>
+          <p:nvSpPr>
+            <p:cNvPr id="2" name="Forme libre : forme 1">
+              <a:extLst>
+                <a:ext uri="{FF2B5EF4-FFF2-40B4-BE49-F238E27FC236}">
+                  <a16:creationId xmlns:a16="http://schemas.microsoft.com/office/drawing/2014/main" id="{8176898B-5DE0-4B02-BA83-C82502CA21B2}"/>
+                </a:ext>
+              </a:extLst>
+            </p:cNvPr>
+            <p:cNvSpPr/>
+            <p:nvPr/>
+          </p:nvSpPr>
+          <p:spPr>
+            <a:xfrm>
+              <a:off x="3842794" y="3426105"/>
+              <a:ext cx="184375" cy="572489"/>
+            </a:xfrm>
+            <a:custGeom>
+              <a:avLst/>
+              <a:gdLst>
+                <a:gd name="connsiteX0" fmla="*/ 0 w 111888"/>
+                <a:gd name="connsiteY0" fmla="*/ 0 h 410902"/>
+                <a:gd name="connsiteX1" fmla="*/ 104172 w 111888"/>
+                <a:gd name="connsiteY1" fmla="*/ 202557 h 410902"/>
+                <a:gd name="connsiteX2" fmla="*/ 104172 w 111888"/>
+                <a:gd name="connsiteY2" fmla="*/ 410902 h 410902"/>
+                <a:gd name="connsiteX3" fmla="*/ 104172 w 111888"/>
+                <a:gd name="connsiteY3" fmla="*/ 410902 h 410902"/>
+                <a:gd name="connsiteX4" fmla="*/ 104172 w 111888"/>
+                <a:gd name="connsiteY4" fmla="*/ 410902 h 410902"/>
+              </a:gdLst>
+              <a:ahLst/>
+              <a:cxnLst>
+                <a:cxn ang="0">
+                  <a:pos x="connsiteX0" y="connsiteY0"/>
+                </a:cxn>
+                <a:cxn ang="0">
+                  <a:pos x="connsiteX1" y="connsiteY1"/>
+                </a:cxn>
+                <a:cxn ang="0">
+                  <a:pos x="connsiteX2" y="connsiteY2"/>
+                </a:cxn>
+                <a:cxn ang="0">
+                  <a:pos x="connsiteX3" y="connsiteY3"/>
+                </a:cxn>
+                <a:cxn ang="0">
+                  <a:pos x="connsiteX4" y="connsiteY4"/>
+                </a:cxn>
+              </a:cxnLst>
+              <a:rect l="l" t="t" r="r" b="b"/>
+              <a:pathLst>
+                <a:path w="111888" h="410902">
+                  <a:moveTo>
+                    <a:pt x="0" y="0"/>
+                  </a:moveTo>
+                  <a:cubicBezTo>
+                    <a:pt x="43405" y="67036"/>
+                    <a:pt x="86810" y="134073"/>
+                    <a:pt x="104172" y="202557"/>
+                  </a:cubicBezTo>
+                  <a:cubicBezTo>
+                    <a:pt x="121534" y="271041"/>
+                    <a:pt x="104172" y="410902"/>
+                    <a:pt x="104172" y="410902"/>
+                  </a:cubicBezTo>
+                  <a:lnTo>
+                    <a:pt x="104172" y="410902"/>
+                  </a:lnTo>
+                  <a:lnTo>
+                    <a:pt x="104172" y="410902"/>
+                  </a:lnTo>
+                </a:path>
+              </a:pathLst>
+            </a:custGeom>
+            <a:noFill/>
+            <a:ln w="69850"/>
+            <a:effectLst>
+              <a:outerShdw blurRad="50800" dist="38100" dir="8100000" algn="tr" rotWithShape="0">
+                <a:prstClr val="black">
+                  <a:alpha val="40000"/>
+                </a:prstClr>
+              </a:outerShdw>
+            </a:effectLst>
+          </p:spPr>
+          <p:style>
+            <a:lnRef idx="2">
+              <a:schemeClr val="accent1">
+                <a:shade val="50000"/>
+              </a:schemeClr>
+            </a:lnRef>
+            <a:fillRef idx="1">
+              <a:schemeClr val="accent1"/>
+            </a:fillRef>
+            <a:effectRef idx="0">
+              <a:schemeClr val="accent1"/>
+            </a:effectRef>
+            <a:fontRef idx="minor">
+              <a:schemeClr val="lt1"/>
+            </a:fontRef>
+          </p:style>
+          <p:txBody>
+            <a:bodyPr rtlCol="0" anchor="ctr"/>
+            <a:lstStyle/>
+            <a:p>
+              <a:pPr algn="ctr"/>
+              <a:endParaRPr lang="fr-FR" b="1"/>
+            </a:p>
+          </p:txBody>
+        </p:sp>
+        <p:sp>
+          <p:nvSpPr>
+            <p:cNvPr id="7" name="Forme libre : forme 6">
+              <a:extLst>
+                <a:ext uri="{FF2B5EF4-FFF2-40B4-BE49-F238E27FC236}">
+                  <a16:creationId xmlns:a16="http://schemas.microsoft.com/office/drawing/2014/main" id="{35B0A0BA-198C-4527-AD9F-3681E500B82C}"/>
+                </a:ext>
+              </a:extLst>
+            </p:cNvPr>
+            <p:cNvSpPr/>
+            <p:nvPr/>
+          </p:nvSpPr>
+          <p:spPr>
+            <a:xfrm rot="9847908">
+              <a:off x="4044724" y="3343238"/>
+              <a:ext cx="184375" cy="572489"/>
+            </a:xfrm>
+            <a:custGeom>
+              <a:avLst/>
+              <a:gdLst>
+                <a:gd name="connsiteX0" fmla="*/ 0 w 111888"/>
+                <a:gd name="connsiteY0" fmla="*/ 0 h 410902"/>
+                <a:gd name="connsiteX1" fmla="*/ 104172 w 111888"/>
+                <a:gd name="connsiteY1" fmla="*/ 202557 h 410902"/>
+                <a:gd name="connsiteX2" fmla="*/ 104172 w 111888"/>
+                <a:gd name="connsiteY2" fmla="*/ 410902 h 410902"/>
+                <a:gd name="connsiteX3" fmla="*/ 104172 w 111888"/>
+                <a:gd name="connsiteY3" fmla="*/ 410902 h 410902"/>
+                <a:gd name="connsiteX4" fmla="*/ 104172 w 111888"/>
+                <a:gd name="connsiteY4" fmla="*/ 410902 h 410902"/>
+              </a:gdLst>
+              <a:ahLst/>
+              <a:cxnLst>
+                <a:cxn ang="0">
+                  <a:pos x="connsiteX0" y="connsiteY0"/>
+                </a:cxn>
+                <a:cxn ang="0">
+                  <a:pos x="connsiteX1" y="connsiteY1"/>
+                </a:cxn>
+                <a:cxn ang="0">
+                  <a:pos x="connsiteX2" y="connsiteY2"/>
+                </a:cxn>
+                <a:cxn ang="0">
+                  <a:pos x="connsiteX3" y="connsiteY3"/>
+                </a:cxn>
+                <a:cxn ang="0">
+                  <a:pos x="connsiteX4" y="connsiteY4"/>
+                </a:cxn>
+              </a:cxnLst>
+              <a:rect l="l" t="t" r="r" b="b"/>
+              <a:pathLst>
+                <a:path w="111888" h="410902">
+                  <a:moveTo>
+                    <a:pt x="0" y="0"/>
+                  </a:moveTo>
+                  <a:cubicBezTo>
+                    <a:pt x="43405" y="67036"/>
+                    <a:pt x="86810" y="134073"/>
+                    <a:pt x="104172" y="202557"/>
+                  </a:cubicBezTo>
+                  <a:cubicBezTo>
+                    <a:pt x="121534" y="271041"/>
+                    <a:pt x="104172" y="410902"/>
+                    <a:pt x="104172" y="410902"/>
+                  </a:cubicBezTo>
+                  <a:lnTo>
+                    <a:pt x="104172" y="410902"/>
+                  </a:lnTo>
+                  <a:lnTo>
+                    <a:pt x="104172" y="410902"/>
+                  </a:lnTo>
+                </a:path>
+              </a:pathLst>
+            </a:custGeom>
+            <a:noFill/>
+            <a:ln w="69850"/>
+            <a:effectLst>
+              <a:outerShdw blurRad="50800" dist="38100" dir="8100000" algn="tr" rotWithShape="0">
+                <a:prstClr val="black">
+                  <a:alpha val="40000"/>
+                </a:prstClr>
+              </a:outerShdw>
+            </a:effectLst>
+          </p:spPr>
+          <p:style>
+            <a:lnRef idx="2">
+              <a:schemeClr val="accent1">
+                <a:shade val="50000"/>
+              </a:schemeClr>
+            </a:lnRef>
+            <a:fillRef idx="1">
+              <a:schemeClr val="accent1"/>
+            </a:fillRef>
+            <a:effectRef idx="0">
+              <a:schemeClr val="accent1"/>
+            </a:effectRef>
+            <a:fontRef idx="minor">
+              <a:schemeClr val="lt1"/>
+            </a:fontRef>
+          </p:style>
+          <p:txBody>
+            <a:bodyPr rtlCol="0" anchor="ctr"/>
+            <a:lstStyle/>
+            <a:p>
+              <a:pPr algn="ctr"/>
+              <a:endParaRPr lang="fr-FR" b="1"/>
+            </a:p>
+          </p:txBody>
+        </p:sp>
+      </p:grpSp>
+      <p:grpSp>
+        <p:nvGrpSpPr>
+          <p:cNvPr id="8" name="Groupe 7">
+            <a:extLst>
+              <a:ext uri="{FF2B5EF4-FFF2-40B4-BE49-F238E27FC236}">
+                <a16:creationId xmlns:a16="http://schemas.microsoft.com/office/drawing/2014/main" id="{0FAF8CF0-D1E2-471D-888E-64EB485E2101}"/>
+              </a:ext>
+            </a:extLst>
+          </p:cNvPr>
+          <p:cNvGrpSpPr/>
+          <p:nvPr/>
+        </p:nvGrpSpPr>
+        <p:grpSpPr>
+          <a:xfrm rot="18874875">
+            <a:off x="4145786" y="2540598"/>
+            <a:ext cx="386305" cy="655356"/>
+            <a:chOff x="3842794" y="3343238"/>
+            <a:chExt cx="386305" cy="655356"/>
+          </a:xfrm>
+        </p:grpSpPr>
+        <p:sp>
+          <p:nvSpPr>
+            <p:cNvPr id="9" name="Forme libre : forme 8">
+              <a:extLst>
+                <a:ext uri="{FF2B5EF4-FFF2-40B4-BE49-F238E27FC236}">
+                  <a16:creationId xmlns:a16="http://schemas.microsoft.com/office/drawing/2014/main" id="{99BED8F1-920E-4528-9CE9-21EE86139CD0}"/>
+                </a:ext>
+              </a:extLst>
+            </p:cNvPr>
+            <p:cNvSpPr/>
+            <p:nvPr/>
+          </p:nvSpPr>
+          <p:spPr>
+            <a:xfrm>
+              <a:off x="3842794" y="3426105"/>
+              <a:ext cx="184375" cy="572489"/>
+            </a:xfrm>
+            <a:custGeom>
+              <a:avLst/>
+              <a:gdLst>
+                <a:gd name="connsiteX0" fmla="*/ 0 w 111888"/>
+                <a:gd name="connsiteY0" fmla="*/ 0 h 410902"/>
+                <a:gd name="connsiteX1" fmla="*/ 104172 w 111888"/>
+                <a:gd name="connsiteY1" fmla="*/ 202557 h 410902"/>
+                <a:gd name="connsiteX2" fmla="*/ 104172 w 111888"/>
+                <a:gd name="connsiteY2" fmla="*/ 410902 h 410902"/>
+                <a:gd name="connsiteX3" fmla="*/ 104172 w 111888"/>
+                <a:gd name="connsiteY3" fmla="*/ 410902 h 410902"/>
+                <a:gd name="connsiteX4" fmla="*/ 104172 w 111888"/>
+                <a:gd name="connsiteY4" fmla="*/ 410902 h 410902"/>
+              </a:gdLst>
+              <a:ahLst/>
+              <a:cxnLst>
+                <a:cxn ang="0">
+                  <a:pos x="connsiteX0" y="connsiteY0"/>
+                </a:cxn>
+                <a:cxn ang="0">
+                  <a:pos x="connsiteX1" y="connsiteY1"/>
+                </a:cxn>
+                <a:cxn ang="0">
+                  <a:pos x="connsiteX2" y="connsiteY2"/>
+                </a:cxn>
+                <a:cxn ang="0">
+                  <a:pos x="connsiteX3" y="connsiteY3"/>
+                </a:cxn>
+                <a:cxn ang="0">
+                  <a:pos x="connsiteX4" y="connsiteY4"/>
+                </a:cxn>
+              </a:cxnLst>
+              <a:rect l="l" t="t" r="r" b="b"/>
+              <a:pathLst>
+                <a:path w="111888" h="410902">
+                  <a:moveTo>
+                    <a:pt x="0" y="0"/>
+                  </a:moveTo>
+                  <a:cubicBezTo>
+                    <a:pt x="43405" y="67036"/>
+                    <a:pt x="86810" y="134073"/>
+                    <a:pt x="104172" y="202557"/>
+                  </a:cubicBezTo>
+                  <a:cubicBezTo>
+                    <a:pt x="121534" y="271041"/>
+                    <a:pt x="104172" y="410902"/>
+                    <a:pt x="104172" y="410902"/>
+                  </a:cubicBezTo>
+                  <a:lnTo>
+                    <a:pt x="104172" y="410902"/>
+                  </a:lnTo>
+                  <a:lnTo>
+                    <a:pt x="104172" y="410902"/>
+                  </a:lnTo>
+                </a:path>
+              </a:pathLst>
+            </a:custGeom>
+            <a:noFill/>
+            <a:ln w="69850">
+              <a:solidFill>
+                <a:srgbClr val="FFC000"/>
+              </a:solidFill>
+            </a:ln>
+            <a:effectLst>
+              <a:outerShdw blurRad="50800" dist="38100" dir="8100000" algn="tr" rotWithShape="0">
+                <a:prstClr val="black">
+                  <a:alpha val="40000"/>
+                </a:prstClr>
+              </a:outerShdw>
+            </a:effectLst>
+          </p:spPr>
+          <p:style>
+            <a:lnRef idx="2">
+              <a:schemeClr val="accent1">
+                <a:shade val="50000"/>
+              </a:schemeClr>
+            </a:lnRef>
+            <a:fillRef idx="1">
+              <a:schemeClr val="accent1"/>
+            </a:fillRef>
+            <a:effectRef idx="0">
+              <a:schemeClr val="accent1"/>
+            </a:effectRef>
+            <a:fontRef idx="minor">
+              <a:schemeClr val="lt1"/>
+            </a:fontRef>
+          </p:style>
+          <p:txBody>
+            <a:bodyPr rtlCol="0" anchor="ctr"/>
+            <a:lstStyle/>
+            <a:p>
+              <a:pPr algn="ctr"/>
+              <a:endParaRPr lang="fr-FR" b="1"/>
+            </a:p>
+          </p:txBody>
+        </p:sp>
+        <p:sp>
+          <p:nvSpPr>
+            <p:cNvPr id="10" name="Forme libre : forme 9">
+              <a:extLst>
+                <a:ext uri="{FF2B5EF4-FFF2-40B4-BE49-F238E27FC236}">
+                  <a16:creationId xmlns:a16="http://schemas.microsoft.com/office/drawing/2014/main" id="{B9F689DA-44D0-48E5-9751-884E9AC98845}"/>
+                </a:ext>
+              </a:extLst>
+            </p:cNvPr>
+            <p:cNvSpPr/>
+            <p:nvPr/>
+          </p:nvSpPr>
+          <p:spPr>
+            <a:xfrm rot="9847908">
+              <a:off x="4044724" y="3343238"/>
+              <a:ext cx="184375" cy="572489"/>
+            </a:xfrm>
+            <a:custGeom>
+              <a:avLst/>
+              <a:gdLst>
+                <a:gd name="connsiteX0" fmla="*/ 0 w 111888"/>
+                <a:gd name="connsiteY0" fmla="*/ 0 h 410902"/>
+                <a:gd name="connsiteX1" fmla="*/ 104172 w 111888"/>
+                <a:gd name="connsiteY1" fmla="*/ 202557 h 410902"/>
+                <a:gd name="connsiteX2" fmla="*/ 104172 w 111888"/>
+                <a:gd name="connsiteY2" fmla="*/ 410902 h 410902"/>
+                <a:gd name="connsiteX3" fmla="*/ 104172 w 111888"/>
+                <a:gd name="connsiteY3" fmla="*/ 410902 h 410902"/>
+                <a:gd name="connsiteX4" fmla="*/ 104172 w 111888"/>
+                <a:gd name="connsiteY4" fmla="*/ 410902 h 410902"/>
+              </a:gdLst>
+              <a:ahLst/>
+              <a:cxnLst>
+                <a:cxn ang="0">
+                  <a:pos x="connsiteX0" y="connsiteY0"/>
+                </a:cxn>
+                <a:cxn ang="0">
+                  <a:pos x="connsiteX1" y="connsiteY1"/>
+                </a:cxn>
+                <a:cxn ang="0">
+                  <a:pos x="connsiteX2" y="connsiteY2"/>
+                </a:cxn>
+                <a:cxn ang="0">
+                  <a:pos x="connsiteX3" y="connsiteY3"/>
+                </a:cxn>
+                <a:cxn ang="0">
+                  <a:pos x="connsiteX4" y="connsiteY4"/>
+                </a:cxn>
+              </a:cxnLst>
+              <a:rect l="l" t="t" r="r" b="b"/>
+              <a:pathLst>
+                <a:path w="111888" h="410902">
+                  <a:moveTo>
+                    <a:pt x="0" y="0"/>
+                  </a:moveTo>
+                  <a:cubicBezTo>
+                    <a:pt x="43405" y="67036"/>
+                    <a:pt x="86810" y="134073"/>
+                    <a:pt x="104172" y="202557"/>
+                  </a:cubicBezTo>
+                  <a:cubicBezTo>
+                    <a:pt x="121534" y="271041"/>
+                    <a:pt x="104172" y="410902"/>
+                    <a:pt x="104172" y="410902"/>
+                  </a:cubicBezTo>
+                  <a:lnTo>
+                    <a:pt x="104172" y="410902"/>
+                  </a:lnTo>
+                  <a:lnTo>
+                    <a:pt x="104172" y="410902"/>
+                  </a:lnTo>
+                </a:path>
+              </a:pathLst>
+            </a:custGeom>
+            <a:noFill/>
+            <a:ln w="69850">
+              <a:solidFill>
+                <a:srgbClr val="FFC000"/>
+              </a:solidFill>
+            </a:ln>
+            <a:effectLst>
+              <a:outerShdw blurRad="50800" dist="38100" dir="8100000" algn="tr" rotWithShape="0">
+                <a:prstClr val="black">
+                  <a:alpha val="40000"/>
+                </a:prstClr>
+              </a:outerShdw>
+            </a:effectLst>
+          </p:spPr>
+          <p:style>
+            <a:lnRef idx="2">
+              <a:schemeClr val="accent1">
+                <a:shade val="50000"/>
+              </a:schemeClr>
+            </a:lnRef>
+            <a:fillRef idx="1">
+              <a:schemeClr val="accent1"/>
+            </a:fillRef>
+            <a:effectRef idx="0">
+              <a:schemeClr val="accent1"/>
+            </a:effectRef>
+            <a:fontRef idx="minor">
+              <a:schemeClr val="lt1"/>
+            </a:fontRef>
+          </p:style>
+          <p:txBody>
+            <a:bodyPr rtlCol="0" anchor="ctr"/>
+            <a:lstStyle/>
+            <a:p>
+              <a:pPr algn="ctr"/>
+              <a:endParaRPr lang="fr-FR" b="1"/>
+            </a:p>
+          </p:txBody>
+        </p:sp>
+      </p:grpSp>
+      <p:grpSp>
+        <p:nvGrpSpPr>
+          <p:cNvPr id="11" name="Groupe 10">
+            <a:extLst>
+              <a:ext uri="{FF2B5EF4-FFF2-40B4-BE49-F238E27FC236}">
+                <a16:creationId xmlns:a16="http://schemas.microsoft.com/office/drawing/2014/main" id="{0F48A715-25D6-48EA-AE93-A58C9ABBFB7A}"/>
+              </a:ext>
+            </a:extLst>
+          </p:cNvPr>
+          <p:cNvGrpSpPr/>
+          <p:nvPr/>
+        </p:nvGrpSpPr>
+        <p:grpSpPr>
+          <a:xfrm rot="3613388">
+            <a:off x="5046792" y="2580434"/>
+            <a:ext cx="386305" cy="655356"/>
+            <a:chOff x="3842794" y="3343238"/>
+            <a:chExt cx="386305" cy="655356"/>
+          </a:xfrm>
+        </p:grpSpPr>
+        <p:sp>
+          <p:nvSpPr>
+            <p:cNvPr id="12" name="Forme libre : forme 11">
+              <a:extLst>
+                <a:ext uri="{FF2B5EF4-FFF2-40B4-BE49-F238E27FC236}">
+                  <a16:creationId xmlns:a16="http://schemas.microsoft.com/office/drawing/2014/main" id="{04F0BC38-D31E-4D21-9AE3-ABD215F4D344}"/>
+                </a:ext>
+              </a:extLst>
+            </p:cNvPr>
+            <p:cNvSpPr/>
+            <p:nvPr/>
+          </p:nvSpPr>
+          <p:spPr>
+            <a:xfrm>
+              <a:off x="3842794" y="3426105"/>
+              <a:ext cx="184375" cy="572489"/>
+            </a:xfrm>
+            <a:custGeom>
+              <a:avLst/>
+              <a:gdLst>
+                <a:gd name="connsiteX0" fmla="*/ 0 w 111888"/>
+                <a:gd name="connsiteY0" fmla="*/ 0 h 410902"/>
+                <a:gd name="connsiteX1" fmla="*/ 104172 w 111888"/>
+                <a:gd name="connsiteY1" fmla="*/ 202557 h 410902"/>
+                <a:gd name="connsiteX2" fmla="*/ 104172 w 111888"/>
+                <a:gd name="connsiteY2" fmla="*/ 410902 h 410902"/>
+                <a:gd name="connsiteX3" fmla="*/ 104172 w 111888"/>
+                <a:gd name="connsiteY3" fmla="*/ 410902 h 410902"/>
+                <a:gd name="connsiteX4" fmla="*/ 104172 w 111888"/>
+                <a:gd name="connsiteY4" fmla="*/ 410902 h 410902"/>
+              </a:gdLst>
+              <a:ahLst/>
+              <a:cxnLst>
+                <a:cxn ang="0">
+                  <a:pos x="connsiteX0" y="connsiteY0"/>
+                </a:cxn>
+                <a:cxn ang="0">
+                  <a:pos x="connsiteX1" y="connsiteY1"/>
+                </a:cxn>
+                <a:cxn ang="0">
+                  <a:pos x="connsiteX2" y="connsiteY2"/>
+                </a:cxn>
+                <a:cxn ang="0">
+                  <a:pos x="connsiteX3" y="connsiteY3"/>
+                </a:cxn>
+                <a:cxn ang="0">
+                  <a:pos x="connsiteX4" y="connsiteY4"/>
+                </a:cxn>
+              </a:cxnLst>
+              <a:rect l="l" t="t" r="r" b="b"/>
+              <a:pathLst>
+                <a:path w="111888" h="410902">
+                  <a:moveTo>
+                    <a:pt x="0" y="0"/>
+                  </a:moveTo>
+                  <a:cubicBezTo>
+                    <a:pt x="43405" y="67036"/>
+                    <a:pt x="86810" y="134073"/>
+                    <a:pt x="104172" y="202557"/>
+                  </a:cubicBezTo>
+                  <a:cubicBezTo>
+                    <a:pt x="121534" y="271041"/>
+                    <a:pt x="104172" y="410902"/>
+                    <a:pt x="104172" y="410902"/>
+                  </a:cubicBezTo>
+                  <a:lnTo>
+                    <a:pt x="104172" y="410902"/>
+                  </a:lnTo>
+                  <a:lnTo>
+                    <a:pt x="104172" y="410902"/>
+                  </a:lnTo>
+                </a:path>
+              </a:pathLst>
+            </a:custGeom>
+            <a:noFill/>
+            <a:ln w="69850">
+              <a:solidFill>
+                <a:srgbClr val="00B050"/>
+              </a:solidFill>
+            </a:ln>
+            <a:effectLst>
+              <a:outerShdw blurRad="50800" dist="38100" dir="8100000" algn="tr" rotWithShape="0">
+                <a:prstClr val="black">
+                  <a:alpha val="40000"/>
+                </a:prstClr>
+              </a:outerShdw>
+            </a:effectLst>
+          </p:spPr>
+          <p:style>
+            <a:lnRef idx="2">
+              <a:schemeClr val="accent1">
+                <a:shade val="50000"/>
+              </a:schemeClr>
+            </a:lnRef>
+            <a:fillRef idx="1">
+              <a:schemeClr val="accent1"/>
+            </a:fillRef>
+            <a:effectRef idx="0">
+              <a:schemeClr val="accent1"/>
+            </a:effectRef>
+            <a:fontRef idx="minor">
+              <a:schemeClr val="lt1"/>
+            </a:fontRef>
+          </p:style>
+          <p:txBody>
+            <a:bodyPr rtlCol="0" anchor="ctr"/>
+            <a:lstStyle/>
+            <a:p>
+              <a:pPr algn="ctr"/>
+              <a:endParaRPr lang="fr-FR" b="1"/>
+            </a:p>
+          </p:txBody>
+        </p:sp>
+        <p:sp>
+          <p:nvSpPr>
+            <p:cNvPr id="13" name="Forme libre : forme 12">
+              <a:extLst>
+                <a:ext uri="{FF2B5EF4-FFF2-40B4-BE49-F238E27FC236}">
+                  <a16:creationId xmlns:a16="http://schemas.microsoft.com/office/drawing/2014/main" id="{1587E3F2-CF72-460D-9F57-53E364D5683F}"/>
+                </a:ext>
+              </a:extLst>
+            </p:cNvPr>
+            <p:cNvSpPr/>
+            <p:nvPr/>
+          </p:nvSpPr>
+          <p:spPr>
+            <a:xfrm rot="9847908">
+              <a:off x="4044724" y="3343238"/>
+              <a:ext cx="184375" cy="572489"/>
+            </a:xfrm>
+            <a:custGeom>
+              <a:avLst/>
+              <a:gdLst>
+                <a:gd name="connsiteX0" fmla="*/ 0 w 111888"/>
+                <a:gd name="connsiteY0" fmla="*/ 0 h 410902"/>
+                <a:gd name="connsiteX1" fmla="*/ 104172 w 111888"/>
+                <a:gd name="connsiteY1" fmla="*/ 202557 h 410902"/>
+                <a:gd name="connsiteX2" fmla="*/ 104172 w 111888"/>
+                <a:gd name="connsiteY2" fmla="*/ 410902 h 410902"/>
+                <a:gd name="connsiteX3" fmla="*/ 104172 w 111888"/>
+                <a:gd name="connsiteY3" fmla="*/ 410902 h 410902"/>
+                <a:gd name="connsiteX4" fmla="*/ 104172 w 111888"/>
+                <a:gd name="connsiteY4" fmla="*/ 410902 h 410902"/>
+              </a:gdLst>
+              <a:ahLst/>
+              <a:cxnLst>
+                <a:cxn ang="0">
+                  <a:pos x="connsiteX0" y="connsiteY0"/>
+                </a:cxn>
+                <a:cxn ang="0">
+                  <a:pos x="connsiteX1" y="connsiteY1"/>
+                </a:cxn>
+                <a:cxn ang="0">
+                  <a:pos x="connsiteX2" y="connsiteY2"/>
+                </a:cxn>
+                <a:cxn ang="0">
+                  <a:pos x="connsiteX3" y="connsiteY3"/>
+                </a:cxn>
+                <a:cxn ang="0">
+                  <a:pos x="connsiteX4" y="connsiteY4"/>
+                </a:cxn>
+              </a:cxnLst>
+              <a:rect l="l" t="t" r="r" b="b"/>
+              <a:pathLst>
+                <a:path w="111888" h="410902">
+                  <a:moveTo>
+                    <a:pt x="0" y="0"/>
+                  </a:moveTo>
+                  <a:cubicBezTo>
+                    <a:pt x="43405" y="67036"/>
+                    <a:pt x="86810" y="134073"/>
+                    <a:pt x="104172" y="202557"/>
+                  </a:cubicBezTo>
+                  <a:cubicBezTo>
+                    <a:pt x="121534" y="271041"/>
+                    <a:pt x="104172" y="410902"/>
+                    <a:pt x="104172" y="410902"/>
+                  </a:cubicBezTo>
+                  <a:lnTo>
+                    <a:pt x="104172" y="410902"/>
+                  </a:lnTo>
+                  <a:lnTo>
+                    <a:pt x="104172" y="410902"/>
+                  </a:lnTo>
+                </a:path>
+              </a:pathLst>
+            </a:custGeom>
+            <a:noFill/>
+            <a:ln w="69850">
+              <a:solidFill>
+                <a:srgbClr val="00B050"/>
+              </a:solidFill>
+            </a:ln>
+            <a:effectLst>
+              <a:outerShdw blurRad="50800" dist="38100" dir="8100000" algn="tr" rotWithShape="0">
+                <a:prstClr val="black">
+                  <a:alpha val="40000"/>
+                </a:prstClr>
+              </a:outerShdw>
+            </a:effectLst>
+          </p:spPr>
+          <p:style>
+            <a:lnRef idx="2">
+              <a:schemeClr val="accent1">
+                <a:shade val="50000"/>
+              </a:schemeClr>
+            </a:lnRef>
+            <a:fillRef idx="1">
+              <a:schemeClr val="accent1"/>
+            </a:fillRef>
+            <a:effectRef idx="0">
+              <a:schemeClr val="accent1"/>
+            </a:effectRef>
+            <a:fontRef idx="minor">
+              <a:schemeClr val="lt1"/>
+            </a:fontRef>
+          </p:style>
+          <p:txBody>
+            <a:bodyPr rtlCol="0" anchor="ctr"/>
+            <a:lstStyle/>
+            <a:p>
+              <a:pPr algn="ctr"/>
+              <a:endParaRPr lang="fr-FR" b="1"/>
+            </a:p>
+          </p:txBody>
+        </p:sp>
+      </p:grpSp>
+      <p:grpSp>
+        <p:nvGrpSpPr>
+          <p:cNvPr id="14" name="Groupe 13">
+            <a:extLst>
+              <a:ext uri="{FF2B5EF4-FFF2-40B4-BE49-F238E27FC236}">
+                <a16:creationId xmlns:a16="http://schemas.microsoft.com/office/drawing/2014/main" id="{04115C02-B294-48C1-910F-B7048DE3FF0D}"/>
+              </a:ext>
+            </a:extLst>
+          </p:cNvPr>
+          <p:cNvGrpSpPr/>
+          <p:nvPr/>
+        </p:nvGrpSpPr>
+        <p:grpSpPr>
+          <a:xfrm rot="12327648">
+            <a:off x="4770311" y="3602348"/>
+            <a:ext cx="386305" cy="655356"/>
+            <a:chOff x="3842794" y="3343238"/>
+            <a:chExt cx="386305" cy="655356"/>
+          </a:xfrm>
+        </p:grpSpPr>
+        <p:sp>
+          <p:nvSpPr>
+            <p:cNvPr id="15" name="Forme libre : forme 14">
+              <a:extLst>
+                <a:ext uri="{FF2B5EF4-FFF2-40B4-BE49-F238E27FC236}">
+                  <a16:creationId xmlns:a16="http://schemas.microsoft.com/office/drawing/2014/main" id="{D059DF08-81D6-4109-A3E5-145D3715AAAC}"/>
+                </a:ext>
+              </a:extLst>
+            </p:cNvPr>
+            <p:cNvSpPr/>
+            <p:nvPr/>
+          </p:nvSpPr>
+          <p:spPr>
+            <a:xfrm>
+              <a:off x="3842794" y="3426105"/>
+              <a:ext cx="184375" cy="572489"/>
+            </a:xfrm>
+            <a:custGeom>
+              <a:avLst/>
+              <a:gdLst>
+                <a:gd name="connsiteX0" fmla="*/ 0 w 111888"/>
+                <a:gd name="connsiteY0" fmla="*/ 0 h 410902"/>
+                <a:gd name="connsiteX1" fmla="*/ 104172 w 111888"/>
+                <a:gd name="connsiteY1" fmla="*/ 202557 h 410902"/>
+                <a:gd name="connsiteX2" fmla="*/ 104172 w 111888"/>
+                <a:gd name="connsiteY2" fmla="*/ 410902 h 410902"/>
+                <a:gd name="connsiteX3" fmla="*/ 104172 w 111888"/>
+                <a:gd name="connsiteY3" fmla="*/ 410902 h 410902"/>
+                <a:gd name="connsiteX4" fmla="*/ 104172 w 111888"/>
+                <a:gd name="connsiteY4" fmla="*/ 410902 h 410902"/>
+              </a:gdLst>
+              <a:ahLst/>
+              <a:cxnLst>
+                <a:cxn ang="0">
+                  <a:pos x="connsiteX0" y="connsiteY0"/>
+                </a:cxn>
+                <a:cxn ang="0">
+                  <a:pos x="connsiteX1" y="connsiteY1"/>
+                </a:cxn>
+                <a:cxn ang="0">
+                  <a:pos x="connsiteX2" y="connsiteY2"/>
+                </a:cxn>
+                <a:cxn ang="0">
+                  <a:pos x="connsiteX3" y="connsiteY3"/>
+                </a:cxn>
+                <a:cxn ang="0">
+                  <a:pos x="connsiteX4" y="connsiteY4"/>
+                </a:cxn>
+              </a:cxnLst>
+              <a:rect l="l" t="t" r="r" b="b"/>
+              <a:pathLst>
+                <a:path w="111888" h="410902">
+                  <a:moveTo>
+                    <a:pt x="0" y="0"/>
+                  </a:moveTo>
+                  <a:cubicBezTo>
+                    <a:pt x="43405" y="67036"/>
+                    <a:pt x="86810" y="134073"/>
+                    <a:pt x="104172" y="202557"/>
+                  </a:cubicBezTo>
+                  <a:cubicBezTo>
+                    <a:pt x="121534" y="271041"/>
+                    <a:pt x="104172" y="410902"/>
+                    <a:pt x="104172" y="410902"/>
+                  </a:cubicBezTo>
+                  <a:lnTo>
+                    <a:pt x="104172" y="410902"/>
+                  </a:lnTo>
+                  <a:lnTo>
+                    <a:pt x="104172" y="410902"/>
+                  </a:lnTo>
+                </a:path>
+              </a:pathLst>
+            </a:custGeom>
+            <a:noFill/>
+            <a:ln w="69850">
+              <a:solidFill>
+                <a:srgbClr val="FF0000"/>
+              </a:solidFill>
+            </a:ln>
+            <a:effectLst>
+              <a:outerShdw blurRad="50800" dist="38100" dir="8100000" algn="tr" rotWithShape="0">
+                <a:prstClr val="black">
+                  <a:alpha val="40000"/>
+                </a:prstClr>
+              </a:outerShdw>
+            </a:effectLst>
+          </p:spPr>
+          <p:style>
+            <a:lnRef idx="2">
+              <a:schemeClr val="accent1">
+                <a:shade val="50000"/>
+              </a:schemeClr>
+            </a:lnRef>
+            <a:fillRef idx="1">
+              <a:schemeClr val="accent1"/>
+            </a:fillRef>
+            <a:effectRef idx="0">
+              <a:schemeClr val="accent1"/>
+            </a:effectRef>
+            <a:fontRef idx="minor">
+              <a:schemeClr val="lt1"/>
+            </a:fontRef>
+          </p:style>
+          <p:txBody>
+            <a:bodyPr rtlCol="0" anchor="ctr"/>
+            <a:lstStyle/>
+            <a:p>
+              <a:pPr algn="ctr"/>
+              <a:endParaRPr lang="fr-FR" b="1"/>
+            </a:p>
+          </p:txBody>
+        </p:sp>
+        <p:sp>
+          <p:nvSpPr>
+            <p:cNvPr id="16" name="Forme libre : forme 15">
+              <a:extLst>
+                <a:ext uri="{FF2B5EF4-FFF2-40B4-BE49-F238E27FC236}">
+                  <a16:creationId xmlns:a16="http://schemas.microsoft.com/office/drawing/2014/main" id="{6F31A758-17B8-48BA-9289-F7B5A24C1C79}"/>
+                </a:ext>
+              </a:extLst>
+            </p:cNvPr>
+            <p:cNvSpPr/>
+            <p:nvPr/>
+          </p:nvSpPr>
+          <p:spPr>
+            <a:xfrm rot="9847908">
+              <a:off x="4044724" y="3343238"/>
+              <a:ext cx="184375" cy="572489"/>
+            </a:xfrm>
+            <a:custGeom>
+              <a:avLst/>
+              <a:gdLst>
+                <a:gd name="connsiteX0" fmla="*/ 0 w 111888"/>
+                <a:gd name="connsiteY0" fmla="*/ 0 h 410902"/>
+                <a:gd name="connsiteX1" fmla="*/ 104172 w 111888"/>
+                <a:gd name="connsiteY1" fmla="*/ 202557 h 410902"/>
+                <a:gd name="connsiteX2" fmla="*/ 104172 w 111888"/>
+                <a:gd name="connsiteY2" fmla="*/ 410902 h 410902"/>
+                <a:gd name="connsiteX3" fmla="*/ 104172 w 111888"/>
+                <a:gd name="connsiteY3" fmla="*/ 410902 h 410902"/>
+                <a:gd name="connsiteX4" fmla="*/ 104172 w 111888"/>
+                <a:gd name="connsiteY4" fmla="*/ 410902 h 410902"/>
+              </a:gdLst>
+              <a:ahLst/>
+              <a:cxnLst>
+                <a:cxn ang="0">
+                  <a:pos x="connsiteX0" y="connsiteY0"/>
+                </a:cxn>
+                <a:cxn ang="0">
+                  <a:pos x="connsiteX1" y="connsiteY1"/>
+                </a:cxn>
+                <a:cxn ang="0">
+                  <a:pos x="connsiteX2" y="connsiteY2"/>
+                </a:cxn>
+                <a:cxn ang="0">
+                  <a:pos x="connsiteX3" y="connsiteY3"/>
+                </a:cxn>
+                <a:cxn ang="0">
+                  <a:pos x="connsiteX4" y="connsiteY4"/>
+                </a:cxn>
+              </a:cxnLst>
+              <a:rect l="l" t="t" r="r" b="b"/>
+              <a:pathLst>
+                <a:path w="111888" h="410902">
+                  <a:moveTo>
+                    <a:pt x="0" y="0"/>
+                  </a:moveTo>
+                  <a:cubicBezTo>
+                    <a:pt x="43405" y="67036"/>
+                    <a:pt x="86810" y="134073"/>
+                    <a:pt x="104172" y="202557"/>
+                  </a:cubicBezTo>
+                  <a:cubicBezTo>
+                    <a:pt x="121534" y="271041"/>
+                    <a:pt x="104172" y="410902"/>
+                    <a:pt x="104172" y="410902"/>
+                  </a:cubicBezTo>
+                  <a:lnTo>
+                    <a:pt x="104172" y="410902"/>
+                  </a:lnTo>
+                  <a:lnTo>
+                    <a:pt x="104172" y="410902"/>
+                  </a:lnTo>
+                </a:path>
+              </a:pathLst>
+            </a:custGeom>
+            <a:noFill/>
+            <a:ln w="69850">
+              <a:solidFill>
+                <a:srgbClr val="FF0000"/>
+              </a:solidFill>
+            </a:ln>
+            <a:effectLst>
+              <a:outerShdw blurRad="50800" dist="38100" dir="8100000" algn="tr" rotWithShape="0">
+                <a:prstClr val="black">
+                  <a:alpha val="40000"/>
+                </a:prstClr>
+              </a:outerShdw>
+            </a:effectLst>
+          </p:spPr>
+          <p:style>
+            <a:lnRef idx="2">
+              <a:schemeClr val="accent1">
+                <a:shade val="50000"/>
+              </a:schemeClr>
+            </a:lnRef>
+            <a:fillRef idx="1">
+              <a:schemeClr val="accent1"/>
+            </a:fillRef>
+            <a:effectRef idx="0">
+              <a:schemeClr val="accent1"/>
+            </a:effectRef>
+            <a:fontRef idx="minor">
+              <a:schemeClr val="lt1"/>
+            </a:fontRef>
+          </p:style>
+          <p:txBody>
+            <a:bodyPr rtlCol="0" anchor="ctr"/>
+            <a:lstStyle/>
+            <a:p>
+              <a:pPr algn="ctr"/>
+              <a:endParaRPr lang="fr-FR" b="1"/>
+            </a:p>
+          </p:txBody>
+        </p:sp>
+      </p:grpSp>
+      <p:sp>
+        <p:nvSpPr>
+          <p:cNvPr id="17" name="ZoneTexte 16">
+            <a:extLst>
+              <a:ext uri="{FF2B5EF4-FFF2-40B4-BE49-F238E27FC236}">
+                <a16:creationId xmlns:a16="http://schemas.microsoft.com/office/drawing/2014/main" id="{9066AC75-8AD8-446B-92FA-1E032F57B4C7}"/>
+              </a:ext>
+            </a:extLst>
+          </p:cNvPr>
+          <p:cNvSpPr txBox="1"/>
+          <p:nvPr/>
+        </p:nvSpPr>
+        <p:spPr>
+          <a:xfrm>
+            <a:off x="8432800" y="2138274"/>
+            <a:ext cx="2925224" cy="830997"/>
+          </a:xfrm>
+          <a:prstGeom prst="rect">
+            <a:avLst/>
+          </a:prstGeom>
+          <a:noFill/>
+        </p:spPr>
+        <p:txBody>
+          <a:bodyPr wrap="none" rtlCol="0">
+            <a:spAutoFit/>
+          </a:bodyPr>
+          <a:lstStyle/>
+          <a:p>
+            <a:r>
+              <a:rPr lang="en-US" sz="2400" dirty="0">
+                <a:solidFill>
+                  <a:srgbClr val="0070C0"/>
+                </a:solidFill>
+              </a:rPr>
+              <a:t>Chromosomes</a:t>
+            </a:r>
+          </a:p>
+          <a:p>
+            <a:r>
+              <a:rPr lang="en-US" sz="2400" i="1" dirty="0">
+                <a:solidFill>
+                  <a:srgbClr val="0070C0"/>
+                </a:solidFill>
+              </a:rPr>
+              <a:t>(23 pairs for humans) </a:t>
+            </a:r>
+          </a:p>
+        </p:txBody>
+      </p:sp>
+      <p:grpSp>
+        <p:nvGrpSpPr>
+          <p:cNvPr id="29" name="Groupe 28">
+            <a:extLst>
+              <a:ext uri="{FF2B5EF4-FFF2-40B4-BE49-F238E27FC236}">
+                <a16:creationId xmlns:a16="http://schemas.microsoft.com/office/drawing/2014/main" id="{9278DB44-1552-493C-B287-7BE41349EBB1}"/>
+              </a:ext>
+            </a:extLst>
+          </p:cNvPr>
+          <p:cNvGrpSpPr/>
+          <p:nvPr/>
+        </p:nvGrpSpPr>
+        <p:grpSpPr>
+          <a:xfrm>
+            <a:off x="4167993" y="2553773"/>
+            <a:ext cx="4264807" cy="1100598"/>
+            <a:chOff x="4167993" y="2553773"/>
+            <a:chExt cx="4264807" cy="1100598"/>
+          </a:xfrm>
+        </p:grpSpPr>
+        <p:cxnSp>
+          <p:nvCxnSpPr>
+            <p:cNvPr id="18" name="Connecteur droit avec flèche 17">
+              <a:extLst>
+                <a:ext uri="{FF2B5EF4-FFF2-40B4-BE49-F238E27FC236}">
+                  <a16:creationId xmlns:a16="http://schemas.microsoft.com/office/drawing/2014/main" id="{1B10488F-2EB3-4911-BD6F-14CFCBFCA44F}"/>
+                </a:ext>
+              </a:extLst>
+            </p:cNvPr>
+            <p:cNvCxnSpPr>
+              <a:cxnSpLocks/>
+              <a:endCxn id="17" idx="1"/>
+            </p:cNvCxnSpPr>
+            <p:nvPr/>
+          </p:nvCxnSpPr>
+          <p:spPr>
+            <a:xfrm flipV="1">
+              <a:off x="5632048" y="2553773"/>
+              <a:ext cx="2800752" cy="775166"/>
+            </a:xfrm>
+            <a:prstGeom prst="straightConnector1">
+              <a:avLst/>
+            </a:prstGeom>
+            <a:ln w="38100">
+              <a:solidFill>
+                <a:srgbClr val="0070C0"/>
+              </a:solidFill>
+              <a:headEnd type="none"/>
+              <a:tailEnd type="none"/>
+            </a:ln>
+          </p:spPr>
+          <p:style>
+            <a:lnRef idx="1">
+              <a:schemeClr val="accent1"/>
+            </a:lnRef>
+            <a:fillRef idx="0">
+              <a:schemeClr val="accent1"/>
+            </a:fillRef>
+            <a:effectRef idx="0">
+              <a:schemeClr val="accent1"/>
+            </a:effectRef>
+            <a:fontRef idx="minor">
+              <a:schemeClr val="tx1"/>
+            </a:fontRef>
+          </p:style>
+        </p:cxnSp>
+        <p:grpSp>
+          <p:nvGrpSpPr>
+            <p:cNvPr id="28" name="Groupe 27">
+              <a:extLst>
+                <a:ext uri="{FF2B5EF4-FFF2-40B4-BE49-F238E27FC236}">
+                  <a16:creationId xmlns:a16="http://schemas.microsoft.com/office/drawing/2014/main" id="{3FC7DFE9-1162-4917-9789-5F9324457261}"/>
+                </a:ext>
+              </a:extLst>
+            </p:cNvPr>
+            <p:cNvGrpSpPr/>
+            <p:nvPr/>
+          </p:nvGrpSpPr>
+          <p:grpSpPr>
+            <a:xfrm>
+              <a:off x="4167993" y="3166744"/>
+              <a:ext cx="1508680" cy="487627"/>
+              <a:chOff x="4167993" y="3166744"/>
+              <a:chExt cx="1508680" cy="487627"/>
+            </a:xfrm>
+          </p:grpSpPr>
+          <p:sp>
+            <p:nvSpPr>
+              <p:cNvPr id="24" name="Forme libre : forme 23">
+                <a:extLst>
+                  <a:ext uri="{FF2B5EF4-FFF2-40B4-BE49-F238E27FC236}">
+                    <a16:creationId xmlns:a16="http://schemas.microsoft.com/office/drawing/2014/main" id="{2ECF8755-F218-4FF4-86F4-BF0CD946DDC8}"/>
+                  </a:ext>
+                </a:extLst>
+              </p:cNvPr>
+              <p:cNvSpPr/>
+              <p:nvPr/>
+            </p:nvSpPr>
+            <p:spPr>
+              <a:xfrm rot="401858">
+                <a:off x="4544906" y="3171885"/>
+                <a:ext cx="911002" cy="198726"/>
+              </a:xfrm>
+              <a:custGeom>
+                <a:avLst/>
+                <a:gdLst>
+                  <a:gd name="connsiteX0" fmla="*/ 434340 w 434340"/>
+                  <a:gd name="connsiteY0" fmla="*/ 60960 h 82219"/>
+                  <a:gd name="connsiteX1" fmla="*/ 180340 w 434340"/>
+                  <a:gd name="connsiteY1" fmla="*/ 78740 h 82219"/>
+                  <a:gd name="connsiteX2" fmla="*/ 0 w 434340"/>
+                  <a:gd name="connsiteY2" fmla="*/ 0 h 82219"/>
+                </a:gdLst>
+                <a:ahLst/>
+                <a:cxnLst>
+                  <a:cxn ang="0">
+                    <a:pos x="connsiteX0" y="connsiteY0"/>
+                  </a:cxn>
+                  <a:cxn ang="0">
+                    <a:pos x="connsiteX1" y="connsiteY1"/>
+                  </a:cxn>
+                  <a:cxn ang="0">
+                    <a:pos x="connsiteX2" y="connsiteY2"/>
+                  </a:cxn>
+                </a:cxnLst>
+                <a:rect l="l" t="t" r="r" b="b"/>
+                <a:pathLst>
+                  <a:path w="434340" h="82219">
+                    <a:moveTo>
+                      <a:pt x="434340" y="60960"/>
+                    </a:moveTo>
+                    <a:cubicBezTo>
+                      <a:pt x="343535" y="74930"/>
+                      <a:pt x="252730" y="88900"/>
+                      <a:pt x="180340" y="78740"/>
+                    </a:cubicBezTo>
+                    <a:cubicBezTo>
+                      <a:pt x="107950" y="68580"/>
+                      <a:pt x="53975" y="34290"/>
+                      <a:pt x="0" y="0"/>
+                    </a:cubicBezTo>
+                  </a:path>
+                </a:pathLst>
+              </a:custGeom>
+              <a:noFill/>
+              <a:ln w="38100">
+                <a:solidFill>
+                  <a:srgbClr val="0070C0"/>
+                </a:solidFill>
+                <a:tailEnd type="arrow"/>
+              </a:ln>
+            </p:spPr>
+            <p:style>
+              <a:lnRef idx="2">
+                <a:schemeClr val="accent1">
+                  <a:shade val="50000"/>
+                </a:schemeClr>
+              </a:lnRef>
+              <a:fillRef idx="1">
+                <a:schemeClr val="accent1"/>
+              </a:fillRef>
+              <a:effectRef idx="0">
+                <a:schemeClr val="accent1"/>
+              </a:effectRef>
+              <a:fontRef idx="minor">
+                <a:schemeClr val="lt1"/>
+              </a:fontRef>
+            </p:style>
+            <p:txBody>
+              <a:bodyPr rtlCol="0" anchor="ctr"/>
+              <a:lstStyle/>
+              <a:p>
+                <a:pPr algn="ctr"/>
+                <a:endParaRPr lang="fr-FR" b="1"/>
+              </a:p>
+            </p:txBody>
+          </p:sp>
+          <p:sp>
+            <p:nvSpPr>
+              <p:cNvPr id="25" name="Forme libre : forme 24">
+                <a:extLst>
+                  <a:ext uri="{FF2B5EF4-FFF2-40B4-BE49-F238E27FC236}">
+                    <a16:creationId xmlns:a16="http://schemas.microsoft.com/office/drawing/2014/main" id="{EA72FFC2-8A19-4B37-A1B1-EF2B00166F71}"/>
+                  </a:ext>
+                </a:extLst>
+              </p:cNvPr>
+              <p:cNvSpPr/>
+              <p:nvPr/>
+            </p:nvSpPr>
+            <p:spPr>
+              <a:xfrm rot="172134">
+                <a:off x="5173753" y="3166744"/>
+                <a:ext cx="502920" cy="186619"/>
+              </a:xfrm>
+              <a:custGeom>
+                <a:avLst/>
+                <a:gdLst>
+                  <a:gd name="connsiteX0" fmla="*/ 434340 w 434340"/>
+                  <a:gd name="connsiteY0" fmla="*/ 60960 h 82219"/>
+                  <a:gd name="connsiteX1" fmla="*/ 180340 w 434340"/>
+                  <a:gd name="connsiteY1" fmla="*/ 78740 h 82219"/>
+                  <a:gd name="connsiteX2" fmla="*/ 0 w 434340"/>
+                  <a:gd name="connsiteY2" fmla="*/ 0 h 82219"/>
+                </a:gdLst>
+                <a:ahLst/>
+                <a:cxnLst>
+                  <a:cxn ang="0">
+                    <a:pos x="connsiteX0" y="connsiteY0"/>
+                  </a:cxn>
+                  <a:cxn ang="0">
+                    <a:pos x="connsiteX1" y="connsiteY1"/>
+                  </a:cxn>
+                  <a:cxn ang="0">
+                    <a:pos x="connsiteX2" y="connsiteY2"/>
+                  </a:cxn>
+                </a:cxnLst>
+                <a:rect l="l" t="t" r="r" b="b"/>
+                <a:pathLst>
+                  <a:path w="434340" h="82219">
+                    <a:moveTo>
+                      <a:pt x="434340" y="60960"/>
+                    </a:moveTo>
+                    <a:cubicBezTo>
+                      <a:pt x="343535" y="74930"/>
+                      <a:pt x="252730" y="88900"/>
+                      <a:pt x="180340" y="78740"/>
+                    </a:cubicBezTo>
+                    <a:cubicBezTo>
+                      <a:pt x="107950" y="68580"/>
+                      <a:pt x="53975" y="34290"/>
+                      <a:pt x="0" y="0"/>
+                    </a:cubicBezTo>
+                  </a:path>
+                </a:pathLst>
+              </a:custGeom>
+              <a:noFill/>
+              <a:ln w="38100">
+                <a:solidFill>
+                  <a:srgbClr val="0070C0"/>
+                </a:solidFill>
+                <a:tailEnd type="arrow"/>
+              </a:ln>
+            </p:spPr>
+            <p:style>
+              <a:lnRef idx="2">
+                <a:schemeClr val="accent1">
+                  <a:shade val="50000"/>
+                </a:schemeClr>
+              </a:lnRef>
+              <a:fillRef idx="1">
+                <a:schemeClr val="accent1"/>
+              </a:fillRef>
+              <a:effectRef idx="0">
+                <a:schemeClr val="accent1"/>
+              </a:effectRef>
+              <a:fontRef idx="minor">
+                <a:schemeClr val="lt1"/>
+              </a:fontRef>
+            </p:style>
+            <p:txBody>
+              <a:bodyPr rtlCol="0" anchor="ctr"/>
+              <a:lstStyle/>
+              <a:p>
+                <a:pPr algn="ctr"/>
+                <a:endParaRPr lang="fr-FR" b="1"/>
+              </a:p>
+            </p:txBody>
+          </p:sp>
+          <p:sp>
+            <p:nvSpPr>
+              <p:cNvPr id="26" name="Forme libre : forme 25">
+                <a:extLst>
+                  <a:ext uri="{FF2B5EF4-FFF2-40B4-BE49-F238E27FC236}">
+                    <a16:creationId xmlns:a16="http://schemas.microsoft.com/office/drawing/2014/main" id="{32C91ABB-4A05-4947-8D93-EC778A98D107}"/>
+                  </a:ext>
+                </a:extLst>
+              </p:cNvPr>
+              <p:cNvSpPr/>
+              <p:nvPr/>
+            </p:nvSpPr>
+            <p:spPr>
+              <a:xfrm rot="20300067" flipV="1">
+                <a:off x="4915465" y="3433219"/>
+                <a:ext cx="760176" cy="126189"/>
+              </a:xfrm>
+              <a:custGeom>
+                <a:avLst/>
+                <a:gdLst>
+                  <a:gd name="connsiteX0" fmla="*/ 434340 w 434340"/>
+                  <a:gd name="connsiteY0" fmla="*/ 60960 h 82219"/>
+                  <a:gd name="connsiteX1" fmla="*/ 180340 w 434340"/>
+                  <a:gd name="connsiteY1" fmla="*/ 78740 h 82219"/>
+                  <a:gd name="connsiteX2" fmla="*/ 0 w 434340"/>
+                  <a:gd name="connsiteY2" fmla="*/ 0 h 82219"/>
+                </a:gdLst>
+                <a:ahLst/>
+                <a:cxnLst>
+                  <a:cxn ang="0">
+                    <a:pos x="connsiteX0" y="connsiteY0"/>
+                  </a:cxn>
+                  <a:cxn ang="0">
+                    <a:pos x="connsiteX1" y="connsiteY1"/>
+                  </a:cxn>
+                  <a:cxn ang="0">
+                    <a:pos x="connsiteX2" y="connsiteY2"/>
+                  </a:cxn>
+                </a:cxnLst>
+                <a:rect l="l" t="t" r="r" b="b"/>
+                <a:pathLst>
+                  <a:path w="434340" h="82219">
+                    <a:moveTo>
+                      <a:pt x="434340" y="60960"/>
+                    </a:moveTo>
+                    <a:cubicBezTo>
+                      <a:pt x="343535" y="74930"/>
+                      <a:pt x="252730" y="88900"/>
+                      <a:pt x="180340" y="78740"/>
+                    </a:cubicBezTo>
+                    <a:cubicBezTo>
+                      <a:pt x="107950" y="68580"/>
+                      <a:pt x="53975" y="34290"/>
+                      <a:pt x="0" y="0"/>
+                    </a:cubicBezTo>
+                  </a:path>
+                </a:pathLst>
+              </a:custGeom>
+              <a:noFill/>
+              <a:ln w="38100">
+                <a:solidFill>
+                  <a:srgbClr val="0070C0"/>
+                </a:solidFill>
+                <a:tailEnd type="arrow"/>
+              </a:ln>
+            </p:spPr>
+            <p:style>
+              <a:lnRef idx="2">
+                <a:schemeClr val="accent1">
+                  <a:shade val="50000"/>
+                </a:schemeClr>
+              </a:lnRef>
+              <a:fillRef idx="1">
+                <a:schemeClr val="accent1"/>
+              </a:fillRef>
+              <a:effectRef idx="0">
+                <a:schemeClr val="accent1"/>
+              </a:effectRef>
+              <a:fontRef idx="minor">
+                <a:schemeClr val="lt1"/>
+              </a:fontRef>
+            </p:style>
+            <p:txBody>
+              <a:bodyPr rtlCol="0" anchor="ctr"/>
+              <a:lstStyle/>
+              <a:p>
+                <a:pPr algn="ctr"/>
+                <a:endParaRPr lang="fr-FR" b="1"/>
+              </a:p>
+            </p:txBody>
+          </p:sp>
+          <p:sp>
+            <p:nvSpPr>
+              <p:cNvPr id="27" name="Forme libre : forme 26">
+                <a:extLst>
+                  <a:ext uri="{FF2B5EF4-FFF2-40B4-BE49-F238E27FC236}">
+                    <a16:creationId xmlns:a16="http://schemas.microsoft.com/office/drawing/2014/main" id="{C1F7B7DA-72BC-49AD-8168-8D09B8281048}"/>
+                  </a:ext>
+                </a:extLst>
+              </p:cNvPr>
+              <p:cNvSpPr/>
+              <p:nvPr/>
+            </p:nvSpPr>
+            <p:spPr>
+              <a:xfrm rot="21028615" flipV="1">
+                <a:off x="4167993" y="3441588"/>
+                <a:ext cx="1229228" cy="212783"/>
+              </a:xfrm>
+              <a:custGeom>
+                <a:avLst/>
+                <a:gdLst>
+                  <a:gd name="connsiteX0" fmla="*/ 434340 w 434340"/>
+                  <a:gd name="connsiteY0" fmla="*/ 60960 h 82219"/>
+                  <a:gd name="connsiteX1" fmla="*/ 180340 w 434340"/>
+                  <a:gd name="connsiteY1" fmla="*/ 78740 h 82219"/>
+                  <a:gd name="connsiteX2" fmla="*/ 0 w 434340"/>
+                  <a:gd name="connsiteY2" fmla="*/ 0 h 82219"/>
+                </a:gdLst>
+                <a:ahLst/>
+                <a:cxnLst>
+                  <a:cxn ang="0">
+                    <a:pos x="connsiteX0" y="connsiteY0"/>
+                  </a:cxn>
+                  <a:cxn ang="0">
+                    <a:pos x="connsiteX1" y="connsiteY1"/>
+                  </a:cxn>
+                  <a:cxn ang="0">
+                    <a:pos x="connsiteX2" y="connsiteY2"/>
+                  </a:cxn>
+                </a:cxnLst>
+                <a:rect l="l" t="t" r="r" b="b"/>
+                <a:pathLst>
+                  <a:path w="434340" h="82219">
+                    <a:moveTo>
+                      <a:pt x="434340" y="60960"/>
+                    </a:moveTo>
+                    <a:cubicBezTo>
+                      <a:pt x="343535" y="74930"/>
+                      <a:pt x="252730" y="88900"/>
+                      <a:pt x="180340" y="78740"/>
+                    </a:cubicBezTo>
+                    <a:cubicBezTo>
+                      <a:pt x="107950" y="68580"/>
+                      <a:pt x="53975" y="34290"/>
+                      <a:pt x="0" y="0"/>
+                    </a:cubicBezTo>
+                  </a:path>
+                </a:pathLst>
+              </a:custGeom>
+              <a:noFill/>
+              <a:ln w="38100">
+                <a:solidFill>
+                  <a:srgbClr val="0070C0"/>
+                </a:solidFill>
+                <a:tailEnd type="arrow"/>
+              </a:ln>
+            </p:spPr>
+            <p:style>
+              <a:lnRef idx="2">
+                <a:schemeClr val="accent1">
+                  <a:shade val="50000"/>
+                </a:schemeClr>
+              </a:lnRef>
+              <a:fillRef idx="1">
+                <a:schemeClr val="accent1"/>
+              </a:fillRef>
+              <a:effectRef idx="0">
+                <a:schemeClr val="accent1"/>
+              </a:effectRef>
+              <a:fontRef idx="minor">
+                <a:schemeClr val="lt1"/>
+              </a:fontRef>
+            </p:style>
+            <p:txBody>
+              <a:bodyPr rtlCol="0" anchor="ctr"/>
+              <a:lstStyle/>
+              <a:p>
+                <a:pPr algn="ctr"/>
+                <a:endParaRPr lang="fr-FR" b="1"/>
+              </a:p>
+            </p:txBody>
+          </p:sp>
+        </p:grpSp>
+      </p:grpSp>
+    </p:spTree>
+    <p:extLst>
+      <p:ext uri="{BB962C8B-B14F-4D97-AF65-F5344CB8AC3E}">
+        <p14:creationId xmlns:p14="http://schemas.microsoft.com/office/powerpoint/2010/main" val="3596098347"/>
+      </p:ext>
+    </p:extLst>
+  </p:cSld>
+  <p:clrMapOvr>
+    <a:masterClrMapping/>
+  </p:clrMapOvr>
+  <p:timing>
+    <p:tnLst>
+      <p:par>
+        <p:cTn id="1" dur="indefinite" restart="never" nodeType="tmRoot">
+          <p:childTnLst>
+            <p:seq concurrent="1" nextAc="seek">
+              <p:cTn id="2" dur="indefinite" nodeType="mainSeq">
+                <p:childTnLst>
+                  <p:par>
+                    <p:cTn id="3" fill="hold">
+                      <p:stCondLst>
+                        <p:cond delay="indefinite"/>
+                      </p:stCondLst>
+                      <p:childTnLst>
+                        <p:par>
+                          <p:cTn id="4" fill="hold">
+                            <p:stCondLst>
+                              <p:cond delay="0"/>
+                            </p:stCondLst>
+                            <p:childTnLst>
+                              <p:par>
+                                <p:cTn id="5" presetID="10" presetClass="entr" presetSubtype="0" fill="hold" nodeType="clickEffect">
+                                  <p:stCondLst>
+                                    <p:cond delay="0"/>
+                                  </p:stCondLst>
+                                  <p:childTnLst>
+                                    <p:set>
+                                      <p:cBhvr>
+                                        <p:cTn id="6" dur="1" fill="hold">
+                                          <p:stCondLst>
+                                            <p:cond delay="0"/>
+                                          </p:stCondLst>
+                                        </p:cTn>
+                                        <p:tgtEl>
+                                          <p:spTgt spid="8"/>
+                                        </p:tgtEl>
+                                        <p:attrNameLst>
+                                          <p:attrName>style.visibility</p:attrName>
+                                        </p:attrNameLst>
+                                      </p:cBhvr>
+                                      <p:to>
+                                        <p:strVal val="visible"/>
+                                      </p:to>
+                                    </p:set>
+                                    <p:animEffect transition="in" filter="fade">
+                                      <p:cBhvr>
+                                        <p:cTn id="7" dur="500"/>
+                                        <p:tgtEl>
+                                          <p:spTgt spid="8"/>
+                                        </p:tgtEl>
+                                      </p:cBhvr>
+                                    </p:animEffect>
+                                  </p:childTnLst>
+                                </p:cTn>
+                              </p:par>
+                              <p:par>
+                                <p:cTn id="8" presetID="10" presetClass="entr" presetSubtype="0" fill="hold" nodeType="withEffect">
+                                  <p:stCondLst>
+                                    <p:cond delay="0"/>
+                                  </p:stCondLst>
+                                  <p:childTnLst>
+                                    <p:set>
+                                      <p:cBhvr>
+                                        <p:cTn id="9" dur="1" fill="hold">
+                                          <p:stCondLst>
+                                            <p:cond delay="0"/>
+                                          </p:stCondLst>
+                                        </p:cTn>
+                                        <p:tgtEl>
+                                          <p:spTgt spid="3"/>
+                                        </p:tgtEl>
+                                        <p:attrNameLst>
+                                          <p:attrName>style.visibility</p:attrName>
+                                        </p:attrNameLst>
+                                      </p:cBhvr>
+                                      <p:to>
+                                        <p:strVal val="visible"/>
+                                      </p:to>
+                                    </p:set>
+                                    <p:animEffect transition="in" filter="fade">
+                                      <p:cBhvr>
+                                        <p:cTn id="10" dur="500"/>
+                                        <p:tgtEl>
+                                          <p:spTgt spid="3"/>
+                                        </p:tgtEl>
+                                      </p:cBhvr>
+                                    </p:animEffect>
+                                  </p:childTnLst>
+                                </p:cTn>
+                              </p:par>
+                              <p:par>
+                                <p:cTn id="11" presetID="10" presetClass="entr" presetSubtype="0" fill="hold" nodeType="withEffect">
+                                  <p:stCondLst>
+                                    <p:cond delay="0"/>
+                                  </p:stCondLst>
+                                  <p:childTnLst>
+                                    <p:set>
+                                      <p:cBhvr>
+                                        <p:cTn id="12" dur="1" fill="hold">
+                                          <p:stCondLst>
+                                            <p:cond delay="0"/>
+                                          </p:stCondLst>
+                                        </p:cTn>
+                                        <p:tgtEl>
+                                          <p:spTgt spid="14"/>
+                                        </p:tgtEl>
+                                        <p:attrNameLst>
+                                          <p:attrName>style.visibility</p:attrName>
+                                        </p:attrNameLst>
+                                      </p:cBhvr>
+                                      <p:to>
+                                        <p:strVal val="visible"/>
+                                      </p:to>
+                                    </p:set>
+                                    <p:animEffect transition="in" filter="fade">
+                                      <p:cBhvr>
+                                        <p:cTn id="13" dur="500"/>
+                                        <p:tgtEl>
+                                          <p:spTgt spid="14"/>
+                                        </p:tgtEl>
+                                      </p:cBhvr>
+                                    </p:animEffect>
+                                  </p:childTnLst>
+                                </p:cTn>
+                              </p:par>
+                              <p:par>
+                                <p:cTn id="14" presetID="10" presetClass="entr" presetSubtype="0" fill="hold" nodeType="withEffect">
+                                  <p:stCondLst>
+                                    <p:cond delay="0"/>
+                                  </p:stCondLst>
+                                  <p:childTnLst>
+                                    <p:set>
+                                      <p:cBhvr>
+                                        <p:cTn id="15" dur="1" fill="hold">
+                                          <p:stCondLst>
+                                            <p:cond delay="0"/>
+                                          </p:stCondLst>
+                                        </p:cTn>
+                                        <p:tgtEl>
+                                          <p:spTgt spid="11"/>
+                                        </p:tgtEl>
+                                        <p:attrNameLst>
+                                          <p:attrName>style.visibility</p:attrName>
+                                        </p:attrNameLst>
+                                      </p:cBhvr>
+                                      <p:to>
+                                        <p:strVal val="visible"/>
+                                      </p:to>
+                                    </p:set>
+                                    <p:animEffect transition="in" filter="fade">
+                                      <p:cBhvr>
+                                        <p:cTn id="16" dur="500"/>
+                                        <p:tgtEl>
+                                          <p:spTgt spid="11"/>
+                                        </p:tgtEl>
+                                      </p:cBhvr>
+                                    </p:animEffect>
+                                  </p:childTnLst>
+                                </p:cTn>
+                              </p:par>
+                            </p:childTnLst>
+                          </p:cTn>
+                        </p:par>
+                      </p:childTnLst>
+                    </p:cTn>
+                  </p:par>
+                  <p:par>
+                    <p:cTn id="17" fill="hold">
+                      <p:stCondLst>
+                        <p:cond delay="indefinite"/>
+                      </p:stCondLst>
+                      <p:childTnLst>
+                        <p:par>
+                          <p:cTn id="18" fill="hold">
+                            <p:stCondLst>
+                              <p:cond delay="0"/>
+                            </p:stCondLst>
+                            <p:childTnLst>
+                              <p:par>
+                                <p:cTn id="19" presetID="10" presetClass="entr" presetSubtype="0" fill="hold" nodeType="clickEffect">
+                                  <p:stCondLst>
+                                    <p:cond delay="0"/>
+                                  </p:stCondLst>
+                                  <p:childTnLst>
+                                    <p:set>
+                                      <p:cBhvr>
+                                        <p:cTn id="20" dur="1" fill="hold">
+                                          <p:stCondLst>
+                                            <p:cond delay="0"/>
+                                          </p:stCondLst>
+                                        </p:cTn>
+                                        <p:tgtEl>
+                                          <p:spTgt spid="29"/>
+                                        </p:tgtEl>
+                                        <p:attrNameLst>
+                                          <p:attrName>style.visibility</p:attrName>
+                                        </p:attrNameLst>
+                                      </p:cBhvr>
+                                      <p:to>
+                                        <p:strVal val="visible"/>
+                                      </p:to>
+                                    </p:set>
+                                    <p:animEffect transition="in" filter="fade">
+                                      <p:cBhvr>
+                                        <p:cTn id="21" dur="500"/>
+                                        <p:tgtEl>
+                                          <p:spTgt spid="29"/>
+                                        </p:tgtEl>
+                                      </p:cBhvr>
+                                    </p:animEffect>
+                                  </p:childTnLst>
+                                </p:cTn>
+                              </p:par>
+                              <p:par>
+                                <p:cTn id="22" presetID="10" presetClass="entr" presetSubtype="0" fill="hold" grpId="0" nodeType="withEffect">
+                                  <p:stCondLst>
+                                    <p:cond delay="0"/>
+                                  </p:stCondLst>
+                                  <p:childTnLst>
+                                    <p:set>
+                                      <p:cBhvr>
+                                        <p:cTn id="23" dur="1" fill="hold">
+                                          <p:stCondLst>
+                                            <p:cond delay="0"/>
+                                          </p:stCondLst>
+                                        </p:cTn>
+                                        <p:tgtEl>
+                                          <p:spTgt spid="17"/>
+                                        </p:tgtEl>
+                                        <p:attrNameLst>
+                                          <p:attrName>style.visibility</p:attrName>
+                                        </p:attrNameLst>
+                                      </p:cBhvr>
+                                      <p:to>
+                                        <p:strVal val="visible"/>
+                                      </p:to>
+                                    </p:set>
+                                    <p:animEffect transition="in" filter="fade">
+                                      <p:cBhvr>
+                                        <p:cTn id="24" dur="500"/>
+                                        <p:tgtEl>
+                                          <p:spTgt spid="17"/>
+                                        </p:tgtEl>
+                                      </p:cBhvr>
+                                    </p:animEffect>
+                                  </p:childTnLst>
+                                </p:cTn>
+                              </p:par>
+                            </p:childTnLst>
+                          </p:cTn>
+                        </p:par>
+                      </p:childTnLst>
+                    </p:cTn>
+                  </p:par>
+                </p:childTnLst>
+              </p:cTn>
+              <p:prevCondLst>
+                <p:cond evt="onPrev" delay="0">
+                  <p:tgtEl>
+                    <p:sldTgt/>
+                  </p:tgtEl>
+                </p:cond>
+              </p:prevCondLst>
+              <p:nextCondLst>
+                <p:cond evt="onNext" delay="0">
+                  <p:tgtEl>
+                    <p:sldTgt/>
+                  </p:tgtEl>
+                </p:cond>
+              </p:nextCondLst>
+            </p:seq>
+          </p:childTnLst>
+        </p:cTn>
+      </p:par>
+    </p:tnLst>
+    <p:bldLst>
+      <p:bldP spid="17" grpId="0"/>
+    </p:bldLst>
+  </p:timing>
+</p:sld>
+</file>
+
+<file path=ppt/slides/slide6.xml><?xml version="1.0" encoding="utf-8"?>
+<p:sld xmlns:a="http://schemas.openxmlformats.org/drawingml/2006/main" xmlns:r="http://schemas.openxmlformats.org/officeDocument/2006/relationships" xmlns:p="http://schemas.openxmlformats.org/presentationml/2006/main">
+  <p:cSld>
+    <p:spTree>
+      <p:nvGrpSpPr>
+        <p:cNvPr id="1" name=""/>
+        <p:cNvGrpSpPr/>
+        <p:nvPr/>
+      </p:nvGrpSpPr>
+      <p:grpSpPr>
+        <a:xfrm>
+          <a:off x="0" y="0"/>
+          <a:ext cx="0" cy="0"/>
+          <a:chOff x="0" y="0"/>
+          <a:chExt cx="0" cy="0"/>
+        </a:xfrm>
+      </p:grpSpPr>
+      <p:sp>
+        <p:nvSpPr>
+          <p:cNvPr id="2" name="Titre 1">
+            <a:extLst>
+              <a:ext uri="{FF2B5EF4-FFF2-40B4-BE49-F238E27FC236}">
+                <a16:creationId xmlns:a16="http://schemas.microsoft.com/office/drawing/2014/main" id="{49D60267-A38C-4134-AE1E-F6EE427CC5AB}"/>
+              </a:ext>
+            </a:extLst>
+          </p:cNvPr>
+          <p:cNvSpPr>
+            <a:spLocks noGrp="1"/>
+          </p:cNvSpPr>
+          <p:nvPr>
+            <p:ph type="title"/>
+          </p:nvPr>
+        </p:nvSpPr>
+        <p:spPr/>
+        <p:txBody>
+          <a:bodyPr/>
+          <a:lstStyle/>
+          <a:p>
+            <a:r>
+              <a:rPr lang="en-US" b="1" dirty="0">
+                <a:solidFill>
+                  <a:srgbClr val="FF0000"/>
+                </a:solidFill>
+              </a:rPr>
+              <a:t>Cells Types</a:t>
+            </a:r>
+          </a:p>
+        </p:txBody>
+      </p:sp>
+      <p:sp>
+        <p:nvSpPr>
+          <p:cNvPr id="3" name="Espace réservé du texte 2">
+            <a:extLst>
+              <a:ext uri="{FF2B5EF4-FFF2-40B4-BE49-F238E27FC236}">
+                <a16:creationId xmlns:a16="http://schemas.microsoft.com/office/drawing/2014/main" id="{275F59AA-5663-4F85-943A-3915723690DE}"/>
+              </a:ext>
+            </a:extLst>
+          </p:cNvPr>
+          <p:cNvSpPr>
+            <a:spLocks noGrp="1"/>
+          </p:cNvSpPr>
+          <p:nvPr>
+            <p:ph type="body" idx="1"/>
+          </p:nvPr>
+        </p:nvSpPr>
+        <p:spPr>
+          <a:xfrm>
+            <a:off x="839788" y="1417305"/>
+            <a:ext cx="5157787" cy="823912"/>
+          </a:xfrm>
+        </p:spPr>
+        <p:txBody>
+          <a:bodyPr/>
+          <a:lstStyle/>
+          <a:p>
+            <a:r>
+              <a:rPr lang="en-US" dirty="0"/>
+              <a:t>Haploid</a:t>
+            </a:r>
+          </a:p>
+        </p:txBody>
+      </p:sp>
+      <p:sp>
+        <p:nvSpPr>
+          <p:cNvPr id="4" name="Espace réservé du contenu 3">
+            <a:extLst>
+              <a:ext uri="{FF2B5EF4-FFF2-40B4-BE49-F238E27FC236}">
+                <a16:creationId xmlns:a16="http://schemas.microsoft.com/office/drawing/2014/main" id="{2E014D67-2163-47A7-90BE-A05F0A410D9F}"/>
+              </a:ext>
+            </a:extLst>
+          </p:cNvPr>
+          <p:cNvSpPr>
+            <a:spLocks noGrp="1"/>
+          </p:cNvSpPr>
+          <p:nvPr>
+            <p:ph sz="half" idx="2"/>
+          </p:nvPr>
+        </p:nvSpPr>
+        <p:spPr>
+          <a:xfrm>
+            <a:off x="839788" y="4876800"/>
+            <a:ext cx="5157787" cy="1312862"/>
+          </a:xfrm>
+        </p:spPr>
+        <p:txBody>
+          <a:bodyPr>
+            <a:normAutofit/>
+          </a:bodyPr>
+          <a:lstStyle/>
+          <a:p>
+            <a:r>
+              <a:rPr lang="en-US" dirty="0"/>
+              <a:t>Bacteria</a:t>
+            </a:r>
+          </a:p>
+          <a:p>
+            <a:r>
+              <a:rPr lang="en-US" dirty="0"/>
+              <a:t>Gametes</a:t>
+            </a:r>
+          </a:p>
+        </p:txBody>
+      </p:sp>
+      <p:sp>
+        <p:nvSpPr>
+          <p:cNvPr id="5" name="Espace réservé du texte 4">
+            <a:extLst>
+              <a:ext uri="{FF2B5EF4-FFF2-40B4-BE49-F238E27FC236}">
+                <a16:creationId xmlns:a16="http://schemas.microsoft.com/office/drawing/2014/main" id="{47946DDB-86D7-4BBE-9E18-33C3F9B810DC}"/>
+              </a:ext>
+            </a:extLst>
+          </p:cNvPr>
+          <p:cNvSpPr>
+            <a:spLocks noGrp="1"/>
+          </p:cNvSpPr>
+          <p:nvPr>
+            <p:ph type="body" sz="quarter" idx="3"/>
+          </p:nvPr>
+        </p:nvSpPr>
+        <p:spPr>
+          <a:xfrm>
+            <a:off x="6172200" y="1417305"/>
+            <a:ext cx="5183188" cy="823912"/>
+          </a:xfrm>
+        </p:spPr>
+        <p:txBody>
+          <a:bodyPr/>
+          <a:lstStyle/>
+          <a:p>
+            <a:r>
+              <a:rPr lang="en-US" dirty="0"/>
+              <a:t>Diploid</a:t>
+            </a:r>
+          </a:p>
+        </p:txBody>
+      </p:sp>
+      <p:sp>
+        <p:nvSpPr>
+          <p:cNvPr id="6" name="Espace réservé du contenu 5">
+            <a:extLst>
+              <a:ext uri="{FF2B5EF4-FFF2-40B4-BE49-F238E27FC236}">
+                <a16:creationId xmlns:a16="http://schemas.microsoft.com/office/drawing/2014/main" id="{C9A05951-A8D6-4C3F-A1AD-FDEE9FF6B2C5}"/>
+              </a:ext>
+            </a:extLst>
+          </p:cNvPr>
+          <p:cNvSpPr>
+            <a:spLocks noGrp="1"/>
+          </p:cNvSpPr>
+          <p:nvPr>
+            <p:ph sz="quarter" idx="4"/>
+          </p:nvPr>
+        </p:nvSpPr>
+        <p:spPr>
+          <a:xfrm>
+            <a:off x="6172200" y="4876799"/>
+            <a:ext cx="5183188" cy="1312863"/>
+          </a:xfrm>
+        </p:spPr>
+        <p:txBody>
+          <a:bodyPr>
+            <a:normAutofit/>
+          </a:bodyPr>
+          <a:lstStyle/>
+          <a:p>
+            <a:r>
+              <a:rPr lang="en-US" dirty="0"/>
+              <a:t>Humans</a:t>
+            </a:r>
+          </a:p>
+          <a:p>
+            <a:r>
+              <a:rPr lang="en-US" dirty="0"/>
+              <a:t>Most living things</a:t>
+            </a:r>
+          </a:p>
+          <a:p>
+            <a:endParaRPr lang="en-US" dirty="0"/>
+          </a:p>
+        </p:txBody>
+      </p:sp>
+      <p:grpSp>
+        <p:nvGrpSpPr>
+          <p:cNvPr id="29" name="Groupe 28">
+            <a:extLst>
+              <a:ext uri="{FF2B5EF4-FFF2-40B4-BE49-F238E27FC236}">
+                <a16:creationId xmlns:a16="http://schemas.microsoft.com/office/drawing/2014/main" id="{DAA51B80-F9D5-42EE-A9CC-452559E60C8C}"/>
+              </a:ext>
+            </a:extLst>
+          </p:cNvPr>
+          <p:cNvGrpSpPr/>
+          <p:nvPr/>
+        </p:nvGrpSpPr>
+        <p:grpSpPr>
+          <a:xfrm>
+            <a:off x="1629367" y="2888038"/>
+            <a:ext cx="63951" cy="1475196"/>
+            <a:chOff x="932688" y="2877312"/>
+            <a:chExt cx="0" cy="1374648"/>
+          </a:xfrm>
+        </p:grpSpPr>
+        <p:cxnSp>
+          <p:nvCxnSpPr>
+            <p:cNvPr id="11" name="Connecteur droit 10">
+              <a:extLst>
+                <a:ext uri="{FF2B5EF4-FFF2-40B4-BE49-F238E27FC236}">
+                  <a16:creationId xmlns:a16="http://schemas.microsoft.com/office/drawing/2014/main" id="{D58005C5-5A0D-4EB8-A1B5-51B718C33135}"/>
+                </a:ext>
+              </a:extLst>
+            </p:cNvPr>
+            <p:cNvCxnSpPr>
+              <a:cxnSpLocks/>
+            </p:cNvCxnSpPr>
+            <p:nvPr/>
+          </p:nvCxnSpPr>
+          <p:spPr>
+            <a:xfrm>
+              <a:off x="932688" y="2877312"/>
+              <a:ext cx="0" cy="403098"/>
+            </a:xfrm>
+            <a:prstGeom prst="line">
+              <a:avLst/>
+            </a:prstGeom>
+            <a:ln w="127000" cap="rnd"/>
+          </p:spPr>
+          <p:style>
+            <a:lnRef idx="1">
+              <a:schemeClr val="accent1"/>
+            </a:lnRef>
+            <a:fillRef idx="0">
+              <a:schemeClr val="accent1"/>
+            </a:fillRef>
+            <a:effectRef idx="0">
+              <a:schemeClr val="accent1"/>
+            </a:effectRef>
+            <a:fontRef idx="minor">
+              <a:schemeClr val="tx1"/>
+            </a:fontRef>
+          </p:style>
+        </p:cxnSp>
+        <p:cxnSp>
+          <p:nvCxnSpPr>
+            <p:cNvPr id="13" name="Connecteur droit 12">
+              <a:extLst>
+                <a:ext uri="{FF2B5EF4-FFF2-40B4-BE49-F238E27FC236}">
+                  <a16:creationId xmlns:a16="http://schemas.microsoft.com/office/drawing/2014/main" id="{53AC322E-195A-4CF8-993D-CB9F7D6C3AD1}"/>
+                </a:ext>
+              </a:extLst>
+            </p:cNvPr>
+            <p:cNvCxnSpPr>
+              <a:cxnSpLocks/>
+            </p:cNvCxnSpPr>
+            <p:nvPr/>
+          </p:nvCxnSpPr>
+          <p:spPr>
+            <a:xfrm>
+              <a:off x="932688" y="3396615"/>
+              <a:ext cx="0" cy="855345"/>
+            </a:xfrm>
+            <a:prstGeom prst="line">
+              <a:avLst/>
+            </a:prstGeom>
+            <a:ln w="127000" cap="rnd"/>
+          </p:spPr>
+          <p:style>
+            <a:lnRef idx="1">
+              <a:schemeClr val="accent1"/>
+            </a:lnRef>
+            <a:fillRef idx="0">
+              <a:schemeClr val="accent1"/>
+            </a:fillRef>
+            <a:effectRef idx="0">
+              <a:schemeClr val="accent1"/>
+            </a:effectRef>
+            <a:fontRef idx="minor">
+              <a:schemeClr val="tx1"/>
+            </a:fontRef>
+          </p:style>
+        </p:cxnSp>
+      </p:grpSp>
+      <p:grpSp>
+        <p:nvGrpSpPr>
+          <p:cNvPr id="30" name="Groupe 29">
+            <a:extLst>
+              <a:ext uri="{FF2B5EF4-FFF2-40B4-BE49-F238E27FC236}">
+                <a16:creationId xmlns:a16="http://schemas.microsoft.com/office/drawing/2014/main" id="{60D1941C-9F88-41C1-AE3E-EFB62A87BEFB}"/>
+              </a:ext>
+            </a:extLst>
+          </p:cNvPr>
+          <p:cNvGrpSpPr/>
+          <p:nvPr/>
+        </p:nvGrpSpPr>
+        <p:grpSpPr>
+          <a:xfrm>
+            <a:off x="2174197" y="3281020"/>
+            <a:ext cx="55940" cy="1078229"/>
+            <a:chOff x="932688" y="2877312"/>
+            <a:chExt cx="0" cy="1374648"/>
+          </a:xfrm>
+        </p:grpSpPr>
+        <p:cxnSp>
+          <p:nvCxnSpPr>
+            <p:cNvPr id="31" name="Connecteur droit 30">
+              <a:extLst>
+                <a:ext uri="{FF2B5EF4-FFF2-40B4-BE49-F238E27FC236}">
+                  <a16:creationId xmlns:a16="http://schemas.microsoft.com/office/drawing/2014/main" id="{337031A7-CFCE-4C2B-9404-12F8C4D76A37}"/>
+                </a:ext>
+              </a:extLst>
+            </p:cNvPr>
+            <p:cNvCxnSpPr>
+              <a:cxnSpLocks/>
+            </p:cNvCxnSpPr>
+            <p:nvPr/>
+          </p:nvCxnSpPr>
+          <p:spPr>
+            <a:xfrm>
+              <a:off x="932688" y="2877312"/>
+              <a:ext cx="0" cy="403098"/>
+            </a:xfrm>
+            <a:prstGeom prst="line">
+              <a:avLst/>
+            </a:prstGeom>
+            <a:ln w="127000" cap="rnd">
+              <a:solidFill>
+                <a:srgbClr val="00B050"/>
+              </a:solidFill>
+            </a:ln>
+          </p:spPr>
+          <p:style>
+            <a:lnRef idx="1">
+              <a:schemeClr val="accent1"/>
+            </a:lnRef>
+            <a:fillRef idx="0">
+              <a:schemeClr val="accent1"/>
+            </a:fillRef>
+            <a:effectRef idx="0">
+              <a:schemeClr val="accent1"/>
+            </a:effectRef>
+            <a:fontRef idx="minor">
+              <a:schemeClr val="tx1"/>
+            </a:fontRef>
+          </p:style>
+        </p:cxnSp>
+        <p:cxnSp>
+          <p:nvCxnSpPr>
+            <p:cNvPr id="32" name="Connecteur droit 31">
+              <a:extLst>
+                <a:ext uri="{FF2B5EF4-FFF2-40B4-BE49-F238E27FC236}">
+                  <a16:creationId xmlns:a16="http://schemas.microsoft.com/office/drawing/2014/main" id="{45F6F2C8-7F83-48A9-968F-7792B9DC2854}"/>
+                </a:ext>
+              </a:extLst>
+            </p:cNvPr>
+            <p:cNvCxnSpPr>
+              <a:cxnSpLocks/>
+            </p:cNvCxnSpPr>
+            <p:nvPr/>
+          </p:nvCxnSpPr>
+          <p:spPr>
+            <a:xfrm>
+              <a:off x="932688" y="3396615"/>
+              <a:ext cx="0" cy="855345"/>
+            </a:xfrm>
+            <a:prstGeom prst="line">
+              <a:avLst/>
+            </a:prstGeom>
+            <a:ln w="127000" cap="rnd">
+              <a:solidFill>
+                <a:srgbClr val="00B050"/>
+              </a:solidFill>
+            </a:ln>
+          </p:spPr>
+          <p:style>
+            <a:lnRef idx="1">
+              <a:schemeClr val="accent1"/>
+            </a:lnRef>
+            <a:fillRef idx="0">
+              <a:schemeClr val="accent1"/>
+            </a:fillRef>
+            <a:effectRef idx="0">
+              <a:schemeClr val="accent1"/>
+            </a:effectRef>
+            <a:fontRef idx="minor">
+              <a:schemeClr val="tx1"/>
+            </a:fontRef>
+          </p:style>
+        </p:cxnSp>
+      </p:grpSp>
+      <p:grpSp>
+        <p:nvGrpSpPr>
+          <p:cNvPr id="33" name="Groupe 32">
+            <a:extLst>
+              <a:ext uri="{FF2B5EF4-FFF2-40B4-BE49-F238E27FC236}">
+                <a16:creationId xmlns:a16="http://schemas.microsoft.com/office/drawing/2014/main" id="{51BD56D4-CDD5-4019-86A9-BDE93587D55B}"/>
+              </a:ext>
+            </a:extLst>
+          </p:cNvPr>
+          <p:cNvGrpSpPr/>
+          <p:nvPr/>
+        </p:nvGrpSpPr>
+        <p:grpSpPr>
+          <a:xfrm>
+            <a:off x="2696166" y="3043160"/>
+            <a:ext cx="148626" cy="1316090"/>
+            <a:chOff x="932688" y="2877312"/>
+            <a:chExt cx="0" cy="1374648"/>
+          </a:xfrm>
+        </p:grpSpPr>
+        <p:cxnSp>
+          <p:nvCxnSpPr>
+            <p:cNvPr id="34" name="Connecteur droit 33">
+              <a:extLst>
+                <a:ext uri="{FF2B5EF4-FFF2-40B4-BE49-F238E27FC236}">
+                  <a16:creationId xmlns:a16="http://schemas.microsoft.com/office/drawing/2014/main" id="{5EF0DE7E-5BB6-42D8-8D12-23DA7A67D25B}"/>
+                </a:ext>
+              </a:extLst>
+            </p:cNvPr>
+            <p:cNvCxnSpPr>
+              <a:cxnSpLocks/>
+            </p:cNvCxnSpPr>
+            <p:nvPr/>
+          </p:nvCxnSpPr>
+          <p:spPr>
+            <a:xfrm>
+              <a:off x="932688" y="2877312"/>
+              <a:ext cx="0" cy="403098"/>
+            </a:xfrm>
+            <a:prstGeom prst="line">
+              <a:avLst/>
+            </a:prstGeom>
+            <a:ln w="127000" cap="rnd">
+              <a:solidFill>
+                <a:srgbClr val="FFC000"/>
+              </a:solidFill>
+            </a:ln>
+          </p:spPr>
+          <p:style>
+            <a:lnRef idx="1">
+              <a:schemeClr val="accent1"/>
+            </a:lnRef>
+            <a:fillRef idx="0">
+              <a:schemeClr val="accent1"/>
+            </a:fillRef>
+            <a:effectRef idx="0">
+              <a:schemeClr val="accent1"/>
+            </a:effectRef>
+            <a:fontRef idx="minor">
+              <a:schemeClr val="tx1"/>
+            </a:fontRef>
+          </p:style>
+        </p:cxnSp>
+        <p:cxnSp>
+          <p:nvCxnSpPr>
+            <p:cNvPr id="35" name="Connecteur droit 34">
+              <a:extLst>
+                <a:ext uri="{FF2B5EF4-FFF2-40B4-BE49-F238E27FC236}">
+                  <a16:creationId xmlns:a16="http://schemas.microsoft.com/office/drawing/2014/main" id="{1078D358-47D9-458E-BEE6-74FFE0BCC6B9}"/>
+                </a:ext>
+              </a:extLst>
+            </p:cNvPr>
+            <p:cNvCxnSpPr>
+              <a:cxnSpLocks/>
+            </p:cNvCxnSpPr>
+            <p:nvPr/>
+          </p:nvCxnSpPr>
+          <p:spPr>
+            <a:xfrm>
+              <a:off x="932688" y="3396615"/>
+              <a:ext cx="0" cy="855345"/>
+            </a:xfrm>
+            <a:prstGeom prst="line">
+              <a:avLst/>
+            </a:prstGeom>
+            <a:ln w="127000" cap="rnd">
+              <a:solidFill>
+                <a:srgbClr val="FFC000"/>
+              </a:solidFill>
+            </a:ln>
+          </p:spPr>
+          <p:style>
+            <a:lnRef idx="1">
+              <a:schemeClr val="accent1"/>
+            </a:lnRef>
+            <a:fillRef idx="0">
+              <a:schemeClr val="accent1"/>
+            </a:fillRef>
+            <a:effectRef idx="0">
+              <a:schemeClr val="accent1"/>
+            </a:effectRef>
+            <a:fontRef idx="minor">
+              <a:schemeClr val="tx1"/>
+            </a:fontRef>
+          </p:style>
+        </p:cxnSp>
+      </p:grpSp>
+      <p:grpSp>
+        <p:nvGrpSpPr>
+          <p:cNvPr id="39" name="Groupe 38">
+            <a:extLst>
+              <a:ext uri="{FF2B5EF4-FFF2-40B4-BE49-F238E27FC236}">
+                <a16:creationId xmlns:a16="http://schemas.microsoft.com/office/drawing/2014/main" id="{69ED8885-48DF-4524-BE08-A4A6E1D5964D}"/>
+              </a:ext>
+            </a:extLst>
+          </p:cNvPr>
+          <p:cNvGrpSpPr/>
+          <p:nvPr/>
+        </p:nvGrpSpPr>
+        <p:grpSpPr>
+          <a:xfrm>
+            <a:off x="3195275" y="3239284"/>
+            <a:ext cx="45719" cy="1119965"/>
+            <a:chOff x="932688" y="2877312"/>
+            <a:chExt cx="0" cy="1374648"/>
+          </a:xfrm>
+        </p:grpSpPr>
+        <p:cxnSp>
+          <p:nvCxnSpPr>
+            <p:cNvPr id="40" name="Connecteur droit 39">
+              <a:extLst>
+                <a:ext uri="{FF2B5EF4-FFF2-40B4-BE49-F238E27FC236}">
+                  <a16:creationId xmlns:a16="http://schemas.microsoft.com/office/drawing/2014/main" id="{87613D47-F94B-4568-AC27-15CE347B2153}"/>
+                </a:ext>
+              </a:extLst>
+            </p:cNvPr>
+            <p:cNvCxnSpPr>
+              <a:cxnSpLocks/>
+            </p:cNvCxnSpPr>
+            <p:nvPr/>
+          </p:nvCxnSpPr>
+          <p:spPr>
+            <a:xfrm>
+              <a:off x="932688" y="2877312"/>
+              <a:ext cx="0" cy="403098"/>
+            </a:xfrm>
+            <a:prstGeom prst="line">
+              <a:avLst/>
+            </a:prstGeom>
+            <a:ln w="127000" cap="rnd">
+              <a:solidFill>
+                <a:srgbClr val="C00000"/>
+              </a:solidFill>
+            </a:ln>
+          </p:spPr>
+          <p:style>
+            <a:lnRef idx="1">
+              <a:schemeClr val="accent1"/>
+            </a:lnRef>
+            <a:fillRef idx="0">
+              <a:schemeClr val="accent1"/>
+            </a:fillRef>
+            <a:effectRef idx="0">
+              <a:schemeClr val="accent1"/>
+            </a:effectRef>
+            <a:fontRef idx="minor">
+              <a:schemeClr val="tx1"/>
+            </a:fontRef>
+          </p:style>
+        </p:cxnSp>
+        <p:cxnSp>
+          <p:nvCxnSpPr>
+            <p:cNvPr id="41" name="Connecteur droit 40">
+              <a:extLst>
+                <a:ext uri="{FF2B5EF4-FFF2-40B4-BE49-F238E27FC236}">
+                  <a16:creationId xmlns:a16="http://schemas.microsoft.com/office/drawing/2014/main" id="{463EFEB2-A23E-432B-BD23-4E3349CD04FE}"/>
+                </a:ext>
+              </a:extLst>
+            </p:cNvPr>
+            <p:cNvCxnSpPr>
+              <a:cxnSpLocks/>
+            </p:cNvCxnSpPr>
+            <p:nvPr/>
+          </p:nvCxnSpPr>
+          <p:spPr>
+            <a:xfrm>
+              <a:off x="932688" y="3396615"/>
+              <a:ext cx="0" cy="855345"/>
+            </a:xfrm>
+            <a:prstGeom prst="line">
+              <a:avLst/>
+            </a:prstGeom>
+            <a:ln w="127000" cap="rnd">
+              <a:solidFill>
+                <a:srgbClr val="C00000"/>
+              </a:solidFill>
+            </a:ln>
+          </p:spPr>
+          <p:style>
+            <a:lnRef idx="1">
+              <a:schemeClr val="accent1"/>
+            </a:lnRef>
+            <a:fillRef idx="0">
+              <a:schemeClr val="accent1"/>
+            </a:fillRef>
+            <a:effectRef idx="0">
+              <a:schemeClr val="accent1"/>
+            </a:effectRef>
+            <a:fontRef idx="minor">
+              <a:schemeClr val="tx1"/>
+            </a:fontRef>
+          </p:style>
+        </p:cxnSp>
+      </p:grpSp>
+      <p:grpSp>
+        <p:nvGrpSpPr>
+          <p:cNvPr id="42" name="Groupe 41">
+            <a:extLst>
+              <a:ext uri="{FF2B5EF4-FFF2-40B4-BE49-F238E27FC236}">
+                <a16:creationId xmlns:a16="http://schemas.microsoft.com/office/drawing/2014/main" id="{ECB0A664-F86E-46E3-B5EC-C52BDBCE08FE}"/>
+              </a:ext>
+            </a:extLst>
+          </p:cNvPr>
+          <p:cNvGrpSpPr/>
+          <p:nvPr/>
+        </p:nvGrpSpPr>
+        <p:grpSpPr>
+          <a:xfrm>
+            <a:off x="7084320" y="2888038"/>
+            <a:ext cx="63951" cy="1475196"/>
+            <a:chOff x="932688" y="2877312"/>
+            <a:chExt cx="0" cy="1374648"/>
+          </a:xfrm>
+        </p:grpSpPr>
+        <p:cxnSp>
+          <p:nvCxnSpPr>
+            <p:cNvPr id="43" name="Connecteur droit 42">
+              <a:extLst>
+                <a:ext uri="{FF2B5EF4-FFF2-40B4-BE49-F238E27FC236}">
+                  <a16:creationId xmlns:a16="http://schemas.microsoft.com/office/drawing/2014/main" id="{AA11453E-2BE8-4C25-A1A9-29AC6A6AE411}"/>
+                </a:ext>
+              </a:extLst>
+            </p:cNvPr>
+            <p:cNvCxnSpPr>
+              <a:cxnSpLocks/>
+            </p:cNvCxnSpPr>
+            <p:nvPr/>
+          </p:nvCxnSpPr>
+          <p:spPr>
+            <a:xfrm>
+              <a:off x="932688" y="2877312"/>
+              <a:ext cx="0" cy="403098"/>
+            </a:xfrm>
+            <a:prstGeom prst="line">
+              <a:avLst/>
+            </a:prstGeom>
+            <a:ln w="127000" cap="rnd"/>
+          </p:spPr>
+          <p:style>
+            <a:lnRef idx="1">
+              <a:schemeClr val="accent1"/>
+            </a:lnRef>
+            <a:fillRef idx="0">
+              <a:schemeClr val="accent1"/>
+            </a:fillRef>
+            <a:effectRef idx="0">
+              <a:schemeClr val="accent1"/>
+            </a:effectRef>
+            <a:fontRef idx="minor">
+              <a:schemeClr val="tx1"/>
+            </a:fontRef>
+          </p:style>
+        </p:cxnSp>
+        <p:cxnSp>
+          <p:nvCxnSpPr>
+            <p:cNvPr id="44" name="Connecteur droit 43">
+              <a:extLst>
+                <a:ext uri="{FF2B5EF4-FFF2-40B4-BE49-F238E27FC236}">
+                  <a16:creationId xmlns:a16="http://schemas.microsoft.com/office/drawing/2014/main" id="{90D00CDF-F9CD-4A67-94D1-9FAA00E91708}"/>
+                </a:ext>
+              </a:extLst>
+            </p:cNvPr>
+            <p:cNvCxnSpPr>
+              <a:cxnSpLocks/>
+            </p:cNvCxnSpPr>
+            <p:nvPr/>
+          </p:nvCxnSpPr>
+          <p:spPr>
+            <a:xfrm>
+              <a:off x="932688" y="3396615"/>
+              <a:ext cx="0" cy="855345"/>
+            </a:xfrm>
+            <a:prstGeom prst="line">
+              <a:avLst/>
+            </a:prstGeom>
+            <a:ln w="127000" cap="rnd"/>
+          </p:spPr>
+          <p:style>
+            <a:lnRef idx="1">
+              <a:schemeClr val="accent1"/>
+            </a:lnRef>
+            <a:fillRef idx="0">
+              <a:schemeClr val="accent1"/>
+            </a:fillRef>
+            <a:effectRef idx="0">
+              <a:schemeClr val="accent1"/>
+            </a:effectRef>
+            <a:fontRef idx="minor">
+              <a:schemeClr val="tx1"/>
+            </a:fontRef>
+          </p:style>
+        </p:cxnSp>
+      </p:grpSp>
+      <p:grpSp>
+        <p:nvGrpSpPr>
+          <p:cNvPr id="45" name="Groupe 44">
+            <a:extLst>
+              <a:ext uri="{FF2B5EF4-FFF2-40B4-BE49-F238E27FC236}">
+                <a16:creationId xmlns:a16="http://schemas.microsoft.com/office/drawing/2014/main" id="{D957DC36-47F2-4245-8207-6DD13E570DD7}"/>
+              </a:ext>
+            </a:extLst>
+          </p:cNvPr>
+          <p:cNvGrpSpPr/>
+          <p:nvPr/>
+        </p:nvGrpSpPr>
+        <p:grpSpPr>
+          <a:xfrm>
+            <a:off x="7827509" y="3281020"/>
+            <a:ext cx="55940" cy="1078229"/>
+            <a:chOff x="932688" y="2877312"/>
+            <a:chExt cx="0" cy="1374648"/>
+          </a:xfrm>
+        </p:grpSpPr>
+        <p:cxnSp>
+          <p:nvCxnSpPr>
+            <p:cNvPr id="46" name="Connecteur droit 45">
+              <a:extLst>
+                <a:ext uri="{FF2B5EF4-FFF2-40B4-BE49-F238E27FC236}">
+                  <a16:creationId xmlns:a16="http://schemas.microsoft.com/office/drawing/2014/main" id="{D0D63912-DB18-4F77-B0CD-F8BB6C9008D7}"/>
+                </a:ext>
+              </a:extLst>
+            </p:cNvPr>
+            <p:cNvCxnSpPr>
+              <a:cxnSpLocks/>
+            </p:cNvCxnSpPr>
+            <p:nvPr/>
+          </p:nvCxnSpPr>
+          <p:spPr>
+            <a:xfrm>
+              <a:off x="932688" y="2877312"/>
+              <a:ext cx="0" cy="403098"/>
+            </a:xfrm>
+            <a:prstGeom prst="line">
+              <a:avLst/>
+            </a:prstGeom>
+            <a:ln w="127000" cap="rnd">
+              <a:solidFill>
+                <a:srgbClr val="00B050"/>
+              </a:solidFill>
+            </a:ln>
+          </p:spPr>
+          <p:style>
+            <a:lnRef idx="1">
+              <a:schemeClr val="accent1"/>
+            </a:lnRef>
+            <a:fillRef idx="0">
+              <a:schemeClr val="accent1"/>
+            </a:fillRef>
+            <a:effectRef idx="0">
+              <a:schemeClr val="accent1"/>
+            </a:effectRef>
+            <a:fontRef idx="minor">
+              <a:schemeClr val="tx1"/>
+            </a:fontRef>
+          </p:style>
+        </p:cxnSp>
+        <p:cxnSp>
+          <p:nvCxnSpPr>
+            <p:cNvPr id="47" name="Connecteur droit 46">
+              <a:extLst>
+                <a:ext uri="{FF2B5EF4-FFF2-40B4-BE49-F238E27FC236}">
+                  <a16:creationId xmlns:a16="http://schemas.microsoft.com/office/drawing/2014/main" id="{ABC0073D-683B-416B-87BD-95D43C416B7A}"/>
+                </a:ext>
+              </a:extLst>
+            </p:cNvPr>
+            <p:cNvCxnSpPr>
+              <a:cxnSpLocks/>
+            </p:cNvCxnSpPr>
+            <p:nvPr/>
+          </p:nvCxnSpPr>
+          <p:spPr>
+            <a:xfrm>
+              <a:off x="932688" y="3396615"/>
+              <a:ext cx="0" cy="855345"/>
+            </a:xfrm>
+            <a:prstGeom prst="line">
+              <a:avLst/>
+            </a:prstGeom>
+            <a:ln w="127000" cap="rnd">
+              <a:solidFill>
+                <a:srgbClr val="00B050"/>
+              </a:solidFill>
+            </a:ln>
+          </p:spPr>
+          <p:style>
+            <a:lnRef idx="1">
+              <a:schemeClr val="accent1"/>
+            </a:lnRef>
+            <a:fillRef idx="0">
+              <a:schemeClr val="accent1"/>
+            </a:fillRef>
+            <a:effectRef idx="0">
+              <a:schemeClr val="accent1"/>
+            </a:effectRef>
+            <a:fontRef idx="minor">
+              <a:schemeClr val="tx1"/>
+            </a:fontRef>
+          </p:style>
+        </p:cxnSp>
+      </p:grpSp>
+      <p:grpSp>
+        <p:nvGrpSpPr>
+          <p:cNvPr id="48" name="Groupe 47">
+            <a:extLst>
+              <a:ext uri="{FF2B5EF4-FFF2-40B4-BE49-F238E27FC236}">
+                <a16:creationId xmlns:a16="http://schemas.microsoft.com/office/drawing/2014/main" id="{46D6C79B-AD93-4FC8-9CAE-8D42D55CC7BF}"/>
+              </a:ext>
+            </a:extLst>
+          </p:cNvPr>
+          <p:cNvGrpSpPr/>
+          <p:nvPr/>
+        </p:nvGrpSpPr>
+        <p:grpSpPr>
+          <a:xfrm>
+            <a:off x="8470428" y="3043160"/>
+            <a:ext cx="148626" cy="1316090"/>
+            <a:chOff x="932688" y="2877312"/>
+            <a:chExt cx="0" cy="1374648"/>
+          </a:xfrm>
+        </p:grpSpPr>
+        <p:cxnSp>
+          <p:nvCxnSpPr>
+            <p:cNvPr id="49" name="Connecteur droit 48">
+              <a:extLst>
+                <a:ext uri="{FF2B5EF4-FFF2-40B4-BE49-F238E27FC236}">
+                  <a16:creationId xmlns:a16="http://schemas.microsoft.com/office/drawing/2014/main" id="{FCD6FE39-F9CE-4B22-B38F-86337895112B}"/>
+                </a:ext>
+              </a:extLst>
+            </p:cNvPr>
+            <p:cNvCxnSpPr>
+              <a:cxnSpLocks/>
+            </p:cNvCxnSpPr>
+            <p:nvPr/>
+          </p:nvCxnSpPr>
+          <p:spPr>
+            <a:xfrm>
+              <a:off x="932688" y="2877312"/>
+              <a:ext cx="0" cy="403098"/>
+            </a:xfrm>
+            <a:prstGeom prst="line">
+              <a:avLst/>
+            </a:prstGeom>
+            <a:ln w="127000" cap="rnd">
+              <a:solidFill>
+                <a:srgbClr val="FFC000"/>
+              </a:solidFill>
+            </a:ln>
+          </p:spPr>
+          <p:style>
+            <a:lnRef idx="1">
+              <a:schemeClr val="accent1"/>
+            </a:lnRef>
+            <a:fillRef idx="0">
+              <a:schemeClr val="accent1"/>
+            </a:fillRef>
+            <a:effectRef idx="0">
+              <a:schemeClr val="accent1"/>
+            </a:effectRef>
+            <a:fontRef idx="minor">
+              <a:schemeClr val="tx1"/>
+            </a:fontRef>
+          </p:style>
+        </p:cxnSp>
+        <p:cxnSp>
+          <p:nvCxnSpPr>
+            <p:cNvPr id="50" name="Connecteur droit 49">
+              <a:extLst>
+                <a:ext uri="{FF2B5EF4-FFF2-40B4-BE49-F238E27FC236}">
+                  <a16:creationId xmlns:a16="http://schemas.microsoft.com/office/drawing/2014/main" id="{69A1BCA3-CCEB-4B3A-A13B-780A5C475D33}"/>
+                </a:ext>
+              </a:extLst>
+            </p:cNvPr>
+            <p:cNvCxnSpPr>
+              <a:cxnSpLocks/>
+            </p:cNvCxnSpPr>
+            <p:nvPr/>
+          </p:nvCxnSpPr>
+          <p:spPr>
+            <a:xfrm>
+              <a:off x="932688" y="3396615"/>
+              <a:ext cx="0" cy="855345"/>
+            </a:xfrm>
+            <a:prstGeom prst="line">
+              <a:avLst/>
+            </a:prstGeom>
+            <a:ln w="127000" cap="rnd">
+              <a:solidFill>
+                <a:srgbClr val="FFC000"/>
+              </a:solidFill>
+            </a:ln>
+          </p:spPr>
+          <p:style>
+            <a:lnRef idx="1">
+              <a:schemeClr val="accent1"/>
+            </a:lnRef>
+            <a:fillRef idx="0">
+              <a:schemeClr val="accent1"/>
+            </a:fillRef>
+            <a:effectRef idx="0">
+              <a:schemeClr val="accent1"/>
+            </a:effectRef>
+            <a:fontRef idx="minor">
+              <a:schemeClr val="tx1"/>
+            </a:fontRef>
+          </p:style>
+        </p:cxnSp>
+      </p:grpSp>
+      <p:grpSp>
+        <p:nvGrpSpPr>
+          <p:cNvPr id="51" name="Groupe 50">
+            <a:extLst>
+              <a:ext uri="{FF2B5EF4-FFF2-40B4-BE49-F238E27FC236}">
+                <a16:creationId xmlns:a16="http://schemas.microsoft.com/office/drawing/2014/main" id="{317CD9B5-2DFB-4CE2-A9A5-8A68638208DD}"/>
+              </a:ext>
+            </a:extLst>
+          </p:cNvPr>
+          <p:cNvGrpSpPr/>
+          <p:nvPr/>
+        </p:nvGrpSpPr>
+        <p:grpSpPr>
+          <a:xfrm>
+            <a:off x="9080811" y="3239284"/>
+            <a:ext cx="45719" cy="1119965"/>
+            <a:chOff x="932688" y="2877312"/>
+            <a:chExt cx="0" cy="1374648"/>
+          </a:xfrm>
+        </p:grpSpPr>
+        <p:cxnSp>
+          <p:nvCxnSpPr>
+            <p:cNvPr id="52" name="Connecteur droit 51">
+              <a:extLst>
+                <a:ext uri="{FF2B5EF4-FFF2-40B4-BE49-F238E27FC236}">
+                  <a16:creationId xmlns:a16="http://schemas.microsoft.com/office/drawing/2014/main" id="{2717F678-FAB6-4164-88E0-39D1EAACF656}"/>
+                </a:ext>
+              </a:extLst>
+            </p:cNvPr>
+            <p:cNvCxnSpPr>
+              <a:cxnSpLocks/>
+            </p:cNvCxnSpPr>
+            <p:nvPr/>
+          </p:nvCxnSpPr>
+          <p:spPr>
+            <a:xfrm>
+              <a:off x="932688" y="2877312"/>
+              <a:ext cx="0" cy="403098"/>
+            </a:xfrm>
+            <a:prstGeom prst="line">
+              <a:avLst/>
+            </a:prstGeom>
+            <a:ln w="127000" cap="rnd">
+              <a:solidFill>
+                <a:srgbClr val="C00000"/>
+              </a:solidFill>
+            </a:ln>
+          </p:spPr>
+          <p:style>
+            <a:lnRef idx="1">
+              <a:schemeClr val="accent1"/>
+            </a:lnRef>
+            <a:fillRef idx="0">
+              <a:schemeClr val="accent1"/>
+            </a:fillRef>
+            <a:effectRef idx="0">
+              <a:schemeClr val="accent1"/>
+            </a:effectRef>
+            <a:fontRef idx="minor">
+              <a:schemeClr val="tx1"/>
+            </a:fontRef>
+          </p:style>
+        </p:cxnSp>
+        <p:cxnSp>
+          <p:nvCxnSpPr>
+            <p:cNvPr id="53" name="Connecteur droit 52">
+              <a:extLst>
+                <a:ext uri="{FF2B5EF4-FFF2-40B4-BE49-F238E27FC236}">
+                  <a16:creationId xmlns:a16="http://schemas.microsoft.com/office/drawing/2014/main" id="{7FA5756D-8888-4E84-92B4-A2A277E612EB}"/>
+                </a:ext>
+              </a:extLst>
+            </p:cNvPr>
+            <p:cNvCxnSpPr>
+              <a:cxnSpLocks/>
+            </p:cNvCxnSpPr>
+            <p:nvPr/>
+          </p:nvCxnSpPr>
+          <p:spPr>
+            <a:xfrm>
+              <a:off x="932688" y="3396615"/>
+              <a:ext cx="0" cy="855345"/>
+            </a:xfrm>
+            <a:prstGeom prst="line">
+              <a:avLst/>
+            </a:prstGeom>
+            <a:ln w="127000" cap="rnd">
+              <a:solidFill>
+                <a:srgbClr val="C00000"/>
+              </a:solidFill>
+            </a:ln>
+          </p:spPr>
+          <p:style>
+            <a:lnRef idx="1">
+              <a:schemeClr val="accent1"/>
+            </a:lnRef>
+            <a:fillRef idx="0">
+              <a:schemeClr val="accent1"/>
+            </a:fillRef>
+            <a:effectRef idx="0">
+              <a:schemeClr val="accent1"/>
+            </a:effectRef>
+            <a:fontRef idx="minor">
+              <a:schemeClr val="tx1"/>
+            </a:fontRef>
+          </p:style>
+        </p:cxnSp>
+      </p:grpSp>
+      <p:grpSp>
+        <p:nvGrpSpPr>
+          <p:cNvPr id="66" name="Groupe 65">
+            <a:extLst>
+              <a:ext uri="{FF2B5EF4-FFF2-40B4-BE49-F238E27FC236}">
+                <a16:creationId xmlns:a16="http://schemas.microsoft.com/office/drawing/2014/main" id="{27FCA670-BD7B-4CC0-AA98-93CED440A402}"/>
+              </a:ext>
+            </a:extLst>
+          </p:cNvPr>
+          <p:cNvGrpSpPr/>
+          <p:nvPr/>
+        </p:nvGrpSpPr>
+        <p:grpSpPr>
+          <a:xfrm>
+            <a:off x="7256072" y="2884053"/>
+            <a:ext cx="63951" cy="1475196"/>
+            <a:chOff x="932688" y="2877312"/>
+            <a:chExt cx="0" cy="1374648"/>
+          </a:xfrm>
+        </p:grpSpPr>
+        <p:cxnSp>
+          <p:nvCxnSpPr>
+            <p:cNvPr id="67" name="Connecteur droit 66">
+              <a:extLst>
+                <a:ext uri="{FF2B5EF4-FFF2-40B4-BE49-F238E27FC236}">
+                  <a16:creationId xmlns:a16="http://schemas.microsoft.com/office/drawing/2014/main" id="{1BC5B502-6CBB-40CE-8D6F-5DE2C3D4629A}"/>
+                </a:ext>
+              </a:extLst>
+            </p:cNvPr>
+            <p:cNvCxnSpPr>
+              <a:cxnSpLocks/>
+            </p:cNvCxnSpPr>
+            <p:nvPr/>
+          </p:nvCxnSpPr>
+          <p:spPr>
+            <a:xfrm>
+              <a:off x="932688" y="2877312"/>
+              <a:ext cx="0" cy="403098"/>
+            </a:xfrm>
+            <a:prstGeom prst="line">
+              <a:avLst/>
+            </a:prstGeom>
+            <a:ln w="127000" cap="rnd"/>
+          </p:spPr>
+          <p:style>
+            <a:lnRef idx="1">
+              <a:schemeClr val="accent1"/>
+            </a:lnRef>
+            <a:fillRef idx="0">
+              <a:schemeClr val="accent1"/>
+            </a:fillRef>
+            <a:effectRef idx="0">
+              <a:schemeClr val="accent1"/>
+            </a:effectRef>
+            <a:fontRef idx="minor">
+              <a:schemeClr val="tx1"/>
+            </a:fontRef>
+          </p:style>
+        </p:cxnSp>
+        <p:cxnSp>
+          <p:nvCxnSpPr>
+            <p:cNvPr id="68" name="Connecteur droit 67">
+              <a:extLst>
+                <a:ext uri="{FF2B5EF4-FFF2-40B4-BE49-F238E27FC236}">
+                  <a16:creationId xmlns:a16="http://schemas.microsoft.com/office/drawing/2014/main" id="{505B46D9-A05A-4A2A-A50F-3BCE9A804AF1}"/>
+                </a:ext>
+              </a:extLst>
+            </p:cNvPr>
+            <p:cNvCxnSpPr>
+              <a:cxnSpLocks/>
+            </p:cNvCxnSpPr>
+            <p:nvPr/>
+          </p:nvCxnSpPr>
+          <p:spPr>
+            <a:xfrm>
+              <a:off x="932688" y="3396615"/>
+              <a:ext cx="0" cy="855345"/>
+            </a:xfrm>
+            <a:prstGeom prst="line">
+              <a:avLst/>
+            </a:prstGeom>
+            <a:ln w="127000" cap="rnd"/>
+          </p:spPr>
+          <p:style>
+            <a:lnRef idx="1">
+              <a:schemeClr val="accent1"/>
+            </a:lnRef>
+            <a:fillRef idx="0">
+              <a:schemeClr val="accent1"/>
+            </a:fillRef>
+            <a:effectRef idx="0">
+              <a:schemeClr val="accent1"/>
+            </a:effectRef>
+            <a:fontRef idx="minor">
+              <a:schemeClr val="tx1"/>
+            </a:fontRef>
+          </p:style>
+        </p:cxnSp>
+      </p:grpSp>
+      <p:grpSp>
+        <p:nvGrpSpPr>
+          <p:cNvPr id="69" name="Groupe 68">
+            <a:extLst>
+              <a:ext uri="{FF2B5EF4-FFF2-40B4-BE49-F238E27FC236}">
+                <a16:creationId xmlns:a16="http://schemas.microsoft.com/office/drawing/2014/main" id="{BF3AB48D-AE69-45AE-9642-AD93C032485A}"/>
+              </a:ext>
+            </a:extLst>
+          </p:cNvPr>
+          <p:cNvGrpSpPr/>
+          <p:nvPr/>
+        </p:nvGrpSpPr>
+        <p:grpSpPr>
+          <a:xfrm>
+            <a:off x="7999261" y="3277035"/>
+            <a:ext cx="55940" cy="1078229"/>
+            <a:chOff x="932688" y="2877312"/>
+            <a:chExt cx="0" cy="1374648"/>
+          </a:xfrm>
+        </p:grpSpPr>
+        <p:cxnSp>
+          <p:nvCxnSpPr>
+            <p:cNvPr id="70" name="Connecteur droit 69">
+              <a:extLst>
+                <a:ext uri="{FF2B5EF4-FFF2-40B4-BE49-F238E27FC236}">
+                  <a16:creationId xmlns:a16="http://schemas.microsoft.com/office/drawing/2014/main" id="{C612E6CA-24D8-41B0-BFCF-F00E0D624B45}"/>
+                </a:ext>
+              </a:extLst>
+            </p:cNvPr>
+            <p:cNvCxnSpPr>
+              <a:cxnSpLocks/>
+            </p:cNvCxnSpPr>
+            <p:nvPr/>
+          </p:nvCxnSpPr>
+          <p:spPr>
+            <a:xfrm>
+              <a:off x="932688" y="2877312"/>
+              <a:ext cx="0" cy="403098"/>
+            </a:xfrm>
+            <a:prstGeom prst="line">
+              <a:avLst/>
+            </a:prstGeom>
+            <a:ln w="127000" cap="rnd">
+              <a:solidFill>
+                <a:srgbClr val="00B050"/>
+              </a:solidFill>
+            </a:ln>
+          </p:spPr>
+          <p:style>
+            <a:lnRef idx="1">
+              <a:schemeClr val="accent1"/>
+            </a:lnRef>
+            <a:fillRef idx="0">
+              <a:schemeClr val="accent1"/>
+            </a:fillRef>
+            <a:effectRef idx="0">
+              <a:schemeClr val="accent1"/>
+            </a:effectRef>
+            <a:fontRef idx="minor">
+              <a:schemeClr val="tx1"/>
+            </a:fontRef>
+          </p:style>
+        </p:cxnSp>
+        <p:cxnSp>
+          <p:nvCxnSpPr>
+            <p:cNvPr id="71" name="Connecteur droit 70">
+              <a:extLst>
+                <a:ext uri="{FF2B5EF4-FFF2-40B4-BE49-F238E27FC236}">
+                  <a16:creationId xmlns:a16="http://schemas.microsoft.com/office/drawing/2014/main" id="{836EC1F5-2351-4FBA-9B86-5FEA008220C8}"/>
+                </a:ext>
+              </a:extLst>
+            </p:cNvPr>
+            <p:cNvCxnSpPr>
+              <a:cxnSpLocks/>
+            </p:cNvCxnSpPr>
+            <p:nvPr/>
+          </p:nvCxnSpPr>
+          <p:spPr>
+            <a:xfrm>
+              <a:off x="932688" y="3396615"/>
+              <a:ext cx="0" cy="855345"/>
+            </a:xfrm>
+            <a:prstGeom prst="line">
+              <a:avLst/>
+            </a:prstGeom>
+            <a:ln w="127000" cap="rnd">
+              <a:solidFill>
+                <a:srgbClr val="00B050"/>
+              </a:solidFill>
+            </a:ln>
+          </p:spPr>
+          <p:style>
+            <a:lnRef idx="1">
+              <a:schemeClr val="accent1"/>
+            </a:lnRef>
+            <a:fillRef idx="0">
+              <a:schemeClr val="accent1"/>
+            </a:fillRef>
+            <a:effectRef idx="0">
+              <a:schemeClr val="accent1"/>
+            </a:effectRef>
+            <a:fontRef idx="minor">
+              <a:schemeClr val="tx1"/>
+            </a:fontRef>
+          </p:style>
+        </p:cxnSp>
+      </p:grpSp>
+      <p:grpSp>
+        <p:nvGrpSpPr>
+          <p:cNvPr id="72" name="Groupe 71">
+            <a:extLst>
+              <a:ext uri="{FF2B5EF4-FFF2-40B4-BE49-F238E27FC236}">
+                <a16:creationId xmlns:a16="http://schemas.microsoft.com/office/drawing/2014/main" id="{00DBB509-8D4D-4D04-AC1B-0948A7962945}"/>
+              </a:ext>
+            </a:extLst>
+          </p:cNvPr>
+          <p:cNvGrpSpPr/>
+          <p:nvPr/>
+        </p:nvGrpSpPr>
+        <p:grpSpPr>
+          <a:xfrm>
+            <a:off x="8642180" y="3039175"/>
+            <a:ext cx="148626" cy="1316090"/>
+            <a:chOff x="932688" y="2877312"/>
+            <a:chExt cx="0" cy="1374648"/>
+          </a:xfrm>
+        </p:grpSpPr>
+        <p:cxnSp>
+          <p:nvCxnSpPr>
+            <p:cNvPr id="73" name="Connecteur droit 72">
+              <a:extLst>
+                <a:ext uri="{FF2B5EF4-FFF2-40B4-BE49-F238E27FC236}">
+                  <a16:creationId xmlns:a16="http://schemas.microsoft.com/office/drawing/2014/main" id="{A265792E-388A-4096-8882-CBEBD64F29AD}"/>
+                </a:ext>
+              </a:extLst>
+            </p:cNvPr>
+            <p:cNvCxnSpPr>
+              <a:cxnSpLocks/>
+            </p:cNvCxnSpPr>
+            <p:nvPr/>
+          </p:nvCxnSpPr>
+          <p:spPr>
+            <a:xfrm>
+              <a:off x="932688" y="2877312"/>
+              <a:ext cx="0" cy="403098"/>
+            </a:xfrm>
+            <a:prstGeom prst="line">
+              <a:avLst/>
+            </a:prstGeom>
+            <a:ln w="127000" cap="rnd">
+              <a:solidFill>
+                <a:srgbClr val="FFC000"/>
+              </a:solidFill>
+            </a:ln>
+          </p:spPr>
+          <p:style>
+            <a:lnRef idx="1">
+              <a:schemeClr val="accent1"/>
+            </a:lnRef>
+            <a:fillRef idx="0">
+              <a:schemeClr val="accent1"/>
+            </a:fillRef>
+            <a:effectRef idx="0">
+              <a:schemeClr val="accent1"/>
+            </a:effectRef>
+            <a:fontRef idx="minor">
+              <a:schemeClr val="tx1"/>
+            </a:fontRef>
+          </p:style>
+        </p:cxnSp>
+        <p:cxnSp>
+          <p:nvCxnSpPr>
+            <p:cNvPr id="74" name="Connecteur droit 73">
+              <a:extLst>
+                <a:ext uri="{FF2B5EF4-FFF2-40B4-BE49-F238E27FC236}">
+                  <a16:creationId xmlns:a16="http://schemas.microsoft.com/office/drawing/2014/main" id="{9FE79A33-C820-4DB5-8B24-595FCB19386D}"/>
+                </a:ext>
+              </a:extLst>
+            </p:cNvPr>
+            <p:cNvCxnSpPr>
+              <a:cxnSpLocks/>
+            </p:cNvCxnSpPr>
+            <p:nvPr/>
+          </p:nvCxnSpPr>
+          <p:spPr>
+            <a:xfrm>
+              <a:off x="932688" y="3396615"/>
+              <a:ext cx="0" cy="855345"/>
+            </a:xfrm>
+            <a:prstGeom prst="line">
+              <a:avLst/>
+            </a:prstGeom>
+            <a:ln w="127000" cap="rnd">
+              <a:solidFill>
+                <a:srgbClr val="FFC000"/>
+              </a:solidFill>
+            </a:ln>
+          </p:spPr>
+          <p:style>
+            <a:lnRef idx="1">
+              <a:schemeClr val="accent1"/>
+            </a:lnRef>
+            <a:fillRef idx="0">
+              <a:schemeClr val="accent1"/>
+            </a:fillRef>
+            <a:effectRef idx="0">
+              <a:schemeClr val="accent1"/>
+            </a:effectRef>
+            <a:fontRef idx="minor">
+              <a:schemeClr val="tx1"/>
+            </a:fontRef>
+          </p:style>
+        </p:cxnSp>
+      </p:grpSp>
+      <p:grpSp>
+        <p:nvGrpSpPr>
+          <p:cNvPr id="75" name="Groupe 74">
+            <a:extLst>
+              <a:ext uri="{FF2B5EF4-FFF2-40B4-BE49-F238E27FC236}">
+                <a16:creationId xmlns:a16="http://schemas.microsoft.com/office/drawing/2014/main" id="{E0D51A58-FC7E-490F-9658-DC143C79BA30}"/>
+              </a:ext>
+            </a:extLst>
+          </p:cNvPr>
+          <p:cNvGrpSpPr/>
+          <p:nvPr/>
+        </p:nvGrpSpPr>
+        <p:grpSpPr>
+          <a:xfrm>
+            <a:off x="9252563" y="3235299"/>
+            <a:ext cx="45719" cy="1119965"/>
+            <a:chOff x="932688" y="2877312"/>
+            <a:chExt cx="0" cy="1374648"/>
+          </a:xfrm>
+        </p:grpSpPr>
+        <p:cxnSp>
+          <p:nvCxnSpPr>
+            <p:cNvPr id="76" name="Connecteur droit 75">
+              <a:extLst>
+                <a:ext uri="{FF2B5EF4-FFF2-40B4-BE49-F238E27FC236}">
+                  <a16:creationId xmlns:a16="http://schemas.microsoft.com/office/drawing/2014/main" id="{904C1F9F-5DF8-449F-A5E6-89ED4796EA37}"/>
+                </a:ext>
+              </a:extLst>
+            </p:cNvPr>
+            <p:cNvCxnSpPr>
+              <a:cxnSpLocks/>
+            </p:cNvCxnSpPr>
+            <p:nvPr/>
+          </p:nvCxnSpPr>
+          <p:spPr>
+            <a:xfrm>
+              <a:off x="932688" y="2877312"/>
+              <a:ext cx="0" cy="403098"/>
+            </a:xfrm>
+            <a:prstGeom prst="line">
+              <a:avLst/>
+            </a:prstGeom>
+            <a:ln w="127000" cap="rnd">
+              <a:solidFill>
+                <a:srgbClr val="C00000"/>
+              </a:solidFill>
+            </a:ln>
+          </p:spPr>
+          <p:style>
+            <a:lnRef idx="1">
+              <a:schemeClr val="accent1"/>
+            </a:lnRef>
+            <a:fillRef idx="0">
+              <a:schemeClr val="accent1"/>
+            </a:fillRef>
+            <a:effectRef idx="0">
+              <a:schemeClr val="accent1"/>
+            </a:effectRef>
+            <a:fontRef idx="minor">
+              <a:schemeClr val="tx1"/>
+            </a:fontRef>
+          </p:style>
+        </p:cxnSp>
+        <p:cxnSp>
+          <p:nvCxnSpPr>
+            <p:cNvPr id="77" name="Connecteur droit 76">
+              <a:extLst>
+                <a:ext uri="{FF2B5EF4-FFF2-40B4-BE49-F238E27FC236}">
+                  <a16:creationId xmlns:a16="http://schemas.microsoft.com/office/drawing/2014/main" id="{16481E55-0FC6-4879-9FD0-0B21EEF4DB3A}"/>
+                </a:ext>
+              </a:extLst>
+            </p:cNvPr>
+            <p:cNvCxnSpPr>
+              <a:cxnSpLocks/>
+            </p:cNvCxnSpPr>
+            <p:nvPr/>
+          </p:nvCxnSpPr>
+          <p:spPr>
+            <a:xfrm>
+              <a:off x="932688" y="3396615"/>
+              <a:ext cx="0" cy="855345"/>
+            </a:xfrm>
+            <a:prstGeom prst="line">
+              <a:avLst/>
+            </a:prstGeom>
+            <a:ln w="127000" cap="rnd">
+              <a:solidFill>
+                <a:srgbClr val="C00000"/>
+              </a:solidFill>
+            </a:ln>
+          </p:spPr>
+          <p:style>
+            <a:lnRef idx="1">
+              <a:schemeClr val="accent1"/>
+            </a:lnRef>
+            <a:fillRef idx="0">
+              <a:schemeClr val="accent1"/>
+            </a:fillRef>
+            <a:effectRef idx="0">
+              <a:schemeClr val="accent1"/>
+            </a:effectRef>
+            <a:fontRef idx="minor">
+              <a:schemeClr val="tx1"/>
+            </a:fontRef>
+          </p:style>
+        </p:cxnSp>
+      </p:grpSp>
+    </p:spTree>
+    <p:extLst>
+      <p:ext uri="{BB962C8B-B14F-4D97-AF65-F5344CB8AC3E}">
+        <p14:creationId xmlns:p14="http://schemas.microsoft.com/office/powerpoint/2010/main" val="284322669"/>
+      </p:ext>
+    </p:extLst>
+  </p:cSld>
+  <p:clrMapOvr>
+    <a:masterClrMapping/>
+  </p:clrMapOvr>
+</p:sld>
+</file>
+
+<file path=ppt/slides/slide7.xml><?xml version="1.0" encoding="utf-8"?>
+<p:sld xmlns:a="http://schemas.openxmlformats.org/drawingml/2006/main" xmlns:r="http://schemas.openxmlformats.org/officeDocument/2006/relationships" xmlns:p="http://schemas.openxmlformats.org/presentationml/2006/main">
+  <p:cSld>
+    <p:spTree>
+      <p:nvGrpSpPr>
+        <p:cNvPr id="1" name=""/>
+        <p:cNvGrpSpPr/>
+        <p:nvPr/>
+      </p:nvGrpSpPr>
+      <p:grpSpPr>
+        <a:xfrm>
+          <a:off x="0" y="0"/>
+          <a:ext cx="0" cy="0"/>
+          <a:chOff x="0" y="0"/>
+          <a:chExt cx="0" cy="0"/>
+        </a:xfrm>
+      </p:grpSpPr>
+      <p:sp>
+        <p:nvSpPr>
+          <p:cNvPr id="2" name="Titre 1">
+            <a:extLst>
+              <a:ext uri="{FF2B5EF4-FFF2-40B4-BE49-F238E27FC236}">
+                <a16:creationId xmlns:a16="http://schemas.microsoft.com/office/drawing/2014/main" id="{FA184B4B-AA50-4FEF-98D9-37BC33FEBF78}"/>
+              </a:ext>
+            </a:extLst>
+          </p:cNvPr>
+          <p:cNvSpPr>
+            <a:spLocks noGrp="1"/>
+          </p:cNvSpPr>
+          <p:nvPr>
+            <p:ph type="title"/>
+          </p:nvPr>
+        </p:nvSpPr>
+        <p:spPr/>
+        <p:txBody>
+          <a:bodyPr/>
+          <a:lstStyle/>
+          <a:p>
+            <a:r>
+              <a:rPr lang="en-US" b="1" dirty="0">
+                <a:solidFill>
+                  <a:srgbClr val="FF0000"/>
+                </a:solidFill>
+              </a:rPr>
+              <a:t>Chromosomes</a:t>
+            </a:r>
+          </a:p>
+        </p:txBody>
+      </p:sp>
+      <p:grpSp>
+        <p:nvGrpSpPr>
+          <p:cNvPr id="34" name="Groupe 33">
+            <a:extLst>
+              <a:ext uri="{FF2B5EF4-FFF2-40B4-BE49-F238E27FC236}">
+                <a16:creationId xmlns:a16="http://schemas.microsoft.com/office/drawing/2014/main" id="{AAD553EF-0D02-4BE6-9AB8-08FFCD8A6BAC}"/>
+              </a:ext>
+            </a:extLst>
+          </p:cNvPr>
+          <p:cNvGrpSpPr/>
+          <p:nvPr/>
+        </p:nvGrpSpPr>
+        <p:grpSpPr>
+          <a:xfrm>
+            <a:off x="830970" y="2618433"/>
+            <a:ext cx="8815070" cy="0"/>
+            <a:chOff x="1680058" y="3010318"/>
+            <a:chExt cx="8815070" cy="0"/>
+          </a:xfrm>
+        </p:grpSpPr>
+        <p:cxnSp>
+          <p:nvCxnSpPr>
+            <p:cNvPr id="19" name="Connecteur droit 18">
+              <a:extLst>
+                <a:ext uri="{FF2B5EF4-FFF2-40B4-BE49-F238E27FC236}">
+                  <a16:creationId xmlns:a16="http://schemas.microsoft.com/office/drawing/2014/main" id="{6C3C7F24-C22D-4D20-820D-9D243FE0C495}"/>
+                </a:ext>
+              </a:extLst>
+            </p:cNvPr>
+            <p:cNvCxnSpPr>
+              <a:cxnSpLocks/>
+            </p:cNvCxnSpPr>
+            <p:nvPr/>
+          </p:nvCxnSpPr>
+          <p:spPr>
+            <a:xfrm flipH="1">
+              <a:off x="7493410" y="3010318"/>
+              <a:ext cx="3001718" cy="0"/>
+            </a:xfrm>
+            <a:prstGeom prst="line">
+              <a:avLst/>
+            </a:prstGeom>
+            <a:ln w="317500" cap="rnd"/>
+          </p:spPr>
+          <p:style>
+            <a:lnRef idx="1">
+              <a:schemeClr val="accent1"/>
+            </a:lnRef>
+            <a:fillRef idx="0">
+              <a:schemeClr val="accent1"/>
+            </a:fillRef>
+            <a:effectRef idx="0">
+              <a:schemeClr val="accent1"/>
+            </a:effectRef>
+            <a:fontRef idx="minor">
+              <a:schemeClr val="tx1"/>
+            </a:fontRef>
+          </p:style>
+        </p:cxnSp>
+        <p:cxnSp>
+          <p:nvCxnSpPr>
+            <p:cNvPr id="20" name="Connecteur droit 19">
+              <a:extLst>
+                <a:ext uri="{FF2B5EF4-FFF2-40B4-BE49-F238E27FC236}">
+                  <a16:creationId xmlns:a16="http://schemas.microsoft.com/office/drawing/2014/main" id="{62BCC17F-3FB9-4312-BB95-DD7972638664}"/>
+                </a:ext>
+              </a:extLst>
+            </p:cNvPr>
+            <p:cNvCxnSpPr>
+              <a:cxnSpLocks/>
+            </p:cNvCxnSpPr>
+            <p:nvPr/>
+          </p:nvCxnSpPr>
+          <p:spPr>
+            <a:xfrm flipH="1">
+              <a:off x="1680058" y="3010318"/>
+              <a:ext cx="5533542" cy="0"/>
+            </a:xfrm>
+            <a:prstGeom prst="line">
+              <a:avLst/>
+            </a:prstGeom>
+            <a:ln w="317500" cap="rnd"/>
+          </p:spPr>
+          <p:style>
+            <a:lnRef idx="1">
+              <a:schemeClr val="accent1"/>
+            </a:lnRef>
+            <a:fillRef idx="0">
+              <a:schemeClr val="accent1"/>
+            </a:fillRef>
+            <a:effectRef idx="0">
+              <a:schemeClr val="accent1"/>
+            </a:effectRef>
+            <a:fontRef idx="minor">
+              <a:schemeClr val="tx1"/>
+            </a:fontRef>
+          </p:style>
+        </p:cxnSp>
+      </p:grpSp>
+      <p:grpSp>
+        <p:nvGrpSpPr>
+          <p:cNvPr id="35" name="Groupe 34">
+            <a:extLst>
+              <a:ext uri="{FF2B5EF4-FFF2-40B4-BE49-F238E27FC236}">
+                <a16:creationId xmlns:a16="http://schemas.microsoft.com/office/drawing/2014/main" id="{35B66EB9-CDF0-4C61-BA06-F0C1BDCDDBFE}"/>
+              </a:ext>
+            </a:extLst>
+          </p:cNvPr>
+          <p:cNvGrpSpPr/>
+          <p:nvPr/>
+        </p:nvGrpSpPr>
+        <p:grpSpPr>
+          <a:xfrm>
+            <a:off x="839377" y="5170727"/>
+            <a:ext cx="8815070" cy="0"/>
+            <a:chOff x="1680058" y="3010318"/>
+            <a:chExt cx="8815070" cy="0"/>
+          </a:xfrm>
+        </p:grpSpPr>
+        <p:cxnSp>
+          <p:nvCxnSpPr>
+            <p:cNvPr id="36" name="Connecteur droit 35">
+              <a:extLst>
+                <a:ext uri="{FF2B5EF4-FFF2-40B4-BE49-F238E27FC236}">
+                  <a16:creationId xmlns:a16="http://schemas.microsoft.com/office/drawing/2014/main" id="{18D9BDB9-9BA7-44D9-8AA2-60C63ED0016E}"/>
+                </a:ext>
+              </a:extLst>
+            </p:cNvPr>
+            <p:cNvCxnSpPr>
+              <a:cxnSpLocks/>
+            </p:cNvCxnSpPr>
+            <p:nvPr/>
+          </p:nvCxnSpPr>
+          <p:spPr>
+            <a:xfrm flipH="1">
+              <a:off x="7493410" y="3010318"/>
+              <a:ext cx="3001718" cy="0"/>
+            </a:xfrm>
+            <a:prstGeom prst="line">
+              <a:avLst/>
+            </a:prstGeom>
+            <a:ln w="317500" cap="rnd"/>
+          </p:spPr>
+          <p:style>
+            <a:lnRef idx="1">
+              <a:schemeClr val="accent1"/>
+            </a:lnRef>
+            <a:fillRef idx="0">
+              <a:schemeClr val="accent1"/>
+            </a:fillRef>
+            <a:effectRef idx="0">
+              <a:schemeClr val="accent1"/>
+            </a:effectRef>
+            <a:fontRef idx="minor">
+              <a:schemeClr val="tx1"/>
+            </a:fontRef>
+          </p:style>
+        </p:cxnSp>
+        <p:cxnSp>
+          <p:nvCxnSpPr>
+            <p:cNvPr id="37" name="Connecteur droit 36">
+              <a:extLst>
+                <a:ext uri="{FF2B5EF4-FFF2-40B4-BE49-F238E27FC236}">
+                  <a16:creationId xmlns:a16="http://schemas.microsoft.com/office/drawing/2014/main" id="{88F458FA-D03B-403B-9E67-4CB5B130E2FE}"/>
+                </a:ext>
+              </a:extLst>
+            </p:cNvPr>
+            <p:cNvCxnSpPr>
+              <a:cxnSpLocks/>
+            </p:cNvCxnSpPr>
+            <p:nvPr/>
+          </p:nvCxnSpPr>
+          <p:spPr>
+            <a:xfrm flipH="1">
+              <a:off x="1680058" y="3010318"/>
+              <a:ext cx="5533542" cy="0"/>
+            </a:xfrm>
+            <a:prstGeom prst="line">
+              <a:avLst/>
+            </a:prstGeom>
+            <a:ln w="317500" cap="rnd"/>
+          </p:spPr>
+          <p:style>
+            <a:lnRef idx="1">
+              <a:schemeClr val="accent1"/>
+            </a:lnRef>
+            <a:fillRef idx="0">
+              <a:schemeClr val="accent1"/>
+            </a:fillRef>
+            <a:effectRef idx="0">
+              <a:schemeClr val="accent1"/>
+            </a:effectRef>
+            <a:fontRef idx="minor">
+              <a:schemeClr val="tx1"/>
+            </a:fontRef>
+          </p:style>
+        </p:cxnSp>
+      </p:grpSp>
+      <p:cxnSp>
+        <p:nvCxnSpPr>
+          <p:cNvPr id="39" name="Connecteur droit 38">
+            <a:extLst>
+              <a:ext uri="{FF2B5EF4-FFF2-40B4-BE49-F238E27FC236}">
+                <a16:creationId xmlns:a16="http://schemas.microsoft.com/office/drawing/2014/main" id="{E02C013A-5E7F-4AE5-B57C-B860A807CEAA}"/>
+              </a:ext>
+            </a:extLst>
+          </p:cNvPr>
+          <p:cNvCxnSpPr/>
+          <p:nvPr/>
+        </p:nvCxnSpPr>
+        <p:spPr>
+          <a:xfrm>
+            <a:off x="2220686" y="2618433"/>
+            <a:ext cx="1627414" cy="0"/>
+          </a:xfrm>
+          <a:prstGeom prst="line">
+            <a:avLst/>
+          </a:prstGeom>
+          <a:ln w="444500" cap="sq">
+            <a:solidFill>
+              <a:srgbClr val="00B050"/>
+            </a:solidFill>
+          </a:ln>
+        </p:spPr>
+        <p:style>
+          <a:lnRef idx="1">
+            <a:schemeClr val="accent1"/>
+          </a:lnRef>
+          <a:fillRef idx="0">
+            <a:schemeClr val="accent1"/>
+          </a:fillRef>
+          <a:effectRef idx="0">
+            <a:schemeClr val="accent1"/>
+          </a:effectRef>
+          <a:fontRef idx="minor">
+            <a:schemeClr val="tx1"/>
+          </a:fontRef>
+        </p:style>
+      </p:cxnSp>
+      <p:cxnSp>
+        <p:nvCxnSpPr>
+          <p:cNvPr id="40" name="Connecteur droit 39">
+            <a:extLst>
+              <a:ext uri="{FF2B5EF4-FFF2-40B4-BE49-F238E27FC236}">
+                <a16:creationId xmlns:a16="http://schemas.microsoft.com/office/drawing/2014/main" id="{281FD39F-76FC-4619-94BA-97868503DFC4}"/>
+              </a:ext>
+            </a:extLst>
+          </p:cNvPr>
+          <p:cNvCxnSpPr/>
+          <p:nvPr/>
+        </p:nvCxnSpPr>
+        <p:spPr>
+          <a:xfrm>
+            <a:off x="2220686" y="5165706"/>
+            <a:ext cx="1627414" cy="0"/>
+          </a:xfrm>
+          <a:prstGeom prst="line">
+            <a:avLst/>
+          </a:prstGeom>
+          <a:ln w="444500" cap="sq">
+            <a:solidFill>
+              <a:srgbClr val="00B050"/>
+            </a:solidFill>
+          </a:ln>
+        </p:spPr>
+        <p:style>
+          <a:lnRef idx="1">
+            <a:schemeClr val="accent1"/>
+          </a:lnRef>
+          <a:fillRef idx="0">
+            <a:schemeClr val="accent1"/>
+          </a:fillRef>
+          <a:effectRef idx="0">
+            <a:schemeClr val="accent1"/>
+          </a:effectRef>
+          <a:fontRef idx="minor">
+            <a:schemeClr val="tx1"/>
+          </a:fontRef>
+        </p:style>
+      </p:cxnSp>
+      <p:cxnSp>
+        <p:nvCxnSpPr>
+          <p:cNvPr id="41" name="Connecteur droit 40">
+            <a:extLst>
+              <a:ext uri="{FF2B5EF4-FFF2-40B4-BE49-F238E27FC236}">
+                <a16:creationId xmlns:a16="http://schemas.microsoft.com/office/drawing/2014/main" id="{1293816F-17DE-4BA2-A8B6-E79593E5E571}"/>
+              </a:ext>
+            </a:extLst>
+          </p:cNvPr>
+          <p:cNvCxnSpPr>
+            <a:cxnSpLocks/>
+          </p:cNvCxnSpPr>
+          <p:nvPr/>
+        </p:nvCxnSpPr>
+        <p:spPr>
+          <a:xfrm>
+            <a:off x="7500258" y="2618433"/>
+            <a:ext cx="429985" cy="0"/>
+          </a:xfrm>
+          <a:prstGeom prst="line">
+            <a:avLst/>
+          </a:prstGeom>
+          <a:ln w="444500" cap="sq">
+            <a:solidFill>
+              <a:srgbClr val="7030A0"/>
+            </a:solidFill>
+          </a:ln>
+        </p:spPr>
+        <p:style>
+          <a:lnRef idx="1">
+            <a:schemeClr val="accent1"/>
+          </a:lnRef>
+          <a:fillRef idx="0">
+            <a:schemeClr val="accent1"/>
+          </a:fillRef>
+          <a:effectRef idx="0">
+            <a:schemeClr val="accent1"/>
+          </a:effectRef>
+          <a:fontRef idx="minor">
+            <a:schemeClr val="tx1"/>
+          </a:fontRef>
+        </p:style>
+      </p:cxnSp>
+      <p:cxnSp>
+        <p:nvCxnSpPr>
+          <p:cNvPr id="43" name="Connecteur droit 42">
+            <a:extLst>
+              <a:ext uri="{FF2B5EF4-FFF2-40B4-BE49-F238E27FC236}">
+                <a16:creationId xmlns:a16="http://schemas.microsoft.com/office/drawing/2014/main" id="{053A9118-D7AC-4D0F-B702-9C3667A70D67}"/>
+              </a:ext>
+            </a:extLst>
+          </p:cNvPr>
+          <p:cNvCxnSpPr>
+            <a:cxnSpLocks/>
+          </p:cNvCxnSpPr>
+          <p:nvPr/>
+        </p:nvCxnSpPr>
+        <p:spPr>
+          <a:xfrm>
+            <a:off x="7494815" y="5171147"/>
+            <a:ext cx="429985" cy="0"/>
+          </a:xfrm>
+          <a:prstGeom prst="line">
+            <a:avLst/>
+          </a:prstGeom>
+          <a:ln w="444500" cap="sq">
+            <a:solidFill>
+              <a:srgbClr val="C00000"/>
+            </a:solidFill>
+          </a:ln>
+        </p:spPr>
+        <p:style>
+          <a:lnRef idx="1">
+            <a:schemeClr val="accent1"/>
+          </a:lnRef>
+          <a:fillRef idx="0">
+            <a:schemeClr val="accent1"/>
+          </a:fillRef>
+          <a:effectRef idx="0">
+            <a:schemeClr val="accent1"/>
+          </a:effectRef>
+          <a:fontRef idx="minor">
+            <a:schemeClr val="tx1"/>
+          </a:fontRef>
+        </p:style>
+      </p:cxnSp>
+      <mc:AlternateContent xmlns:mc="http://schemas.openxmlformats.org/markup-compatibility/2006">
+        <mc:Choice xmlns:a14="http://schemas.microsoft.com/office/drawing/2010/main" Requires="a14">
+          <p:sp>
+            <p:nvSpPr>
+              <p:cNvPr id="44" name="ZoneTexte 43">
+                <a:extLst>
+                  <a:ext uri="{FF2B5EF4-FFF2-40B4-BE49-F238E27FC236}">
+                    <a16:creationId xmlns:a16="http://schemas.microsoft.com/office/drawing/2014/main" id="{FEA2FC4E-7732-4245-938F-36E6468F6AC4}"/>
+                  </a:ext>
+                </a:extLst>
+              </p:cNvPr>
+              <p:cNvSpPr txBox="1"/>
+              <p:nvPr/>
+            </p:nvSpPr>
+            <p:spPr>
+              <a:xfrm>
+                <a:off x="555169" y="3630460"/>
+                <a:ext cx="1462452" cy="523220"/>
+              </a:xfrm>
+              <a:prstGeom prst="rect">
+                <a:avLst/>
+              </a:prstGeom>
+              <a:noFill/>
+            </p:spPr>
+            <p:txBody>
+              <a:bodyPr wrap="none" rtlCol="0">
+                <a:spAutoFit/>
+              </a:bodyPr>
+              <a:lstStyle/>
+              <a:p>
+                <a:r>
+                  <a:rPr lang="en-US" sz="2800" dirty="0">
+                    <a:solidFill>
+                      <a:srgbClr val="00B050"/>
+                    </a:solidFill>
+                  </a:rPr>
+                  <a:t>Allele </a:t>
+                </a:r>
+                <a14:m>
+                  <m:oMath xmlns:m="http://schemas.openxmlformats.org/officeDocument/2006/math">
+                    <m:sSub>
+                      <m:sSubPr>
+                        <m:ctrlPr>
+                          <a:rPr lang="en-US" sz="2800" i="1" smtClean="0">
+                            <a:solidFill>
+                              <a:srgbClr val="00B050"/>
+                            </a:solidFill>
+                            <a:latin typeface="Cambria Math" panose="02040503050406030204" pitchFamily="18" charset="0"/>
+                          </a:rPr>
+                        </m:ctrlPr>
+                      </m:sSubPr>
+                      <m:e>
+                        <m:r>
+                          <a:rPr lang="en-US" sz="2800" b="0" i="1" smtClean="0">
+                            <a:solidFill>
+                              <a:srgbClr val="00B050"/>
+                            </a:solidFill>
+                            <a:latin typeface="Cambria Math" panose="02040503050406030204" pitchFamily="18" charset="0"/>
+                          </a:rPr>
+                          <m:t>𝐴</m:t>
+                        </m:r>
+                      </m:e>
+                      <m:sub>
+                        <m:r>
+                          <a:rPr lang="en-US" sz="2800" b="0" i="1" smtClean="0">
+                            <a:solidFill>
+                              <a:srgbClr val="00B050"/>
+                            </a:solidFill>
+                            <a:latin typeface="Cambria Math" panose="02040503050406030204" pitchFamily="18" charset="0"/>
+                          </a:rPr>
+                          <m:t>1</m:t>
+                        </m:r>
+                      </m:sub>
+                    </m:sSub>
+                  </m:oMath>
+                </a14:m>
+                <a:endParaRPr lang="en-US" sz="2800" dirty="0">
+                  <a:solidFill>
+                    <a:srgbClr val="00B050"/>
+                  </a:solidFill>
+                </a:endParaRPr>
+              </a:p>
+            </p:txBody>
+          </p:sp>
+        </mc:Choice>
+        <mc:Fallback>
+          <p:sp>
+            <p:nvSpPr>
+              <p:cNvPr id="44" name="ZoneTexte 43">
+                <a:extLst>
+                  <a:ext uri="{FF2B5EF4-FFF2-40B4-BE49-F238E27FC236}">
+                    <a16:creationId xmlns:a16="http://schemas.microsoft.com/office/drawing/2014/main" id="{FEA2FC4E-7732-4245-938F-36E6468F6AC4}"/>
+                  </a:ext>
+                </a:extLst>
+              </p:cNvPr>
+              <p:cNvSpPr txBox="1">
+                <a:spLocks noRot="1" noChangeAspect="1" noMove="1" noResize="1" noEditPoints="1" noAdjustHandles="1" noChangeArrowheads="1" noChangeShapeType="1" noTextEdit="1"/>
+              </p:cNvSpPr>
+              <p:nvPr/>
+            </p:nvSpPr>
+            <p:spPr>
+              <a:xfrm>
+                <a:off x="555169" y="3630460"/>
+                <a:ext cx="1462452" cy="523220"/>
+              </a:xfrm>
+              <a:prstGeom prst="rect">
+                <a:avLst/>
+              </a:prstGeom>
+              <a:blipFill>
+                <a:blip r:embed="rId3"/>
+                <a:stretch>
+                  <a:fillRect l="-8333" t="-11765" b="-34118"/>
+                </a:stretch>
+              </a:blipFill>
+            </p:spPr>
+            <p:txBody>
+              <a:bodyPr/>
+              <a:lstStyle/>
+              <a:p>
+                <a:r>
+                  <a:rPr lang="en-GB">
+                    <a:noFill/>
+                  </a:rPr>
+                  <a:t> </a:t>
+                </a:r>
+              </a:p>
+            </p:txBody>
+          </p:sp>
+        </mc:Fallback>
+      </mc:AlternateContent>
+      <mc:AlternateContent xmlns:mc="http://schemas.openxmlformats.org/markup-compatibility/2006">
+        <mc:Choice xmlns:a14="http://schemas.microsoft.com/office/drawing/2010/main" Requires="a14">
+          <p:sp>
+            <p:nvSpPr>
+              <p:cNvPr id="45" name="ZoneTexte 44">
+                <a:extLst>
+                  <a:ext uri="{FF2B5EF4-FFF2-40B4-BE49-F238E27FC236}">
+                    <a16:creationId xmlns:a16="http://schemas.microsoft.com/office/drawing/2014/main" id="{795EEE3B-2119-466B-BD0C-F4D073513CA8}"/>
+                  </a:ext>
+                </a:extLst>
+              </p:cNvPr>
+              <p:cNvSpPr txBox="1"/>
+              <p:nvPr/>
+            </p:nvSpPr>
+            <p:spPr>
+              <a:xfrm>
+                <a:off x="8822871" y="3169097"/>
+                <a:ext cx="1454694" cy="523220"/>
+              </a:xfrm>
+              <a:prstGeom prst="rect">
+                <a:avLst/>
+              </a:prstGeom>
+              <a:noFill/>
+            </p:spPr>
+            <p:txBody>
+              <a:bodyPr wrap="none" rtlCol="0">
+                <a:spAutoFit/>
+              </a:bodyPr>
+              <a:lstStyle/>
+              <a:p>
+                <a:r>
+                  <a:rPr lang="en-US" sz="2800" dirty="0">
+                    <a:solidFill>
+                      <a:srgbClr val="7030A0"/>
+                    </a:solidFill>
+                  </a:rPr>
+                  <a:t>Allele </a:t>
+                </a:r>
+                <a14:m>
+                  <m:oMath xmlns:m="http://schemas.openxmlformats.org/officeDocument/2006/math">
+                    <m:sSub>
+                      <m:sSubPr>
+                        <m:ctrlPr>
+                          <a:rPr lang="en-US" sz="2800" i="1" smtClean="0">
+                            <a:solidFill>
+                              <a:srgbClr val="7030A0"/>
+                            </a:solidFill>
+                            <a:latin typeface="Cambria Math" panose="02040503050406030204" pitchFamily="18" charset="0"/>
+                          </a:rPr>
+                        </m:ctrlPr>
+                      </m:sSubPr>
+                      <m:e>
+                        <m:r>
+                          <a:rPr lang="en-US" sz="2800" b="0" i="1" smtClean="0">
+                            <a:solidFill>
+                              <a:srgbClr val="7030A0"/>
+                            </a:solidFill>
+                            <a:latin typeface="Cambria Math" panose="02040503050406030204" pitchFamily="18" charset="0"/>
+                          </a:rPr>
+                          <m:t>𝐵</m:t>
+                        </m:r>
+                      </m:e>
+                      <m:sub>
+                        <m:r>
+                          <a:rPr lang="en-US" sz="2800" b="0" i="1" smtClean="0">
+                            <a:solidFill>
+                              <a:srgbClr val="7030A0"/>
+                            </a:solidFill>
+                            <a:latin typeface="Cambria Math" panose="02040503050406030204" pitchFamily="18" charset="0"/>
+                          </a:rPr>
+                          <m:t>1</m:t>
+                        </m:r>
+                      </m:sub>
+                    </m:sSub>
+                  </m:oMath>
+                </a14:m>
+                <a:endParaRPr lang="en-US" sz="2800" dirty="0">
+                  <a:solidFill>
+                    <a:srgbClr val="7030A0"/>
+                  </a:solidFill>
+                </a:endParaRPr>
+              </a:p>
+            </p:txBody>
+          </p:sp>
+        </mc:Choice>
+        <mc:Fallback>
+          <p:sp>
+            <p:nvSpPr>
+              <p:cNvPr id="45" name="ZoneTexte 44">
+                <a:extLst>
+                  <a:ext uri="{FF2B5EF4-FFF2-40B4-BE49-F238E27FC236}">
+                    <a16:creationId xmlns:a16="http://schemas.microsoft.com/office/drawing/2014/main" id="{795EEE3B-2119-466B-BD0C-F4D073513CA8}"/>
+                  </a:ext>
+                </a:extLst>
+              </p:cNvPr>
+              <p:cNvSpPr txBox="1">
+                <a:spLocks noRot="1" noChangeAspect="1" noMove="1" noResize="1" noEditPoints="1" noAdjustHandles="1" noChangeArrowheads="1" noChangeShapeType="1" noTextEdit="1"/>
+              </p:cNvSpPr>
+              <p:nvPr/>
+            </p:nvSpPr>
+            <p:spPr>
+              <a:xfrm>
+                <a:off x="8822871" y="3169097"/>
+                <a:ext cx="1454694" cy="523220"/>
+              </a:xfrm>
+              <a:prstGeom prst="rect">
+                <a:avLst/>
+              </a:prstGeom>
+              <a:blipFill>
+                <a:blip r:embed="rId4"/>
+                <a:stretch>
+                  <a:fillRect l="-8368" t="-11628" b="-32558"/>
+                </a:stretch>
+              </a:blipFill>
+            </p:spPr>
+            <p:txBody>
+              <a:bodyPr/>
+              <a:lstStyle/>
+              <a:p>
+                <a:r>
+                  <a:rPr lang="en-GB">
+                    <a:noFill/>
+                  </a:rPr>
+                  <a:t> </a:t>
+                </a:r>
+              </a:p>
+            </p:txBody>
+          </p:sp>
+        </mc:Fallback>
+      </mc:AlternateContent>
+      <mc:AlternateContent xmlns:mc="http://schemas.openxmlformats.org/markup-compatibility/2006">
+        <mc:Choice xmlns:a14="http://schemas.microsoft.com/office/drawing/2010/main" Requires="a14">
+          <p:sp>
+            <p:nvSpPr>
+              <p:cNvPr id="46" name="ZoneTexte 45">
+                <a:extLst>
+                  <a:ext uri="{FF2B5EF4-FFF2-40B4-BE49-F238E27FC236}">
+                    <a16:creationId xmlns:a16="http://schemas.microsoft.com/office/drawing/2014/main" id="{BC4FD8D8-B957-4A63-8EE6-DAEDBE61D541}"/>
+                  </a:ext>
+                </a:extLst>
+              </p:cNvPr>
+              <p:cNvSpPr txBox="1"/>
+              <p:nvPr/>
+            </p:nvSpPr>
+            <p:spPr>
+              <a:xfrm>
+                <a:off x="8822871" y="4096843"/>
+                <a:ext cx="1462965" cy="523220"/>
+              </a:xfrm>
+              <a:prstGeom prst="rect">
+                <a:avLst/>
+              </a:prstGeom>
+              <a:noFill/>
+            </p:spPr>
+            <p:txBody>
+              <a:bodyPr wrap="none" rtlCol="0">
+                <a:spAutoFit/>
+              </a:bodyPr>
+              <a:lstStyle/>
+              <a:p>
+                <a:r>
+                  <a:rPr lang="en-US" sz="2800" dirty="0">
+                    <a:solidFill>
+                      <a:srgbClr val="C00000"/>
+                    </a:solidFill>
+                  </a:rPr>
+                  <a:t>Allele </a:t>
+                </a:r>
+                <a14:m>
+                  <m:oMath xmlns:m="http://schemas.openxmlformats.org/officeDocument/2006/math">
+                    <m:sSub>
+                      <m:sSubPr>
+                        <m:ctrlPr>
+                          <a:rPr lang="en-US" sz="2800" i="1" smtClean="0">
+                            <a:solidFill>
+                              <a:srgbClr val="C00000"/>
+                            </a:solidFill>
+                            <a:latin typeface="Cambria Math" panose="02040503050406030204" pitchFamily="18" charset="0"/>
+                          </a:rPr>
+                        </m:ctrlPr>
+                      </m:sSubPr>
+                      <m:e>
+                        <m:r>
+                          <a:rPr lang="en-US" sz="2800" b="0" i="1" smtClean="0">
+                            <a:solidFill>
+                              <a:srgbClr val="C00000"/>
+                            </a:solidFill>
+                            <a:latin typeface="Cambria Math" panose="02040503050406030204" pitchFamily="18" charset="0"/>
+                          </a:rPr>
+                          <m:t>𝐵</m:t>
+                        </m:r>
+                      </m:e>
+                      <m:sub>
+                        <m:r>
+                          <a:rPr lang="en-US" sz="2800" b="0" i="1" smtClean="0">
+                            <a:solidFill>
+                              <a:srgbClr val="C00000"/>
+                            </a:solidFill>
+                            <a:latin typeface="Cambria Math" panose="02040503050406030204" pitchFamily="18" charset="0"/>
+                          </a:rPr>
+                          <m:t>2</m:t>
+                        </m:r>
+                      </m:sub>
+                    </m:sSub>
+                  </m:oMath>
+                </a14:m>
+                <a:endParaRPr lang="en-US" sz="2800" dirty="0">
+                  <a:solidFill>
+                    <a:srgbClr val="C00000"/>
+                  </a:solidFill>
+                </a:endParaRPr>
+              </a:p>
+            </p:txBody>
+          </p:sp>
+        </mc:Choice>
+        <mc:Fallback>
+          <p:sp>
+            <p:nvSpPr>
+              <p:cNvPr id="46" name="ZoneTexte 45">
+                <a:extLst>
+                  <a:ext uri="{FF2B5EF4-FFF2-40B4-BE49-F238E27FC236}">
+                    <a16:creationId xmlns:a16="http://schemas.microsoft.com/office/drawing/2014/main" id="{BC4FD8D8-B957-4A63-8EE6-DAEDBE61D541}"/>
+                  </a:ext>
+                </a:extLst>
+              </p:cNvPr>
+              <p:cNvSpPr txBox="1">
+                <a:spLocks noRot="1" noChangeAspect="1" noMove="1" noResize="1" noEditPoints="1" noAdjustHandles="1" noChangeArrowheads="1" noChangeShapeType="1" noTextEdit="1"/>
+              </p:cNvSpPr>
+              <p:nvPr/>
+            </p:nvSpPr>
+            <p:spPr>
+              <a:xfrm>
+                <a:off x="8822871" y="4096843"/>
+                <a:ext cx="1462965" cy="523220"/>
+              </a:xfrm>
+              <a:prstGeom prst="rect">
+                <a:avLst/>
+              </a:prstGeom>
+              <a:blipFill>
+                <a:blip r:embed="rId5"/>
+                <a:stretch>
+                  <a:fillRect l="-8333" t="-10465" b="-32558"/>
+                </a:stretch>
+              </a:blipFill>
+            </p:spPr>
+            <p:txBody>
+              <a:bodyPr/>
+              <a:lstStyle/>
+              <a:p>
+                <a:r>
+                  <a:rPr lang="en-GB">
+                    <a:noFill/>
+                  </a:rPr>
+                  <a:t> </a:t>
+                </a:r>
+              </a:p>
+            </p:txBody>
+          </p:sp>
+        </mc:Fallback>
+      </mc:AlternateContent>
+      <p:cxnSp>
+        <p:nvCxnSpPr>
+          <p:cNvPr id="48" name="Connecteur droit avec flèche 47">
+            <a:extLst>
+              <a:ext uri="{FF2B5EF4-FFF2-40B4-BE49-F238E27FC236}">
+                <a16:creationId xmlns:a16="http://schemas.microsoft.com/office/drawing/2014/main" id="{478A3652-0D3A-4590-A03F-DB6A4ADAB4AF}"/>
+              </a:ext>
+            </a:extLst>
+          </p:cNvPr>
+          <p:cNvCxnSpPr>
+            <a:cxnSpLocks/>
+            <a:stCxn id="46" idx="1"/>
+          </p:cNvCxnSpPr>
+          <p:nvPr/>
+        </p:nvCxnSpPr>
+        <p:spPr>
+          <a:xfrm flipH="1">
+            <a:off x="8001000" y="4358453"/>
+            <a:ext cx="821871" cy="550663"/>
+          </a:xfrm>
+          <a:prstGeom prst="straightConnector1">
+            <a:avLst/>
+          </a:prstGeom>
+          <a:ln w="76200">
+            <a:solidFill>
+              <a:srgbClr val="C00000"/>
+            </a:solidFill>
+            <a:tailEnd type="triangle"/>
+          </a:ln>
+        </p:spPr>
+        <p:style>
+          <a:lnRef idx="1">
+            <a:schemeClr val="accent1"/>
+          </a:lnRef>
+          <a:fillRef idx="0">
+            <a:schemeClr val="accent1"/>
+          </a:fillRef>
+          <a:effectRef idx="0">
+            <a:schemeClr val="accent1"/>
+          </a:effectRef>
+          <a:fontRef idx="minor">
+            <a:schemeClr val="tx1"/>
+          </a:fontRef>
+        </p:style>
+      </p:cxnSp>
+      <p:cxnSp>
+        <p:nvCxnSpPr>
+          <p:cNvPr id="51" name="Connecteur droit avec flèche 50">
+            <a:extLst>
+              <a:ext uri="{FF2B5EF4-FFF2-40B4-BE49-F238E27FC236}">
+                <a16:creationId xmlns:a16="http://schemas.microsoft.com/office/drawing/2014/main" id="{2A9B5900-42FC-4DD2-BC1F-2F3EFE2D10DE}"/>
+              </a:ext>
+            </a:extLst>
+          </p:cNvPr>
+          <p:cNvCxnSpPr>
+            <a:cxnSpLocks/>
+            <a:stCxn id="45" idx="1"/>
+          </p:cNvCxnSpPr>
+          <p:nvPr/>
+        </p:nvCxnSpPr>
+        <p:spPr>
+          <a:xfrm flipH="1" flipV="1">
+            <a:off x="8001000" y="2863374"/>
+            <a:ext cx="821871" cy="567333"/>
+          </a:xfrm>
+          <a:prstGeom prst="straightConnector1">
+            <a:avLst/>
+          </a:prstGeom>
+          <a:ln w="76200">
+            <a:solidFill>
+              <a:srgbClr val="7030A0"/>
+            </a:solidFill>
+            <a:tailEnd type="triangle"/>
+          </a:ln>
+        </p:spPr>
+        <p:style>
+          <a:lnRef idx="1">
+            <a:schemeClr val="accent1"/>
+          </a:lnRef>
+          <a:fillRef idx="0">
+            <a:schemeClr val="accent1"/>
+          </a:fillRef>
+          <a:effectRef idx="0">
+            <a:schemeClr val="accent1"/>
+          </a:effectRef>
+          <a:fontRef idx="minor">
+            <a:schemeClr val="tx1"/>
+          </a:fontRef>
+        </p:style>
+      </p:cxnSp>
+      <p:cxnSp>
+        <p:nvCxnSpPr>
+          <p:cNvPr id="57" name="Connecteur droit avec flèche 56">
+            <a:extLst>
+              <a:ext uri="{FF2B5EF4-FFF2-40B4-BE49-F238E27FC236}">
+                <a16:creationId xmlns:a16="http://schemas.microsoft.com/office/drawing/2014/main" id="{E64C669C-F650-419A-96B2-DA9B3D4E2D5A}"/>
+              </a:ext>
+            </a:extLst>
+          </p:cNvPr>
+          <p:cNvCxnSpPr>
+            <a:cxnSpLocks/>
+            <a:stCxn id="44" idx="0"/>
+          </p:cNvCxnSpPr>
+          <p:nvPr/>
+        </p:nvCxnSpPr>
+        <p:spPr>
+          <a:xfrm flipV="1">
+            <a:off x="1286395" y="2863376"/>
+            <a:ext cx="1092132" cy="767084"/>
+          </a:xfrm>
+          <a:prstGeom prst="straightConnector1">
+            <a:avLst/>
+          </a:prstGeom>
+          <a:ln w="76200">
+            <a:solidFill>
+              <a:srgbClr val="00B050"/>
+            </a:solidFill>
+            <a:tailEnd type="triangle"/>
+          </a:ln>
+        </p:spPr>
+        <p:style>
+          <a:lnRef idx="1">
+            <a:schemeClr val="accent1"/>
+          </a:lnRef>
+          <a:fillRef idx="0">
+            <a:schemeClr val="accent1"/>
+          </a:fillRef>
+          <a:effectRef idx="0">
+            <a:schemeClr val="accent1"/>
+          </a:effectRef>
+          <a:fontRef idx="minor">
+            <a:schemeClr val="tx1"/>
+          </a:fontRef>
+        </p:style>
+      </p:cxnSp>
+      <p:cxnSp>
+        <p:nvCxnSpPr>
+          <p:cNvPr id="60" name="Connecteur droit avec flèche 59">
+            <a:extLst>
+              <a:ext uri="{FF2B5EF4-FFF2-40B4-BE49-F238E27FC236}">
+                <a16:creationId xmlns:a16="http://schemas.microsoft.com/office/drawing/2014/main" id="{BBA512D8-FD2C-4642-9A8C-20A1BAEDE7E6}"/>
+              </a:ext>
+            </a:extLst>
+          </p:cNvPr>
+          <p:cNvCxnSpPr>
+            <a:cxnSpLocks/>
+            <a:stCxn id="44" idx="2"/>
+          </p:cNvCxnSpPr>
+          <p:nvPr/>
+        </p:nvCxnSpPr>
+        <p:spPr>
+          <a:xfrm>
+            <a:off x="1286395" y="4153680"/>
+            <a:ext cx="1092132" cy="755436"/>
+          </a:xfrm>
+          <a:prstGeom prst="straightConnector1">
+            <a:avLst/>
+          </a:prstGeom>
+          <a:ln w="76200">
+            <a:solidFill>
+              <a:srgbClr val="00B050"/>
+            </a:solidFill>
+            <a:tailEnd type="triangle"/>
+          </a:ln>
+        </p:spPr>
+        <p:style>
+          <a:lnRef idx="1">
+            <a:schemeClr val="accent1"/>
+          </a:lnRef>
+          <a:fillRef idx="0">
+            <a:schemeClr val="accent1"/>
+          </a:fillRef>
+          <a:effectRef idx="0">
+            <a:schemeClr val="accent1"/>
+          </a:effectRef>
+          <a:fontRef idx="minor">
+            <a:schemeClr val="tx1"/>
+          </a:fontRef>
+        </p:style>
+      </p:cxnSp>
+      <mc:AlternateContent xmlns:mc="http://schemas.openxmlformats.org/markup-compatibility/2006">
+        <mc:Choice xmlns:a14="http://schemas.microsoft.com/office/drawing/2010/main" Requires="a14">
+          <p:sp>
+            <p:nvSpPr>
+              <p:cNvPr id="63" name="ZoneTexte 62">
+                <a:extLst>
+                  <a:ext uri="{FF2B5EF4-FFF2-40B4-BE49-F238E27FC236}">
+                    <a16:creationId xmlns:a16="http://schemas.microsoft.com/office/drawing/2014/main" id="{AF6A738F-5DFA-4F1F-9C44-D2F71772051E}"/>
+                  </a:ext>
+                </a:extLst>
+              </p:cNvPr>
+              <p:cNvSpPr txBox="1"/>
+              <p:nvPr/>
+            </p:nvSpPr>
+            <p:spPr>
+              <a:xfrm>
+                <a:off x="3717476" y="3573623"/>
+                <a:ext cx="1462452" cy="523220"/>
+              </a:xfrm>
+              <a:prstGeom prst="rect">
+                <a:avLst/>
+              </a:prstGeom>
+              <a:noFill/>
+            </p:spPr>
+            <p:txBody>
+              <a:bodyPr wrap="square" rtlCol="0">
+                <a:spAutoFit/>
+              </a:bodyPr>
+              <a:lstStyle/>
+              <a:p>
+                <a:r>
+                  <a:rPr lang="en-US" sz="2800" dirty="0">
+                    <a:solidFill>
+                      <a:srgbClr val="92D050"/>
+                    </a:solidFill>
+                  </a:rPr>
+                  <a:t>Locus </a:t>
+                </a:r>
+                <a14:m>
+                  <m:oMath xmlns:m="http://schemas.openxmlformats.org/officeDocument/2006/math">
+                    <m:r>
+                      <a:rPr lang="en-US" sz="2800" b="0" i="1" smtClean="0">
+                        <a:solidFill>
+                          <a:srgbClr val="92D050"/>
+                        </a:solidFill>
+                        <a:latin typeface="Cambria Math" panose="02040503050406030204" pitchFamily="18" charset="0"/>
+                      </a:rPr>
+                      <m:t>𝐴</m:t>
+                    </m:r>
+                  </m:oMath>
+                </a14:m>
+                <a:endParaRPr lang="en-US" sz="2800" dirty="0">
+                  <a:solidFill>
+                    <a:srgbClr val="92D050"/>
+                  </a:solidFill>
+                </a:endParaRPr>
+              </a:p>
+            </p:txBody>
+          </p:sp>
+        </mc:Choice>
+        <mc:Fallback>
+          <p:sp>
+            <p:nvSpPr>
+              <p:cNvPr id="63" name="ZoneTexte 62">
+                <a:extLst>
+                  <a:ext uri="{FF2B5EF4-FFF2-40B4-BE49-F238E27FC236}">
+                    <a16:creationId xmlns:a16="http://schemas.microsoft.com/office/drawing/2014/main" id="{AF6A738F-5DFA-4F1F-9C44-D2F71772051E}"/>
+                  </a:ext>
+                </a:extLst>
+              </p:cNvPr>
+              <p:cNvSpPr txBox="1">
+                <a:spLocks noRot="1" noChangeAspect="1" noMove="1" noResize="1" noEditPoints="1" noAdjustHandles="1" noChangeArrowheads="1" noChangeShapeType="1" noTextEdit="1"/>
+              </p:cNvSpPr>
+              <p:nvPr/>
+            </p:nvSpPr>
+            <p:spPr>
+              <a:xfrm>
+                <a:off x="3717476" y="3573623"/>
+                <a:ext cx="1462452" cy="523220"/>
+              </a:xfrm>
+              <a:prstGeom prst="rect">
+                <a:avLst/>
+              </a:prstGeom>
+              <a:blipFill>
+                <a:blip r:embed="rId6"/>
+                <a:stretch>
+                  <a:fillRect l="-8750" t="-10465" b="-32558"/>
+                </a:stretch>
+              </a:blipFill>
+            </p:spPr>
+            <p:txBody>
+              <a:bodyPr/>
+              <a:lstStyle/>
+              <a:p>
+                <a:r>
+                  <a:rPr lang="en-GB">
+                    <a:noFill/>
+                  </a:rPr>
+                  <a:t> </a:t>
+                </a:r>
+              </a:p>
+            </p:txBody>
+          </p:sp>
+        </mc:Fallback>
+      </mc:AlternateContent>
+      <p:cxnSp>
+        <p:nvCxnSpPr>
+          <p:cNvPr id="64" name="Connecteur droit avec flèche 63">
+            <a:extLst>
+              <a:ext uri="{FF2B5EF4-FFF2-40B4-BE49-F238E27FC236}">
+                <a16:creationId xmlns:a16="http://schemas.microsoft.com/office/drawing/2014/main" id="{A046B8FF-005D-471E-A65F-E3B0DC5F3635}"/>
+              </a:ext>
+            </a:extLst>
+          </p:cNvPr>
+          <p:cNvCxnSpPr>
+            <a:cxnSpLocks/>
+            <a:stCxn id="63" idx="0"/>
+          </p:cNvCxnSpPr>
+          <p:nvPr/>
+        </p:nvCxnSpPr>
+        <p:spPr>
+          <a:xfrm flipH="1" flipV="1">
+            <a:off x="3657606" y="2875025"/>
+            <a:ext cx="791096" cy="698598"/>
+          </a:xfrm>
+          <a:prstGeom prst="straightConnector1">
+            <a:avLst/>
+          </a:prstGeom>
+          <a:ln w="76200">
+            <a:solidFill>
+              <a:srgbClr val="92D050"/>
+            </a:solidFill>
+            <a:tailEnd type="triangle"/>
+          </a:ln>
+        </p:spPr>
+        <p:style>
+          <a:lnRef idx="1">
+            <a:schemeClr val="accent1"/>
+          </a:lnRef>
+          <a:fillRef idx="0">
+            <a:schemeClr val="accent1"/>
+          </a:fillRef>
+          <a:effectRef idx="0">
+            <a:schemeClr val="accent1"/>
+          </a:effectRef>
+          <a:fontRef idx="minor">
+            <a:schemeClr val="tx1"/>
+          </a:fontRef>
+        </p:style>
+      </p:cxnSp>
+      <p:cxnSp>
+        <p:nvCxnSpPr>
+          <p:cNvPr id="65" name="Connecteur droit avec flèche 64">
+            <a:extLst>
+              <a:ext uri="{FF2B5EF4-FFF2-40B4-BE49-F238E27FC236}">
+                <a16:creationId xmlns:a16="http://schemas.microsoft.com/office/drawing/2014/main" id="{E43E1B80-BE12-46C8-B603-F5D4E1B9EA03}"/>
+              </a:ext>
+            </a:extLst>
+          </p:cNvPr>
+          <p:cNvCxnSpPr>
+            <a:cxnSpLocks/>
+            <a:stCxn id="63" idx="2"/>
+          </p:cNvCxnSpPr>
+          <p:nvPr/>
+        </p:nvCxnSpPr>
+        <p:spPr>
+          <a:xfrm flipH="1">
+            <a:off x="3761020" y="4096843"/>
+            <a:ext cx="687682" cy="812273"/>
+          </a:xfrm>
+          <a:prstGeom prst="straightConnector1">
+            <a:avLst/>
+          </a:prstGeom>
+          <a:ln w="76200">
+            <a:solidFill>
+              <a:srgbClr val="92D050"/>
+            </a:solidFill>
+            <a:tailEnd type="triangle"/>
+          </a:ln>
+        </p:spPr>
+        <p:style>
+          <a:lnRef idx="1">
+            <a:schemeClr val="accent1"/>
+          </a:lnRef>
+          <a:fillRef idx="0">
+            <a:schemeClr val="accent1"/>
+          </a:fillRef>
+          <a:effectRef idx="0">
+            <a:schemeClr val="accent1"/>
+          </a:effectRef>
+          <a:fontRef idx="minor">
+            <a:schemeClr val="tx1"/>
+          </a:fontRef>
+        </p:style>
+      </p:cxnSp>
+      <mc:AlternateContent xmlns:mc="http://schemas.openxmlformats.org/markup-compatibility/2006">
+        <mc:Choice xmlns:a14="http://schemas.microsoft.com/office/drawing/2010/main" Requires="a14">
+          <p:sp>
+            <p:nvSpPr>
+              <p:cNvPr id="71" name="ZoneTexte 70">
+                <a:extLst>
+                  <a:ext uri="{FF2B5EF4-FFF2-40B4-BE49-F238E27FC236}">
+                    <a16:creationId xmlns:a16="http://schemas.microsoft.com/office/drawing/2014/main" id="{10570967-345A-4264-AAF4-1BF078249651}"/>
+                  </a:ext>
+                </a:extLst>
+              </p:cNvPr>
+              <p:cNvSpPr txBox="1"/>
+              <p:nvPr/>
+            </p:nvSpPr>
+            <p:spPr>
+              <a:xfrm>
+                <a:off x="5649683" y="3639334"/>
+                <a:ext cx="1334020" cy="523220"/>
+              </a:xfrm>
+              <a:prstGeom prst="rect">
+                <a:avLst/>
+              </a:prstGeom>
+              <a:noFill/>
+            </p:spPr>
+            <p:txBody>
+              <a:bodyPr wrap="none" rtlCol="0">
+                <a:spAutoFit/>
+              </a:bodyPr>
+              <a:lstStyle/>
+              <a:p>
+                <a:r>
+                  <a:rPr lang="en-US" sz="2800" dirty="0">
+                    <a:solidFill>
+                      <a:srgbClr val="00B0F0"/>
+                    </a:solidFill>
+                  </a:rPr>
+                  <a:t>Locus </a:t>
+                </a:r>
+                <a14:m>
+                  <m:oMath xmlns:m="http://schemas.openxmlformats.org/officeDocument/2006/math">
+                    <m:r>
+                      <a:rPr lang="en-US" sz="2800" b="0" i="1" smtClean="0">
+                        <a:solidFill>
+                          <a:srgbClr val="00B0F0"/>
+                        </a:solidFill>
+                        <a:latin typeface="Cambria Math" panose="02040503050406030204" pitchFamily="18" charset="0"/>
+                      </a:rPr>
+                      <m:t>𝐵</m:t>
+                    </m:r>
+                  </m:oMath>
+                </a14:m>
+                <a:endParaRPr lang="en-US" sz="2800" dirty="0">
+                  <a:solidFill>
+                    <a:srgbClr val="00B0F0"/>
+                  </a:solidFill>
+                </a:endParaRPr>
+              </a:p>
+            </p:txBody>
+          </p:sp>
+        </mc:Choice>
+        <mc:Fallback>
+          <p:sp>
+            <p:nvSpPr>
+              <p:cNvPr id="71" name="ZoneTexte 70">
+                <a:extLst>
+                  <a:ext uri="{FF2B5EF4-FFF2-40B4-BE49-F238E27FC236}">
+                    <a16:creationId xmlns:a16="http://schemas.microsoft.com/office/drawing/2014/main" id="{10570967-345A-4264-AAF4-1BF078249651}"/>
+                  </a:ext>
+                </a:extLst>
+              </p:cNvPr>
+              <p:cNvSpPr txBox="1">
+                <a:spLocks noRot="1" noChangeAspect="1" noMove="1" noResize="1" noEditPoints="1" noAdjustHandles="1" noChangeArrowheads="1" noChangeShapeType="1" noTextEdit="1"/>
+              </p:cNvSpPr>
+              <p:nvPr/>
+            </p:nvSpPr>
+            <p:spPr>
+              <a:xfrm>
+                <a:off x="5649683" y="3639334"/>
+                <a:ext cx="1334020" cy="523220"/>
+              </a:xfrm>
+              <a:prstGeom prst="rect">
+                <a:avLst/>
+              </a:prstGeom>
+              <a:blipFill>
+                <a:blip r:embed="rId7"/>
+                <a:stretch>
+                  <a:fillRect l="-9589" t="-10465" b="-32558"/>
+                </a:stretch>
+              </a:blipFill>
+            </p:spPr>
+            <p:txBody>
+              <a:bodyPr/>
+              <a:lstStyle/>
+              <a:p>
+                <a:r>
+                  <a:rPr lang="en-GB">
+                    <a:noFill/>
+                  </a:rPr>
+                  <a:t> </a:t>
+                </a:r>
+              </a:p>
+            </p:txBody>
+          </p:sp>
+        </mc:Fallback>
+      </mc:AlternateContent>
+      <p:cxnSp>
+        <p:nvCxnSpPr>
+          <p:cNvPr id="72" name="Connecteur droit avec flèche 71">
+            <a:extLst>
+              <a:ext uri="{FF2B5EF4-FFF2-40B4-BE49-F238E27FC236}">
+                <a16:creationId xmlns:a16="http://schemas.microsoft.com/office/drawing/2014/main" id="{6E0878D5-BDD8-4C15-8F52-6CD00D4B6078}"/>
+              </a:ext>
+            </a:extLst>
+          </p:cNvPr>
+          <p:cNvCxnSpPr>
+            <a:cxnSpLocks/>
+            <a:stCxn id="71" idx="0"/>
+          </p:cNvCxnSpPr>
+          <p:nvPr/>
+        </p:nvCxnSpPr>
+        <p:spPr>
+          <a:xfrm flipV="1">
+            <a:off x="6316693" y="2872250"/>
+            <a:ext cx="1156350" cy="767084"/>
+          </a:xfrm>
+          <a:prstGeom prst="straightConnector1">
+            <a:avLst/>
+          </a:prstGeom>
+          <a:ln w="76200">
+            <a:solidFill>
+              <a:srgbClr val="00B0F0"/>
+            </a:solidFill>
+            <a:tailEnd type="triangle"/>
+          </a:ln>
+        </p:spPr>
+        <p:style>
+          <a:lnRef idx="1">
+            <a:schemeClr val="accent1"/>
+          </a:lnRef>
+          <a:fillRef idx="0">
+            <a:schemeClr val="accent1"/>
+          </a:fillRef>
+          <a:effectRef idx="0">
+            <a:schemeClr val="accent1"/>
+          </a:effectRef>
+          <a:fontRef idx="minor">
+            <a:schemeClr val="tx1"/>
+          </a:fontRef>
+        </p:style>
+      </p:cxnSp>
+      <p:cxnSp>
+        <p:nvCxnSpPr>
+          <p:cNvPr id="73" name="Connecteur droit avec flèche 72">
+            <a:extLst>
+              <a:ext uri="{FF2B5EF4-FFF2-40B4-BE49-F238E27FC236}">
+                <a16:creationId xmlns:a16="http://schemas.microsoft.com/office/drawing/2014/main" id="{84E131F4-9042-46C9-95E8-2D4C2E6CE385}"/>
+              </a:ext>
+            </a:extLst>
+          </p:cNvPr>
+          <p:cNvCxnSpPr>
+            <a:cxnSpLocks/>
+            <a:stCxn id="71" idx="2"/>
+          </p:cNvCxnSpPr>
+          <p:nvPr/>
+        </p:nvCxnSpPr>
+        <p:spPr>
+          <a:xfrm>
+            <a:off x="6316693" y="4162554"/>
+            <a:ext cx="1156350" cy="755436"/>
+          </a:xfrm>
+          <a:prstGeom prst="straightConnector1">
+            <a:avLst/>
+          </a:prstGeom>
+          <a:ln w="76200">
+            <a:solidFill>
+              <a:srgbClr val="00B0F0"/>
+            </a:solidFill>
+            <a:tailEnd type="triangle"/>
+          </a:ln>
+        </p:spPr>
+        <p:style>
+          <a:lnRef idx="1">
+            <a:schemeClr val="accent1"/>
+          </a:lnRef>
+          <a:fillRef idx="0">
+            <a:schemeClr val="accent1"/>
+          </a:fillRef>
+          <a:effectRef idx="0">
+            <a:schemeClr val="accent1"/>
+          </a:effectRef>
+          <a:fontRef idx="minor">
+            <a:schemeClr val="tx1"/>
+          </a:fontRef>
+        </p:style>
+      </p:cxnSp>
+      <p:sp>
+        <p:nvSpPr>
+          <p:cNvPr id="74" name="ZoneTexte 73">
+            <a:extLst>
+              <a:ext uri="{FF2B5EF4-FFF2-40B4-BE49-F238E27FC236}">
+                <a16:creationId xmlns:a16="http://schemas.microsoft.com/office/drawing/2014/main" id="{FE3D70CE-D881-4B34-AB84-8A198ABE87C6}"/>
+              </a:ext>
+            </a:extLst>
+          </p:cNvPr>
+          <p:cNvSpPr txBox="1"/>
+          <p:nvPr/>
+        </p:nvSpPr>
+        <p:spPr>
+          <a:xfrm>
+            <a:off x="10145485" y="2340154"/>
+            <a:ext cx="1392882" cy="523220"/>
+          </a:xfrm>
+          <a:prstGeom prst="rect">
+            <a:avLst/>
+          </a:prstGeom>
+          <a:noFill/>
+        </p:spPr>
+        <p:txBody>
+          <a:bodyPr wrap="none" rtlCol="0">
+            <a:spAutoFit/>
+          </a:bodyPr>
+          <a:lstStyle/>
+          <a:p>
+            <a:r>
+              <a:rPr lang="en-US" sz="2800" dirty="0">
+                <a:solidFill>
+                  <a:srgbClr val="0070C0"/>
+                </a:solidFill>
+              </a:rPr>
+              <a:t>Paternal</a:t>
+            </a:r>
+          </a:p>
+        </p:txBody>
+      </p:sp>
+      <p:sp>
+        <p:nvSpPr>
+          <p:cNvPr id="75" name="ZoneTexte 74">
+            <a:extLst>
+              <a:ext uri="{FF2B5EF4-FFF2-40B4-BE49-F238E27FC236}">
+                <a16:creationId xmlns:a16="http://schemas.microsoft.com/office/drawing/2014/main" id="{E67ED491-751D-4F9E-A46E-1735738440CF}"/>
+              </a:ext>
+            </a:extLst>
+          </p:cNvPr>
+          <p:cNvSpPr txBox="1"/>
+          <p:nvPr/>
+        </p:nvSpPr>
+        <p:spPr>
+          <a:xfrm>
+            <a:off x="10145485" y="4904096"/>
+            <a:ext cx="1522404" cy="523220"/>
+          </a:xfrm>
+          <a:prstGeom prst="rect">
+            <a:avLst/>
+          </a:prstGeom>
+          <a:noFill/>
+        </p:spPr>
+        <p:txBody>
+          <a:bodyPr wrap="none" rtlCol="0">
+            <a:spAutoFit/>
+          </a:bodyPr>
+          <a:lstStyle/>
+          <a:p>
+            <a:r>
+              <a:rPr lang="en-US" sz="2800" dirty="0">
+                <a:solidFill>
+                  <a:srgbClr val="0070C0"/>
+                </a:solidFill>
+              </a:rPr>
+              <a:t>Maternal</a:t>
+            </a:r>
+          </a:p>
+        </p:txBody>
+      </p:sp>
+    </p:spTree>
+    <p:extLst>
+      <p:ext uri="{BB962C8B-B14F-4D97-AF65-F5344CB8AC3E}">
+        <p14:creationId xmlns:p14="http://schemas.microsoft.com/office/powerpoint/2010/main" val="2476502132"/>
+      </p:ext>
+    </p:extLst>
+  </p:cSld>
+  <p:clrMapOvr>
+    <a:masterClrMapping/>
+  </p:clrMapOvr>
+</p:sld>
+</file>
+
+<file path=ppt/slides/slide8.xml><?xml version="1.0" encoding="utf-8"?>
+<p:sld xmlns:a="http://schemas.openxmlformats.org/drawingml/2006/main" xmlns:r="http://schemas.openxmlformats.org/officeDocument/2006/relationships" xmlns:p="http://schemas.openxmlformats.org/presentationml/2006/main">
+  <p:cSld>
+    <p:spTree>
+      <p:nvGrpSpPr>
+        <p:cNvPr id="1" name=""/>
+        <p:cNvGrpSpPr/>
+        <p:nvPr/>
+      </p:nvGrpSpPr>
+      <p:grpSpPr>
+        <a:xfrm>
+          <a:off x="0" y="0"/>
+          <a:ext cx="0" cy="0"/>
+          <a:chOff x="0" y="0"/>
+          <a:chExt cx="0" cy="0"/>
+        </a:xfrm>
+      </p:grpSpPr>
+      <p:sp>
+        <p:nvSpPr>
+          <p:cNvPr id="2" name="Titre 1">
+            <a:extLst>
+              <a:ext uri="{FF2B5EF4-FFF2-40B4-BE49-F238E27FC236}">
+                <a16:creationId xmlns:a16="http://schemas.microsoft.com/office/drawing/2014/main" id="{F08383F7-045F-4C7E-BDAF-E4D99437CBDA}"/>
+              </a:ext>
+            </a:extLst>
+          </p:cNvPr>
+          <p:cNvSpPr>
+            <a:spLocks noGrp="1"/>
+          </p:cNvSpPr>
+          <p:nvPr>
+            <p:ph type="title"/>
+          </p:nvPr>
+        </p:nvSpPr>
+        <p:spPr>
+          <a:xfrm>
+            <a:off x="0" y="365125"/>
+            <a:ext cx="6096000" cy="1325563"/>
+          </a:xfrm>
+        </p:spPr>
+        <p:txBody>
+          <a:bodyPr/>
+          <a:lstStyle/>
+          <a:p>
+            <a:pPr algn="ctr"/>
+            <a:r>
+              <a:rPr lang="en-US" b="1" dirty="0">
+                <a:solidFill>
+                  <a:srgbClr val="FF0000"/>
+                </a:solidFill>
+              </a:rPr>
+              <a:t>Human Genotype</a:t>
+            </a:r>
+          </a:p>
+        </p:txBody>
+      </p:sp>
+      <p:pic>
+        <p:nvPicPr>
+          <p:cNvPr id="8" name="Espace réservé du contenu 7">
+            <a:extLst>
+              <a:ext uri="{FF2B5EF4-FFF2-40B4-BE49-F238E27FC236}">
+                <a16:creationId xmlns:a16="http://schemas.microsoft.com/office/drawing/2014/main" id="{ED1660E9-24F9-4613-AB07-E27D2C3DE032}"/>
+              </a:ext>
+            </a:extLst>
+          </p:cNvPr>
+          <p:cNvPicPr>
+            <a:picLocks noGrp="1" noChangeAspect="1"/>
+          </p:cNvPicPr>
+          <p:nvPr>
+            <p:ph idx="1"/>
+          </p:nvPr>
+        </p:nvPicPr>
+        <p:blipFill>
+          <a:blip r:embed="rId3"/>
+          <a:stretch>
+            <a:fillRect/>
+          </a:stretch>
+        </p:blipFill>
+        <p:spPr>
+          <a:xfrm>
+            <a:off x="3576000" y="1370275"/>
+            <a:ext cx="5040000" cy="5422786"/>
+          </a:xfrm>
+          <a:prstGeom prst="rect">
+            <a:avLst/>
+          </a:prstGeom>
+        </p:spPr>
+      </p:pic>
+      <mc:AlternateContent xmlns:mc="http://schemas.openxmlformats.org/markup-compatibility/2006">
+        <mc:Choice xmlns:a14="http://schemas.microsoft.com/office/drawing/2010/main" Requires="a14">
+          <p:sp>
+            <p:nvSpPr>
+              <p:cNvPr id="4" name="Titre 1">
+                <a:extLst>
+                  <a:ext uri="{FF2B5EF4-FFF2-40B4-BE49-F238E27FC236}">
+                    <a16:creationId xmlns:a16="http://schemas.microsoft.com/office/drawing/2014/main" id="{96D2214F-6E83-4A5B-8F81-EA8A911B4DFB}"/>
+                  </a:ext>
+                </a:extLst>
+              </p:cNvPr>
+              <p:cNvSpPr txBox="1">
+                <a:spLocks/>
+              </p:cNvSpPr>
+              <p:nvPr/>
+            </p:nvSpPr>
+            <p:spPr>
+              <a:xfrm>
+                <a:off x="6096000" y="365125"/>
+                <a:ext cx="6096000" cy="1325563"/>
+              </a:xfrm>
+              <a:prstGeom prst="rect">
+                <a:avLst/>
+              </a:prstGeom>
+            </p:spPr>
+            <p:txBody>
+              <a:bodyPr vert="horz" lIns="91440" tIns="45720" rIns="91440" bIns="45720" rtlCol="0" anchor="ctr">
+                <a:normAutofit/>
+              </a:bodyPr>
+              <a:lstStyle>
+                <a:lvl1pPr algn="l" defTabSz="914400" rtl="0" eaLnBrk="1" latinLnBrk="0" hangingPunct="1">
+                  <a:lnSpc>
+                    <a:spcPct val="90000"/>
+                  </a:lnSpc>
+                  <a:spcBef>
+                    <a:spcPct val="0"/>
+                  </a:spcBef>
+                  <a:buNone/>
+                  <a:defRPr sz="4400" kern="1200">
+                    <a:solidFill>
+                      <a:schemeClr val="tx1"/>
+                    </a:solidFill>
+                    <a:latin typeface="+mj-lt"/>
+                    <a:ea typeface="+mj-ea"/>
+                    <a:cs typeface="+mj-cs"/>
+                  </a:defRPr>
+                </a:lvl1pPr>
+              </a:lstStyle>
+              <a:p>
+                <a:pPr algn="ctr"/>
+                <a14:m>
+                  <m:oMath xmlns:m="http://schemas.openxmlformats.org/officeDocument/2006/math">
+                    <m:r>
+                      <a:rPr lang="en-US" b="0" i="1" smtClean="0">
+                        <a:latin typeface="Cambria Math" panose="02040503050406030204" pitchFamily="18" charset="0"/>
+                      </a:rPr>
+                      <m:t>23 (∗2)</m:t>
+                    </m:r>
+                  </m:oMath>
+                </a14:m>
+                <a:r>
+                  <a:rPr lang="en-US" dirty="0"/>
+                  <a:t> chromosomes</a:t>
+                </a:r>
+              </a:p>
+            </p:txBody>
+          </p:sp>
+        </mc:Choice>
+        <mc:Fallback>
+          <p:sp>
+            <p:nvSpPr>
+              <p:cNvPr id="4" name="Titre 1">
+                <a:extLst>
+                  <a:ext uri="{FF2B5EF4-FFF2-40B4-BE49-F238E27FC236}">
+                    <a16:creationId xmlns:a16="http://schemas.microsoft.com/office/drawing/2014/main" id="{96D2214F-6E83-4A5B-8F81-EA8A911B4DFB}"/>
+                  </a:ext>
+                </a:extLst>
+              </p:cNvPr>
+              <p:cNvSpPr txBox="1">
+                <a:spLocks noRot="1" noChangeAspect="1" noMove="1" noResize="1" noEditPoints="1" noAdjustHandles="1" noChangeArrowheads="1" noChangeShapeType="1" noTextEdit="1"/>
+              </p:cNvSpPr>
+              <p:nvPr/>
+            </p:nvSpPr>
+            <p:spPr>
+              <a:xfrm>
+                <a:off x="6096000" y="365125"/>
+                <a:ext cx="6096000" cy="1325563"/>
+              </a:xfrm>
+              <a:prstGeom prst="rect">
+                <a:avLst/>
+              </a:prstGeom>
+              <a:blipFill>
+                <a:blip r:embed="rId4"/>
+                <a:stretch>
+                  <a:fillRect/>
+                </a:stretch>
+              </a:blipFill>
+            </p:spPr>
+            <p:txBody>
+              <a:bodyPr/>
+              <a:lstStyle/>
+              <a:p>
+                <a:r>
+                  <a:rPr lang="en-GB">
+                    <a:noFill/>
+                  </a:rPr>
+                  <a:t> </a:t>
+                </a:r>
+              </a:p>
+            </p:txBody>
+          </p:sp>
+        </mc:Fallback>
+      </mc:AlternateContent>
+      <p:sp>
+        <p:nvSpPr>
+          <p:cNvPr id="3" name="ZoneTexte 2">
+            <a:extLst>
+              <a:ext uri="{FF2B5EF4-FFF2-40B4-BE49-F238E27FC236}">
+                <a16:creationId xmlns:a16="http://schemas.microsoft.com/office/drawing/2014/main" id="{3B49A966-36C7-4F5C-B65F-93F7E0763E17}"/>
+              </a:ext>
+            </a:extLst>
+          </p:cNvPr>
+          <p:cNvSpPr txBox="1"/>
+          <p:nvPr/>
+        </p:nvSpPr>
+        <p:spPr>
+          <a:xfrm>
+            <a:off x="5377218" y="643185"/>
+            <a:ext cx="1078173" cy="769441"/>
+          </a:xfrm>
+          <a:prstGeom prst="rect">
+            <a:avLst/>
+          </a:prstGeom>
+          <a:noFill/>
+        </p:spPr>
+        <p:txBody>
+          <a:bodyPr wrap="square" rtlCol="0">
+            <a:spAutoFit/>
+          </a:bodyPr>
+          <a:lstStyle/>
+          <a:p>
+            <a:pPr algn="ctr"/>
+            <a:r>
+              <a:rPr lang="fr-FR" sz="4400" b="1" dirty="0">
+                <a:solidFill>
+                  <a:schemeClr val="bg1">
+                    <a:lumMod val="50000"/>
+                  </a:schemeClr>
+                </a:solidFill>
+              </a:rPr>
+              <a:t>-</a:t>
+            </a:r>
+            <a:endParaRPr lang="fr-FR" b="1" dirty="0">
+              <a:solidFill>
+                <a:schemeClr val="bg1">
+                  <a:lumMod val="50000"/>
+                </a:schemeClr>
+              </a:solidFill>
+            </a:endParaRPr>
+          </a:p>
+        </p:txBody>
+      </p:sp>
+    </p:spTree>
+    <p:extLst>
+      <p:ext uri="{BB962C8B-B14F-4D97-AF65-F5344CB8AC3E}">
+        <p14:creationId xmlns:p14="http://schemas.microsoft.com/office/powerpoint/2010/main" val="3920796090"/>
+      </p:ext>
+    </p:extLst>
+  </p:cSld>
+  <p:clrMapOvr>
+    <a:masterClrMapping/>
+  </p:clrMapOvr>
 </p:sld>
 </file>
 

--- a/SolvingNimsGame.pptx
+++ b/SolvingNimsGame.pptx
@@ -5,7 +5,7 @@
     <p:sldMasterId id="2147483648" r:id="rId1"/>
   </p:sldMasterIdLst>
   <p:notesMasterIdLst>
-    <p:notesMasterId r:id="rId13"/>
+    <p:notesMasterId r:id="rId14"/>
   </p:notesMasterIdLst>
   <p:sldIdLst>
     <p:sldId id="258" r:id="rId2"/>
@@ -19,6 +19,7 @@
     <p:sldId id="266" r:id="rId10"/>
     <p:sldId id="267" r:id="rId11"/>
     <p:sldId id="268" r:id="rId12"/>
+    <p:sldId id="367" r:id="rId13"/>
   </p:sldIdLst>
   <p:sldSz cx="12192000" cy="6858000"/>
   <p:notesSz cx="6858000" cy="9144000"/>
@@ -547,6 +548,90 @@
     <p:extLst>
       <p:ext uri="{BB962C8B-B14F-4D97-AF65-F5344CB8AC3E}">
         <p14:creationId xmlns:p14="http://schemas.microsoft.com/office/powerpoint/2010/main" val="3304640907"/>
+      </p:ext>
+    </p:extLst>
+  </p:cSld>
+  <p:clrMapOvr>
+    <a:masterClrMapping/>
+  </p:clrMapOvr>
+</p:notes>
+</file>
+
+<file path=ppt/notesSlides/notesSlide10.xml><?xml version="1.0" encoding="utf-8"?>
+<p:notes xmlns:a="http://schemas.openxmlformats.org/drawingml/2006/main" xmlns:r="http://schemas.openxmlformats.org/officeDocument/2006/relationships" xmlns:p="http://schemas.openxmlformats.org/presentationml/2006/main">
+  <p:cSld>
+    <p:spTree>
+      <p:nvGrpSpPr>
+        <p:cNvPr id="1" name=""/>
+        <p:cNvGrpSpPr/>
+        <p:nvPr/>
+      </p:nvGrpSpPr>
+      <p:grpSpPr>
+        <a:xfrm>
+          <a:off x="0" y="0"/>
+          <a:ext cx="0" cy="0"/>
+          <a:chOff x="0" y="0"/>
+          <a:chExt cx="0" cy="0"/>
+        </a:xfrm>
+      </p:grpSpPr>
+      <p:sp>
+        <p:nvSpPr>
+          <p:cNvPr id="2" name="Slide Image Placeholder 1"/>
+          <p:cNvSpPr>
+            <a:spLocks noGrp="1" noRot="1" noChangeAspect="1"/>
+          </p:cNvSpPr>
+          <p:nvPr>
+            <p:ph type="sldImg"/>
+          </p:nvPr>
+        </p:nvSpPr>
+        <p:spPr/>
+      </p:sp>
+      <p:sp>
+        <p:nvSpPr>
+          <p:cNvPr id="3" name="Notes Placeholder 2"/>
+          <p:cNvSpPr>
+            <a:spLocks noGrp="1"/>
+          </p:cNvSpPr>
+          <p:nvPr>
+            <p:ph type="body" idx="1"/>
+          </p:nvPr>
+        </p:nvSpPr>
+        <p:spPr/>
+        <p:txBody>
+          <a:bodyPr/>
+          <a:lstStyle/>
+          <a:p>
+            <a:endParaRPr lang="en-GB" dirty="0"/>
+          </a:p>
+        </p:txBody>
+      </p:sp>
+      <p:sp>
+        <p:nvSpPr>
+          <p:cNvPr id="4" name="Slide Number Placeholder 3"/>
+          <p:cNvSpPr>
+            <a:spLocks noGrp="1"/>
+          </p:cNvSpPr>
+          <p:nvPr>
+            <p:ph type="sldNum" sz="quarter" idx="5"/>
+          </p:nvPr>
+        </p:nvSpPr>
+        <p:spPr/>
+        <p:txBody>
+          <a:bodyPr/>
+          <a:lstStyle/>
+          <a:p>
+            <a:fld id="{B3388FBB-98E4-4C62-99AB-E6602312ADC3}" type="slidenum">
+              <a:rPr lang="en-GB" smtClean="0"/>
+              <a:t>12</a:t>
+            </a:fld>
+            <a:endParaRPr lang="en-GB"/>
+          </a:p>
+        </p:txBody>
+      </p:sp>
+    </p:spTree>
+    <p:extLst>
+      <p:ext uri="{BB962C8B-B14F-4D97-AF65-F5344CB8AC3E}">
+        <p14:creationId xmlns:p14="http://schemas.microsoft.com/office/powerpoint/2010/main" val="2943883259"/>
       </p:ext>
     </p:extLst>
   </p:cSld>
@@ -1106,13 +1191,8 @@
           <a:p>
             <a:r>
               <a:rPr lang="fr-FR" dirty="0"/>
-              <a:t>… évidemment, ce qui </a:t>
+              <a:t>… évidemment, ce qui nous intéresse, c’est le sexe ;)</a:t>
             </a:r>
-            <a:r>
-              <a:rPr lang="fr-FR"/>
-              <a:t>nous intéresse, c’est le sexe ;)</a:t>
-            </a:r>
-            <a:endParaRPr lang="fr-FR" dirty="0"/>
           </a:p>
         </p:txBody>
       </p:sp>
@@ -19790,6 +19870,4062 @@
         </p:cTn>
       </p:par>
     </p:tnLst>
+  </p:timing>
+</p:sld>
+</file>
+
+<file path=ppt/slides/slide12.xml><?xml version="1.0" encoding="utf-8"?>
+<p:sld xmlns:a="http://schemas.openxmlformats.org/drawingml/2006/main" xmlns:r="http://schemas.openxmlformats.org/officeDocument/2006/relationships" xmlns:p="http://schemas.openxmlformats.org/presentationml/2006/main">
+  <p:cSld>
+    <p:spTree>
+      <p:nvGrpSpPr>
+        <p:cNvPr id="1" name=""/>
+        <p:cNvGrpSpPr/>
+        <p:nvPr/>
+      </p:nvGrpSpPr>
+      <p:grpSpPr>
+        <a:xfrm>
+          <a:off x="0" y="0"/>
+          <a:ext cx="0" cy="0"/>
+          <a:chOff x="0" y="0"/>
+          <a:chExt cx="0" cy="0"/>
+        </a:xfrm>
+      </p:grpSpPr>
+      <p:sp>
+        <p:nvSpPr>
+          <p:cNvPr id="2" name="Titre 1">
+            <a:extLst>
+              <a:ext uri="{FF2B5EF4-FFF2-40B4-BE49-F238E27FC236}">
+                <a16:creationId xmlns:a16="http://schemas.microsoft.com/office/drawing/2014/main" id="{DC0EF85A-A4C0-4382-A7E6-DE6136435BF5}"/>
+              </a:ext>
+            </a:extLst>
+          </p:cNvPr>
+          <p:cNvSpPr>
+            <a:spLocks noGrp="1"/>
+          </p:cNvSpPr>
+          <p:nvPr>
+            <p:ph type="title"/>
+          </p:nvPr>
+        </p:nvSpPr>
+        <p:spPr/>
+        <p:txBody>
+          <a:bodyPr/>
+          <a:lstStyle/>
+          <a:p>
+            <a:r>
+              <a:rPr lang="en-US" b="1" dirty="0">
+                <a:solidFill>
+                  <a:srgbClr val="0070C0"/>
+                </a:solidFill>
+              </a:rPr>
+              <a:t>Model scheme</a:t>
+            </a:r>
+          </a:p>
+        </p:txBody>
+      </p:sp>
+      <p:sp>
+        <p:nvSpPr>
+          <p:cNvPr id="3" name="Rectangle : coins arrondis 2">
+            <a:extLst>
+              <a:ext uri="{FF2B5EF4-FFF2-40B4-BE49-F238E27FC236}">
+                <a16:creationId xmlns:a16="http://schemas.microsoft.com/office/drawing/2014/main" id="{D1CFA664-1D1B-4306-B249-9961602AB228}"/>
+              </a:ext>
+            </a:extLst>
+          </p:cNvPr>
+          <p:cNvSpPr/>
+          <p:nvPr/>
+        </p:nvSpPr>
+        <p:spPr>
+          <a:xfrm>
+            <a:off x="503465" y="1921328"/>
+            <a:ext cx="3468376" cy="1507671"/>
+          </a:xfrm>
+          <a:prstGeom prst="roundRect">
+            <a:avLst/>
+          </a:prstGeom>
+          <a:noFill/>
+          <a:ln w="57150"/>
+        </p:spPr>
+        <p:style>
+          <a:lnRef idx="2">
+            <a:schemeClr val="accent1">
+              <a:shade val="50000"/>
+            </a:schemeClr>
+          </a:lnRef>
+          <a:fillRef idx="1">
+            <a:schemeClr val="accent1"/>
+          </a:fillRef>
+          <a:effectRef idx="0">
+            <a:schemeClr val="accent1"/>
+          </a:effectRef>
+          <a:fontRef idx="minor">
+            <a:schemeClr val="lt1"/>
+          </a:fontRef>
+        </p:style>
+        <p:txBody>
+          <a:bodyPr rtlCol="0" anchor="ctr"/>
+          <a:lstStyle/>
+          <a:p>
+            <a:pPr algn="ctr"/>
+            <a:endParaRPr lang="fr-FR" dirty="0"/>
+          </a:p>
+        </p:txBody>
+      </p:sp>
+      <p:sp>
+        <p:nvSpPr>
+          <p:cNvPr id="4" name="Rectangle : coins arrondis 3">
+            <a:extLst>
+              <a:ext uri="{FF2B5EF4-FFF2-40B4-BE49-F238E27FC236}">
+                <a16:creationId xmlns:a16="http://schemas.microsoft.com/office/drawing/2014/main" id="{9844130D-CC2F-422D-B6B4-579EB88C49AC}"/>
+              </a:ext>
+            </a:extLst>
+          </p:cNvPr>
+          <p:cNvSpPr/>
+          <p:nvPr/>
+        </p:nvSpPr>
+        <p:spPr>
+          <a:xfrm>
+            <a:off x="4361812" y="1921327"/>
+            <a:ext cx="3468376" cy="1507671"/>
+          </a:xfrm>
+          <a:prstGeom prst="roundRect">
+            <a:avLst/>
+          </a:prstGeom>
+          <a:noFill/>
+          <a:ln w="57150"/>
+        </p:spPr>
+        <p:style>
+          <a:lnRef idx="2">
+            <a:schemeClr val="accent1">
+              <a:shade val="50000"/>
+            </a:schemeClr>
+          </a:lnRef>
+          <a:fillRef idx="1">
+            <a:schemeClr val="accent1"/>
+          </a:fillRef>
+          <a:effectRef idx="0">
+            <a:schemeClr val="accent1"/>
+          </a:effectRef>
+          <a:fontRef idx="minor">
+            <a:schemeClr val="lt1"/>
+          </a:fontRef>
+        </p:style>
+        <p:txBody>
+          <a:bodyPr rtlCol="0" anchor="ctr"/>
+          <a:lstStyle/>
+          <a:p>
+            <a:pPr algn="ctr"/>
+            <a:endParaRPr lang="fr-FR"/>
+          </a:p>
+        </p:txBody>
+      </p:sp>
+      <p:sp>
+        <p:nvSpPr>
+          <p:cNvPr id="5" name="Rectangle : coins arrondis 4">
+            <a:extLst>
+              <a:ext uri="{FF2B5EF4-FFF2-40B4-BE49-F238E27FC236}">
+                <a16:creationId xmlns:a16="http://schemas.microsoft.com/office/drawing/2014/main" id="{432996EF-21C1-4D32-8090-51E64BAD90D7}"/>
+              </a:ext>
+            </a:extLst>
+          </p:cNvPr>
+          <p:cNvSpPr/>
+          <p:nvPr/>
+        </p:nvSpPr>
+        <p:spPr>
+          <a:xfrm>
+            <a:off x="8220160" y="1921327"/>
+            <a:ext cx="3468376" cy="1507671"/>
+          </a:xfrm>
+          <a:prstGeom prst="roundRect">
+            <a:avLst/>
+          </a:prstGeom>
+          <a:noFill/>
+          <a:ln w="57150"/>
+        </p:spPr>
+        <p:style>
+          <a:lnRef idx="2">
+            <a:schemeClr val="accent1">
+              <a:shade val="50000"/>
+            </a:schemeClr>
+          </a:lnRef>
+          <a:fillRef idx="1">
+            <a:schemeClr val="accent1"/>
+          </a:fillRef>
+          <a:effectRef idx="0">
+            <a:schemeClr val="accent1"/>
+          </a:effectRef>
+          <a:fontRef idx="minor">
+            <a:schemeClr val="lt1"/>
+          </a:fontRef>
+        </p:style>
+        <p:txBody>
+          <a:bodyPr rtlCol="0" anchor="ctr"/>
+          <a:lstStyle/>
+          <a:p>
+            <a:pPr algn="ctr"/>
+            <a:endParaRPr lang="fr-FR"/>
+          </a:p>
+        </p:txBody>
+      </p:sp>
+      <p:sp>
+        <p:nvSpPr>
+          <p:cNvPr id="7" name="Ellipse 6">
+            <a:extLst>
+              <a:ext uri="{FF2B5EF4-FFF2-40B4-BE49-F238E27FC236}">
+                <a16:creationId xmlns:a16="http://schemas.microsoft.com/office/drawing/2014/main" id="{4F41C145-4DFC-4786-BC6A-20E28262548E}"/>
+              </a:ext>
+            </a:extLst>
+          </p:cNvPr>
+          <p:cNvSpPr/>
+          <p:nvPr/>
+        </p:nvSpPr>
+        <p:spPr>
+          <a:xfrm>
+            <a:off x="1075603" y="3820885"/>
+            <a:ext cx="2324100" cy="2324100"/>
+          </a:xfrm>
+          <a:prstGeom prst="ellipse">
+            <a:avLst/>
+          </a:prstGeom>
+          <a:noFill/>
+          <a:ln w="50800">
+            <a:solidFill>
+              <a:srgbClr val="00B0F0"/>
+            </a:solidFill>
+          </a:ln>
+        </p:spPr>
+        <p:style>
+          <a:lnRef idx="2">
+            <a:schemeClr val="accent1">
+              <a:shade val="50000"/>
+            </a:schemeClr>
+          </a:lnRef>
+          <a:fillRef idx="1">
+            <a:schemeClr val="accent1"/>
+          </a:fillRef>
+          <a:effectRef idx="0">
+            <a:schemeClr val="accent1"/>
+          </a:effectRef>
+          <a:fontRef idx="minor">
+            <a:schemeClr val="lt1"/>
+          </a:fontRef>
+        </p:style>
+        <p:txBody>
+          <a:bodyPr rtlCol="0" anchor="ctr"/>
+          <a:lstStyle/>
+          <a:p>
+            <a:pPr algn="ctr"/>
+            <a:endParaRPr lang="fr-FR">
+              <a:ln w="76200">
+                <a:solidFill>
+                  <a:srgbClr val="00B0F0"/>
+                </a:solidFill>
+              </a:ln>
+            </a:endParaRPr>
+          </a:p>
+        </p:txBody>
+      </p:sp>
+      <p:sp>
+        <p:nvSpPr>
+          <p:cNvPr id="8" name="Ellipse 7">
+            <a:extLst>
+              <a:ext uri="{FF2B5EF4-FFF2-40B4-BE49-F238E27FC236}">
+                <a16:creationId xmlns:a16="http://schemas.microsoft.com/office/drawing/2014/main" id="{3E571FBE-055B-45E9-8685-3F8F0FF5B0D4}"/>
+              </a:ext>
+            </a:extLst>
+          </p:cNvPr>
+          <p:cNvSpPr/>
+          <p:nvPr/>
+        </p:nvSpPr>
+        <p:spPr>
+          <a:xfrm>
+            <a:off x="4933950" y="3820885"/>
+            <a:ext cx="2324100" cy="2324100"/>
+          </a:xfrm>
+          <a:prstGeom prst="ellipse">
+            <a:avLst/>
+          </a:prstGeom>
+          <a:noFill/>
+          <a:ln w="50800">
+            <a:solidFill>
+              <a:srgbClr val="00B0F0"/>
+            </a:solidFill>
+          </a:ln>
+        </p:spPr>
+        <p:style>
+          <a:lnRef idx="2">
+            <a:schemeClr val="accent1">
+              <a:shade val="50000"/>
+            </a:schemeClr>
+          </a:lnRef>
+          <a:fillRef idx="1">
+            <a:schemeClr val="accent1"/>
+          </a:fillRef>
+          <a:effectRef idx="0">
+            <a:schemeClr val="accent1"/>
+          </a:effectRef>
+          <a:fontRef idx="minor">
+            <a:schemeClr val="lt1"/>
+          </a:fontRef>
+        </p:style>
+        <p:txBody>
+          <a:bodyPr rtlCol="0" anchor="ctr"/>
+          <a:lstStyle/>
+          <a:p>
+            <a:pPr algn="ctr"/>
+            <a:endParaRPr lang="fr-FR">
+              <a:ln w="76200">
+                <a:solidFill>
+                  <a:srgbClr val="00B0F0"/>
+                </a:solidFill>
+              </a:ln>
+            </a:endParaRPr>
+          </a:p>
+        </p:txBody>
+      </p:sp>
+      <p:sp>
+        <p:nvSpPr>
+          <p:cNvPr id="9" name="Ellipse 8">
+            <a:extLst>
+              <a:ext uri="{FF2B5EF4-FFF2-40B4-BE49-F238E27FC236}">
+                <a16:creationId xmlns:a16="http://schemas.microsoft.com/office/drawing/2014/main" id="{6C80B40E-607C-46BE-BBDE-FD2B8D977FE5}"/>
+              </a:ext>
+            </a:extLst>
+          </p:cNvPr>
+          <p:cNvSpPr/>
+          <p:nvPr/>
+        </p:nvSpPr>
+        <p:spPr>
+          <a:xfrm>
+            <a:off x="8792298" y="3820885"/>
+            <a:ext cx="2324100" cy="2324100"/>
+          </a:xfrm>
+          <a:prstGeom prst="ellipse">
+            <a:avLst/>
+          </a:prstGeom>
+          <a:noFill/>
+          <a:ln w="50800">
+            <a:solidFill>
+              <a:srgbClr val="00B0F0"/>
+            </a:solidFill>
+          </a:ln>
+        </p:spPr>
+        <p:style>
+          <a:lnRef idx="2">
+            <a:schemeClr val="accent1">
+              <a:shade val="50000"/>
+            </a:schemeClr>
+          </a:lnRef>
+          <a:fillRef idx="1">
+            <a:schemeClr val="accent1"/>
+          </a:fillRef>
+          <a:effectRef idx="0">
+            <a:schemeClr val="accent1"/>
+          </a:effectRef>
+          <a:fontRef idx="minor">
+            <a:schemeClr val="lt1"/>
+          </a:fontRef>
+        </p:style>
+        <p:txBody>
+          <a:bodyPr rtlCol="0" anchor="ctr"/>
+          <a:lstStyle/>
+          <a:p>
+            <a:pPr algn="ctr"/>
+            <a:endParaRPr lang="fr-FR">
+              <a:ln w="76200">
+                <a:solidFill>
+                  <a:srgbClr val="00B0F0"/>
+                </a:solidFill>
+              </a:ln>
+            </a:endParaRPr>
+          </a:p>
+        </p:txBody>
+      </p:sp>
+      <p:sp>
+        <p:nvSpPr>
+          <p:cNvPr id="10" name="Ellipse 9">
+            <a:extLst>
+              <a:ext uri="{FF2B5EF4-FFF2-40B4-BE49-F238E27FC236}">
+                <a16:creationId xmlns:a16="http://schemas.microsoft.com/office/drawing/2014/main" id="{2C8754A0-6310-4666-87C8-84FC8E2043BD}"/>
+              </a:ext>
+            </a:extLst>
+          </p:cNvPr>
+          <p:cNvSpPr/>
+          <p:nvPr/>
+        </p:nvSpPr>
+        <p:spPr>
+          <a:xfrm>
+            <a:off x="914400" y="2231571"/>
+            <a:ext cx="161203" cy="161203"/>
+          </a:xfrm>
+          <a:prstGeom prst="ellipse">
+            <a:avLst/>
+          </a:prstGeom>
+        </p:spPr>
+        <p:style>
+          <a:lnRef idx="2">
+            <a:schemeClr val="accent6">
+              <a:shade val="50000"/>
+            </a:schemeClr>
+          </a:lnRef>
+          <a:fillRef idx="1">
+            <a:schemeClr val="accent6"/>
+          </a:fillRef>
+          <a:effectRef idx="0">
+            <a:schemeClr val="accent6"/>
+          </a:effectRef>
+          <a:fontRef idx="minor">
+            <a:schemeClr val="lt1"/>
+          </a:fontRef>
+        </p:style>
+        <p:txBody>
+          <a:bodyPr rtlCol="0" anchor="ctr"/>
+          <a:lstStyle/>
+          <a:p>
+            <a:pPr algn="ctr"/>
+            <a:endParaRPr lang="fr-FR"/>
+          </a:p>
+        </p:txBody>
+      </p:sp>
+      <p:sp>
+        <p:nvSpPr>
+          <p:cNvPr id="11" name="Ellipse 10">
+            <a:extLst>
+              <a:ext uri="{FF2B5EF4-FFF2-40B4-BE49-F238E27FC236}">
+                <a16:creationId xmlns:a16="http://schemas.microsoft.com/office/drawing/2014/main" id="{8A5429EF-E7B8-4589-83A9-9E8F70CD2EB9}"/>
+              </a:ext>
+            </a:extLst>
+          </p:cNvPr>
+          <p:cNvSpPr/>
+          <p:nvPr/>
+        </p:nvSpPr>
+        <p:spPr>
+          <a:xfrm>
+            <a:off x="905597" y="2775814"/>
+            <a:ext cx="161203" cy="161203"/>
+          </a:xfrm>
+          <a:prstGeom prst="ellipse">
+            <a:avLst/>
+          </a:prstGeom>
+        </p:spPr>
+        <p:style>
+          <a:lnRef idx="2">
+            <a:schemeClr val="accent4">
+              <a:shade val="50000"/>
+            </a:schemeClr>
+          </a:lnRef>
+          <a:fillRef idx="1">
+            <a:schemeClr val="accent4"/>
+          </a:fillRef>
+          <a:effectRef idx="0">
+            <a:schemeClr val="accent4"/>
+          </a:effectRef>
+          <a:fontRef idx="minor">
+            <a:schemeClr val="lt1"/>
+          </a:fontRef>
+        </p:style>
+        <p:txBody>
+          <a:bodyPr rtlCol="0" anchor="ctr"/>
+          <a:lstStyle/>
+          <a:p>
+            <a:pPr algn="ctr"/>
+            <a:endParaRPr lang="fr-FR"/>
+          </a:p>
+        </p:txBody>
+      </p:sp>
+      <p:sp>
+        <p:nvSpPr>
+          <p:cNvPr id="12" name="Ellipse 11">
+            <a:extLst>
+              <a:ext uri="{FF2B5EF4-FFF2-40B4-BE49-F238E27FC236}">
+                <a16:creationId xmlns:a16="http://schemas.microsoft.com/office/drawing/2014/main" id="{D34E3671-24FB-412B-AF5E-BBD3C0F39BA2}"/>
+              </a:ext>
+            </a:extLst>
+          </p:cNvPr>
+          <p:cNvSpPr/>
+          <p:nvPr/>
+        </p:nvSpPr>
+        <p:spPr>
+          <a:xfrm>
+            <a:off x="1418673" y="2459147"/>
+            <a:ext cx="161203" cy="161203"/>
+          </a:xfrm>
+          <a:prstGeom prst="ellipse">
+            <a:avLst/>
+          </a:prstGeom>
+        </p:spPr>
+        <p:style>
+          <a:lnRef idx="2">
+            <a:schemeClr val="accent4">
+              <a:shade val="50000"/>
+            </a:schemeClr>
+          </a:lnRef>
+          <a:fillRef idx="1">
+            <a:schemeClr val="accent4"/>
+          </a:fillRef>
+          <a:effectRef idx="0">
+            <a:schemeClr val="accent4"/>
+          </a:effectRef>
+          <a:fontRef idx="minor">
+            <a:schemeClr val="lt1"/>
+          </a:fontRef>
+        </p:style>
+        <p:txBody>
+          <a:bodyPr rtlCol="0" anchor="ctr"/>
+          <a:lstStyle/>
+          <a:p>
+            <a:pPr algn="ctr"/>
+            <a:endParaRPr lang="fr-FR"/>
+          </a:p>
+        </p:txBody>
+      </p:sp>
+      <p:sp>
+        <p:nvSpPr>
+          <p:cNvPr id="13" name="Ellipse 12">
+            <a:extLst>
+              <a:ext uri="{FF2B5EF4-FFF2-40B4-BE49-F238E27FC236}">
+                <a16:creationId xmlns:a16="http://schemas.microsoft.com/office/drawing/2014/main" id="{6EA3524C-0A4E-4916-BC9C-5E3B847D91C0}"/>
+              </a:ext>
+            </a:extLst>
+          </p:cNvPr>
+          <p:cNvSpPr/>
+          <p:nvPr/>
+        </p:nvSpPr>
+        <p:spPr>
+          <a:xfrm>
+            <a:off x="2039453" y="2580742"/>
+            <a:ext cx="161203" cy="161203"/>
+          </a:xfrm>
+          <a:prstGeom prst="ellipse">
+            <a:avLst/>
+          </a:prstGeom>
+        </p:spPr>
+        <p:style>
+          <a:lnRef idx="2">
+            <a:schemeClr val="accent4">
+              <a:shade val="50000"/>
+            </a:schemeClr>
+          </a:lnRef>
+          <a:fillRef idx="1">
+            <a:schemeClr val="accent4"/>
+          </a:fillRef>
+          <a:effectRef idx="0">
+            <a:schemeClr val="accent4"/>
+          </a:effectRef>
+          <a:fontRef idx="minor">
+            <a:schemeClr val="lt1"/>
+          </a:fontRef>
+        </p:style>
+        <p:txBody>
+          <a:bodyPr rtlCol="0" anchor="ctr"/>
+          <a:lstStyle/>
+          <a:p>
+            <a:pPr algn="ctr"/>
+            <a:endParaRPr lang="fr-FR"/>
+          </a:p>
+        </p:txBody>
+      </p:sp>
+      <p:sp>
+        <p:nvSpPr>
+          <p:cNvPr id="14" name="Ellipse 13">
+            <a:extLst>
+              <a:ext uri="{FF2B5EF4-FFF2-40B4-BE49-F238E27FC236}">
+                <a16:creationId xmlns:a16="http://schemas.microsoft.com/office/drawing/2014/main" id="{9CF49FB7-1638-49E6-8D3F-1764FA6E2283}"/>
+              </a:ext>
+            </a:extLst>
+          </p:cNvPr>
+          <p:cNvSpPr/>
+          <p:nvPr/>
+        </p:nvSpPr>
+        <p:spPr>
+          <a:xfrm>
+            <a:off x="2724708" y="2267139"/>
+            <a:ext cx="161203" cy="161203"/>
+          </a:xfrm>
+          <a:prstGeom prst="ellipse">
+            <a:avLst/>
+          </a:prstGeom>
+        </p:spPr>
+        <p:style>
+          <a:lnRef idx="2">
+            <a:schemeClr val="accent4">
+              <a:shade val="50000"/>
+            </a:schemeClr>
+          </a:lnRef>
+          <a:fillRef idx="1">
+            <a:schemeClr val="accent4"/>
+          </a:fillRef>
+          <a:effectRef idx="0">
+            <a:schemeClr val="accent4"/>
+          </a:effectRef>
+          <a:fontRef idx="minor">
+            <a:schemeClr val="lt1"/>
+          </a:fontRef>
+        </p:style>
+        <p:txBody>
+          <a:bodyPr rtlCol="0" anchor="ctr"/>
+          <a:lstStyle/>
+          <a:p>
+            <a:pPr algn="ctr"/>
+            <a:endParaRPr lang="fr-FR"/>
+          </a:p>
+        </p:txBody>
+      </p:sp>
+      <p:sp>
+        <p:nvSpPr>
+          <p:cNvPr id="15" name="Ellipse 14">
+            <a:extLst>
+              <a:ext uri="{FF2B5EF4-FFF2-40B4-BE49-F238E27FC236}">
+                <a16:creationId xmlns:a16="http://schemas.microsoft.com/office/drawing/2014/main" id="{B75D0CF1-E289-49BB-B164-6754630D727C}"/>
+              </a:ext>
+            </a:extLst>
+          </p:cNvPr>
+          <p:cNvSpPr/>
+          <p:nvPr/>
+        </p:nvSpPr>
+        <p:spPr>
+          <a:xfrm>
+            <a:off x="2682036" y="2741945"/>
+            <a:ext cx="161203" cy="161203"/>
+          </a:xfrm>
+          <a:prstGeom prst="ellipse">
+            <a:avLst/>
+          </a:prstGeom>
+        </p:spPr>
+        <p:style>
+          <a:lnRef idx="2">
+            <a:schemeClr val="accent4">
+              <a:shade val="50000"/>
+            </a:schemeClr>
+          </a:lnRef>
+          <a:fillRef idx="1">
+            <a:schemeClr val="accent4"/>
+          </a:fillRef>
+          <a:effectRef idx="0">
+            <a:schemeClr val="accent4"/>
+          </a:effectRef>
+          <a:fontRef idx="minor">
+            <a:schemeClr val="lt1"/>
+          </a:fontRef>
+        </p:style>
+        <p:txBody>
+          <a:bodyPr rtlCol="0" anchor="ctr"/>
+          <a:lstStyle/>
+          <a:p>
+            <a:pPr algn="ctr"/>
+            <a:endParaRPr lang="fr-FR"/>
+          </a:p>
+        </p:txBody>
+      </p:sp>
+      <p:sp>
+        <p:nvSpPr>
+          <p:cNvPr id="16" name="Ellipse 15">
+            <a:extLst>
+              <a:ext uri="{FF2B5EF4-FFF2-40B4-BE49-F238E27FC236}">
+                <a16:creationId xmlns:a16="http://schemas.microsoft.com/office/drawing/2014/main" id="{5C626AF1-7272-4870-A067-EE01A2DC586A}"/>
+              </a:ext>
+            </a:extLst>
+          </p:cNvPr>
+          <p:cNvSpPr/>
+          <p:nvPr/>
+        </p:nvSpPr>
+        <p:spPr>
+          <a:xfrm>
+            <a:off x="3459276" y="2856415"/>
+            <a:ext cx="161203" cy="161203"/>
+          </a:xfrm>
+          <a:prstGeom prst="ellipse">
+            <a:avLst/>
+          </a:prstGeom>
+        </p:spPr>
+        <p:style>
+          <a:lnRef idx="2">
+            <a:schemeClr val="accent4">
+              <a:shade val="50000"/>
+            </a:schemeClr>
+          </a:lnRef>
+          <a:fillRef idx="1">
+            <a:schemeClr val="accent4"/>
+          </a:fillRef>
+          <a:effectRef idx="0">
+            <a:schemeClr val="accent4"/>
+          </a:effectRef>
+          <a:fontRef idx="minor">
+            <a:schemeClr val="lt1"/>
+          </a:fontRef>
+        </p:style>
+        <p:txBody>
+          <a:bodyPr rtlCol="0" anchor="ctr"/>
+          <a:lstStyle/>
+          <a:p>
+            <a:pPr algn="ctr"/>
+            <a:endParaRPr lang="fr-FR"/>
+          </a:p>
+        </p:txBody>
+      </p:sp>
+      <p:sp>
+        <p:nvSpPr>
+          <p:cNvPr id="17" name="Ellipse 16">
+            <a:extLst>
+              <a:ext uri="{FF2B5EF4-FFF2-40B4-BE49-F238E27FC236}">
+                <a16:creationId xmlns:a16="http://schemas.microsoft.com/office/drawing/2014/main" id="{5B20C76D-D913-46CD-AB9F-A844BB75CA89}"/>
+              </a:ext>
+            </a:extLst>
+          </p:cNvPr>
+          <p:cNvSpPr/>
+          <p:nvPr/>
+        </p:nvSpPr>
+        <p:spPr>
+          <a:xfrm>
+            <a:off x="1338072" y="2941516"/>
+            <a:ext cx="161203" cy="161203"/>
+          </a:xfrm>
+          <a:prstGeom prst="ellipse">
+            <a:avLst/>
+          </a:prstGeom>
+        </p:spPr>
+        <p:style>
+          <a:lnRef idx="2">
+            <a:schemeClr val="accent6">
+              <a:shade val="50000"/>
+            </a:schemeClr>
+          </a:lnRef>
+          <a:fillRef idx="1">
+            <a:schemeClr val="accent6"/>
+          </a:fillRef>
+          <a:effectRef idx="0">
+            <a:schemeClr val="accent6"/>
+          </a:effectRef>
+          <a:fontRef idx="minor">
+            <a:schemeClr val="lt1"/>
+          </a:fontRef>
+        </p:style>
+        <p:txBody>
+          <a:bodyPr rtlCol="0" anchor="ctr"/>
+          <a:lstStyle/>
+          <a:p>
+            <a:pPr algn="ctr"/>
+            <a:endParaRPr lang="fr-FR"/>
+          </a:p>
+        </p:txBody>
+      </p:sp>
+      <p:sp>
+        <p:nvSpPr>
+          <p:cNvPr id="18" name="Ellipse 17">
+            <a:extLst>
+              <a:ext uri="{FF2B5EF4-FFF2-40B4-BE49-F238E27FC236}">
+                <a16:creationId xmlns:a16="http://schemas.microsoft.com/office/drawing/2014/main" id="{81B9C4A8-E62A-46A3-AA9F-95318D9F189B}"/>
+              </a:ext>
+            </a:extLst>
+          </p:cNvPr>
+          <p:cNvSpPr/>
+          <p:nvPr/>
+        </p:nvSpPr>
+        <p:spPr>
+          <a:xfrm>
+            <a:off x="2078144" y="2972628"/>
+            <a:ext cx="161203" cy="161203"/>
+          </a:xfrm>
+          <a:prstGeom prst="ellipse">
+            <a:avLst/>
+          </a:prstGeom>
+        </p:spPr>
+        <p:style>
+          <a:lnRef idx="2">
+            <a:schemeClr val="accent6">
+              <a:shade val="50000"/>
+            </a:schemeClr>
+          </a:lnRef>
+          <a:fillRef idx="1">
+            <a:schemeClr val="accent6"/>
+          </a:fillRef>
+          <a:effectRef idx="0">
+            <a:schemeClr val="accent6"/>
+          </a:effectRef>
+          <a:fontRef idx="minor">
+            <a:schemeClr val="lt1"/>
+          </a:fontRef>
+        </p:style>
+        <p:txBody>
+          <a:bodyPr rtlCol="0" anchor="ctr"/>
+          <a:lstStyle/>
+          <a:p>
+            <a:pPr algn="ctr"/>
+            <a:endParaRPr lang="fr-FR"/>
+          </a:p>
+        </p:txBody>
+      </p:sp>
+      <p:sp>
+        <p:nvSpPr>
+          <p:cNvPr id="19" name="Ellipse 18">
+            <a:extLst>
+              <a:ext uri="{FF2B5EF4-FFF2-40B4-BE49-F238E27FC236}">
+                <a16:creationId xmlns:a16="http://schemas.microsoft.com/office/drawing/2014/main" id="{F51F2849-7227-4C7D-8616-252369870214}"/>
+              </a:ext>
+            </a:extLst>
+          </p:cNvPr>
+          <p:cNvSpPr/>
+          <p:nvPr/>
+        </p:nvSpPr>
+        <p:spPr>
+          <a:xfrm>
+            <a:off x="2443120" y="2536370"/>
+            <a:ext cx="161203" cy="161203"/>
+          </a:xfrm>
+          <a:prstGeom prst="ellipse">
+            <a:avLst/>
+          </a:prstGeom>
+        </p:spPr>
+        <p:style>
+          <a:lnRef idx="2">
+            <a:schemeClr val="accent6">
+              <a:shade val="50000"/>
+            </a:schemeClr>
+          </a:lnRef>
+          <a:fillRef idx="1">
+            <a:schemeClr val="accent6"/>
+          </a:fillRef>
+          <a:effectRef idx="0">
+            <a:schemeClr val="accent6"/>
+          </a:effectRef>
+          <a:fontRef idx="minor">
+            <a:schemeClr val="lt1"/>
+          </a:fontRef>
+        </p:style>
+        <p:txBody>
+          <a:bodyPr rtlCol="0" anchor="ctr"/>
+          <a:lstStyle/>
+          <a:p>
+            <a:pPr algn="ctr"/>
+            <a:endParaRPr lang="fr-FR"/>
+          </a:p>
+        </p:txBody>
+      </p:sp>
+      <p:sp>
+        <p:nvSpPr>
+          <p:cNvPr id="20" name="Ellipse 19">
+            <a:extLst>
+              <a:ext uri="{FF2B5EF4-FFF2-40B4-BE49-F238E27FC236}">
+                <a16:creationId xmlns:a16="http://schemas.microsoft.com/office/drawing/2014/main" id="{457A8A15-016A-4B06-9A6D-D4A37028D6B6}"/>
+              </a:ext>
+            </a:extLst>
+          </p:cNvPr>
+          <p:cNvSpPr/>
+          <p:nvPr/>
+        </p:nvSpPr>
+        <p:spPr>
+          <a:xfrm>
+            <a:off x="3288495" y="2347740"/>
+            <a:ext cx="161203" cy="161203"/>
+          </a:xfrm>
+          <a:prstGeom prst="ellipse">
+            <a:avLst/>
+          </a:prstGeom>
+        </p:spPr>
+        <p:style>
+          <a:lnRef idx="2">
+            <a:schemeClr val="accent6">
+              <a:shade val="50000"/>
+            </a:schemeClr>
+          </a:lnRef>
+          <a:fillRef idx="1">
+            <a:schemeClr val="accent6"/>
+          </a:fillRef>
+          <a:effectRef idx="0">
+            <a:schemeClr val="accent6"/>
+          </a:effectRef>
+          <a:fontRef idx="minor">
+            <a:schemeClr val="lt1"/>
+          </a:fontRef>
+        </p:style>
+        <p:txBody>
+          <a:bodyPr rtlCol="0" anchor="ctr"/>
+          <a:lstStyle/>
+          <a:p>
+            <a:pPr algn="ctr"/>
+            <a:endParaRPr lang="fr-FR"/>
+          </a:p>
+        </p:txBody>
+      </p:sp>
+      <p:sp>
+        <p:nvSpPr>
+          <p:cNvPr id="21" name="Ellipse 20">
+            <a:extLst>
+              <a:ext uri="{FF2B5EF4-FFF2-40B4-BE49-F238E27FC236}">
+                <a16:creationId xmlns:a16="http://schemas.microsoft.com/office/drawing/2014/main" id="{FC53A8E0-8633-4A1C-833C-E336EE273722}"/>
+              </a:ext>
+            </a:extLst>
+          </p:cNvPr>
+          <p:cNvSpPr/>
+          <p:nvPr/>
+        </p:nvSpPr>
+        <p:spPr>
+          <a:xfrm>
+            <a:off x="1872030" y="2169355"/>
+            <a:ext cx="161203" cy="161203"/>
+          </a:xfrm>
+          <a:prstGeom prst="ellipse">
+            <a:avLst/>
+          </a:prstGeom>
+        </p:spPr>
+        <p:style>
+          <a:lnRef idx="2">
+            <a:schemeClr val="accent6">
+              <a:shade val="50000"/>
+            </a:schemeClr>
+          </a:lnRef>
+          <a:fillRef idx="1">
+            <a:schemeClr val="accent6"/>
+          </a:fillRef>
+          <a:effectRef idx="0">
+            <a:schemeClr val="accent6"/>
+          </a:effectRef>
+          <a:fontRef idx="minor">
+            <a:schemeClr val="lt1"/>
+          </a:fontRef>
+        </p:style>
+        <p:txBody>
+          <a:bodyPr rtlCol="0" anchor="ctr"/>
+          <a:lstStyle/>
+          <a:p>
+            <a:pPr algn="ctr"/>
+            <a:endParaRPr lang="fr-FR"/>
+          </a:p>
+        </p:txBody>
+      </p:sp>
+      <p:sp>
+        <p:nvSpPr>
+          <p:cNvPr id="22" name="Ellipse 21">
+            <a:extLst>
+              <a:ext uri="{FF2B5EF4-FFF2-40B4-BE49-F238E27FC236}">
+                <a16:creationId xmlns:a16="http://schemas.microsoft.com/office/drawing/2014/main" id="{265C51E8-39F4-4F88-931B-CE25930895B0}"/>
+              </a:ext>
+            </a:extLst>
+          </p:cNvPr>
+          <p:cNvSpPr/>
+          <p:nvPr/>
+        </p:nvSpPr>
+        <p:spPr>
+          <a:xfrm rot="10800000">
+            <a:off x="7249247" y="2919285"/>
+            <a:ext cx="161203" cy="161203"/>
+          </a:xfrm>
+          <a:prstGeom prst="ellipse">
+            <a:avLst/>
+          </a:prstGeom>
+        </p:spPr>
+        <p:style>
+          <a:lnRef idx="2">
+            <a:schemeClr val="accent6">
+              <a:shade val="50000"/>
+            </a:schemeClr>
+          </a:lnRef>
+          <a:fillRef idx="1">
+            <a:schemeClr val="accent6"/>
+          </a:fillRef>
+          <a:effectRef idx="0">
+            <a:schemeClr val="accent6"/>
+          </a:effectRef>
+          <a:fontRef idx="minor">
+            <a:schemeClr val="lt1"/>
+          </a:fontRef>
+        </p:style>
+        <p:txBody>
+          <a:bodyPr rtlCol="0" anchor="ctr"/>
+          <a:lstStyle/>
+          <a:p>
+            <a:pPr algn="ctr"/>
+            <a:endParaRPr lang="fr-FR"/>
+          </a:p>
+        </p:txBody>
+      </p:sp>
+      <p:sp>
+        <p:nvSpPr>
+          <p:cNvPr id="23" name="Ellipse 22">
+            <a:extLst>
+              <a:ext uri="{FF2B5EF4-FFF2-40B4-BE49-F238E27FC236}">
+                <a16:creationId xmlns:a16="http://schemas.microsoft.com/office/drawing/2014/main" id="{375C4DB8-7628-4BD5-845E-90FD249350D7}"/>
+              </a:ext>
+            </a:extLst>
+          </p:cNvPr>
+          <p:cNvSpPr/>
+          <p:nvPr/>
+        </p:nvSpPr>
+        <p:spPr>
+          <a:xfrm rot="10800000">
+            <a:off x="7258050" y="2375042"/>
+            <a:ext cx="161203" cy="161203"/>
+          </a:xfrm>
+          <a:prstGeom prst="ellipse">
+            <a:avLst/>
+          </a:prstGeom>
+        </p:spPr>
+        <p:style>
+          <a:lnRef idx="2">
+            <a:schemeClr val="accent4">
+              <a:shade val="50000"/>
+            </a:schemeClr>
+          </a:lnRef>
+          <a:fillRef idx="1">
+            <a:schemeClr val="accent4"/>
+          </a:fillRef>
+          <a:effectRef idx="0">
+            <a:schemeClr val="accent4"/>
+          </a:effectRef>
+          <a:fontRef idx="minor">
+            <a:schemeClr val="lt1"/>
+          </a:fontRef>
+        </p:style>
+        <p:txBody>
+          <a:bodyPr rtlCol="0" anchor="ctr"/>
+          <a:lstStyle/>
+          <a:p>
+            <a:pPr algn="ctr"/>
+            <a:endParaRPr lang="fr-FR"/>
+          </a:p>
+        </p:txBody>
+      </p:sp>
+      <p:sp>
+        <p:nvSpPr>
+          <p:cNvPr id="24" name="Ellipse 23">
+            <a:extLst>
+              <a:ext uri="{FF2B5EF4-FFF2-40B4-BE49-F238E27FC236}">
+                <a16:creationId xmlns:a16="http://schemas.microsoft.com/office/drawing/2014/main" id="{12D0F545-124A-45FC-95D9-832F988F21CE}"/>
+              </a:ext>
+            </a:extLst>
+          </p:cNvPr>
+          <p:cNvSpPr/>
+          <p:nvPr/>
+        </p:nvSpPr>
+        <p:spPr>
+          <a:xfrm rot="10800000">
+            <a:off x="6744974" y="2691709"/>
+            <a:ext cx="161203" cy="161203"/>
+          </a:xfrm>
+          <a:prstGeom prst="ellipse">
+            <a:avLst/>
+          </a:prstGeom>
+        </p:spPr>
+        <p:style>
+          <a:lnRef idx="2">
+            <a:schemeClr val="accent4">
+              <a:shade val="50000"/>
+            </a:schemeClr>
+          </a:lnRef>
+          <a:fillRef idx="1">
+            <a:schemeClr val="accent4"/>
+          </a:fillRef>
+          <a:effectRef idx="0">
+            <a:schemeClr val="accent4"/>
+          </a:effectRef>
+          <a:fontRef idx="minor">
+            <a:schemeClr val="lt1"/>
+          </a:fontRef>
+        </p:style>
+        <p:txBody>
+          <a:bodyPr rtlCol="0" anchor="ctr"/>
+          <a:lstStyle/>
+          <a:p>
+            <a:pPr algn="ctr"/>
+            <a:endParaRPr lang="fr-FR"/>
+          </a:p>
+        </p:txBody>
+      </p:sp>
+      <p:sp>
+        <p:nvSpPr>
+          <p:cNvPr id="25" name="Ellipse 24">
+            <a:extLst>
+              <a:ext uri="{FF2B5EF4-FFF2-40B4-BE49-F238E27FC236}">
+                <a16:creationId xmlns:a16="http://schemas.microsoft.com/office/drawing/2014/main" id="{658C9BA4-9E7F-49D0-9EEF-7510C9A94356}"/>
+              </a:ext>
+            </a:extLst>
+          </p:cNvPr>
+          <p:cNvSpPr/>
+          <p:nvPr/>
+        </p:nvSpPr>
+        <p:spPr>
+          <a:xfrm rot="10800000">
+            <a:off x="6124194" y="2570114"/>
+            <a:ext cx="161203" cy="161203"/>
+          </a:xfrm>
+          <a:prstGeom prst="ellipse">
+            <a:avLst/>
+          </a:prstGeom>
+        </p:spPr>
+        <p:style>
+          <a:lnRef idx="2">
+            <a:schemeClr val="accent4">
+              <a:shade val="50000"/>
+            </a:schemeClr>
+          </a:lnRef>
+          <a:fillRef idx="1">
+            <a:schemeClr val="accent4"/>
+          </a:fillRef>
+          <a:effectRef idx="0">
+            <a:schemeClr val="accent4"/>
+          </a:effectRef>
+          <a:fontRef idx="minor">
+            <a:schemeClr val="lt1"/>
+          </a:fontRef>
+        </p:style>
+        <p:txBody>
+          <a:bodyPr rtlCol="0" anchor="ctr"/>
+          <a:lstStyle/>
+          <a:p>
+            <a:pPr algn="ctr"/>
+            <a:endParaRPr lang="fr-FR"/>
+          </a:p>
+        </p:txBody>
+      </p:sp>
+      <p:sp>
+        <p:nvSpPr>
+          <p:cNvPr id="26" name="Ellipse 25">
+            <a:extLst>
+              <a:ext uri="{FF2B5EF4-FFF2-40B4-BE49-F238E27FC236}">
+                <a16:creationId xmlns:a16="http://schemas.microsoft.com/office/drawing/2014/main" id="{9BDDC92D-EAC8-4A74-8FA0-1478D8C7F726}"/>
+              </a:ext>
+            </a:extLst>
+          </p:cNvPr>
+          <p:cNvSpPr/>
+          <p:nvPr/>
+        </p:nvSpPr>
+        <p:spPr>
+          <a:xfrm rot="10800000">
+            <a:off x="5438939" y="2883717"/>
+            <a:ext cx="161203" cy="161203"/>
+          </a:xfrm>
+          <a:prstGeom prst="ellipse">
+            <a:avLst/>
+          </a:prstGeom>
+        </p:spPr>
+        <p:style>
+          <a:lnRef idx="2">
+            <a:schemeClr val="accent4">
+              <a:shade val="50000"/>
+            </a:schemeClr>
+          </a:lnRef>
+          <a:fillRef idx="1">
+            <a:schemeClr val="accent4"/>
+          </a:fillRef>
+          <a:effectRef idx="0">
+            <a:schemeClr val="accent4"/>
+          </a:effectRef>
+          <a:fontRef idx="minor">
+            <a:schemeClr val="lt1"/>
+          </a:fontRef>
+        </p:style>
+        <p:txBody>
+          <a:bodyPr rtlCol="0" anchor="ctr"/>
+          <a:lstStyle/>
+          <a:p>
+            <a:pPr algn="ctr"/>
+            <a:endParaRPr lang="fr-FR"/>
+          </a:p>
+        </p:txBody>
+      </p:sp>
+      <p:sp>
+        <p:nvSpPr>
+          <p:cNvPr id="27" name="Ellipse 26">
+            <a:extLst>
+              <a:ext uri="{FF2B5EF4-FFF2-40B4-BE49-F238E27FC236}">
+                <a16:creationId xmlns:a16="http://schemas.microsoft.com/office/drawing/2014/main" id="{7D472A81-AA97-462D-BC2B-3D9129B8C732}"/>
+              </a:ext>
+            </a:extLst>
+          </p:cNvPr>
+          <p:cNvSpPr/>
+          <p:nvPr/>
+        </p:nvSpPr>
+        <p:spPr>
+          <a:xfrm rot="10800000">
+            <a:off x="5481611" y="2408911"/>
+            <a:ext cx="161203" cy="161203"/>
+          </a:xfrm>
+          <a:prstGeom prst="ellipse">
+            <a:avLst/>
+          </a:prstGeom>
+        </p:spPr>
+        <p:style>
+          <a:lnRef idx="2">
+            <a:schemeClr val="accent4">
+              <a:shade val="50000"/>
+            </a:schemeClr>
+          </a:lnRef>
+          <a:fillRef idx="1">
+            <a:schemeClr val="accent4"/>
+          </a:fillRef>
+          <a:effectRef idx="0">
+            <a:schemeClr val="accent4"/>
+          </a:effectRef>
+          <a:fontRef idx="minor">
+            <a:schemeClr val="lt1"/>
+          </a:fontRef>
+        </p:style>
+        <p:txBody>
+          <a:bodyPr rtlCol="0" anchor="ctr"/>
+          <a:lstStyle/>
+          <a:p>
+            <a:pPr algn="ctr"/>
+            <a:endParaRPr lang="fr-FR"/>
+          </a:p>
+        </p:txBody>
+      </p:sp>
+      <p:sp>
+        <p:nvSpPr>
+          <p:cNvPr id="28" name="Ellipse 27">
+            <a:extLst>
+              <a:ext uri="{FF2B5EF4-FFF2-40B4-BE49-F238E27FC236}">
+                <a16:creationId xmlns:a16="http://schemas.microsoft.com/office/drawing/2014/main" id="{20DDC120-4663-4DBB-9C8E-20E3102EEF07}"/>
+              </a:ext>
+            </a:extLst>
+          </p:cNvPr>
+          <p:cNvSpPr/>
+          <p:nvPr/>
+        </p:nvSpPr>
+        <p:spPr>
+          <a:xfrm rot="10800000">
+            <a:off x="4704371" y="2294441"/>
+            <a:ext cx="161203" cy="161203"/>
+          </a:xfrm>
+          <a:prstGeom prst="ellipse">
+            <a:avLst/>
+          </a:prstGeom>
+        </p:spPr>
+        <p:style>
+          <a:lnRef idx="2">
+            <a:schemeClr val="accent4">
+              <a:shade val="50000"/>
+            </a:schemeClr>
+          </a:lnRef>
+          <a:fillRef idx="1">
+            <a:schemeClr val="accent4"/>
+          </a:fillRef>
+          <a:effectRef idx="0">
+            <a:schemeClr val="accent4"/>
+          </a:effectRef>
+          <a:fontRef idx="minor">
+            <a:schemeClr val="lt1"/>
+          </a:fontRef>
+        </p:style>
+        <p:txBody>
+          <a:bodyPr rtlCol="0" anchor="ctr"/>
+          <a:lstStyle/>
+          <a:p>
+            <a:pPr algn="ctr"/>
+            <a:endParaRPr lang="fr-FR"/>
+          </a:p>
+        </p:txBody>
+      </p:sp>
+      <p:sp>
+        <p:nvSpPr>
+          <p:cNvPr id="29" name="Ellipse 28">
+            <a:extLst>
+              <a:ext uri="{FF2B5EF4-FFF2-40B4-BE49-F238E27FC236}">
+                <a16:creationId xmlns:a16="http://schemas.microsoft.com/office/drawing/2014/main" id="{BD23249B-947E-4007-A05A-9DE51863A1F2}"/>
+              </a:ext>
+            </a:extLst>
+          </p:cNvPr>
+          <p:cNvSpPr/>
+          <p:nvPr/>
+        </p:nvSpPr>
+        <p:spPr>
+          <a:xfrm rot="10800000">
+            <a:off x="6825575" y="2209340"/>
+            <a:ext cx="161203" cy="161203"/>
+          </a:xfrm>
+          <a:prstGeom prst="ellipse">
+            <a:avLst/>
+          </a:prstGeom>
+        </p:spPr>
+        <p:style>
+          <a:lnRef idx="2">
+            <a:schemeClr val="accent6">
+              <a:shade val="50000"/>
+            </a:schemeClr>
+          </a:lnRef>
+          <a:fillRef idx="1">
+            <a:schemeClr val="accent6"/>
+          </a:fillRef>
+          <a:effectRef idx="0">
+            <a:schemeClr val="accent6"/>
+          </a:effectRef>
+          <a:fontRef idx="minor">
+            <a:schemeClr val="lt1"/>
+          </a:fontRef>
+        </p:style>
+        <p:txBody>
+          <a:bodyPr rtlCol="0" anchor="ctr"/>
+          <a:lstStyle/>
+          <a:p>
+            <a:pPr algn="ctr"/>
+            <a:endParaRPr lang="fr-FR"/>
+          </a:p>
+        </p:txBody>
+      </p:sp>
+      <p:sp>
+        <p:nvSpPr>
+          <p:cNvPr id="30" name="Ellipse 29">
+            <a:extLst>
+              <a:ext uri="{FF2B5EF4-FFF2-40B4-BE49-F238E27FC236}">
+                <a16:creationId xmlns:a16="http://schemas.microsoft.com/office/drawing/2014/main" id="{6E45503C-2D0F-47D1-86D0-69E76A2FBEB5}"/>
+              </a:ext>
+            </a:extLst>
+          </p:cNvPr>
+          <p:cNvSpPr/>
+          <p:nvPr/>
+        </p:nvSpPr>
+        <p:spPr>
+          <a:xfrm rot="10800000">
+            <a:off x="6085503" y="2178228"/>
+            <a:ext cx="161203" cy="161203"/>
+          </a:xfrm>
+          <a:prstGeom prst="ellipse">
+            <a:avLst/>
+          </a:prstGeom>
+        </p:spPr>
+        <p:style>
+          <a:lnRef idx="2">
+            <a:schemeClr val="accent6">
+              <a:shade val="50000"/>
+            </a:schemeClr>
+          </a:lnRef>
+          <a:fillRef idx="1">
+            <a:schemeClr val="accent6"/>
+          </a:fillRef>
+          <a:effectRef idx="0">
+            <a:schemeClr val="accent6"/>
+          </a:effectRef>
+          <a:fontRef idx="minor">
+            <a:schemeClr val="lt1"/>
+          </a:fontRef>
+        </p:style>
+        <p:txBody>
+          <a:bodyPr rtlCol="0" anchor="ctr"/>
+          <a:lstStyle/>
+          <a:p>
+            <a:pPr algn="ctr"/>
+            <a:endParaRPr lang="fr-FR"/>
+          </a:p>
+        </p:txBody>
+      </p:sp>
+      <p:sp>
+        <p:nvSpPr>
+          <p:cNvPr id="31" name="Ellipse 30">
+            <a:extLst>
+              <a:ext uri="{FF2B5EF4-FFF2-40B4-BE49-F238E27FC236}">
+                <a16:creationId xmlns:a16="http://schemas.microsoft.com/office/drawing/2014/main" id="{F8AEB7F2-0A40-456B-8F05-C802A53E4CA1}"/>
+              </a:ext>
+            </a:extLst>
+          </p:cNvPr>
+          <p:cNvSpPr/>
+          <p:nvPr/>
+        </p:nvSpPr>
+        <p:spPr>
+          <a:xfrm rot="10800000">
+            <a:off x="5720527" y="2614486"/>
+            <a:ext cx="161203" cy="161203"/>
+          </a:xfrm>
+          <a:prstGeom prst="ellipse">
+            <a:avLst/>
+          </a:prstGeom>
+        </p:spPr>
+        <p:style>
+          <a:lnRef idx="2">
+            <a:schemeClr val="accent6">
+              <a:shade val="50000"/>
+            </a:schemeClr>
+          </a:lnRef>
+          <a:fillRef idx="1">
+            <a:schemeClr val="accent6"/>
+          </a:fillRef>
+          <a:effectRef idx="0">
+            <a:schemeClr val="accent6"/>
+          </a:effectRef>
+          <a:fontRef idx="minor">
+            <a:schemeClr val="lt1"/>
+          </a:fontRef>
+        </p:style>
+        <p:txBody>
+          <a:bodyPr rtlCol="0" anchor="ctr"/>
+          <a:lstStyle/>
+          <a:p>
+            <a:pPr algn="ctr"/>
+            <a:endParaRPr lang="fr-FR"/>
+          </a:p>
+        </p:txBody>
+      </p:sp>
+      <p:sp>
+        <p:nvSpPr>
+          <p:cNvPr id="32" name="Ellipse 31">
+            <a:extLst>
+              <a:ext uri="{FF2B5EF4-FFF2-40B4-BE49-F238E27FC236}">
+                <a16:creationId xmlns:a16="http://schemas.microsoft.com/office/drawing/2014/main" id="{FB20E2DE-4299-4751-B5BD-7015FC9C336F}"/>
+              </a:ext>
+            </a:extLst>
+          </p:cNvPr>
+          <p:cNvSpPr/>
+          <p:nvPr/>
+        </p:nvSpPr>
+        <p:spPr>
+          <a:xfrm rot="10800000">
+            <a:off x="4875152" y="2803116"/>
+            <a:ext cx="161203" cy="161203"/>
+          </a:xfrm>
+          <a:prstGeom prst="ellipse">
+            <a:avLst/>
+          </a:prstGeom>
+        </p:spPr>
+        <p:style>
+          <a:lnRef idx="2">
+            <a:schemeClr val="accent6">
+              <a:shade val="50000"/>
+            </a:schemeClr>
+          </a:lnRef>
+          <a:fillRef idx="1">
+            <a:schemeClr val="accent6"/>
+          </a:fillRef>
+          <a:effectRef idx="0">
+            <a:schemeClr val="accent6"/>
+          </a:effectRef>
+          <a:fontRef idx="minor">
+            <a:schemeClr val="lt1"/>
+          </a:fontRef>
+        </p:style>
+        <p:txBody>
+          <a:bodyPr rtlCol="0" anchor="ctr"/>
+          <a:lstStyle/>
+          <a:p>
+            <a:pPr algn="ctr"/>
+            <a:endParaRPr lang="fr-FR"/>
+          </a:p>
+        </p:txBody>
+      </p:sp>
+      <p:sp>
+        <p:nvSpPr>
+          <p:cNvPr id="33" name="Ellipse 32">
+            <a:extLst>
+              <a:ext uri="{FF2B5EF4-FFF2-40B4-BE49-F238E27FC236}">
+                <a16:creationId xmlns:a16="http://schemas.microsoft.com/office/drawing/2014/main" id="{8CF765F6-4064-4A76-8C69-CF385D0B00E5}"/>
+              </a:ext>
+            </a:extLst>
+          </p:cNvPr>
+          <p:cNvSpPr/>
+          <p:nvPr/>
+        </p:nvSpPr>
+        <p:spPr>
+          <a:xfrm rot="10800000">
+            <a:off x="6291617" y="2981501"/>
+            <a:ext cx="161203" cy="161203"/>
+          </a:xfrm>
+          <a:prstGeom prst="ellipse">
+            <a:avLst/>
+          </a:prstGeom>
+        </p:spPr>
+        <p:style>
+          <a:lnRef idx="2">
+            <a:schemeClr val="accent6">
+              <a:shade val="50000"/>
+            </a:schemeClr>
+          </a:lnRef>
+          <a:fillRef idx="1">
+            <a:schemeClr val="accent6"/>
+          </a:fillRef>
+          <a:effectRef idx="0">
+            <a:schemeClr val="accent6"/>
+          </a:effectRef>
+          <a:fontRef idx="minor">
+            <a:schemeClr val="lt1"/>
+          </a:fontRef>
+        </p:style>
+        <p:txBody>
+          <a:bodyPr rtlCol="0" anchor="ctr"/>
+          <a:lstStyle/>
+          <a:p>
+            <a:pPr algn="ctr"/>
+            <a:endParaRPr lang="fr-FR"/>
+          </a:p>
+        </p:txBody>
+      </p:sp>
+      <p:sp>
+        <p:nvSpPr>
+          <p:cNvPr id="35" name="Ellipse 34">
+            <a:extLst>
+              <a:ext uri="{FF2B5EF4-FFF2-40B4-BE49-F238E27FC236}">
+                <a16:creationId xmlns:a16="http://schemas.microsoft.com/office/drawing/2014/main" id="{709B05DD-F942-4389-9237-6B0B9AE59B02}"/>
+              </a:ext>
+            </a:extLst>
+          </p:cNvPr>
+          <p:cNvSpPr/>
+          <p:nvPr/>
+        </p:nvSpPr>
+        <p:spPr>
+          <a:xfrm>
+            <a:off x="10054745" y="2275848"/>
+            <a:ext cx="161203" cy="161203"/>
+          </a:xfrm>
+          <a:prstGeom prst="ellipse">
+            <a:avLst/>
+          </a:prstGeom>
+        </p:spPr>
+        <p:style>
+          <a:lnRef idx="2">
+            <a:schemeClr val="accent6">
+              <a:shade val="50000"/>
+            </a:schemeClr>
+          </a:lnRef>
+          <a:fillRef idx="1">
+            <a:schemeClr val="accent6"/>
+          </a:fillRef>
+          <a:effectRef idx="0">
+            <a:schemeClr val="accent6"/>
+          </a:effectRef>
+          <a:fontRef idx="minor">
+            <a:schemeClr val="lt1"/>
+          </a:fontRef>
+        </p:style>
+        <p:txBody>
+          <a:bodyPr rtlCol="0" anchor="ctr"/>
+          <a:lstStyle/>
+          <a:p>
+            <a:pPr algn="ctr"/>
+            <a:endParaRPr lang="fr-FR"/>
+          </a:p>
+        </p:txBody>
+      </p:sp>
+      <p:sp>
+        <p:nvSpPr>
+          <p:cNvPr id="36" name="Ellipse 35">
+            <a:extLst>
+              <a:ext uri="{FF2B5EF4-FFF2-40B4-BE49-F238E27FC236}">
+                <a16:creationId xmlns:a16="http://schemas.microsoft.com/office/drawing/2014/main" id="{FBEC265C-CA0A-4229-B4DC-D11771AA97D1}"/>
+              </a:ext>
+            </a:extLst>
+          </p:cNvPr>
+          <p:cNvSpPr/>
+          <p:nvPr/>
+        </p:nvSpPr>
+        <p:spPr>
+          <a:xfrm>
+            <a:off x="10045942" y="2820091"/>
+            <a:ext cx="161203" cy="161203"/>
+          </a:xfrm>
+          <a:prstGeom prst="ellipse">
+            <a:avLst/>
+          </a:prstGeom>
+        </p:spPr>
+        <p:style>
+          <a:lnRef idx="2">
+            <a:schemeClr val="accent4">
+              <a:shade val="50000"/>
+            </a:schemeClr>
+          </a:lnRef>
+          <a:fillRef idx="1">
+            <a:schemeClr val="accent4"/>
+          </a:fillRef>
+          <a:effectRef idx="0">
+            <a:schemeClr val="accent4"/>
+          </a:effectRef>
+          <a:fontRef idx="minor">
+            <a:schemeClr val="lt1"/>
+          </a:fontRef>
+        </p:style>
+        <p:txBody>
+          <a:bodyPr rtlCol="0" anchor="ctr"/>
+          <a:lstStyle/>
+          <a:p>
+            <a:pPr algn="ctr"/>
+            <a:endParaRPr lang="fr-FR"/>
+          </a:p>
+        </p:txBody>
+      </p:sp>
+      <p:sp>
+        <p:nvSpPr>
+          <p:cNvPr id="37" name="Ellipse 36">
+            <a:extLst>
+              <a:ext uri="{FF2B5EF4-FFF2-40B4-BE49-F238E27FC236}">
+                <a16:creationId xmlns:a16="http://schemas.microsoft.com/office/drawing/2014/main" id="{ECF849C5-B853-441F-9781-8CCEBC936C47}"/>
+              </a:ext>
+            </a:extLst>
+          </p:cNvPr>
+          <p:cNvSpPr/>
+          <p:nvPr/>
+        </p:nvSpPr>
+        <p:spPr>
+          <a:xfrm>
+            <a:off x="10559018" y="2503424"/>
+            <a:ext cx="161203" cy="161203"/>
+          </a:xfrm>
+          <a:prstGeom prst="ellipse">
+            <a:avLst/>
+          </a:prstGeom>
+        </p:spPr>
+        <p:style>
+          <a:lnRef idx="2">
+            <a:schemeClr val="accent4">
+              <a:shade val="50000"/>
+            </a:schemeClr>
+          </a:lnRef>
+          <a:fillRef idx="1">
+            <a:schemeClr val="accent4"/>
+          </a:fillRef>
+          <a:effectRef idx="0">
+            <a:schemeClr val="accent4"/>
+          </a:effectRef>
+          <a:fontRef idx="minor">
+            <a:schemeClr val="lt1"/>
+          </a:fontRef>
+        </p:style>
+        <p:txBody>
+          <a:bodyPr rtlCol="0" anchor="ctr"/>
+          <a:lstStyle/>
+          <a:p>
+            <a:pPr algn="ctr"/>
+            <a:endParaRPr lang="fr-FR"/>
+          </a:p>
+        </p:txBody>
+      </p:sp>
+      <p:sp>
+        <p:nvSpPr>
+          <p:cNvPr id="38" name="Ellipse 37">
+            <a:extLst>
+              <a:ext uri="{FF2B5EF4-FFF2-40B4-BE49-F238E27FC236}">
+                <a16:creationId xmlns:a16="http://schemas.microsoft.com/office/drawing/2014/main" id="{3E068367-E9C5-4BDD-BF95-8D0703755886}"/>
+              </a:ext>
+            </a:extLst>
+          </p:cNvPr>
+          <p:cNvSpPr/>
+          <p:nvPr/>
+        </p:nvSpPr>
+        <p:spPr>
+          <a:xfrm>
+            <a:off x="11179798" y="2625019"/>
+            <a:ext cx="161203" cy="161203"/>
+          </a:xfrm>
+          <a:prstGeom prst="ellipse">
+            <a:avLst/>
+          </a:prstGeom>
+        </p:spPr>
+        <p:style>
+          <a:lnRef idx="2">
+            <a:schemeClr val="accent4">
+              <a:shade val="50000"/>
+            </a:schemeClr>
+          </a:lnRef>
+          <a:fillRef idx="1">
+            <a:schemeClr val="accent4"/>
+          </a:fillRef>
+          <a:effectRef idx="0">
+            <a:schemeClr val="accent4"/>
+          </a:effectRef>
+          <a:fontRef idx="minor">
+            <a:schemeClr val="lt1"/>
+          </a:fontRef>
+        </p:style>
+        <p:txBody>
+          <a:bodyPr rtlCol="0" anchor="ctr"/>
+          <a:lstStyle/>
+          <a:p>
+            <a:pPr algn="ctr"/>
+            <a:endParaRPr lang="fr-FR"/>
+          </a:p>
+        </p:txBody>
+      </p:sp>
+      <p:sp>
+        <p:nvSpPr>
+          <p:cNvPr id="39" name="Ellipse 38">
+            <a:extLst>
+              <a:ext uri="{FF2B5EF4-FFF2-40B4-BE49-F238E27FC236}">
+                <a16:creationId xmlns:a16="http://schemas.microsoft.com/office/drawing/2014/main" id="{8AA9A5A5-98C9-4342-B371-F99488D8B04E}"/>
+              </a:ext>
+            </a:extLst>
+          </p:cNvPr>
+          <p:cNvSpPr/>
+          <p:nvPr/>
+        </p:nvSpPr>
+        <p:spPr>
+          <a:xfrm>
+            <a:off x="9521256" y="2333258"/>
+            <a:ext cx="161203" cy="161203"/>
+          </a:xfrm>
+          <a:prstGeom prst="ellipse">
+            <a:avLst/>
+          </a:prstGeom>
+        </p:spPr>
+        <p:style>
+          <a:lnRef idx="2">
+            <a:schemeClr val="accent4">
+              <a:shade val="50000"/>
+            </a:schemeClr>
+          </a:lnRef>
+          <a:fillRef idx="1">
+            <a:schemeClr val="accent4"/>
+          </a:fillRef>
+          <a:effectRef idx="0">
+            <a:schemeClr val="accent4"/>
+          </a:effectRef>
+          <a:fontRef idx="minor">
+            <a:schemeClr val="lt1"/>
+          </a:fontRef>
+        </p:style>
+        <p:txBody>
+          <a:bodyPr rtlCol="0" anchor="ctr"/>
+          <a:lstStyle/>
+          <a:p>
+            <a:pPr algn="ctr"/>
+            <a:endParaRPr lang="fr-FR"/>
+          </a:p>
+        </p:txBody>
+      </p:sp>
+      <p:sp>
+        <p:nvSpPr>
+          <p:cNvPr id="40" name="Ellipse 39">
+            <a:extLst>
+              <a:ext uri="{FF2B5EF4-FFF2-40B4-BE49-F238E27FC236}">
+                <a16:creationId xmlns:a16="http://schemas.microsoft.com/office/drawing/2014/main" id="{89AC01AF-1E69-4715-87D8-F92751C67D1A}"/>
+              </a:ext>
+            </a:extLst>
+          </p:cNvPr>
+          <p:cNvSpPr/>
+          <p:nvPr/>
+        </p:nvSpPr>
+        <p:spPr>
+          <a:xfrm>
+            <a:off x="9478584" y="2808064"/>
+            <a:ext cx="161203" cy="161203"/>
+          </a:xfrm>
+          <a:prstGeom prst="ellipse">
+            <a:avLst/>
+          </a:prstGeom>
+        </p:spPr>
+        <p:style>
+          <a:lnRef idx="2">
+            <a:schemeClr val="accent4">
+              <a:shade val="50000"/>
+            </a:schemeClr>
+          </a:lnRef>
+          <a:fillRef idx="1">
+            <a:schemeClr val="accent4"/>
+          </a:fillRef>
+          <a:effectRef idx="0">
+            <a:schemeClr val="accent4"/>
+          </a:effectRef>
+          <a:fontRef idx="minor">
+            <a:schemeClr val="lt1"/>
+          </a:fontRef>
+        </p:style>
+        <p:txBody>
+          <a:bodyPr rtlCol="0" anchor="ctr"/>
+          <a:lstStyle/>
+          <a:p>
+            <a:pPr algn="ctr"/>
+            <a:endParaRPr lang="fr-FR"/>
+          </a:p>
+        </p:txBody>
+      </p:sp>
+      <p:sp>
+        <p:nvSpPr>
+          <p:cNvPr id="41" name="Ellipse 40">
+            <a:extLst>
+              <a:ext uri="{FF2B5EF4-FFF2-40B4-BE49-F238E27FC236}">
+                <a16:creationId xmlns:a16="http://schemas.microsoft.com/office/drawing/2014/main" id="{9BF68C97-A772-492E-9CF8-41BB099BA221}"/>
+              </a:ext>
+            </a:extLst>
+          </p:cNvPr>
+          <p:cNvSpPr/>
+          <p:nvPr/>
+        </p:nvSpPr>
+        <p:spPr>
+          <a:xfrm>
+            <a:off x="8703406" y="2943753"/>
+            <a:ext cx="161203" cy="161203"/>
+          </a:xfrm>
+          <a:prstGeom prst="ellipse">
+            <a:avLst/>
+          </a:prstGeom>
+        </p:spPr>
+        <p:style>
+          <a:lnRef idx="2">
+            <a:schemeClr val="accent4">
+              <a:shade val="50000"/>
+            </a:schemeClr>
+          </a:lnRef>
+          <a:fillRef idx="1">
+            <a:schemeClr val="accent4"/>
+          </a:fillRef>
+          <a:effectRef idx="0">
+            <a:schemeClr val="accent4"/>
+          </a:effectRef>
+          <a:fontRef idx="minor">
+            <a:schemeClr val="lt1"/>
+          </a:fontRef>
+        </p:style>
+        <p:txBody>
+          <a:bodyPr rtlCol="0" anchor="ctr"/>
+          <a:lstStyle/>
+          <a:p>
+            <a:pPr algn="ctr"/>
+            <a:endParaRPr lang="fr-FR"/>
+          </a:p>
+        </p:txBody>
+      </p:sp>
+      <p:sp>
+        <p:nvSpPr>
+          <p:cNvPr id="42" name="Ellipse 41">
+            <a:extLst>
+              <a:ext uri="{FF2B5EF4-FFF2-40B4-BE49-F238E27FC236}">
+                <a16:creationId xmlns:a16="http://schemas.microsoft.com/office/drawing/2014/main" id="{CCEDC6ED-3374-466C-8F00-0180828FC3D8}"/>
+              </a:ext>
+            </a:extLst>
+          </p:cNvPr>
+          <p:cNvSpPr/>
+          <p:nvPr/>
+        </p:nvSpPr>
+        <p:spPr>
+          <a:xfrm>
+            <a:off x="10478417" y="2985793"/>
+            <a:ext cx="161203" cy="161203"/>
+          </a:xfrm>
+          <a:prstGeom prst="ellipse">
+            <a:avLst/>
+          </a:prstGeom>
+        </p:spPr>
+        <p:style>
+          <a:lnRef idx="2">
+            <a:schemeClr val="accent6">
+              <a:shade val="50000"/>
+            </a:schemeClr>
+          </a:lnRef>
+          <a:fillRef idx="1">
+            <a:schemeClr val="accent6"/>
+          </a:fillRef>
+          <a:effectRef idx="0">
+            <a:schemeClr val="accent6"/>
+          </a:effectRef>
+          <a:fontRef idx="minor">
+            <a:schemeClr val="lt1"/>
+          </a:fontRef>
+        </p:style>
+        <p:txBody>
+          <a:bodyPr rtlCol="0" anchor="ctr"/>
+          <a:lstStyle/>
+          <a:p>
+            <a:pPr algn="ctr"/>
+            <a:endParaRPr lang="fr-FR"/>
+          </a:p>
+        </p:txBody>
+      </p:sp>
+      <p:sp>
+        <p:nvSpPr>
+          <p:cNvPr id="43" name="Ellipse 42">
+            <a:extLst>
+              <a:ext uri="{FF2B5EF4-FFF2-40B4-BE49-F238E27FC236}">
+                <a16:creationId xmlns:a16="http://schemas.microsoft.com/office/drawing/2014/main" id="{E3B1711E-45FB-477F-B624-484C7892C49E}"/>
+              </a:ext>
+            </a:extLst>
+          </p:cNvPr>
+          <p:cNvSpPr/>
+          <p:nvPr/>
+        </p:nvSpPr>
+        <p:spPr>
+          <a:xfrm>
+            <a:off x="11218489" y="3016905"/>
+            <a:ext cx="161203" cy="161203"/>
+          </a:xfrm>
+          <a:prstGeom prst="ellipse">
+            <a:avLst/>
+          </a:prstGeom>
+        </p:spPr>
+        <p:style>
+          <a:lnRef idx="2">
+            <a:schemeClr val="accent4">
+              <a:shade val="50000"/>
+            </a:schemeClr>
+          </a:lnRef>
+          <a:fillRef idx="1">
+            <a:schemeClr val="accent4"/>
+          </a:fillRef>
+          <a:effectRef idx="0">
+            <a:schemeClr val="accent4"/>
+          </a:effectRef>
+          <a:fontRef idx="minor">
+            <a:schemeClr val="lt1"/>
+          </a:fontRef>
+        </p:style>
+        <p:txBody>
+          <a:bodyPr rtlCol="0" anchor="ctr"/>
+          <a:lstStyle/>
+          <a:p>
+            <a:pPr algn="ctr"/>
+            <a:endParaRPr lang="fr-FR"/>
+          </a:p>
+        </p:txBody>
+      </p:sp>
+      <p:sp>
+        <p:nvSpPr>
+          <p:cNvPr id="44" name="Ellipse 43">
+            <a:extLst>
+              <a:ext uri="{FF2B5EF4-FFF2-40B4-BE49-F238E27FC236}">
+                <a16:creationId xmlns:a16="http://schemas.microsoft.com/office/drawing/2014/main" id="{41935672-09CE-4F32-9057-0FFDE8755778}"/>
+              </a:ext>
+            </a:extLst>
+          </p:cNvPr>
+          <p:cNvSpPr/>
+          <p:nvPr/>
+        </p:nvSpPr>
+        <p:spPr>
+          <a:xfrm>
+            <a:off x="9239668" y="2602489"/>
+            <a:ext cx="161203" cy="161203"/>
+          </a:xfrm>
+          <a:prstGeom prst="ellipse">
+            <a:avLst/>
+          </a:prstGeom>
+        </p:spPr>
+        <p:style>
+          <a:lnRef idx="2">
+            <a:schemeClr val="accent4">
+              <a:shade val="50000"/>
+            </a:schemeClr>
+          </a:lnRef>
+          <a:fillRef idx="1">
+            <a:schemeClr val="accent4"/>
+          </a:fillRef>
+          <a:effectRef idx="0">
+            <a:schemeClr val="accent4"/>
+          </a:effectRef>
+          <a:fontRef idx="minor">
+            <a:schemeClr val="lt1"/>
+          </a:fontRef>
+        </p:style>
+        <p:txBody>
+          <a:bodyPr rtlCol="0" anchor="ctr"/>
+          <a:lstStyle/>
+          <a:p>
+            <a:pPr algn="ctr"/>
+            <a:endParaRPr lang="fr-FR"/>
+          </a:p>
+        </p:txBody>
+      </p:sp>
+      <p:sp>
+        <p:nvSpPr>
+          <p:cNvPr id="45" name="Ellipse 44">
+            <a:extLst>
+              <a:ext uri="{FF2B5EF4-FFF2-40B4-BE49-F238E27FC236}">
+                <a16:creationId xmlns:a16="http://schemas.microsoft.com/office/drawing/2014/main" id="{60D901B2-231F-4029-907E-B9B7785A483D}"/>
+              </a:ext>
+            </a:extLst>
+          </p:cNvPr>
+          <p:cNvSpPr/>
+          <p:nvPr/>
+        </p:nvSpPr>
+        <p:spPr>
+          <a:xfrm>
+            <a:off x="8657297" y="2273671"/>
+            <a:ext cx="161203" cy="161203"/>
+          </a:xfrm>
+          <a:prstGeom prst="ellipse">
+            <a:avLst/>
+          </a:prstGeom>
+        </p:spPr>
+        <p:style>
+          <a:lnRef idx="2">
+            <a:schemeClr val="accent6">
+              <a:shade val="50000"/>
+            </a:schemeClr>
+          </a:lnRef>
+          <a:fillRef idx="1">
+            <a:schemeClr val="accent6"/>
+          </a:fillRef>
+          <a:effectRef idx="0">
+            <a:schemeClr val="accent6"/>
+          </a:effectRef>
+          <a:fontRef idx="minor">
+            <a:schemeClr val="lt1"/>
+          </a:fontRef>
+        </p:style>
+        <p:txBody>
+          <a:bodyPr rtlCol="0" anchor="ctr"/>
+          <a:lstStyle/>
+          <a:p>
+            <a:pPr algn="ctr"/>
+            <a:endParaRPr lang="fr-FR"/>
+          </a:p>
+        </p:txBody>
+      </p:sp>
+      <p:sp>
+        <p:nvSpPr>
+          <p:cNvPr id="46" name="Ellipse 45">
+            <a:extLst>
+              <a:ext uri="{FF2B5EF4-FFF2-40B4-BE49-F238E27FC236}">
+                <a16:creationId xmlns:a16="http://schemas.microsoft.com/office/drawing/2014/main" id="{80CB273F-EDC8-4019-B1E7-545949FA7726}"/>
+              </a:ext>
+            </a:extLst>
+          </p:cNvPr>
+          <p:cNvSpPr/>
+          <p:nvPr/>
+        </p:nvSpPr>
+        <p:spPr>
+          <a:xfrm>
+            <a:off x="11012375" y="2213632"/>
+            <a:ext cx="161203" cy="161203"/>
+          </a:xfrm>
+          <a:prstGeom prst="ellipse">
+            <a:avLst/>
+          </a:prstGeom>
+        </p:spPr>
+        <p:style>
+          <a:lnRef idx="2">
+            <a:schemeClr val="accent6">
+              <a:shade val="50000"/>
+            </a:schemeClr>
+          </a:lnRef>
+          <a:fillRef idx="1">
+            <a:schemeClr val="accent6"/>
+          </a:fillRef>
+          <a:effectRef idx="0">
+            <a:schemeClr val="accent6"/>
+          </a:effectRef>
+          <a:fontRef idx="minor">
+            <a:schemeClr val="lt1"/>
+          </a:fontRef>
+        </p:style>
+        <p:txBody>
+          <a:bodyPr rtlCol="0" anchor="ctr"/>
+          <a:lstStyle/>
+          <a:p>
+            <a:pPr algn="ctr"/>
+            <a:endParaRPr lang="fr-FR"/>
+          </a:p>
+        </p:txBody>
+      </p:sp>
+      <p:sp>
+        <p:nvSpPr>
+          <p:cNvPr id="47" name="Ellipse 46">
+            <a:extLst>
+              <a:ext uri="{FF2B5EF4-FFF2-40B4-BE49-F238E27FC236}">
+                <a16:creationId xmlns:a16="http://schemas.microsoft.com/office/drawing/2014/main" id="{F4441A39-E799-4744-B41B-7A02237AFBC1}"/>
+              </a:ext>
+            </a:extLst>
+          </p:cNvPr>
+          <p:cNvSpPr/>
+          <p:nvPr/>
+        </p:nvSpPr>
+        <p:spPr>
+          <a:xfrm>
+            <a:off x="1878250" y="4891686"/>
+            <a:ext cx="161203" cy="161203"/>
+          </a:xfrm>
+          <a:prstGeom prst="ellipse">
+            <a:avLst/>
+          </a:prstGeom>
+        </p:spPr>
+        <p:style>
+          <a:lnRef idx="2">
+            <a:schemeClr val="accent4">
+              <a:shade val="50000"/>
+            </a:schemeClr>
+          </a:lnRef>
+          <a:fillRef idx="1">
+            <a:schemeClr val="accent4"/>
+          </a:fillRef>
+          <a:effectRef idx="0">
+            <a:schemeClr val="accent4"/>
+          </a:effectRef>
+          <a:fontRef idx="minor">
+            <a:schemeClr val="lt1"/>
+          </a:fontRef>
+        </p:style>
+        <p:txBody>
+          <a:bodyPr rtlCol="0" anchor="ctr"/>
+          <a:lstStyle/>
+          <a:p>
+            <a:pPr algn="ctr"/>
+            <a:endParaRPr lang="fr-FR"/>
+          </a:p>
+        </p:txBody>
+      </p:sp>
+      <p:sp>
+        <p:nvSpPr>
+          <p:cNvPr id="48" name="Ellipse 47">
+            <a:extLst>
+              <a:ext uri="{FF2B5EF4-FFF2-40B4-BE49-F238E27FC236}">
+                <a16:creationId xmlns:a16="http://schemas.microsoft.com/office/drawing/2014/main" id="{E584B784-5B81-4A9C-9BA2-0F4AAE02B0D7}"/>
+              </a:ext>
+            </a:extLst>
+          </p:cNvPr>
+          <p:cNvSpPr/>
+          <p:nvPr/>
+        </p:nvSpPr>
+        <p:spPr>
+          <a:xfrm>
+            <a:off x="2563505" y="4578083"/>
+            <a:ext cx="161203" cy="161203"/>
+          </a:xfrm>
+          <a:prstGeom prst="ellipse">
+            <a:avLst/>
+          </a:prstGeom>
+        </p:spPr>
+        <p:style>
+          <a:lnRef idx="2">
+            <a:schemeClr val="accent4">
+              <a:shade val="50000"/>
+            </a:schemeClr>
+          </a:lnRef>
+          <a:fillRef idx="1">
+            <a:schemeClr val="accent4"/>
+          </a:fillRef>
+          <a:effectRef idx="0">
+            <a:schemeClr val="accent4"/>
+          </a:effectRef>
+          <a:fontRef idx="minor">
+            <a:schemeClr val="lt1"/>
+          </a:fontRef>
+        </p:style>
+        <p:txBody>
+          <a:bodyPr rtlCol="0" anchor="ctr"/>
+          <a:lstStyle/>
+          <a:p>
+            <a:pPr algn="ctr"/>
+            <a:endParaRPr lang="fr-FR"/>
+          </a:p>
+        </p:txBody>
+      </p:sp>
+      <p:sp>
+        <p:nvSpPr>
+          <p:cNvPr id="49" name="Ellipse 48">
+            <a:extLst>
+              <a:ext uri="{FF2B5EF4-FFF2-40B4-BE49-F238E27FC236}">
+                <a16:creationId xmlns:a16="http://schemas.microsoft.com/office/drawing/2014/main" id="{C3A397C5-7057-4809-8499-16CED9DE2F87}"/>
+              </a:ext>
+            </a:extLst>
+          </p:cNvPr>
+          <p:cNvSpPr/>
+          <p:nvPr/>
+        </p:nvSpPr>
+        <p:spPr>
+          <a:xfrm>
+            <a:off x="2520833" y="5052889"/>
+            <a:ext cx="161203" cy="161203"/>
+          </a:xfrm>
+          <a:prstGeom prst="ellipse">
+            <a:avLst/>
+          </a:prstGeom>
+        </p:spPr>
+        <p:style>
+          <a:lnRef idx="2">
+            <a:schemeClr val="accent4">
+              <a:shade val="50000"/>
+            </a:schemeClr>
+          </a:lnRef>
+          <a:fillRef idx="1">
+            <a:schemeClr val="accent4"/>
+          </a:fillRef>
+          <a:effectRef idx="0">
+            <a:schemeClr val="accent4"/>
+          </a:effectRef>
+          <a:fontRef idx="minor">
+            <a:schemeClr val="lt1"/>
+          </a:fontRef>
+        </p:style>
+        <p:txBody>
+          <a:bodyPr rtlCol="0" anchor="ctr"/>
+          <a:lstStyle/>
+          <a:p>
+            <a:pPr algn="ctr"/>
+            <a:endParaRPr lang="fr-FR"/>
+          </a:p>
+        </p:txBody>
+      </p:sp>
+      <p:sp>
+        <p:nvSpPr>
+          <p:cNvPr id="50" name="Ellipse 49">
+            <a:extLst>
+              <a:ext uri="{FF2B5EF4-FFF2-40B4-BE49-F238E27FC236}">
+                <a16:creationId xmlns:a16="http://schemas.microsoft.com/office/drawing/2014/main" id="{EA4D8CEF-5632-46A7-ADA7-ECF0F6F05760}"/>
+              </a:ext>
+            </a:extLst>
+          </p:cNvPr>
+          <p:cNvSpPr/>
+          <p:nvPr/>
+        </p:nvSpPr>
+        <p:spPr>
+          <a:xfrm>
+            <a:off x="1916941" y="5283572"/>
+            <a:ext cx="161203" cy="161203"/>
+          </a:xfrm>
+          <a:prstGeom prst="ellipse">
+            <a:avLst/>
+          </a:prstGeom>
+        </p:spPr>
+        <p:style>
+          <a:lnRef idx="2">
+            <a:schemeClr val="accent6">
+              <a:shade val="50000"/>
+            </a:schemeClr>
+          </a:lnRef>
+          <a:fillRef idx="1">
+            <a:schemeClr val="accent6"/>
+          </a:fillRef>
+          <a:effectRef idx="0">
+            <a:schemeClr val="accent6"/>
+          </a:effectRef>
+          <a:fontRef idx="minor">
+            <a:schemeClr val="lt1"/>
+          </a:fontRef>
+        </p:style>
+        <p:txBody>
+          <a:bodyPr rtlCol="0" anchor="ctr"/>
+          <a:lstStyle/>
+          <a:p>
+            <a:pPr algn="ctr"/>
+            <a:endParaRPr lang="fr-FR"/>
+          </a:p>
+        </p:txBody>
+      </p:sp>
+      <p:sp>
+        <p:nvSpPr>
+          <p:cNvPr id="51" name="Ellipse 50">
+            <a:extLst>
+              <a:ext uri="{FF2B5EF4-FFF2-40B4-BE49-F238E27FC236}">
+                <a16:creationId xmlns:a16="http://schemas.microsoft.com/office/drawing/2014/main" id="{81B938D4-4EFC-490C-8ED7-8A766A795682}"/>
+              </a:ext>
+            </a:extLst>
+          </p:cNvPr>
+          <p:cNvSpPr/>
+          <p:nvPr/>
+        </p:nvSpPr>
+        <p:spPr>
+          <a:xfrm>
+            <a:off x="2281917" y="4847314"/>
+            <a:ext cx="161203" cy="161203"/>
+          </a:xfrm>
+          <a:prstGeom prst="ellipse">
+            <a:avLst/>
+          </a:prstGeom>
+        </p:spPr>
+        <p:style>
+          <a:lnRef idx="2">
+            <a:schemeClr val="accent6">
+              <a:shade val="50000"/>
+            </a:schemeClr>
+          </a:lnRef>
+          <a:fillRef idx="1">
+            <a:schemeClr val="accent6"/>
+          </a:fillRef>
+          <a:effectRef idx="0">
+            <a:schemeClr val="accent6"/>
+          </a:effectRef>
+          <a:fontRef idx="minor">
+            <a:schemeClr val="lt1"/>
+          </a:fontRef>
+        </p:style>
+        <p:txBody>
+          <a:bodyPr rtlCol="0" anchor="ctr"/>
+          <a:lstStyle/>
+          <a:p>
+            <a:pPr algn="ctr"/>
+            <a:endParaRPr lang="fr-FR"/>
+          </a:p>
+        </p:txBody>
+      </p:sp>
+      <p:sp>
+        <p:nvSpPr>
+          <p:cNvPr id="52" name="Ellipse 51">
+            <a:extLst>
+              <a:ext uri="{FF2B5EF4-FFF2-40B4-BE49-F238E27FC236}">
+                <a16:creationId xmlns:a16="http://schemas.microsoft.com/office/drawing/2014/main" id="{F55E3552-391E-42CB-A1C1-28096B6159A0}"/>
+              </a:ext>
+            </a:extLst>
+          </p:cNvPr>
+          <p:cNvSpPr/>
+          <p:nvPr/>
+        </p:nvSpPr>
+        <p:spPr>
+          <a:xfrm>
+            <a:off x="1710827" y="4480299"/>
+            <a:ext cx="161203" cy="161203"/>
+          </a:xfrm>
+          <a:prstGeom prst="ellipse">
+            <a:avLst/>
+          </a:prstGeom>
+        </p:spPr>
+        <p:style>
+          <a:lnRef idx="2">
+            <a:schemeClr val="accent6">
+              <a:shade val="50000"/>
+            </a:schemeClr>
+          </a:lnRef>
+          <a:fillRef idx="1">
+            <a:schemeClr val="accent6"/>
+          </a:fillRef>
+          <a:effectRef idx="0">
+            <a:schemeClr val="accent6"/>
+          </a:effectRef>
+          <a:fontRef idx="minor">
+            <a:schemeClr val="lt1"/>
+          </a:fontRef>
+        </p:style>
+        <p:txBody>
+          <a:bodyPr rtlCol="0" anchor="ctr"/>
+          <a:lstStyle/>
+          <a:p>
+            <a:pPr algn="ctr"/>
+            <a:endParaRPr lang="fr-FR"/>
+          </a:p>
+        </p:txBody>
+      </p:sp>
+      <p:sp>
+        <p:nvSpPr>
+          <p:cNvPr id="53" name="Ellipse 52">
+            <a:extLst>
+              <a:ext uri="{FF2B5EF4-FFF2-40B4-BE49-F238E27FC236}">
+                <a16:creationId xmlns:a16="http://schemas.microsoft.com/office/drawing/2014/main" id="{C9C6D90A-76A1-4994-9207-95DFED1CB737}"/>
+              </a:ext>
+            </a:extLst>
+          </p:cNvPr>
+          <p:cNvSpPr/>
+          <p:nvPr/>
+        </p:nvSpPr>
+        <p:spPr>
+          <a:xfrm rot="10800000">
+            <a:off x="5954188" y="5381884"/>
+            <a:ext cx="161203" cy="161203"/>
+          </a:xfrm>
+          <a:prstGeom prst="ellipse">
+            <a:avLst/>
+          </a:prstGeom>
+        </p:spPr>
+        <p:style>
+          <a:lnRef idx="2">
+            <a:schemeClr val="accent6">
+              <a:shade val="50000"/>
+            </a:schemeClr>
+          </a:lnRef>
+          <a:fillRef idx="1">
+            <a:schemeClr val="accent6"/>
+          </a:fillRef>
+          <a:effectRef idx="0">
+            <a:schemeClr val="accent6"/>
+          </a:effectRef>
+          <a:fontRef idx="minor">
+            <a:schemeClr val="lt1"/>
+          </a:fontRef>
+        </p:style>
+        <p:txBody>
+          <a:bodyPr rtlCol="0" anchor="ctr"/>
+          <a:lstStyle/>
+          <a:p>
+            <a:pPr algn="ctr"/>
+            <a:endParaRPr lang="fr-FR"/>
+          </a:p>
+        </p:txBody>
+      </p:sp>
+      <p:sp>
+        <p:nvSpPr>
+          <p:cNvPr id="54" name="Ellipse 53">
+            <a:extLst>
+              <a:ext uri="{FF2B5EF4-FFF2-40B4-BE49-F238E27FC236}">
+                <a16:creationId xmlns:a16="http://schemas.microsoft.com/office/drawing/2014/main" id="{56D96194-335C-4943-B7DE-C45902DC03D8}"/>
+              </a:ext>
+            </a:extLst>
+          </p:cNvPr>
+          <p:cNvSpPr/>
+          <p:nvPr/>
+        </p:nvSpPr>
+        <p:spPr>
+          <a:xfrm rot="10800000">
+            <a:off x="5962991" y="4837641"/>
+            <a:ext cx="161203" cy="161203"/>
+          </a:xfrm>
+          <a:prstGeom prst="ellipse">
+            <a:avLst/>
+          </a:prstGeom>
+        </p:spPr>
+        <p:style>
+          <a:lnRef idx="2">
+            <a:schemeClr val="accent4">
+              <a:shade val="50000"/>
+            </a:schemeClr>
+          </a:lnRef>
+          <a:fillRef idx="1">
+            <a:schemeClr val="accent4"/>
+          </a:fillRef>
+          <a:effectRef idx="0">
+            <a:schemeClr val="accent4"/>
+          </a:effectRef>
+          <a:fontRef idx="minor">
+            <a:schemeClr val="lt1"/>
+          </a:fontRef>
+        </p:style>
+        <p:txBody>
+          <a:bodyPr rtlCol="0" anchor="ctr"/>
+          <a:lstStyle/>
+          <a:p>
+            <a:pPr algn="ctr"/>
+            <a:endParaRPr lang="fr-FR"/>
+          </a:p>
+        </p:txBody>
+      </p:sp>
+      <p:sp>
+        <p:nvSpPr>
+          <p:cNvPr id="55" name="Ellipse 54">
+            <a:extLst>
+              <a:ext uri="{FF2B5EF4-FFF2-40B4-BE49-F238E27FC236}">
+                <a16:creationId xmlns:a16="http://schemas.microsoft.com/office/drawing/2014/main" id="{49FF1A5E-053D-4060-A732-91BEDC34E0B4}"/>
+              </a:ext>
+            </a:extLst>
+          </p:cNvPr>
+          <p:cNvSpPr/>
+          <p:nvPr/>
+        </p:nvSpPr>
+        <p:spPr>
+          <a:xfrm rot="10800000">
+            <a:off x="5449915" y="5154308"/>
+            <a:ext cx="161203" cy="161203"/>
+          </a:xfrm>
+          <a:prstGeom prst="ellipse">
+            <a:avLst/>
+          </a:prstGeom>
+        </p:spPr>
+        <p:style>
+          <a:lnRef idx="2">
+            <a:schemeClr val="accent4">
+              <a:shade val="50000"/>
+            </a:schemeClr>
+          </a:lnRef>
+          <a:fillRef idx="1">
+            <a:schemeClr val="accent4"/>
+          </a:fillRef>
+          <a:effectRef idx="0">
+            <a:schemeClr val="accent4"/>
+          </a:effectRef>
+          <a:fontRef idx="minor">
+            <a:schemeClr val="lt1"/>
+          </a:fontRef>
+        </p:style>
+        <p:txBody>
+          <a:bodyPr rtlCol="0" anchor="ctr"/>
+          <a:lstStyle/>
+          <a:p>
+            <a:pPr algn="ctr"/>
+            <a:endParaRPr lang="fr-FR"/>
+          </a:p>
+        </p:txBody>
+      </p:sp>
+      <p:sp>
+        <p:nvSpPr>
+          <p:cNvPr id="56" name="Ellipse 55">
+            <a:extLst>
+              <a:ext uri="{FF2B5EF4-FFF2-40B4-BE49-F238E27FC236}">
+                <a16:creationId xmlns:a16="http://schemas.microsoft.com/office/drawing/2014/main" id="{6C918640-3718-4970-B6C8-61A93405E9C0}"/>
+              </a:ext>
+            </a:extLst>
+          </p:cNvPr>
+          <p:cNvSpPr/>
+          <p:nvPr/>
+        </p:nvSpPr>
+        <p:spPr>
+          <a:xfrm rot="10800000">
+            <a:off x="5530516" y="4671939"/>
+            <a:ext cx="161203" cy="161203"/>
+          </a:xfrm>
+          <a:prstGeom prst="ellipse">
+            <a:avLst/>
+          </a:prstGeom>
+        </p:spPr>
+        <p:style>
+          <a:lnRef idx="2">
+            <a:schemeClr val="accent6">
+              <a:shade val="50000"/>
+            </a:schemeClr>
+          </a:lnRef>
+          <a:fillRef idx="1">
+            <a:schemeClr val="accent6"/>
+          </a:fillRef>
+          <a:effectRef idx="0">
+            <a:schemeClr val="accent6"/>
+          </a:effectRef>
+          <a:fontRef idx="minor">
+            <a:schemeClr val="lt1"/>
+          </a:fontRef>
+        </p:style>
+        <p:txBody>
+          <a:bodyPr rtlCol="0" anchor="ctr"/>
+          <a:lstStyle/>
+          <a:p>
+            <a:pPr algn="ctr"/>
+            <a:endParaRPr lang="fr-FR"/>
+          </a:p>
+        </p:txBody>
+      </p:sp>
+      <p:sp>
+        <p:nvSpPr>
+          <p:cNvPr id="57" name="Ellipse 56">
+            <a:extLst>
+              <a:ext uri="{FF2B5EF4-FFF2-40B4-BE49-F238E27FC236}">
+                <a16:creationId xmlns:a16="http://schemas.microsoft.com/office/drawing/2014/main" id="{A052B355-5598-4795-9CF4-BD8AD2FE8EB5}"/>
+              </a:ext>
+            </a:extLst>
+          </p:cNvPr>
+          <p:cNvSpPr/>
+          <p:nvPr/>
+        </p:nvSpPr>
+        <p:spPr>
+          <a:xfrm rot="10800000">
+            <a:off x="6539777" y="5116308"/>
+            <a:ext cx="161203" cy="161203"/>
+          </a:xfrm>
+          <a:prstGeom prst="ellipse">
+            <a:avLst/>
+          </a:prstGeom>
+        </p:spPr>
+        <p:style>
+          <a:lnRef idx="2">
+            <a:schemeClr val="accent4">
+              <a:shade val="50000"/>
+            </a:schemeClr>
+          </a:lnRef>
+          <a:fillRef idx="1">
+            <a:schemeClr val="accent4"/>
+          </a:fillRef>
+          <a:effectRef idx="0">
+            <a:schemeClr val="accent4"/>
+          </a:effectRef>
+          <a:fontRef idx="minor">
+            <a:schemeClr val="lt1"/>
+          </a:fontRef>
+        </p:style>
+        <p:txBody>
+          <a:bodyPr rtlCol="0" anchor="ctr"/>
+          <a:lstStyle/>
+          <a:p>
+            <a:pPr algn="ctr"/>
+            <a:endParaRPr lang="fr-FR"/>
+          </a:p>
+        </p:txBody>
+      </p:sp>
+      <p:sp>
+        <p:nvSpPr>
+          <p:cNvPr id="58" name="Ellipse 57">
+            <a:extLst>
+              <a:ext uri="{FF2B5EF4-FFF2-40B4-BE49-F238E27FC236}">
+                <a16:creationId xmlns:a16="http://schemas.microsoft.com/office/drawing/2014/main" id="{87929497-0CF9-404E-8AF7-6022892448C4}"/>
+              </a:ext>
+            </a:extLst>
+          </p:cNvPr>
+          <p:cNvSpPr/>
+          <p:nvPr/>
+        </p:nvSpPr>
+        <p:spPr>
+          <a:xfrm rot="10800000">
+            <a:off x="6582449" y="4641502"/>
+            <a:ext cx="161203" cy="161203"/>
+          </a:xfrm>
+          <a:prstGeom prst="ellipse">
+            <a:avLst/>
+          </a:prstGeom>
+        </p:spPr>
+        <p:style>
+          <a:lnRef idx="2">
+            <a:schemeClr val="accent4">
+              <a:shade val="50000"/>
+            </a:schemeClr>
+          </a:lnRef>
+          <a:fillRef idx="1">
+            <a:schemeClr val="accent4"/>
+          </a:fillRef>
+          <a:effectRef idx="0">
+            <a:schemeClr val="accent4"/>
+          </a:effectRef>
+          <a:fontRef idx="minor">
+            <a:schemeClr val="lt1"/>
+          </a:fontRef>
+        </p:style>
+        <p:txBody>
+          <a:bodyPr rtlCol="0" anchor="ctr"/>
+          <a:lstStyle/>
+          <a:p>
+            <a:pPr algn="ctr"/>
+            <a:endParaRPr lang="fr-FR"/>
+          </a:p>
+        </p:txBody>
+      </p:sp>
+      <p:sp>
+        <p:nvSpPr>
+          <p:cNvPr id="61" name="Ellipse 60">
+            <a:extLst>
+              <a:ext uri="{FF2B5EF4-FFF2-40B4-BE49-F238E27FC236}">
+                <a16:creationId xmlns:a16="http://schemas.microsoft.com/office/drawing/2014/main" id="{7F22277A-B16C-41C3-89EA-38181103A4D6}"/>
+              </a:ext>
+            </a:extLst>
+          </p:cNvPr>
+          <p:cNvSpPr/>
+          <p:nvPr/>
+        </p:nvSpPr>
+        <p:spPr>
+          <a:xfrm>
+            <a:off x="9974143" y="4480299"/>
+            <a:ext cx="161203" cy="161203"/>
+          </a:xfrm>
+          <a:prstGeom prst="ellipse">
+            <a:avLst/>
+          </a:prstGeom>
+        </p:spPr>
+        <p:style>
+          <a:lnRef idx="2">
+            <a:schemeClr val="accent4">
+              <a:shade val="50000"/>
+            </a:schemeClr>
+          </a:lnRef>
+          <a:fillRef idx="1">
+            <a:schemeClr val="accent4"/>
+          </a:fillRef>
+          <a:effectRef idx="0">
+            <a:schemeClr val="accent4"/>
+          </a:effectRef>
+          <a:fontRef idx="minor">
+            <a:schemeClr val="lt1"/>
+          </a:fontRef>
+        </p:style>
+        <p:txBody>
+          <a:bodyPr rtlCol="0" anchor="ctr"/>
+          <a:lstStyle/>
+          <a:p>
+            <a:pPr algn="ctr"/>
+            <a:endParaRPr lang="fr-FR"/>
+          </a:p>
+        </p:txBody>
+      </p:sp>
+      <p:sp>
+        <p:nvSpPr>
+          <p:cNvPr id="62" name="Ellipse 61">
+            <a:extLst>
+              <a:ext uri="{FF2B5EF4-FFF2-40B4-BE49-F238E27FC236}">
+                <a16:creationId xmlns:a16="http://schemas.microsoft.com/office/drawing/2014/main" id="{66A0A8E2-6F15-4E07-A5CA-D8EF5497D3B1}"/>
+              </a:ext>
+            </a:extLst>
+          </p:cNvPr>
+          <p:cNvSpPr/>
+          <p:nvPr/>
+        </p:nvSpPr>
+        <p:spPr>
+          <a:xfrm>
+            <a:off x="9965340" y="5024542"/>
+            <a:ext cx="161203" cy="161203"/>
+          </a:xfrm>
+          <a:prstGeom prst="ellipse">
+            <a:avLst/>
+          </a:prstGeom>
+        </p:spPr>
+        <p:style>
+          <a:lnRef idx="2">
+            <a:schemeClr val="accent4">
+              <a:shade val="50000"/>
+            </a:schemeClr>
+          </a:lnRef>
+          <a:fillRef idx="1">
+            <a:schemeClr val="accent4"/>
+          </a:fillRef>
+          <a:effectRef idx="0">
+            <a:schemeClr val="accent4"/>
+          </a:effectRef>
+          <a:fontRef idx="minor">
+            <a:schemeClr val="lt1"/>
+          </a:fontRef>
+        </p:style>
+        <p:txBody>
+          <a:bodyPr rtlCol="0" anchor="ctr"/>
+          <a:lstStyle/>
+          <a:p>
+            <a:pPr algn="ctr"/>
+            <a:endParaRPr lang="fr-FR"/>
+          </a:p>
+        </p:txBody>
+      </p:sp>
+      <p:sp>
+        <p:nvSpPr>
+          <p:cNvPr id="63" name="Ellipse 62">
+            <a:extLst>
+              <a:ext uri="{FF2B5EF4-FFF2-40B4-BE49-F238E27FC236}">
+                <a16:creationId xmlns:a16="http://schemas.microsoft.com/office/drawing/2014/main" id="{8FE5F1C6-BC43-41F8-B828-87FDC1302345}"/>
+              </a:ext>
+            </a:extLst>
+          </p:cNvPr>
+          <p:cNvSpPr/>
+          <p:nvPr/>
+        </p:nvSpPr>
+        <p:spPr>
+          <a:xfrm>
+            <a:off x="10478416" y="4707875"/>
+            <a:ext cx="161203" cy="161203"/>
+          </a:xfrm>
+          <a:prstGeom prst="ellipse">
+            <a:avLst/>
+          </a:prstGeom>
+        </p:spPr>
+        <p:style>
+          <a:lnRef idx="2">
+            <a:schemeClr val="accent4">
+              <a:shade val="50000"/>
+            </a:schemeClr>
+          </a:lnRef>
+          <a:fillRef idx="1">
+            <a:schemeClr val="accent4"/>
+          </a:fillRef>
+          <a:effectRef idx="0">
+            <a:schemeClr val="accent4"/>
+          </a:effectRef>
+          <a:fontRef idx="minor">
+            <a:schemeClr val="lt1"/>
+          </a:fontRef>
+        </p:style>
+        <p:txBody>
+          <a:bodyPr rtlCol="0" anchor="ctr"/>
+          <a:lstStyle/>
+          <a:p>
+            <a:pPr algn="ctr"/>
+            <a:endParaRPr lang="fr-FR"/>
+          </a:p>
+        </p:txBody>
+      </p:sp>
+      <p:sp>
+        <p:nvSpPr>
+          <p:cNvPr id="64" name="Ellipse 63">
+            <a:extLst>
+              <a:ext uri="{FF2B5EF4-FFF2-40B4-BE49-F238E27FC236}">
+                <a16:creationId xmlns:a16="http://schemas.microsoft.com/office/drawing/2014/main" id="{636471DD-D2BF-4D6E-9BAE-712D09CDD1DA}"/>
+              </a:ext>
+            </a:extLst>
+          </p:cNvPr>
+          <p:cNvSpPr/>
+          <p:nvPr/>
+        </p:nvSpPr>
+        <p:spPr>
+          <a:xfrm>
+            <a:off x="9421353" y="4578082"/>
+            <a:ext cx="161203" cy="161203"/>
+          </a:xfrm>
+          <a:prstGeom prst="ellipse">
+            <a:avLst/>
+          </a:prstGeom>
+        </p:spPr>
+        <p:style>
+          <a:lnRef idx="2">
+            <a:schemeClr val="accent6">
+              <a:shade val="50000"/>
+            </a:schemeClr>
+          </a:lnRef>
+          <a:fillRef idx="1">
+            <a:schemeClr val="accent6"/>
+          </a:fillRef>
+          <a:effectRef idx="0">
+            <a:schemeClr val="accent6"/>
+          </a:effectRef>
+          <a:fontRef idx="minor">
+            <a:schemeClr val="lt1"/>
+          </a:fontRef>
+        </p:style>
+        <p:txBody>
+          <a:bodyPr rtlCol="0" anchor="ctr"/>
+          <a:lstStyle/>
+          <a:p>
+            <a:pPr algn="ctr"/>
+            <a:endParaRPr lang="fr-FR"/>
+          </a:p>
+        </p:txBody>
+      </p:sp>
+      <p:sp>
+        <p:nvSpPr>
+          <p:cNvPr id="65" name="Ellipse 64">
+            <a:extLst>
+              <a:ext uri="{FF2B5EF4-FFF2-40B4-BE49-F238E27FC236}">
+                <a16:creationId xmlns:a16="http://schemas.microsoft.com/office/drawing/2014/main" id="{96BBFC09-B3AF-4503-8854-039A6B9B6BBC}"/>
+              </a:ext>
+            </a:extLst>
+          </p:cNvPr>
+          <p:cNvSpPr/>
+          <p:nvPr/>
+        </p:nvSpPr>
+        <p:spPr>
+          <a:xfrm>
+            <a:off x="10317213" y="5524541"/>
+            <a:ext cx="161203" cy="161203"/>
+          </a:xfrm>
+          <a:prstGeom prst="ellipse">
+            <a:avLst/>
+          </a:prstGeom>
+        </p:spPr>
+        <p:style>
+          <a:lnRef idx="2">
+            <a:schemeClr val="accent4">
+              <a:shade val="50000"/>
+            </a:schemeClr>
+          </a:lnRef>
+          <a:fillRef idx="1">
+            <a:schemeClr val="accent4"/>
+          </a:fillRef>
+          <a:effectRef idx="0">
+            <a:schemeClr val="accent4"/>
+          </a:effectRef>
+          <a:fontRef idx="minor">
+            <a:schemeClr val="lt1"/>
+          </a:fontRef>
+        </p:style>
+        <p:txBody>
+          <a:bodyPr rtlCol="0" anchor="ctr"/>
+          <a:lstStyle/>
+          <a:p>
+            <a:pPr algn="ctr"/>
+            <a:endParaRPr lang="fr-FR"/>
+          </a:p>
+        </p:txBody>
+      </p:sp>
+      <p:sp>
+        <p:nvSpPr>
+          <p:cNvPr id="66" name="Ellipse 65">
+            <a:extLst>
+              <a:ext uri="{FF2B5EF4-FFF2-40B4-BE49-F238E27FC236}">
+                <a16:creationId xmlns:a16="http://schemas.microsoft.com/office/drawing/2014/main" id="{5D76E5D1-64EB-4462-817A-26A99762D4E7}"/>
+              </a:ext>
+            </a:extLst>
+          </p:cNvPr>
+          <p:cNvSpPr/>
+          <p:nvPr/>
+        </p:nvSpPr>
+        <p:spPr>
+          <a:xfrm>
+            <a:off x="9345882" y="5220681"/>
+            <a:ext cx="161203" cy="161203"/>
+          </a:xfrm>
+          <a:prstGeom prst="ellipse">
+            <a:avLst/>
+          </a:prstGeom>
+        </p:spPr>
+        <p:style>
+          <a:lnRef idx="2">
+            <a:schemeClr val="accent4">
+              <a:shade val="50000"/>
+            </a:schemeClr>
+          </a:lnRef>
+          <a:fillRef idx="1">
+            <a:schemeClr val="accent4"/>
+          </a:fillRef>
+          <a:effectRef idx="0">
+            <a:schemeClr val="accent4"/>
+          </a:effectRef>
+          <a:fontRef idx="minor">
+            <a:schemeClr val="lt1"/>
+          </a:fontRef>
+        </p:style>
+        <p:txBody>
+          <a:bodyPr rtlCol="0" anchor="ctr"/>
+          <a:lstStyle/>
+          <a:p>
+            <a:pPr algn="ctr"/>
+            <a:endParaRPr lang="fr-FR"/>
+          </a:p>
+        </p:txBody>
+      </p:sp>
+      <p:cxnSp>
+        <p:nvCxnSpPr>
+          <p:cNvPr id="69" name="Connecteur droit avec flèche 68">
+            <a:extLst>
+              <a:ext uri="{FF2B5EF4-FFF2-40B4-BE49-F238E27FC236}">
+                <a16:creationId xmlns:a16="http://schemas.microsoft.com/office/drawing/2014/main" id="{2DDC5A64-EC01-499C-9CF4-0A3CA20420D0}"/>
+              </a:ext>
+            </a:extLst>
+          </p:cNvPr>
+          <p:cNvCxnSpPr>
+            <a:cxnSpLocks/>
+          </p:cNvCxnSpPr>
+          <p:nvPr/>
+        </p:nvCxnSpPr>
+        <p:spPr>
+          <a:xfrm flipV="1">
+            <a:off x="3183038" y="3328962"/>
+            <a:ext cx="1178774" cy="901585"/>
+          </a:xfrm>
+          <a:prstGeom prst="straightConnector1">
+            <a:avLst/>
+          </a:prstGeom>
+          <a:ln w="57150">
+            <a:solidFill>
+              <a:schemeClr val="tx1"/>
+            </a:solidFill>
+            <a:tailEnd type="triangle"/>
+          </a:ln>
+        </p:spPr>
+        <p:style>
+          <a:lnRef idx="1">
+            <a:schemeClr val="accent1"/>
+          </a:lnRef>
+          <a:fillRef idx="0">
+            <a:schemeClr val="accent1"/>
+          </a:fillRef>
+          <a:effectRef idx="0">
+            <a:schemeClr val="accent1"/>
+          </a:effectRef>
+          <a:fontRef idx="minor">
+            <a:schemeClr val="tx1"/>
+          </a:fontRef>
+        </p:style>
+      </p:cxnSp>
+      <p:cxnSp>
+        <p:nvCxnSpPr>
+          <p:cNvPr id="72" name="Connecteur droit avec flèche 71">
+            <a:extLst>
+              <a:ext uri="{FF2B5EF4-FFF2-40B4-BE49-F238E27FC236}">
+                <a16:creationId xmlns:a16="http://schemas.microsoft.com/office/drawing/2014/main" id="{AD33ECE6-0200-4E03-80F3-65E217FC77A6}"/>
+              </a:ext>
+            </a:extLst>
+          </p:cNvPr>
+          <p:cNvCxnSpPr>
+            <a:cxnSpLocks/>
+          </p:cNvCxnSpPr>
+          <p:nvPr/>
+        </p:nvCxnSpPr>
+        <p:spPr>
+          <a:xfrm flipV="1">
+            <a:off x="7031620" y="3328962"/>
+            <a:ext cx="1209765" cy="901585"/>
+          </a:xfrm>
+          <a:prstGeom prst="straightConnector1">
+            <a:avLst/>
+          </a:prstGeom>
+          <a:ln w="57150">
+            <a:solidFill>
+              <a:schemeClr val="tx1"/>
+            </a:solidFill>
+            <a:tailEnd type="triangle"/>
+          </a:ln>
+        </p:spPr>
+        <p:style>
+          <a:lnRef idx="1">
+            <a:schemeClr val="accent1"/>
+          </a:lnRef>
+          <a:fillRef idx="0">
+            <a:schemeClr val="accent1"/>
+          </a:fillRef>
+          <a:effectRef idx="0">
+            <a:schemeClr val="accent1"/>
+          </a:effectRef>
+          <a:fontRef idx="minor">
+            <a:schemeClr val="tx1"/>
+          </a:fontRef>
+        </p:style>
+      </p:cxnSp>
+      <p:cxnSp>
+        <p:nvCxnSpPr>
+          <p:cNvPr id="76" name="Connecteur droit avec flèche 75">
+            <a:extLst>
+              <a:ext uri="{FF2B5EF4-FFF2-40B4-BE49-F238E27FC236}">
+                <a16:creationId xmlns:a16="http://schemas.microsoft.com/office/drawing/2014/main" id="{8028A587-26B8-4412-993D-5D7867CB26D7}"/>
+              </a:ext>
+            </a:extLst>
+          </p:cNvPr>
+          <p:cNvCxnSpPr>
+            <a:cxnSpLocks/>
+            <a:stCxn id="4" idx="2"/>
+            <a:endCxn id="8" idx="0"/>
+          </p:cNvCxnSpPr>
+          <p:nvPr/>
+        </p:nvCxnSpPr>
+        <p:spPr>
+          <a:xfrm>
+            <a:off x="6096000" y="3428998"/>
+            <a:ext cx="0" cy="391887"/>
+          </a:xfrm>
+          <a:prstGeom prst="straightConnector1">
+            <a:avLst/>
+          </a:prstGeom>
+          <a:ln w="57150">
+            <a:solidFill>
+              <a:schemeClr val="tx1"/>
+            </a:solidFill>
+            <a:tailEnd type="triangle"/>
+          </a:ln>
+        </p:spPr>
+        <p:style>
+          <a:lnRef idx="1">
+            <a:schemeClr val="accent1"/>
+          </a:lnRef>
+          <a:fillRef idx="0">
+            <a:schemeClr val="accent1"/>
+          </a:fillRef>
+          <a:effectRef idx="0">
+            <a:schemeClr val="accent1"/>
+          </a:effectRef>
+          <a:fontRef idx="minor">
+            <a:schemeClr val="tx1"/>
+          </a:fontRef>
+        </p:style>
+      </p:cxnSp>
+      <p:cxnSp>
+        <p:nvCxnSpPr>
+          <p:cNvPr id="79" name="Connecteur droit avec flèche 78">
+            <a:extLst>
+              <a:ext uri="{FF2B5EF4-FFF2-40B4-BE49-F238E27FC236}">
+                <a16:creationId xmlns:a16="http://schemas.microsoft.com/office/drawing/2014/main" id="{866B2468-2862-46C4-85E2-8682CA3B5EC0}"/>
+              </a:ext>
+            </a:extLst>
+          </p:cNvPr>
+          <p:cNvCxnSpPr>
+            <a:cxnSpLocks/>
+            <a:stCxn id="3" idx="2"/>
+            <a:endCxn id="7" idx="0"/>
+          </p:cNvCxnSpPr>
+          <p:nvPr/>
+        </p:nvCxnSpPr>
+        <p:spPr>
+          <a:xfrm>
+            <a:off x="2237653" y="3428999"/>
+            <a:ext cx="0" cy="391886"/>
+          </a:xfrm>
+          <a:prstGeom prst="straightConnector1">
+            <a:avLst/>
+          </a:prstGeom>
+          <a:ln w="57150">
+            <a:solidFill>
+              <a:schemeClr val="tx1"/>
+            </a:solidFill>
+            <a:tailEnd type="triangle"/>
+          </a:ln>
+        </p:spPr>
+        <p:style>
+          <a:lnRef idx="1">
+            <a:schemeClr val="accent1"/>
+          </a:lnRef>
+          <a:fillRef idx="0">
+            <a:schemeClr val="accent1"/>
+          </a:fillRef>
+          <a:effectRef idx="0">
+            <a:schemeClr val="accent1"/>
+          </a:effectRef>
+          <a:fontRef idx="minor">
+            <a:schemeClr val="tx1"/>
+          </a:fontRef>
+        </p:style>
+      </p:cxnSp>
+      <p:cxnSp>
+        <p:nvCxnSpPr>
+          <p:cNvPr id="80" name="Connecteur droit avec flèche 79">
+            <a:extLst>
+              <a:ext uri="{FF2B5EF4-FFF2-40B4-BE49-F238E27FC236}">
+                <a16:creationId xmlns:a16="http://schemas.microsoft.com/office/drawing/2014/main" id="{69C18D83-E01A-4C2D-823C-82F0E2A777DD}"/>
+              </a:ext>
+            </a:extLst>
+          </p:cNvPr>
+          <p:cNvCxnSpPr>
+            <a:cxnSpLocks/>
+            <a:stCxn id="5" idx="2"/>
+            <a:endCxn id="9" idx="0"/>
+          </p:cNvCxnSpPr>
+          <p:nvPr/>
+        </p:nvCxnSpPr>
+        <p:spPr>
+          <a:xfrm>
+            <a:off x="9954348" y="3428998"/>
+            <a:ext cx="0" cy="391887"/>
+          </a:xfrm>
+          <a:prstGeom prst="straightConnector1">
+            <a:avLst/>
+          </a:prstGeom>
+          <a:ln w="57150">
+            <a:solidFill>
+              <a:schemeClr val="tx1"/>
+            </a:solidFill>
+            <a:tailEnd type="triangle"/>
+          </a:ln>
+        </p:spPr>
+        <p:style>
+          <a:lnRef idx="1">
+            <a:schemeClr val="accent1"/>
+          </a:lnRef>
+          <a:fillRef idx="0">
+            <a:schemeClr val="accent1"/>
+          </a:fillRef>
+          <a:effectRef idx="0">
+            <a:schemeClr val="accent1"/>
+          </a:effectRef>
+          <a:fontRef idx="minor">
+            <a:schemeClr val="tx1"/>
+          </a:fontRef>
+        </p:style>
+      </p:cxnSp>
+      <p:sp>
+        <p:nvSpPr>
+          <p:cNvPr id="6" name="Oval 5">
+            <a:extLst>
+              <a:ext uri="{FF2B5EF4-FFF2-40B4-BE49-F238E27FC236}">
+                <a16:creationId xmlns:a16="http://schemas.microsoft.com/office/drawing/2014/main" id="{AD3BAAF2-1EBF-C931-1E26-4E738A536DA6}"/>
+              </a:ext>
+            </a:extLst>
+          </p:cNvPr>
+          <p:cNvSpPr/>
+          <p:nvPr/>
+        </p:nvSpPr>
+        <p:spPr>
+          <a:xfrm>
+            <a:off x="2022163" y="3303500"/>
+            <a:ext cx="409887" cy="653904"/>
+          </a:xfrm>
+          <a:prstGeom prst="ellipse">
+            <a:avLst/>
+          </a:prstGeom>
+          <a:noFill/>
+          <a:ln w="76200">
+            <a:solidFill>
+              <a:srgbClr val="C00000"/>
+            </a:solidFill>
+          </a:ln>
+        </p:spPr>
+        <p:style>
+          <a:lnRef idx="2">
+            <a:schemeClr val="accent1">
+              <a:shade val="50000"/>
+            </a:schemeClr>
+          </a:lnRef>
+          <a:fillRef idx="1">
+            <a:schemeClr val="accent1"/>
+          </a:fillRef>
+          <a:effectRef idx="0">
+            <a:schemeClr val="accent1"/>
+          </a:effectRef>
+          <a:fontRef idx="minor">
+            <a:schemeClr val="lt1"/>
+          </a:fontRef>
+        </p:style>
+        <p:txBody>
+          <a:bodyPr rtlCol="0" anchor="ctr"/>
+          <a:lstStyle/>
+          <a:p>
+            <a:pPr algn="ctr"/>
+            <a:endParaRPr lang="en-GB"/>
+          </a:p>
+        </p:txBody>
+      </p:sp>
+      <p:sp>
+        <p:nvSpPr>
+          <p:cNvPr id="34" name="Oval 33">
+            <a:extLst>
+              <a:ext uri="{FF2B5EF4-FFF2-40B4-BE49-F238E27FC236}">
+                <a16:creationId xmlns:a16="http://schemas.microsoft.com/office/drawing/2014/main" id="{56F966DB-4757-A0B0-94D7-91624342F9FA}"/>
+              </a:ext>
+            </a:extLst>
+          </p:cNvPr>
+          <p:cNvSpPr/>
+          <p:nvPr/>
+        </p:nvSpPr>
+        <p:spPr>
+          <a:xfrm>
+            <a:off x="5888364" y="3303500"/>
+            <a:ext cx="409887" cy="653904"/>
+          </a:xfrm>
+          <a:prstGeom prst="ellipse">
+            <a:avLst/>
+          </a:prstGeom>
+          <a:noFill/>
+          <a:ln w="76200">
+            <a:solidFill>
+              <a:srgbClr val="C00000"/>
+            </a:solidFill>
+          </a:ln>
+        </p:spPr>
+        <p:style>
+          <a:lnRef idx="2">
+            <a:schemeClr val="accent1">
+              <a:shade val="50000"/>
+            </a:schemeClr>
+          </a:lnRef>
+          <a:fillRef idx="1">
+            <a:schemeClr val="accent1"/>
+          </a:fillRef>
+          <a:effectRef idx="0">
+            <a:schemeClr val="accent1"/>
+          </a:effectRef>
+          <a:fontRef idx="minor">
+            <a:schemeClr val="lt1"/>
+          </a:fontRef>
+        </p:style>
+        <p:txBody>
+          <a:bodyPr rtlCol="0" anchor="ctr"/>
+          <a:lstStyle/>
+          <a:p>
+            <a:pPr algn="ctr"/>
+            <a:endParaRPr lang="en-GB"/>
+          </a:p>
+        </p:txBody>
+      </p:sp>
+      <p:sp>
+        <p:nvSpPr>
+          <p:cNvPr id="59" name="Oval 58">
+            <a:extLst>
+              <a:ext uri="{FF2B5EF4-FFF2-40B4-BE49-F238E27FC236}">
+                <a16:creationId xmlns:a16="http://schemas.microsoft.com/office/drawing/2014/main" id="{BD703D21-7A3F-17F8-3320-3E2C284F5B2F}"/>
+              </a:ext>
+            </a:extLst>
+          </p:cNvPr>
+          <p:cNvSpPr/>
+          <p:nvPr/>
+        </p:nvSpPr>
+        <p:spPr>
+          <a:xfrm>
+            <a:off x="9749403" y="3303500"/>
+            <a:ext cx="409887" cy="653904"/>
+          </a:xfrm>
+          <a:prstGeom prst="ellipse">
+            <a:avLst/>
+          </a:prstGeom>
+          <a:noFill/>
+          <a:ln w="76200">
+            <a:solidFill>
+              <a:srgbClr val="C00000"/>
+            </a:solidFill>
+          </a:ln>
+        </p:spPr>
+        <p:style>
+          <a:lnRef idx="2">
+            <a:schemeClr val="accent1">
+              <a:shade val="50000"/>
+            </a:schemeClr>
+          </a:lnRef>
+          <a:fillRef idx="1">
+            <a:schemeClr val="accent1"/>
+          </a:fillRef>
+          <a:effectRef idx="0">
+            <a:schemeClr val="accent1"/>
+          </a:effectRef>
+          <a:fontRef idx="minor">
+            <a:schemeClr val="lt1"/>
+          </a:fontRef>
+        </p:style>
+        <p:txBody>
+          <a:bodyPr rtlCol="0" anchor="ctr"/>
+          <a:lstStyle/>
+          <a:p>
+            <a:pPr algn="ctr"/>
+            <a:endParaRPr lang="en-GB"/>
+          </a:p>
+        </p:txBody>
+      </p:sp>
+      <p:sp>
+        <p:nvSpPr>
+          <p:cNvPr id="60" name="TextBox 59">
+            <a:extLst>
+              <a:ext uri="{FF2B5EF4-FFF2-40B4-BE49-F238E27FC236}">
+                <a16:creationId xmlns:a16="http://schemas.microsoft.com/office/drawing/2014/main" id="{7C33A75C-4C6C-1D6F-7EFA-9110485CA34A}"/>
+              </a:ext>
+            </a:extLst>
+          </p:cNvPr>
+          <p:cNvSpPr txBox="1"/>
+          <p:nvPr/>
+        </p:nvSpPr>
+        <p:spPr>
+          <a:xfrm>
+            <a:off x="478224" y="3372920"/>
+            <a:ext cx="1553630" cy="523220"/>
+          </a:xfrm>
+          <a:prstGeom prst="rect">
+            <a:avLst/>
+          </a:prstGeom>
+          <a:noFill/>
+        </p:spPr>
+        <p:txBody>
+          <a:bodyPr wrap="none" rtlCol="0">
+            <a:spAutoFit/>
+          </a:bodyPr>
+          <a:lstStyle/>
+          <a:p>
+            <a:r>
+              <a:rPr lang="en-GB" sz="2800" b="1" dirty="0">
+                <a:solidFill>
+                  <a:srgbClr val="C00000"/>
+                </a:solidFill>
+              </a:rPr>
+              <a:t>Selection</a:t>
+            </a:r>
+          </a:p>
+        </p:txBody>
+      </p:sp>
+      <p:sp>
+        <p:nvSpPr>
+          <p:cNvPr id="67" name="TextBox 66">
+            <a:extLst>
+              <a:ext uri="{FF2B5EF4-FFF2-40B4-BE49-F238E27FC236}">
+                <a16:creationId xmlns:a16="http://schemas.microsoft.com/office/drawing/2014/main" id="{ED3C5DD1-AF4B-516D-7052-166FC6F7FE60}"/>
+              </a:ext>
+            </a:extLst>
+          </p:cNvPr>
+          <p:cNvSpPr txBox="1"/>
+          <p:nvPr/>
+        </p:nvSpPr>
+        <p:spPr>
+          <a:xfrm>
+            <a:off x="3966297" y="3868168"/>
+            <a:ext cx="695190" cy="523220"/>
+          </a:xfrm>
+          <a:prstGeom prst="rect">
+            <a:avLst/>
+          </a:prstGeom>
+          <a:noFill/>
+        </p:spPr>
+        <p:txBody>
+          <a:bodyPr wrap="none" rtlCol="0">
+            <a:spAutoFit/>
+          </a:bodyPr>
+          <a:lstStyle/>
+          <a:p>
+            <a:r>
+              <a:rPr lang="en-GB" sz="2800" b="1" dirty="0">
+                <a:solidFill>
+                  <a:srgbClr val="FF0000"/>
+                </a:solidFill>
+              </a:rPr>
+              <a:t>Sex</a:t>
+            </a:r>
+          </a:p>
+        </p:txBody>
+      </p:sp>
+      <p:sp>
+        <p:nvSpPr>
+          <p:cNvPr id="68" name="Oval 67">
+            <a:extLst>
+              <a:ext uri="{FF2B5EF4-FFF2-40B4-BE49-F238E27FC236}">
+                <a16:creationId xmlns:a16="http://schemas.microsoft.com/office/drawing/2014/main" id="{8A0383FF-F364-98B9-8D04-F1C094D14AE2}"/>
+              </a:ext>
+            </a:extLst>
+          </p:cNvPr>
+          <p:cNvSpPr/>
+          <p:nvPr/>
+        </p:nvSpPr>
+        <p:spPr>
+          <a:xfrm rot="3144448">
+            <a:off x="3566958" y="2906476"/>
+            <a:ext cx="409887" cy="1768258"/>
+          </a:xfrm>
+          <a:prstGeom prst="ellipse">
+            <a:avLst/>
+          </a:prstGeom>
+          <a:noFill/>
+          <a:ln w="76200">
+            <a:solidFill>
+              <a:srgbClr val="FF0000"/>
+            </a:solidFill>
+          </a:ln>
+        </p:spPr>
+        <p:style>
+          <a:lnRef idx="2">
+            <a:schemeClr val="accent1">
+              <a:shade val="50000"/>
+            </a:schemeClr>
+          </a:lnRef>
+          <a:fillRef idx="1">
+            <a:schemeClr val="accent1"/>
+          </a:fillRef>
+          <a:effectRef idx="0">
+            <a:schemeClr val="accent1"/>
+          </a:effectRef>
+          <a:fontRef idx="minor">
+            <a:schemeClr val="lt1"/>
+          </a:fontRef>
+        </p:style>
+        <p:txBody>
+          <a:bodyPr rtlCol="0" anchor="ctr"/>
+          <a:lstStyle/>
+          <a:p>
+            <a:pPr algn="ctr"/>
+            <a:endParaRPr lang="en-GB"/>
+          </a:p>
+        </p:txBody>
+      </p:sp>
+      <p:sp>
+        <p:nvSpPr>
+          <p:cNvPr id="70" name="Oval 69">
+            <a:extLst>
+              <a:ext uri="{FF2B5EF4-FFF2-40B4-BE49-F238E27FC236}">
+                <a16:creationId xmlns:a16="http://schemas.microsoft.com/office/drawing/2014/main" id="{2187E487-E40F-4703-58DD-FD03F6BC8DA6}"/>
+              </a:ext>
+            </a:extLst>
+          </p:cNvPr>
+          <p:cNvSpPr/>
+          <p:nvPr/>
+        </p:nvSpPr>
+        <p:spPr>
+          <a:xfrm rot="3144448">
+            <a:off x="7443079" y="2898106"/>
+            <a:ext cx="409887" cy="1768258"/>
+          </a:xfrm>
+          <a:prstGeom prst="ellipse">
+            <a:avLst/>
+          </a:prstGeom>
+          <a:noFill/>
+          <a:ln w="76200">
+            <a:solidFill>
+              <a:srgbClr val="FF0000"/>
+            </a:solidFill>
+          </a:ln>
+        </p:spPr>
+        <p:style>
+          <a:lnRef idx="2">
+            <a:schemeClr val="accent1">
+              <a:shade val="50000"/>
+            </a:schemeClr>
+          </a:lnRef>
+          <a:fillRef idx="1">
+            <a:schemeClr val="accent1"/>
+          </a:fillRef>
+          <a:effectRef idx="0">
+            <a:schemeClr val="accent1"/>
+          </a:effectRef>
+          <a:fontRef idx="minor">
+            <a:schemeClr val="lt1"/>
+          </a:fontRef>
+        </p:style>
+        <p:txBody>
+          <a:bodyPr rtlCol="0" anchor="ctr"/>
+          <a:lstStyle/>
+          <a:p>
+            <a:pPr algn="ctr"/>
+            <a:endParaRPr lang="en-GB"/>
+          </a:p>
+        </p:txBody>
+      </p:sp>
+      <p:sp>
+        <p:nvSpPr>
+          <p:cNvPr id="71" name="Ellipse 54">
+            <a:extLst>
+              <a:ext uri="{FF2B5EF4-FFF2-40B4-BE49-F238E27FC236}">
+                <a16:creationId xmlns:a16="http://schemas.microsoft.com/office/drawing/2014/main" id="{44FD1F79-891F-4693-2BBE-A0E4EC939BEF}"/>
+              </a:ext>
+            </a:extLst>
+          </p:cNvPr>
+          <p:cNvSpPr/>
+          <p:nvPr/>
+        </p:nvSpPr>
+        <p:spPr>
+          <a:xfrm rot="10800000">
+            <a:off x="5449913" y="5154308"/>
+            <a:ext cx="161203" cy="161203"/>
+          </a:xfrm>
+          <a:prstGeom prst="ellipse">
+            <a:avLst/>
+          </a:prstGeom>
+        </p:spPr>
+        <p:style>
+          <a:lnRef idx="2">
+            <a:schemeClr val="accent1">
+              <a:shade val="50000"/>
+            </a:schemeClr>
+          </a:lnRef>
+          <a:fillRef idx="1">
+            <a:schemeClr val="accent1"/>
+          </a:fillRef>
+          <a:effectRef idx="0">
+            <a:schemeClr val="accent1"/>
+          </a:effectRef>
+          <a:fontRef idx="minor">
+            <a:schemeClr val="lt1"/>
+          </a:fontRef>
+        </p:style>
+        <p:txBody>
+          <a:bodyPr rtlCol="0" anchor="ctr"/>
+          <a:lstStyle/>
+          <a:p>
+            <a:pPr algn="ctr"/>
+            <a:endParaRPr lang="fr-FR"/>
+          </a:p>
+        </p:txBody>
+      </p:sp>
+      <p:sp>
+        <p:nvSpPr>
+          <p:cNvPr id="73" name="Oval 72">
+            <a:extLst>
+              <a:ext uri="{FF2B5EF4-FFF2-40B4-BE49-F238E27FC236}">
+                <a16:creationId xmlns:a16="http://schemas.microsoft.com/office/drawing/2014/main" id="{818B6C43-2094-1066-3BCE-774BB1306D74}"/>
+              </a:ext>
+            </a:extLst>
+          </p:cNvPr>
+          <p:cNvSpPr/>
+          <p:nvPr/>
+        </p:nvSpPr>
+        <p:spPr>
+          <a:xfrm>
+            <a:off x="5349240" y="5052890"/>
+            <a:ext cx="371287" cy="364930"/>
+          </a:xfrm>
+          <a:prstGeom prst="ellipse">
+            <a:avLst/>
+          </a:prstGeom>
+          <a:noFill/>
+          <a:ln w="76200">
+            <a:solidFill>
+              <a:schemeClr val="accent2"/>
+            </a:solidFill>
+          </a:ln>
+        </p:spPr>
+        <p:style>
+          <a:lnRef idx="2">
+            <a:schemeClr val="accent1">
+              <a:shade val="50000"/>
+            </a:schemeClr>
+          </a:lnRef>
+          <a:fillRef idx="1">
+            <a:schemeClr val="accent1"/>
+          </a:fillRef>
+          <a:effectRef idx="0">
+            <a:schemeClr val="accent1"/>
+          </a:effectRef>
+          <a:fontRef idx="minor">
+            <a:schemeClr val="lt1"/>
+          </a:fontRef>
+        </p:style>
+        <p:txBody>
+          <a:bodyPr rtlCol="0" anchor="ctr"/>
+          <a:lstStyle/>
+          <a:p>
+            <a:pPr algn="ctr"/>
+            <a:endParaRPr lang="en-GB"/>
+          </a:p>
+        </p:txBody>
+      </p:sp>
+      <p:sp>
+        <p:nvSpPr>
+          <p:cNvPr id="74" name="TextBox 73">
+            <a:extLst>
+              <a:ext uri="{FF2B5EF4-FFF2-40B4-BE49-F238E27FC236}">
+                <a16:creationId xmlns:a16="http://schemas.microsoft.com/office/drawing/2014/main" id="{27D7C221-9F8B-C62C-B2E4-C2024E0F23CA}"/>
+              </a:ext>
+            </a:extLst>
+          </p:cNvPr>
+          <p:cNvSpPr txBox="1"/>
+          <p:nvPr/>
+        </p:nvSpPr>
+        <p:spPr>
+          <a:xfrm>
+            <a:off x="5372932" y="5375957"/>
+            <a:ext cx="1585242" cy="523220"/>
+          </a:xfrm>
+          <a:prstGeom prst="rect">
+            <a:avLst/>
+          </a:prstGeom>
+          <a:noFill/>
+        </p:spPr>
+        <p:txBody>
+          <a:bodyPr wrap="none" rtlCol="0">
+            <a:spAutoFit/>
+          </a:bodyPr>
+          <a:lstStyle/>
+          <a:p>
+            <a:r>
+              <a:rPr lang="en-GB" sz="2800" b="1" dirty="0">
+                <a:solidFill>
+                  <a:schemeClr val="accent2"/>
+                </a:solidFill>
+              </a:rPr>
+              <a:t>Mutation</a:t>
+            </a:r>
+          </a:p>
+        </p:txBody>
+      </p:sp>
+    </p:spTree>
+    <p:extLst>
+      <p:ext uri="{BB962C8B-B14F-4D97-AF65-F5344CB8AC3E}">
+        <p14:creationId xmlns:p14="http://schemas.microsoft.com/office/powerpoint/2010/main" val="2108451813"/>
+      </p:ext>
+    </p:extLst>
+  </p:cSld>
+  <p:clrMapOvr>
+    <a:masterClrMapping/>
+  </p:clrMapOvr>
+  <p:timing>
+    <p:tnLst>
+      <p:par>
+        <p:cTn id="1" dur="indefinite" restart="never" nodeType="tmRoot">
+          <p:childTnLst>
+            <p:seq concurrent="1" nextAc="seek">
+              <p:cTn id="2" dur="indefinite" nodeType="mainSeq">
+                <p:childTnLst>
+                  <p:par>
+                    <p:cTn id="3" fill="hold">
+                      <p:stCondLst>
+                        <p:cond delay="indefinite"/>
+                      </p:stCondLst>
+                      <p:childTnLst>
+                        <p:par>
+                          <p:cTn id="4" fill="hold">
+                            <p:stCondLst>
+                              <p:cond delay="0"/>
+                            </p:stCondLst>
+                            <p:childTnLst>
+                              <p:par>
+                                <p:cTn id="5" presetID="10" presetClass="entr" presetSubtype="0" fill="hold" grpId="0" nodeType="clickEffect">
+                                  <p:stCondLst>
+                                    <p:cond delay="0"/>
+                                  </p:stCondLst>
+                                  <p:childTnLst>
+                                    <p:set>
+                                      <p:cBhvr>
+                                        <p:cTn id="6" dur="1" fill="hold">
+                                          <p:stCondLst>
+                                            <p:cond delay="0"/>
+                                          </p:stCondLst>
+                                        </p:cTn>
+                                        <p:tgtEl>
+                                          <p:spTgt spid="34"/>
+                                        </p:tgtEl>
+                                        <p:attrNameLst>
+                                          <p:attrName>style.visibility</p:attrName>
+                                        </p:attrNameLst>
+                                      </p:cBhvr>
+                                      <p:to>
+                                        <p:strVal val="visible"/>
+                                      </p:to>
+                                    </p:set>
+                                    <p:animEffect transition="in" filter="fade">
+                                      <p:cBhvr>
+                                        <p:cTn id="7" dur="500"/>
+                                        <p:tgtEl>
+                                          <p:spTgt spid="34"/>
+                                        </p:tgtEl>
+                                      </p:cBhvr>
+                                    </p:animEffect>
+                                  </p:childTnLst>
+                                </p:cTn>
+                              </p:par>
+                              <p:par>
+                                <p:cTn id="8" presetID="10" presetClass="entr" presetSubtype="0" fill="hold" grpId="0" nodeType="withEffect">
+                                  <p:stCondLst>
+                                    <p:cond delay="0"/>
+                                  </p:stCondLst>
+                                  <p:childTnLst>
+                                    <p:set>
+                                      <p:cBhvr>
+                                        <p:cTn id="9" dur="1" fill="hold">
+                                          <p:stCondLst>
+                                            <p:cond delay="0"/>
+                                          </p:stCondLst>
+                                        </p:cTn>
+                                        <p:tgtEl>
+                                          <p:spTgt spid="6"/>
+                                        </p:tgtEl>
+                                        <p:attrNameLst>
+                                          <p:attrName>style.visibility</p:attrName>
+                                        </p:attrNameLst>
+                                      </p:cBhvr>
+                                      <p:to>
+                                        <p:strVal val="visible"/>
+                                      </p:to>
+                                    </p:set>
+                                    <p:animEffect transition="in" filter="fade">
+                                      <p:cBhvr>
+                                        <p:cTn id="10" dur="500"/>
+                                        <p:tgtEl>
+                                          <p:spTgt spid="6"/>
+                                        </p:tgtEl>
+                                      </p:cBhvr>
+                                    </p:animEffect>
+                                  </p:childTnLst>
+                                </p:cTn>
+                              </p:par>
+                              <p:par>
+                                <p:cTn id="11" presetID="10" presetClass="entr" presetSubtype="0" fill="hold" grpId="0" nodeType="withEffect">
+                                  <p:stCondLst>
+                                    <p:cond delay="0"/>
+                                  </p:stCondLst>
+                                  <p:childTnLst>
+                                    <p:set>
+                                      <p:cBhvr>
+                                        <p:cTn id="12" dur="1" fill="hold">
+                                          <p:stCondLst>
+                                            <p:cond delay="0"/>
+                                          </p:stCondLst>
+                                        </p:cTn>
+                                        <p:tgtEl>
+                                          <p:spTgt spid="59"/>
+                                        </p:tgtEl>
+                                        <p:attrNameLst>
+                                          <p:attrName>style.visibility</p:attrName>
+                                        </p:attrNameLst>
+                                      </p:cBhvr>
+                                      <p:to>
+                                        <p:strVal val="visible"/>
+                                      </p:to>
+                                    </p:set>
+                                    <p:animEffect transition="in" filter="fade">
+                                      <p:cBhvr>
+                                        <p:cTn id="13" dur="500"/>
+                                        <p:tgtEl>
+                                          <p:spTgt spid="59"/>
+                                        </p:tgtEl>
+                                      </p:cBhvr>
+                                    </p:animEffect>
+                                  </p:childTnLst>
+                                </p:cTn>
+                              </p:par>
+                            </p:childTnLst>
+                          </p:cTn>
+                        </p:par>
+                        <p:par>
+                          <p:cTn id="14" fill="hold">
+                            <p:stCondLst>
+                              <p:cond delay="500"/>
+                            </p:stCondLst>
+                            <p:childTnLst>
+                              <p:par>
+                                <p:cTn id="15" presetID="10" presetClass="entr" presetSubtype="0" fill="hold" grpId="0" nodeType="afterEffect">
+                                  <p:stCondLst>
+                                    <p:cond delay="0"/>
+                                  </p:stCondLst>
+                                  <p:childTnLst>
+                                    <p:set>
+                                      <p:cBhvr>
+                                        <p:cTn id="16" dur="1" fill="hold">
+                                          <p:stCondLst>
+                                            <p:cond delay="0"/>
+                                          </p:stCondLst>
+                                        </p:cTn>
+                                        <p:tgtEl>
+                                          <p:spTgt spid="60"/>
+                                        </p:tgtEl>
+                                        <p:attrNameLst>
+                                          <p:attrName>style.visibility</p:attrName>
+                                        </p:attrNameLst>
+                                      </p:cBhvr>
+                                      <p:to>
+                                        <p:strVal val="visible"/>
+                                      </p:to>
+                                    </p:set>
+                                    <p:animEffect transition="in" filter="fade">
+                                      <p:cBhvr>
+                                        <p:cTn id="17" dur="500"/>
+                                        <p:tgtEl>
+                                          <p:spTgt spid="60"/>
+                                        </p:tgtEl>
+                                      </p:cBhvr>
+                                    </p:animEffect>
+                                  </p:childTnLst>
+                                </p:cTn>
+                              </p:par>
+                            </p:childTnLst>
+                          </p:cTn>
+                        </p:par>
+                      </p:childTnLst>
+                    </p:cTn>
+                  </p:par>
+                  <p:par>
+                    <p:cTn id="18" fill="hold">
+                      <p:stCondLst>
+                        <p:cond delay="indefinite"/>
+                      </p:stCondLst>
+                      <p:childTnLst>
+                        <p:par>
+                          <p:cTn id="19" fill="hold">
+                            <p:stCondLst>
+                              <p:cond delay="0"/>
+                            </p:stCondLst>
+                            <p:childTnLst>
+                              <p:par>
+                                <p:cTn id="20" presetID="10" presetClass="entr" presetSubtype="0" fill="hold" grpId="0" nodeType="clickEffect">
+                                  <p:stCondLst>
+                                    <p:cond delay="0"/>
+                                  </p:stCondLst>
+                                  <p:childTnLst>
+                                    <p:set>
+                                      <p:cBhvr>
+                                        <p:cTn id="21" dur="1" fill="hold">
+                                          <p:stCondLst>
+                                            <p:cond delay="0"/>
+                                          </p:stCondLst>
+                                        </p:cTn>
+                                        <p:tgtEl>
+                                          <p:spTgt spid="68"/>
+                                        </p:tgtEl>
+                                        <p:attrNameLst>
+                                          <p:attrName>style.visibility</p:attrName>
+                                        </p:attrNameLst>
+                                      </p:cBhvr>
+                                      <p:to>
+                                        <p:strVal val="visible"/>
+                                      </p:to>
+                                    </p:set>
+                                    <p:animEffect transition="in" filter="fade">
+                                      <p:cBhvr>
+                                        <p:cTn id="22" dur="500"/>
+                                        <p:tgtEl>
+                                          <p:spTgt spid="68"/>
+                                        </p:tgtEl>
+                                      </p:cBhvr>
+                                    </p:animEffect>
+                                  </p:childTnLst>
+                                </p:cTn>
+                              </p:par>
+                              <p:par>
+                                <p:cTn id="23" presetID="10" presetClass="entr" presetSubtype="0" fill="hold" grpId="0" nodeType="withEffect">
+                                  <p:stCondLst>
+                                    <p:cond delay="0"/>
+                                  </p:stCondLst>
+                                  <p:childTnLst>
+                                    <p:set>
+                                      <p:cBhvr>
+                                        <p:cTn id="24" dur="1" fill="hold">
+                                          <p:stCondLst>
+                                            <p:cond delay="0"/>
+                                          </p:stCondLst>
+                                        </p:cTn>
+                                        <p:tgtEl>
+                                          <p:spTgt spid="70"/>
+                                        </p:tgtEl>
+                                        <p:attrNameLst>
+                                          <p:attrName>style.visibility</p:attrName>
+                                        </p:attrNameLst>
+                                      </p:cBhvr>
+                                      <p:to>
+                                        <p:strVal val="visible"/>
+                                      </p:to>
+                                    </p:set>
+                                    <p:animEffect transition="in" filter="fade">
+                                      <p:cBhvr>
+                                        <p:cTn id="25" dur="500"/>
+                                        <p:tgtEl>
+                                          <p:spTgt spid="70"/>
+                                        </p:tgtEl>
+                                      </p:cBhvr>
+                                    </p:animEffect>
+                                  </p:childTnLst>
+                                </p:cTn>
+                              </p:par>
+                            </p:childTnLst>
+                          </p:cTn>
+                        </p:par>
+                        <p:par>
+                          <p:cTn id="26" fill="hold">
+                            <p:stCondLst>
+                              <p:cond delay="500"/>
+                            </p:stCondLst>
+                            <p:childTnLst>
+                              <p:par>
+                                <p:cTn id="27" presetID="10" presetClass="entr" presetSubtype="0" fill="hold" grpId="0" nodeType="afterEffect">
+                                  <p:stCondLst>
+                                    <p:cond delay="0"/>
+                                  </p:stCondLst>
+                                  <p:childTnLst>
+                                    <p:set>
+                                      <p:cBhvr>
+                                        <p:cTn id="28" dur="1" fill="hold">
+                                          <p:stCondLst>
+                                            <p:cond delay="0"/>
+                                          </p:stCondLst>
+                                        </p:cTn>
+                                        <p:tgtEl>
+                                          <p:spTgt spid="67"/>
+                                        </p:tgtEl>
+                                        <p:attrNameLst>
+                                          <p:attrName>style.visibility</p:attrName>
+                                        </p:attrNameLst>
+                                      </p:cBhvr>
+                                      <p:to>
+                                        <p:strVal val="visible"/>
+                                      </p:to>
+                                    </p:set>
+                                    <p:animEffect transition="in" filter="fade">
+                                      <p:cBhvr>
+                                        <p:cTn id="29" dur="500"/>
+                                        <p:tgtEl>
+                                          <p:spTgt spid="67"/>
+                                        </p:tgtEl>
+                                      </p:cBhvr>
+                                    </p:animEffect>
+                                  </p:childTnLst>
+                                </p:cTn>
+                              </p:par>
+                            </p:childTnLst>
+                          </p:cTn>
+                        </p:par>
+                      </p:childTnLst>
+                    </p:cTn>
+                  </p:par>
+                  <p:par>
+                    <p:cTn id="30" fill="hold">
+                      <p:stCondLst>
+                        <p:cond delay="indefinite"/>
+                      </p:stCondLst>
+                      <p:childTnLst>
+                        <p:par>
+                          <p:cTn id="31" fill="hold">
+                            <p:stCondLst>
+                              <p:cond delay="0"/>
+                            </p:stCondLst>
+                            <p:childTnLst>
+                              <p:par>
+                                <p:cTn id="32" presetID="10" presetClass="entr" presetSubtype="0" fill="hold" grpId="0" nodeType="clickEffect">
+                                  <p:stCondLst>
+                                    <p:cond delay="0"/>
+                                  </p:stCondLst>
+                                  <p:childTnLst>
+                                    <p:set>
+                                      <p:cBhvr>
+                                        <p:cTn id="33" dur="1" fill="hold">
+                                          <p:stCondLst>
+                                            <p:cond delay="0"/>
+                                          </p:stCondLst>
+                                        </p:cTn>
+                                        <p:tgtEl>
+                                          <p:spTgt spid="71"/>
+                                        </p:tgtEl>
+                                        <p:attrNameLst>
+                                          <p:attrName>style.visibility</p:attrName>
+                                        </p:attrNameLst>
+                                      </p:cBhvr>
+                                      <p:to>
+                                        <p:strVal val="visible"/>
+                                      </p:to>
+                                    </p:set>
+                                    <p:animEffect transition="in" filter="fade">
+                                      <p:cBhvr>
+                                        <p:cTn id="34" dur="500"/>
+                                        <p:tgtEl>
+                                          <p:spTgt spid="71"/>
+                                        </p:tgtEl>
+                                      </p:cBhvr>
+                                    </p:animEffect>
+                                  </p:childTnLst>
+                                </p:cTn>
+                              </p:par>
+                            </p:childTnLst>
+                          </p:cTn>
+                        </p:par>
+                      </p:childTnLst>
+                    </p:cTn>
+                  </p:par>
+                  <p:par>
+                    <p:cTn id="35" fill="hold">
+                      <p:stCondLst>
+                        <p:cond delay="indefinite"/>
+                      </p:stCondLst>
+                      <p:childTnLst>
+                        <p:par>
+                          <p:cTn id="36" fill="hold">
+                            <p:stCondLst>
+                              <p:cond delay="0"/>
+                            </p:stCondLst>
+                            <p:childTnLst>
+                              <p:par>
+                                <p:cTn id="37" presetID="10" presetClass="entr" presetSubtype="0" fill="hold" grpId="0" nodeType="clickEffect">
+                                  <p:stCondLst>
+                                    <p:cond delay="0"/>
+                                  </p:stCondLst>
+                                  <p:childTnLst>
+                                    <p:set>
+                                      <p:cBhvr>
+                                        <p:cTn id="38" dur="1" fill="hold">
+                                          <p:stCondLst>
+                                            <p:cond delay="0"/>
+                                          </p:stCondLst>
+                                        </p:cTn>
+                                        <p:tgtEl>
+                                          <p:spTgt spid="73"/>
+                                        </p:tgtEl>
+                                        <p:attrNameLst>
+                                          <p:attrName>style.visibility</p:attrName>
+                                        </p:attrNameLst>
+                                      </p:cBhvr>
+                                      <p:to>
+                                        <p:strVal val="visible"/>
+                                      </p:to>
+                                    </p:set>
+                                    <p:animEffect transition="in" filter="fade">
+                                      <p:cBhvr>
+                                        <p:cTn id="39" dur="500"/>
+                                        <p:tgtEl>
+                                          <p:spTgt spid="73"/>
+                                        </p:tgtEl>
+                                      </p:cBhvr>
+                                    </p:animEffect>
+                                  </p:childTnLst>
+                                </p:cTn>
+                              </p:par>
+                            </p:childTnLst>
+                          </p:cTn>
+                        </p:par>
+                        <p:par>
+                          <p:cTn id="40" fill="hold">
+                            <p:stCondLst>
+                              <p:cond delay="500"/>
+                            </p:stCondLst>
+                            <p:childTnLst>
+                              <p:par>
+                                <p:cTn id="41" presetID="10" presetClass="entr" presetSubtype="0" fill="hold" grpId="0" nodeType="afterEffect">
+                                  <p:stCondLst>
+                                    <p:cond delay="0"/>
+                                  </p:stCondLst>
+                                  <p:childTnLst>
+                                    <p:set>
+                                      <p:cBhvr>
+                                        <p:cTn id="42" dur="1" fill="hold">
+                                          <p:stCondLst>
+                                            <p:cond delay="0"/>
+                                          </p:stCondLst>
+                                        </p:cTn>
+                                        <p:tgtEl>
+                                          <p:spTgt spid="74"/>
+                                        </p:tgtEl>
+                                        <p:attrNameLst>
+                                          <p:attrName>style.visibility</p:attrName>
+                                        </p:attrNameLst>
+                                      </p:cBhvr>
+                                      <p:to>
+                                        <p:strVal val="visible"/>
+                                      </p:to>
+                                    </p:set>
+                                    <p:animEffect transition="in" filter="fade">
+                                      <p:cBhvr>
+                                        <p:cTn id="43" dur="500"/>
+                                        <p:tgtEl>
+                                          <p:spTgt spid="74"/>
+                                        </p:tgtEl>
+                                      </p:cBhvr>
+                                    </p:animEffect>
+                                  </p:childTnLst>
+                                </p:cTn>
+                              </p:par>
+                            </p:childTnLst>
+                          </p:cTn>
+                        </p:par>
+                      </p:childTnLst>
+                    </p:cTn>
+                  </p:par>
+                </p:childTnLst>
+              </p:cTn>
+              <p:prevCondLst>
+                <p:cond evt="onPrev" delay="0">
+                  <p:tgtEl>
+                    <p:sldTgt/>
+                  </p:tgtEl>
+                </p:cond>
+              </p:prevCondLst>
+              <p:nextCondLst>
+                <p:cond evt="onNext" delay="0">
+                  <p:tgtEl>
+                    <p:sldTgt/>
+                  </p:tgtEl>
+                </p:cond>
+              </p:nextCondLst>
+            </p:seq>
+          </p:childTnLst>
+        </p:cTn>
+      </p:par>
+    </p:tnLst>
+    <p:bldLst>
+      <p:bldP spid="6" grpId="0" animBg="1"/>
+      <p:bldP spid="34" grpId="0" animBg="1"/>
+      <p:bldP spid="59" grpId="0" animBg="1"/>
+      <p:bldP spid="60" grpId="0"/>
+      <p:bldP spid="67" grpId="0"/>
+      <p:bldP spid="68" grpId="0" animBg="1"/>
+      <p:bldP spid="70" grpId="0" animBg="1"/>
+      <p:bldP spid="71" grpId="0" animBg="1"/>
+      <p:bldP spid="73" grpId="0" animBg="1"/>
+      <p:bldP spid="74" grpId="0"/>
+    </p:bldLst>
   </p:timing>
 </p:sld>
 </file>

--- a/SolvingNimsGame.pptx
+++ b/SolvingNimsGame.pptx
@@ -5,7 +5,7 @@
     <p:sldMasterId id="2147483648" r:id="rId1"/>
   </p:sldMasterIdLst>
   <p:notesMasterIdLst>
-    <p:notesMasterId r:id="rId15"/>
+    <p:notesMasterId r:id="rId16"/>
   </p:notesMasterIdLst>
   <p:sldIdLst>
     <p:sldId id="258" r:id="rId2"/>
@@ -21,6 +21,7 @@
     <p:sldId id="267" r:id="rId12"/>
     <p:sldId id="268" r:id="rId13"/>
     <p:sldId id="367" r:id="rId14"/>
+    <p:sldId id="369" r:id="rId15"/>
   </p:sldIdLst>
   <p:sldSz cx="12192000" cy="6858000"/>
   <p:notesSz cx="6858000" cy="9144000"/>
@@ -633,6 +634,90 @@
     <p:extLst>
       <p:ext uri="{BB962C8B-B14F-4D97-AF65-F5344CB8AC3E}">
         <p14:creationId xmlns:p14="http://schemas.microsoft.com/office/powerpoint/2010/main" val="2943883259"/>
+      </p:ext>
+    </p:extLst>
+  </p:cSld>
+  <p:clrMapOvr>
+    <a:masterClrMapping/>
+  </p:clrMapOvr>
+</p:notes>
+</file>
+
+<file path=ppt/notesSlides/notesSlide11.xml><?xml version="1.0" encoding="utf-8"?>
+<p:notes xmlns:a="http://schemas.openxmlformats.org/drawingml/2006/main" xmlns:r="http://schemas.openxmlformats.org/officeDocument/2006/relationships" xmlns:p="http://schemas.openxmlformats.org/presentationml/2006/main">
+  <p:cSld>
+    <p:spTree>
+      <p:nvGrpSpPr>
+        <p:cNvPr id="1" name=""/>
+        <p:cNvGrpSpPr/>
+        <p:nvPr/>
+      </p:nvGrpSpPr>
+      <p:grpSpPr>
+        <a:xfrm>
+          <a:off x="0" y="0"/>
+          <a:ext cx="0" cy="0"/>
+          <a:chOff x="0" y="0"/>
+          <a:chExt cx="0" cy="0"/>
+        </a:xfrm>
+      </p:grpSpPr>
+      <p:sp>
+        <p:nvSpPr>
+          <p:cNvPr id="2" name="Slide Image Placeholder 1"/>
+          <p:cNvSpPr>
+            <a:spLocks noGrp="1" noRot="1" noChangeAspect="1"/>
+          </p:cNvSpPr>
+          <p:nvPr>
+            <p:ph type="sldImg"/>
+          </p:nvPr>
+        </p:nvSpPr>
+        <p:spPr/>
+      </p:sp>
+      <p:sp>
+        <p:nvSpPr>
+          <p:cNvPr id="3" name="Notes Placeholder 2"/>
+          <p:cNvSpPr>
+            <a:spLocks noGrp="1"/>
+          </p:cNvSpPr>
+          <p:nvPr>
+            <p:ph type="body" idx="1"/>
+          </p:nvPr>
+        </p:nvSpPr>
+        <p:spPr/>
+        <p:txBody>
+          <a:bodyPr/>
+          <a:lstStyle/>
+          <a:p>
+            <a:endParaRPr lang="en-GB" dirty="0"/>
+          </a:p>
+        </p:txBody>
+      </p:sp>
+      <p:sp>
+        <p:nvSpPr>
+          <p:cNvPr id="4" name="Slide Number Placeholder 3"/>
+          <p:cNvSpPr>
+            <a:spLocks noGrp="1"/>
+          </p:cNvSpPr>
+          <p:nvPr>
+            <p:ph type="sldNum" sz="quarter" idx="5"/>
+          </p:nvPr>
+        </p:nvSpPr>
+        <p:spPr/>
+        <p:txBody>
+          <a:bodyPr/>
+          <a:lstStyle/>
+          <a:p>
+            <a:fld id="{B3388FBB-98E4-4C62-99AB-E6602312ADC3}" type="slidenum">
+              <a:rPr lang="en-GB" smtClean="0"/>
+              <a:t>14</a:t>
+            </a:fld>
+            <a:endParaRPr lang="en-GB"/>
+          </a:p>
+        </p:txBody>
+      </p:sp>
+    </p:spTree>
+    <p:extLst>
+      <p:ext uri="{BB962C8B-B14F-4D97-AF65-F5344CB8AC3E}">
+        <p14:creationId xmlns:p14="http://schemas.microsoft.com/office/powerpoint/2010/main" val="4282744881"/>
       </p:ext>
     </p:extLst>
   </p:cSld>
@@ -31488,6 +31573,272 @@
 </p:sld>
 </file>
 
+<file path=ppt/slides/slide14.xml><?xml version="1.0" encoding="utf-8"?>
+<p:sld xmlns:a="http://schemas.openxmlformats.org/drawingml/2006/main" xmlns:r="http://schemas.openxmlformats.org/officeDocument/2006/relationships" xmlns:p="http://schemas.openxmlformats.org/presentationml/2006/main">
+  <p:cSld>
+    <p:spTree>
+      <p:nvGrpSpPr>
+        <p:cNvPr id="1" name=""/>
+        <p:cNvGrpSpPr/>
+        <p:nvPr/>
+      </p:nvGrpSpPr>
+      <p:grpSpPr>
+        <a:xfrm>
+          <a:off x="0" y="0"/>
+          <a:ext cx="0" cy="0"/>
+          <a:chOff x="0" y="0"/>
+          <a:chExt cx="0" cy="0"/>
+        </a:xfrm>
+      </p:grpSpPr>
+      <p:sp>
+        <p:nvSpPr>
+          <p:cNvPr id="2" name="Title 1">
+            <a:extLst>
+              <a:ext uri="{FF2B5EF4-FFF2-40B4-BE49-F238E27FC236}">
+                <a16:creationId xmlns:a16="http://schemas.microsoft.com/office/drawing/2014/main" id="{9A0873A3-4FFC-75FA-218F-2932643A7506}"/>
+              </a:ext>
+            </a:extLst>
+          </p:cNvPr>
+          <p:cNvSpPr>
+            <a:spLocks noGrp="1"/>
+          </p:cNvSpPr>
+          <p:nvPr>
+            <p:ph type="title"/>
+          </p:nvPr>
+        </p:nvSpPr>
+        <p:spPr/>
+        <p:txBody>
+          <a:bodyPr/>
+          <a:lstStyle/>
+          <a:p>
+            <a:r>
+              <a:rPr lang="en-GB" dirty="0"/>
+              <a:t>Notebooks links</a:t>
+            </a:r>
+          </a:p>
+        </p:txBody>
+      </p:sp>
+      <p:sp>
+        <p:nvSpPr>
+          <p:cNvPr id="3" name="Text Placeholder 2">
+            <a:extLst>
+              <a:ext uri="{FF2B5EF4-FFF2-40B4-BE49-F238E27FC236}">
+                <a16:creationId xmlns:a16="http://schemas.microsoft.com/office/drawing/2014/main" id="{05A8DF55-5561-17D6-979F-EA5E621808E8}"/>
+              </a:ext>
+            </a:extLst>
+          </p:cNvPr>
+          <p:cNvSpPr>
+            <a:spLocks noGrp="1"/>
+          </p:cNvSpPr>
+          <p:nvPr>
+            <p:ph type="body" idx="1"/>
+          </p:nvPr>
+        </p:nvSpPr>
+        <p:spPr>
+          <a:xfrm>
+            <a:off x="860908" y="1724631"/>
+            <a:ext cx="5157787" cy="444780"/>
+          </a:xfrm>
+        </p:spPr>
+        <p:txBody>
+          <a:bodyPr/>
+          <a:lstStyle/>
+          <a:p>
+            <a:pPr algn="ctr"/>
+            <a:r>
+              <a:rPr lang="en-GB" dirty="0"/>
+              <a:t>Template</a:t>
+            </a:r>
+          </a:p>
+        </p:txBody>
+      </p:sp>
+      <p:pic>
+        <p:nvPicPr>
+          <p:cNvPr id="12" name="Content Placeholder 11">
+            <a:extLst>
+              <a:ext uri="{FF2B5EF4-FFF2-40B4-BE49-F238E27FC236}">
+                <a16:creationId xmlns:a16="http://schemas.microsoft.com/office/drawing/2014/main" id="{3FD609E3-5B82-032E-09DF-D9BBF00B9C7D}"/>
+              </a:ext>
+            </a:extLst>
+          </p:cNvPr>
+          <p:cNvPicPr>
+            <a:picLocks noGrp="1" noChangeAspect="1"/>
+          </p:cNvPicPr>
+          <p:nvPr>
+            <p:ph sz="half" idx="2"/>
+          </p:nvPr>
+        </p:nvPicPr>
+        <p:blipFill>
+          <a:blip r:embed="rId3"/>
+          <a:stretch>
+            <a:fillRect/>
+          </a:stretch>
+        </p:blipFill>
+        <p:spPr>
+          <a:xfrm>
+            <a:off x="1661073" y="2244571"/>
+            <a:ext cx="3534268" cy="3534268"/>
+          </a:xfrm>
+        </p:spPr>
+      </p:pic>
+      <p:sp>
+        <p:nvSpPr>
+          <p:cNvPr id="5" name="Text Placeholder 4">
+            <a:extLst>
+              <a:ext uri="{FF2B5EF4-FFF2-40B4-BE49-F238E27FC236}">
+                <a16:creationId xmlns:a16="http://schemas.microsoft.com/office/drawing/2014/main" id="{1F00D581-CEEE-668C-A33E-FFC54914B9E4}"/>
+              </a:ext>
+            </a:extLst>
+          </p:cNvPr>
+          <p:cNvSpPr>
+            <a:spLocks noGrp="1"/>
+          </p:cNvSpPr>
+          <p:nvPr>
+            <p:ph type="body" sz="quarter" idx="3"/>
+          </p:nvPr>
+        </p:nvSpPr>
+        <p:spPr>
+          <a:xfrm>
+            <a:off x="6172200" y="1724631"/>
+            <a:ext cx="5183188" cy="444780"/>
+          </a:xfrm>
+        </p:spPr>
+        <p:txBody>
+          <a:bodyPr/>
+          <a:lstStyle/>
+          <a:p>
+            <a:pPr algn="ctr"/>
+            <a:r>
+              <a:rPr lang="en-GB" dirty="0"/>
+              <a:t>Solutions</a:t>
+            </a:r>
+          </a:p>
+        </p:txBody>
+      </p:sp>
+      <p:pic>
+        <p:nvPicPr>
+          <p:cNvPr id="8" name="Content Placeholder 7">
+            <a:extLst>
+              <a:ext uri="{FF2B5EF4-FFF2-40B4-BE49-F238E27FC236}">
+                <a16:creationId xmlns:a16="http://schemas.microsoft.com/office/drawing/2014/main" id="{08604884-2810-BC24-E668-44925230ACBA}"/>
+              </a:ext>
+            </a:extLst>
+          </p:cNvPr>
+          <p:cNvPicPr>
+            <a:picLocks noGrp="1" noChangeAspect="1"/>
+          </p:cNvPicPr>
+          <p:nvPr>
+            <p:ph sz="quarter" idx="4"/>
+          </p:nvPr>
+        </p:nvPicPr>
+        <p:blipFill>
+          <a:blip r:embed="rId4"/>
+          <a:stretch>
+            <a:fillRect/>
+          </a:stretch>
+        </p:blipFill>
+        <p:spPr>
+          <a:xfrm>
+            <a:off x="6996660" y="2244571"/>
+            <a:ext cx="3534268" cy="3534268"/>
+          </a:xfrm>
+        </p:spPr>
+      </p:pic>
+      <p:sp>
+        <p:nvSpPr>
+          <p:cNvPr id="9" name="TextBox 8">
+            <a:extLst>
+              <a:ext uri="{FF2B5EF4-FFF2-40B4-BE49-F238E27FC236}">
+                <a16:creationId xmlns:a16="http://schemas.microsoft.com/office/drawing/2014/main" id="{68880201-E8E0-7766-EAE9-EF900201F0BB}"/>
+              </a:ext>
+            </a:extLst>
+          </p:cNvPr>
+          <p:cNvSpPr txBox="1"/>
+          <p:nvPr/>
+        </p:nvSpPr>
+        <p:spPr>
+          <a:xfrm>
+            <a:off x="6355125" y="5853999"/>
+            <a:ext cx="5157787" cy="646331"/>
+          </a:xfrm>
+          <a:prstGeom prst="rect">
+            <a:avLst/>
+          </a:prstGeom>
+          <a:noFill/>
+        </p:spPr>
+        <p:txBody>
+          <a:bodyPr wrap="square" rtlCol="0">
+            <a:spAutoFit/>
+          </a:bodyPr>
+          <a:lstStyle/>
+          <a:p>
+            <a:r>
+              <a:rPr lang="en-GB" dirty="0">
+                <a:hlinkClick r:id="rId5"/>
+              </a:rPr>
+              <a:t>https://colab.research.google.com/drive/1uiQqP6OyZIT_TE0gCBiqF1VVtGEgSNsa?usp=sharing</a:t>
+            </a:r>
+            <a:r>
+              <a:rPr lang="en-GB" dirty="0"/>
+              <a:t> </a:t>
+            </a:r>
+          </a:p>
+        </p:txBody>
+      </p:sp>
+      <p:sp>
+        <p:nvSpPr>
+          <p:cNvPr id="10" name="TextBox 9">
+            <a:extLst>
+              <a:ext uri="{FF2B5EF4-FFF2-40B4-BE49-F238E27FC236}">
+                <a16:creationId xmlns:a16="http://schemas.microsoft.com/office/drawing/2014/main" id="{12C0347D-721F-C35D-D95E-7C4C6018E6D1}"/>
+              </a:ext>
+            </a:extLst>
+          </p:cNvPr>
+          <p:cNvSpPr txBox="1"/>
+          <p:nvPr/>
+        </p:nvSpPr>
+        <p:spPr>
+          <a:xfrm>
+            <a:off x="655899" y="5862780"/>
+            <a:ext cx="5180977" cy="646331"/>
+          </a:xfrm>
+          <a:prstGeom prst="rect">
+            <a:avLst/>
+          </a:prstGeom>
+          <a:noFill/>
+        </p:spPr>
+        <p:txBody>
+          <a:bodyPr wrap="square" rtlCol="0">
+            <a:spAutoFit/>
+          </a:bodyPr>
+          <a:lstStyle/>
+          <a:p>
+            <a:r>
+              <a:rPr lang="en-GB" dirty="0">
+                <a:hlinkClick r:id="rId6"/>
+              </a:rPr>
+              <a:t>https://colab.research.google.com/drive/1YPiXTex0Xw9ZwD0xIvNAid35u5jPY5mw?usp=sharing</a:t>
+            </a:r>
+            <a:r>
+              <a:rPr lang="en-GB" dirty="0"/>
+              <a:t> </a:t>
+            </a:r>
+          </a:p>
+        </p:txBody>
+      </p:sp>
+    </p:spTree>
+    <p:extLst>
+      <p:ext uri="{BB962C8B-B14F-4D97-AF65-F5344CB8AC3E}">
+        <p14:creationId xmlns:p14="http://schemas.microsoft.com/office/powerpoint/2010/main" val="3140267304"/>
+      </p:ext>
+    </p:extLst>
+  </p:cSld>
+  <p:clrMapOvr>
+    <a:masterClrMapping/>
+  </p:clrMapOvr>
+</p:sld>
+</file>
+
 <file path=ppt/slides/slide2.xml><?xml version="1.0" encoding="utf-8"?>
 <p:sld xmlns:a="http://schemas.openxmlformats.org/drawingml/2006/main" xmlns:r="http://schemas.openxmlformats.org/officeDocument/2006/relationships" xmlns:p="http://schemas.openxmlformats.org/presentationml/2006/main">
   <p:cSld>
